--- a/JavaLecture/LectureFile/java 10강 패키지와 접근제어자 강의자료.pptx
+++ b/JavaLecture/LectureFile/java 10강 패키지와 접근제어자 강의자료.pptx
@@ -5,7 +5,7 @@
     <p:sldMasterId id="2147483648" r:id="rId1"/>
   </p:sldMasterIdLst>
   <p:notesMasterIdLst>
-    <p:notesMasterId r:id="rId55"/>
+    <p:notesMasterId r:id="rId56"/>
   </p:notesMasterIdLst>
   <p:sldIdLst>
     <p:sldId id="257" r:id="rId2"/>
@@ -60,7 +60,8 @@
     <p:sldId id="703" r:id="rId51"/>
     <p:sldId id="704" r:id="rId52"/>
     <p:sldId id="705" r:id="rId53"/>
-    <p:sldId id="275" r:id="rId54"/>
+    <p:sldId id="706" r:id="rId54"/>
+    <p:sldId id="275" r:id="rId55"/>
   </p:sldIdLst>
   <p:sldSz cx="18288000" cy="10287000"/>
   <p:notesSz cx="7104063" cy="10234613"/>
@@ -260,7 +261,7 @@
           <a:p>
             <a:fld id="{D79F2C30-10E1-4C46-91DC-BBDB9629E720}" type="datetimeFigureOut">
               <a:rPr lang="ko-KR" altLang="en-US" smtClean="0"/>
-              <a:t>2023-03-02</a:t>
+              <a:t>2023-03-03 Friday</a:t>
             </a:fld>
             <a:endParaRPr lang="ko-KR" altLang="en-US"/>
           </a:p>
@@ -706,7 +707,7 @@
           <a:p>
             <a:fld id="{F8166F1F-CE9B-4651-A6AA-CD717754106B}" type="datetimeFigureOut">
               <a:rPr lang="en-US" smtClean="0"/>
-              <a:t>3/2/2023</a:t>
+              <a:t>3/3/2023</a:t>
             </a:fld>
             <a:endParaRPr lang="en-US"/>
           </a:p>
@@ -869,7 +870,7 @@
           <a:p>
             <a:fld id="{A76116CE-C4A3-4A05-B2D7-7C2E9A889C0F}" type="datetimeFigureOut">
               <a:rPr lang="en-US" smtClean="0"/>
-              <a:t>3/2/2023</a:t>
+              <a:t>3/3/2023</a:t>
             </a:fld>
             <a:endParaRPr lang="en-US"/>
           </a:p>
@@ -1042,7 +1043,7 @@
           <a:p>
             <a:fld id="{A76116CE-C4A3-4A05-B2D7-7C2E9A889C0F}" type="datetimeFigureOut">
               <a:rPr lang="en-US" smtClean="0"/>
-              <a:t>3/2/2023</a:t>
+              <a:t>3/3/2023</a:t>
             </a:fld>
             <a:endParaRPr lang="en-US"/>
           </a:p>
@@ -1207,7 +1208,7 @@
           <a:p>
             <a:fld id="{A76116CE-C4A3-4A05-B2D7-7C2E9A889C0F}" type="datetimeFigureOut">
               <a:rPr lang="en-US" smtClean="0"/>
-              <a:t>3/2/2023</a:t>
+              <a:t>3/3/2023</a:t>
             </a:fld>
             <a:endParaRPr lang="en-US"/>
           </a:p>
@@ -1447,7 +1448,7 @@
           <a:p>
             <a:fld id="{A76116CE-C4A3-4A05-B2D7-7C2E9A889C0F}" type="datetimeFigureOut">
               <a:rPr lang="en-US" smtClean="0"/>
-              <a:t>3/2/2023</a:t>
+              <a:t>3/3/2023</a:t>
             </a:fld>
             <a:endParaRPr lang="en-US"/>
           </a:p>
@@ -1727,7 +1728,7 @@
           <a:p>
             <a:fld id="{A76116CE-C4A3-4A05-B2D7-7C2E9A889C0F}" type="datetimeFigureOut">
               <a:rPr lang="en-US" smtClean="0"/>
-              <a:t>3/2/2023</a:t>
+              <a:t>3/3/2023</a:t>
             </a:fld>
             <a:endParaRPr lang="en-US"/>
           </a:p>
@@ -2141,7 +2142,7 @@
           <a:p>
             <a:fld id="{A76116CE-C4A3-4A05-B2D7-7C2E9A889C0F}" type="datetimeFigureOut">
               <a:rPr lang="en-US" smtClean="0"/>
-              <a:t>3/2/2023</a:t>
+              <a:t>3/3/2023</a:t>
             </a:fld>
             <a:endParaRPr lang="en-US"/>
           </a:p>
@@ -2253,7 +2254,7 @@
           <a:p>
             <a:fld id="{A76116CE-C4A3-4A05-B2D7-7C2E9A889C0F}" type="datetimeFigureOut">
               <a:rPr lang="en-US" smtClean="0"/>
-              <a:t>3/2/2023</a:t>
+              <a:t>3/3/2023</a:t>
             </a:fld>
             <a:endParaRPr lang="en-US"/>
           </a:p>
@@ -2343,7 +2344,7 @@
           <a:p>
             <a:fld id="{A76116CE-C4A3-4A05-B2D7-7C2E9A889C0F}" type="datetimeFigureOut">
               <a:rPr lang="en-US" smtClean="0"/>
-              <a:t>3/2/2023</a:t>
+              <a:t>3/3/2023</a:t>
             </a:fld>
             <a:endParaRPr lang="en-US"/>
           </a:p>
@@ -2613,7 +2614,7 @@
           <a:p>
             <a:fld id="{A76116CE-C4A3-4A05-B2D7-7C2E9A889C0F}" type="datetimeFigureOut">
               <a:rPr lang="en-US" smtClean="0"/>
-              <a:t>3/2/2023</a:t>
+              <a:t>3/3/2023</a:t>
             </a:fld>
             <a:endParaRPr lang="en-US"/>
           </a:p>
@@ -2860,7 +2861,7 @@
           <a:p>
             <a:fld id="{A76116CE-C4A3-4A05-B2D7-7C2E9A889C0F}" type="datetimeFigureOut">
               <a:rPr lang="en-US" smtClean="0"/>
-              <a:t>3/2/2023</a:t>
+              <a:t>3/3/2023</a:t>
             </a:fld>
             <a:endParaRPr lang="en-US"/>
           </a:p>
@@ -3066,7 +3067,7 @@
           <a:p>
             <a:fld id="{F8166F1F-CE9B-4651-A6AA-CD717754106B}" type="datetimeFigureOut">
               <a:rPr lang="en-US" smtClean="0"/>
-              <a:t>3/2/2023</a:t>
+              <a:t>3/3/2023</a:t>
             </a:fld>
             <a:endParaRPr lang="en-US"/>
           </a:p>
@@ -3722,7 +3723,7 @@
           <p:cNvPr id="2" name="TextBox 1">
             <a:extLst>
               <a:ext uri="{FF2B5EF4-FFF2-40B4-BE49-F238E27FC236}">
-                <a16:creationId xmlns:a16="http://schemas.microsoft.com/office/drawing/2014/main" xmlns="" id="{E9A453A8-9968-67AB-7B4A-83EEB4662AA6}"/>
+                <a16:creationId xmlns:a16="http://schemas.microsoft.com/office/drawing/2014/main" id="{E9A453A8-9968-67AB-7B4A-83EEB4662AA6}"/>
               </a:ext>
             </a:extLst>
           </p:cNvPr>
@@ -3770,7 +3771,7 @@
           <p:cNvPr id="4" name="TextBox 3">
             <a:extLst>
               <a:ext uri="{FF2B5EF4-FFF2-40B4-BE49-F238E27FC236}">
-                <a16:creationId xmlns:a16="http://schemas.microsoft.com/office/drawing/2014/main" xmlns="" id="{F4B7A35A-8AAC-4622-64BC-CAD1472D4115}"/>
+                <a16:creationId xmlns:a16="http://schemas.microsoft.com/office/drawing/2014/main" id="{F4B7A35A-8AAC-4622-64BC-CAD1472D4115}"/>
               </a:ext>
             </a:extLst>
           </p:cNvPr>
@@ -3842,7 +3843,7 @@
           <p:cNvPr id="7" name="TextBox 6">
             <a:extLst>
               <a:ext uri="{FF2B5EF4-FFF2-40B4-BE49-F238E27FC236}">
-                <a16:creationId xmlns:a16="http://schemas.microsoft.com/office/drawing/2014/main" xmlns="" id="{3ACE900A-D779-4343-6623-8588B376F0A1}"/>
+                <a16:creationId xmlns:a16="http://schemas.microsoft.com/office/drawing/2014/main" id="{3ACE900A-D779-4343-6623-8588B376F0A1}"/>
               </a:ext>
             </a:extLst>
           </p:cNvPr>
@@ -3881,13 +3882,6 @@
   <p:clrMapOvr>
     <a:masterClrMapping/>
   </p:clrMapOvr>
-  <p:timing>
-    <p:tnLst>
-      <p:par>
-        <p:cTn id="1" dur="indefinite" restart="never" nodeType="tmRoot"/>
-      </p:par>
-    </p:tnLst>
-  </p:timing>
 </p:sld>
 </file>
 
@@ -3937,7 +3931,7 @@
           <p:cNvPr id="5" name="TextBox 4">
             <a:extLst>
               <a:ext uri="{FF2B5EF4-FFF2-40B4-BE49-F238E27FC236}">
-                <a16:creationId xmlns:a16="http://schemas.microsoft.com/office/drawing/2014/main" xmlns="" id="{DF7DDD33-9412-2802-339A-E55446AC2DA7}"/>
+                <a16:creationId xmlns:a16="http://schemas.microsoft.com/office/drawing/2014/main" id="{DF7DDD33-9412-2802-339A-E55446AC2DA7}"/>
               </a:ext>
             </a:extLst>
           </p:cNvPr>
@@ -3961,7 +3955,7 @@
           <a:lstStyle/>
           <a:p>
             <a:r>
-              <a:rPr lang="ko-KR" altLang="en-US" sz="5400" smtClean="0">
+              <a:rPr lang="ko-KR" altLang="en-US" sz="5400">
                 <a:solidFill>
                   <a:srgbClr val="4C50BC"/>
                 </a:solidFill>
@@ -3970,15 +3964,6 @@
               </a:rPr>
               <a:t>패키지를 만들지 않으면 자동으로 디폴트 패키지를 만든다</a:t>
             </a:r>
-            <a:endParaRPr lang="en-US" altLang="ko-KR" sz="5400" smtClean="0">
-              <a:solidFill>
-                <a:srgbClr val="4C50BC"/>
-              </a:solidFill>
-              <a:latin typeface="G마켓 산스 Bold"/>
-              <a:ea typeface="G마켓 산스 Medium" panose="02000000000000000000" pitchFamily="50" charset="-127"/>
-            </a:endParaRPr>
-          </a:p>
-          <a:p>
             <a:endParaRPr lang="en-US" altLang="ko-KR" sz="5400">
               <a:solidFill>
                 <a:srgbClr val="4C50BC"/>
@@ -3988,8 +3973,17 @@
             </a:endParaRPr>
           </a:p>
           <a:p>
-            <a:r>
-              <a:rPr lang="en-US" altLang="ko-KR" sz="4400" smtClean="0">
+            <a:endParaRPr lang="en-US" altLang="ko-KR" sz="5400">
+              <a:solidFill>
+                <a:srgbClr val="4C50BC"/>
+              </a:solidFill>
+              <a:latin typeface="G마켓 산스 Bold"/>
+              <a:ea typeface="G마켓 산스 Medium" panose="02000000000000000000" pitchFamily="50" charset="-127"/>
+            </a:endParaRPr>
+          </a:p>
+          <a:p>
+            <a:r>
+              <a:rPr lang="en-US" altLang="ko-KR" sz="4400">
                 <a:solidFill>
                   <a:srgbClr val="FF0000"/>
                 </a:solidFill>
@@ -3999,7 +3993,7 @@
               <a:t>* java </a:t>
             </a:r>
             <a:r>
-              <a:rPr lang="ko-KR" altLang="en-US" sz="4400" smtClean="0">
+              <a:rPr lang="ko-KR" altLang="en-US" sz="4400">
                 <a:solidFill>
                   <a:srgbClr val="FF0000"/>
                 </a:solidFill>
@@ -4008,7 +4002,7 @@
               </a:rPr>
               <a:t>버전에 따라 패키지가 없어도 되나 </a:t>
             </a:r>
-            <a:endParaRPr lang="en-US" altLang="ko-KR" sz="4400" smtClean="0">
+            <a:endParaRPr lang="en-US" altLang="ko-KR" sz="4400">
               <a:solidFill>
                 <a:srgbClr val="FF0000"/>
               </a:solidFill>
@@ -4018,7 +4012,7 @@
           </a:p>
           <a:p>
             <a:r>
-              <a:rPr lang="ko-KR" altLang="en-US" sz="4400" smtClean="0">
+              <a:rPr lang="ko-KR" altLang="en-US" sz="4400">
                 <a:solidFill>
                   <a:srgbClr val="FF0000"/>
                 </a:solidFill>
@@ -4028,7 +4022,7 @@
               <a:t>자바</a:t>
             </a:r>
             <a:r>
-              <a:rPr lang="en-US" altLang="ko-KR" sz="4400" smtClean="0">
+              <a:rPr lang="en-US" altLang="ko-KR" sz="4400">
                 <a:solidFill>
                   <a:srgbClr val="FF0000"/>
                 </a:solidFill>
@@ -4038,7 +4032,7 @@
               <a:t>9</a:t>
             </a:r>
             <a:r>
-              <a:rPr lang="ko-KR" altLang="en-US" sz="4400" smtClean="0">
+              <a:rPr lang="ko-KR" altLang="en-US" sz="4400">
                 <a:solidFill>
                   <a:srgbClr val="FF0000"/>
                 </a:solidFill>
@@ -4048,7 +4042,7 @@
               <a:t>에서부터 모듈이 추가됨에 따라 무조건 패키지를 만들어야 된다</a:t>
             </a:r>
             <a:r>
-              <a:rPr lang="en-US" altLang="ko-KR" sz="4400" smtClean="0">
+              <a:rPr lang="en-US" altLang="ko-KR" sz="4400">
                 <a:solidFill>
                   <a:srgbClr val="FF0000"/>
                 </a:solidFill>
@@ -4077,13 +4071,6 @@
   <p:clrMapOvr>
     <a:masterClrMapping/>
   </p:clrMapOvr>
-  <p:timing>
-    <p:tnLst>
-      <p:par>
-        <p:cTn id="1" dur="indefinite" restart="never" nodeType="tmRoot"/>
-      </p:par>
-    </p:tnLst>
-  </p:timing>
 </p:sld>
 </file>
 
@@ -4109,7 +4096,7 @@
           <p:cNvPr id="4" name="TextBox 3">
             <a:extLst>
               <a:ext uri="{FF2B5EF4-FFF2-40B4-BE49-F238E27FC236}">
-                <a16:creationId xmlns:a16="http://schemas.microsoft.com/office/drawing/2014/main" xmlns="" id="{DF7DDD33-9412-2802-339A-E55446AC2DA7}"/>
+                <a16:creationId xmlns:a16="http://schemas.microsoft.com/office/drawing/2014/main" id="{DF7DDD33-9412-2802-339A-E55446AC2DA7}"/>
               </a:ext>
             </a:extLst>
           </p:cNvPr>
@@ -4133,7 +4120,7 @@
           <a:lstStyle/>
           <a:p>
             <a:r>
-              <a:rPr lang="en-US" altLang="ko-KR" sz="5400" smtClean="0">
+              <a:rPr lang="en-US" altLang="ko-KR" sz="5400">
                 <a:solidFill>
                   <a:srgbClr val="4C50BC"/>
                 </a:solidFill>
@@ -4181,7 +4168,7 @@
           <p:cNvPr id="6" name="직사각형 5">
             <a:extLst>
               <a:ext uri="{FF2B5EF4-FFF2-40B4-BE49-F238E27FC236}">
-                <a16:creationId xmlns="" xmlns:a16="http://schemas.microsoft.com/office/drawing/2014/main" id="{FFF506F9-840A-0508-4CAF-3AC711D8D5CE}"/>
+                <a16:creationId xmlns:a16="http://schemas.microsoft.com/office/drawing/2014/main" id="{FFF506F9-840A-0508-4CAF-3AC711D8D5CE}"/>
               </a:ext>
             </a:extLst>
           </p:cNvPr>
@@ -4233,7 +4220,7 @@
           <p:cNvPr id="7" name="직선 화살표 연결선 6">
             <a:extLst>
               <a:ext uri="{FF2B5EF4-FFF2-40B4-BE49-F238E27FC236}">
-                <a16:creationId xmlns="" xmlns:a16="http://schemas.microsoft.com/office/drawing/2014/main" id="{299DF5EC-9DF4-5255-06AC-0A7CE4FF58C3}"/>
+                <a16:creationId xmlns:a16="http://schemas.microsoft.com/office/drawing/2014/main" id="{299DF5EC-9DF4-5255-06AC-0A7CE4FF58C3}"/>
               </a:ext>
             </a:extLst>
           </p:cNvPr>
@@ -4274,7 +4261,7 @@
           <p:cNvPr id="8" name="TextBox 7">
             <a:extLst>
               <a:ext uri="{FF2B5EF4-FFF2-40B4-BE49-F238E27FC236}">
-                <a16:creationId xmlns="" xmlns:a16="http://schemas.microsoft.com/office/drawing/2014/main" id="{C6D113C6-EA5C-788F-0C77-E7CE6EBB865F}"/>
+                <a16:creationId xmlns:a16="http://schemas.microsoft.com/office/drawing/2014/main" id="{C6D113C6-EA5C-788F-0C77-E7CE6EBB865F}"/>
               </a:ext>
             </a:extLst>
           </p:cNvPr>
@@ -4298,7 +4285,7 @@
           <a:lstStyle/>
           <a:p>
             <a:r>
-              <a:rPr lang="en-US" altLang="ko-KR" sz="4000" smtClean="0">
+              <a:rPr lang="en-US" altLang="ko-KR" sz="4000">
                 <a:solidFill>
                   <a:srgbClr val="FF0000"/>
                 </a:solidFill>
@@ -4308,7 +4295,7 @@
               <a:t>import </a:t>
             </a:r>
             <a:r>
-              <a:rPr lang="ko-KR" altLang="en-US" sz="4000" smtClean="0">
+              <a:rPr lang="ko-KR" altLang="en-US" sz="4000">
                 <a:solidFill>
                   <a:srgbClr val="FF0000"/>
                 </a:solidFill>
@@ -4318,7 +4305,7 @@
               <a:t>하지 않아도 패키지명을 다 적어주어 사용가능하다</a:t>
             </a:r>
             <a:r>
-              <a:rPr lang="en-US" altLang="ko-KR" sz="4000" smtClean="0">
+              <a:rPr lang="en-US" altLang="ko-KR" sz="4000">
                 <a:solidFill>
                   <a:srgbClr val="FF0000"/>
                 </a:solidFill>
@@ -4366,7 +4353,7 @@
           <p:cNvPr id="12" name="직사각형 11">
             <a:extLst>
               <a:ext uri="{FF2B5EF4-FFF2-40B4-BE49-F238E27FC236}">
-                <a16:creationId xmlns="" xmlns:a16="http://schemas.microsoft.com/office/drawing/2014/main" id="{FFF506F9-840A-0508-4CAF-3AC711D8D5CE}"/>
+                <a16:creationId xmlns:a16="http://schemas.microsoft.com/office/drawing/2014/main" id="{FFF506F9-840A-0508-4CAF-3AC711D8D5CE}"/>
               </a:ext>
             </a:extLst>
           </p:cNvPr>
@@ -4418,7 +4405,7 @@
           <p:cNvPr id="13" name="TextBox 12">
             <a:extLst>
               <a:ext uri="{FF2B5EF4-FFF2-40B4-BE49-F238E27FC236}">
-                <a16:creationId xmlns:a16="http://schemas.microsoft.com/office/drawing/2014/main" xmlns="" id="{DF7DDD33-9412-2802-339A-E55446AC2DA7}"/>
+                <a16:creationId xmlns:a16="http://schemas.microsoft.com/office/drawing/2014/main" id="{DF7DDD33-9412-2802-339A-E55446AC2DA7}"/>
               </a:ext>
             </a:extLst>
           </p:cNvPr>
@@ -4442,7 +4429,7 @@
           <a:lstStyle/>
           <a:p>
             <a:r>
-              <a:rPr lang="en-US" altLang="ko-KR" sz="5400" smtClean="0">
+              <a:rPr lang="en-US" altLang="ko-KR" sz="5400">
                 <a:solidFill>
                   <a:srgbClr val="4C50BC"/>
                 </a:solidFill>
@@ -4452,7 +4439,7 @@
               <a:t>import</a:t>
             </a:r>
             <a:r>
-              <a:rPr lang="ko-KR" altLang="en-US" sz="5400" smtClean="0">
+              <a:rPr lang="ko-KR" altLang="en-US" sz="5400">
                 <a:solidFill>
                   <a:srgbClr val="4C50BC"/>
                 </a:solidFill>
@@ -4462,7 +4449,7 @@
               <a:t>는 성능에 영향을 주지 않는다</a:t>
             </a:r>
             <a:r>
-              <a:rPr lang="en-US" altLang="ko-KR" sz="5400" smtClean="0">
+              <a:rPr lang="en-US" altLang="ko-KR" sz="5400">
                 <a:solidFill>
                   <a:srgbClr val="4C50BC"/>
                 </a:solidFill>
@@ -4696,7 +4683,7 @@
           <p:cNvPr id="6" name="직사각형 5">
             <a:extLst>
               <a:ext uri="{FF2B5EF4-FFF2-40B4-BE49-F238E27FC236}">
-                <a16:creationId xmlns="" xmlns:a16="http://schemas.microsoft.com/office/drawing/2014/main" id="{FFF506F9-840A-0508-4CAF-3AC711D8D5CE}"/>
+                <a16:creationId xmlns:a16="http://schemas.microsoft.com/office/drawing/2014/main" id="{FFF506F9-840A-0508-4CAF-3AC711D8D5CE}"/>
               </a:ext>
             </a:extLst>
           </p:cNvPr>
@@ -4748,7 +4735,7 @@
           <p:cNvPr id="7" name="직사각형 6">
             <a:extLst>
               <a:ext uri="{FF2B5EF4-FFF2-40B4-BE49-F238E27FC236}">
-                <a16:creationId xmlns="" xmlns:a16="http://schemas.microsoft.com/office/drawing/2014/main" id="{FFF506F9-840A-0508-4CAF-3AC711D8D5CE}"/>
+                <a16:creationId xmlns:a16="http://schemas.microsoft.com/office/drawing/2014/main" id="{FFF506F9-840A-0508-4CAF-3AC711D8D5CE}"/>
               </a:ext>
             </a:extLst>
           </p:cNvPr>
@@ -4800,7 +4787,7 @@
           <p:cNvPr id="8" name="직선 화살표 연결선 7">
             <a:extLst>
               <a:ext uri="{FF2B5EF4-FFF2-40B4-BE49-F238E27FC236}">
-                <a16:creationId xmlns="" xmlns:a16="http://schemas.microsoft.com/office/drawing/2014/main" id="{299DF5EC-9DF4-5255-06AC-0A7CE4FF58C3}"/>
+                <a16:creationId xmlns:a16="http://schemas.microsoft.com/office/drawing/2014/main" id="{299DF5EC-9DF4-5255-06AC-0A7CE4FF58C3}"/>
               </a:ext>
             </a:extLst>
           </p:cNvPr>
@@ -4841,7 +4828,7 @@
           <p:cNvPr id="9" name="TextBox 8">
             <a:extLst>
               <a:ext uri="{FF2B5EF4-FFF2-40B4-BE49-F238E27FC236}">
-                <a16:creationId xmlns="" xmlns:a16="http://schemas.microsoft.com/office/drawing/2014/main" id="{C6D113C6-EA5C-788F-0C77-E7CE6EBB865F}"/>
+                <a16:creationId xmlns:a16="http://schemas.microsoft.com/office/drawing/2014/main" id="{C6D113C6-EA5C-788F-0C77-E7CE6EBB865F}"/>
               </a:ext>
             </a:extLst>
           </p:cNvPr>
@@ -4865,7 +4852,7 @@
           <a:lstStyle/>
           <a:p>
             <a:r>
-              <a:rPr lang="ko-KR" altLang="en-US" sz="4000" smtClean="0">
+              <a:rPr lang="ko-KR" altLang="en-US" sz="4000">
                 <a:solidFill>
                   <a:srgbClr val="FF0000"/>
                 </a:solidFill>
@@ -4913,7 +4900,7 @@
           <p:cNvPr id="13" name="직선 화살표 연결선 12">
             <a:extLst>
               <a:ext uri="{FF2B5EF4-FFF2-40B4-BE49-F238E27FC236}">
-                <a16:creationId xmlns="" xmlns:a16="http://schemas.microsoft.com/office/drawing/2014/main" id="{299DF5EC-9DF4-5255-06AC-0A7CE4FF58C3}"/>
+                <a16:creationId xmlns:a16="http://schemas.microsoft.com/office/drawing/2014/main" id="{299DF5EC-9DF4-5255-06AC-0A7CE4FF58C3}"/>
               </a:ext>
             </a:extLst>
           </p:cNvPr>
@@ -4954,7 +4941,7 @@
           <p:cNvPr id="14" name="TextBox 13">
             <a:extLst>
               <a:ext uri="{FF2B5EF4-FFF2-40B4-BE49-F238E27FC236}">
-                <a16:creationId xmlns="" xmlns:a16="http://schemas.microsoft.com/office/drawing/2014/main" id="{C6D113C6-EA5C-788F-0C77-E7CE6EBB865F}"/>
+                <a16:creationId xmlns:a16="http://schemas.microsoft.com/office/drawing/2014/main" id="{C6D113C6-EA5C-788F-0C77-E7CE6EBB865F}"/>
               </a:ext>
             </a:extLst>
           </p:cNvPr>
@@ -4978,7 +4965,7 @@
           <a:lstStyle/>
           <a:p>
             <a:r>
-              <a:rPr lang="ko-KR" altLang="en-US" sz="4000" smtClean="0">
+              <a:rPr lang="ko-KR" altLang="en-US" sz="4000">
                 <a:solidFill>
                   <a:srgbClr val="FF0000"/>
                 </a:solidFill>
@@ -5188,7 +5175,7 @@
           <p:cNvPr id="5" name="직사각형 4">
             <a:extLst>
               <a:ext uri="{FF2B5EF4-FFF2-40B4-BE49-F238E27FC236}">
-                <a16:creationId xmlns="" xmlns:a16="http://schemas.microsoft.com/office/drawing/2014/main" id="{FFF506F9-840A-0508-4CAF-3AC711D8D5CE}"/>
+                <a16:creationId xmlns:a16="http://schemas.microsoft.com/office/drawing/2014/main" id="{FFF506F9-840A-0508-4CAF-3AC711D8D5CE}"/>
               </a:ext>
             </a:extLst>
           </p:cNvPr>
@@ -5240,7 +5227,7 @@
           <p:cNvPr id="6" name="TextBox 5">
             <a:extLst>
               <a:ext uri="{FF2B5EF4-FFF2-40B4-BE49-F238E27FC236}">
-                <a16:creationId xmlns:a16="http://schemas.microsoft.com/office/drawing/2014/main" xmlns="" id="{DF7DDD33-9412-2802-339A-E55446AC2DA7}"/>
+                <a16:creationId xmlns:a16="http://schemas.microsoft.com/office/drawing/2014/main" id="{DF7DDD33-9412-2802-339A-E55446AC2DA7}"/>
               </a:ext>
             </a:extLst>
           </p:cNvPr>
@@ -5264,7 +5251,7 @@
           <a:lstStyle/>
           <a:p>
             <a:r>
-              <a:rPr lang="en-US" altLang="ko-KR" sz="5400" smtClean="0">
+              <a:rPr lang="en-US" altLang="ko-KR" sz="5400">
                 <a:solidFill>
                   <a:srgbClr val="4C50BC"/>
                 </a:solidFill>
@@ -5274,7 +5261,7 @@
               <a:t>String, System</a:t>
             </a:r>
             <a:r>
-              <a:rPr lang="ko-KR" altLang="en-US" sz="5400" smtClean="0">
+              <a:rPr lang="ko-KR" altLang="en-US" sz="5400">
                 <a:solidFill>
                   <a:srgbClr val="4C50BC"/>
                 </a:solidFill>
@@ -5284,7 +5271,7 @@
               <a:t>은 </a:t>
             </a:r>
             <a:r>
-              <a:rPr lang="en-US" altLang="ko-KR" sz="5400" smtClean="0">
+              <a:rPr lang="en-US" altLang="ko-KR" sz="5400">
                 <a:solidFill>
                   <a:srgbClr val="4C50BC"/>
                 </a:solidFill>
@@ -5294,7 +5281,7 @@
               <a:t>import </a:t>
             </a:r>
             <a:r>
-              <a:rPr lang="ko-KR" altLang="en-US" sz="5400" smtClean="0">
+              <a:rPr lang="ko-KR" altLang="en-US" sz="5400">
                 <a:solidFill>
                   <a:srgbClr val="4C50BC"/>
                 </a:solidFill>
@@ -5304,7 +5291,7 @@
               <a:t>하지 않아도 써지는데</a:t>
             </a:r>
             <a:r>
-              <a:rPr lang="en-US" altLang="ko-KR" sz="5400" smtClean="0">
+              <a:rPr lang="en-US" altLang="ko-KR" sz="5400">
                 <a:solidFill>
                   <a:srgbClr val="4C50BC"/>
                 </a:solidFill>
@@ -5333,13 +5320,6 @@
   <p:clrMapOvr>
     <a:masterClrMapping/>
   </p:clrMapOvr>
-  <p:timing>
-    <p:tnLst>
-      <p:par>
-        <p:cTn id="1" dur="indefinite" restart="never" nodeType="tmRoot"/>
-      </p:par>
-    </p:tnLst>
-  </p:timing>
 </p:sld>
 </file>
 
@@ -5389,7 +5369,7 @@
           <p:cNvPr id="5" name="TextBox 4">
             <a:extLst>
               <a:ext uri="{FF2B5EF4-FFF2-40B4-BE49-F238E27FC236}">
-                <a16:creationId xmlns:a16="http://schemas.microsoft.com/office/drawing/2014/main" xmlns="" id="{DF7DDD33-9412-2802-339A-E55446AC2DA7}"/>
+                <a16:creationId xmlns:a16="http://schemas.microsoft.com/office/drawing/2014/main" id="{DF7DDD33-9412-2802-339A-E55446AC2DA7}"/>
               </a:ext>
             </a:extLst>
           </p:cNvPr>
@@ -5413,7 +5393,7 @@
           <a:lstStyle/>
           <a:p>
             <a:r>
-              <a:rPr lang="en-US" altLang="ko-KR" sz="5400" smtClean="0">
+              <a:rPr lang="en-US" altLang="ko-KR" sz="5400">
                 <a:solidFill>
                   <a:srgbClr val="4C50BC"/>
                 </a:solidFill>
@@ -5423,7 +5403,7 @@
               <a:t>java.lang </a:t>
             </a:r>
             <a:r>
-              <a:rPr lang="ko-KR" altLang="en-US" sz="5400" smtClean="0">
+              <a:rPr lang="ko-KR" altLang="en-US" sz="5400">
                 <a:solidFill>
                   <a:srgbClr val="4C50BC"/>
                 </a:solidFill>
@@ -5432,7 +5412,7 @@
               </a:rPr>
               <a:t>패키지는 매우 빈번하게 쓰이므로 자바에서 </a:t>
             </a:r>
-            <a:endParaRPr lang="en-US" altLang="ko-KR" sz="5400" smtClean="0">
+            <a:endParaRPr lang="en-US" altLang="ko-KR" sz="5400">
               <a:solidFill>
                 <a:srgbClr val="4C50BC"/>
               </a:solidFill>
@@ -5442,7 +5422,7 @@
           </a:p>
           <a:p>
             <a:r>
-              <a:rPr lang="ko-KR" altLang="en-US" sz="5400" smtClean="0">
+              <a:rPr lang="ko-KR" altLang="en-US" sz="5400">
                 <a:solidFill>
                   <a:srgbClr val="4C50BC"/>
                 </a:solidFill>
@@ -5452,7 +5432,7 @@
               <a:t>자동으로 </a:t>
             </a:r>
             <a:r>
-              <a:rPr lang="en-US" altLang="ko-KR" sz="5400" smtClean="0">
+              <a:rPr lang="en-US" altLang="ko-KR" sz="5400">
                 <a:solidFill>
                   <a:srgbClr val="4C50BC"/>
                 </a:solidFill>
@@ -5462,7 +5442,7 @@
               <a:t>import </a:t>
             </a:r>
             <a:r>
-              <a:rPr lang="ko-KR" altLang="en-US" sz="5400" smtClean="0">
+              <a:rPr lang="ko-KR" altLang="en-US" sz="5400">
                 <a:solidFill>
                   <a:srgbClr val="4C50BC"/>
                 </a:solidFill>
@@ -5472,7 +5452,7 @@
               <a:t>해준다</a:t>
             </a:r>
             <a:r>
-              <a:rPr lang="en-US" altLang="ko-KR" sz="5400" smtClean="0">
+              <a:rPr lang="en-US" altLang="ko-KR" sz="5400">
                 <a:solidFill>
                   <a:srgbClr val="4C50BC"/>
                 </a:solidFill>
@@ -5494,13 +5474,6 @@
   <p:clrMapOvr>
     <a:masterClrMapping/>
   </p:clrMapOvr>
-  <p:timing>
-    <p:tnLst>
-      <p:par>
-        <p:cTn id="1" dur="indefinite" restart="never" nodeType="tmRoot"/>
-      </p:par>
-    </p:tnLst>
-  </p:timing>
 </p:sld>
 </file>
 
@@ -5526,7 +5499,7 @@
           <p:cNvPr id="4" name="TextBox 3">
             <a:extLst>
               <a:ext uri="{FF2B5EF4-FFF2-40B4-BE49-F238E27FC236}">
-                <a16:creationId xmlns:a16="http://schemas.microsoft.com/office/drawing/2014/main" xmlns="" id="{DF7DDD33-9412-2802-339A-E55446AC2DA7}"/>
+                <a16:creationId xmlns:a16="http://schemas.microsoft.com/office/drawing/2014/main" id="{DF7DDD33-9412-2802-339A-E55446AC2DA7}"/>
               </a:ext>
             </a:extLst>
           </p:cNvPr>
@@ -5550,7 +5523,7 @@
           <a:lstStyle/>
           <a:p>
             <a:r>
-              <a:rPr lang="en-US" altLang="ko-KR" sz="5400" smtClean="0">
+              <a:rPr lang="en-US" altLang="ko-KR" sz="5400">
                 <a:solidFill>
                   <a:srgbClr val="4C50BC"/>
                 </a:solidFill>
@@ -5598,7 +5571,7 @@
           <p:cNvPr id="7" name="직사각형 6">
             <a:extLst>
               <a:ext uri="{FF2B5EF4-FFF2-40B4-BE49-F238E27FC236}">
-                <a16:creationId xmlns="" xmlns:a16="http://schemas.microsoft.com/office/drawing/2014/main" id="{FFF506F9-840A-0508-4CAF-3AC711D8D5CE}"/>
+                <a16:creationId xmlns:a16="http://schemas.microsoft.com/office/drawing/2014/main" id="{FFF506F9-840A-0508-4CAF-3AC711D8D5CE}"/>
               </a:ext>
             </a:extLst>
           </p:cNvPr>
@@ -5650,7 +5623,7 @@
           <p:cNvPr id="8" name="직선 화살표 연결선 7">
             <a:extLst>
               <a:ext uri="{FF2B5EF4-FFF2-40B4-BE49-F238E27FC236}">
-                <a16:creationId xmlns="" xmlns:a16="http://schemas.microsoft.com/office/drawing/2014/main" id="{299DF5EC-9DF4-5255-06AC-0A7CE4FF58C3}"/>
+                <a16:creationId xmlns:a16="http://schemas.microsoft.com/office/drawing/2014/main" id="{299DF5EC-9DF4-5255-06AC-0A7CE4FF58C3}"/>
               </a:ext>
             </a:extLst>
           </p:cNvPr>
@@ -5691,7 +5664,7 @@
           <p:cNvPr id="9" name="TextBox 8">
             <a:extLst>
               <a:ext uri="{FF2B5EF4-FFF2-40B4-BE49-F238E27FC236}">
-                <a16:creationId xmlns="" xmlns:a16="http://schemas.microsoft.com/office/drawing/2014/main" id="{C6D113C6-EA5C-788F-0C77-E7CE6EBB865F}"/>
+                <a16:creationId xmlns:a16="http://schemas.microsoft.com/office/drawing/2014/main" id="{C6D113C6-EA5C-788F-0C77-E7CE6EBB865F}"/>
               </a:ext>
             </a:extLst>
           </p:cNvPr>
@@ -5715,7 +5688,7 @@
           <a:lstStyle/>
           <a:p>
             <a:r>
-              <a:rPr lang="ko-KR" altLang="en-US" sz="4000" smtClean="0">
+              <a:rPr lang="ko-KR" altLang="en-US" sz="4000">
                 <a:solidFill>
                   <a:srgbClr val="FF0000"/>
                 </a:solidFill>
@@ -5739,7 +5712,7 @@
           <p:cNvPr id="11" name="직사각형 10">
             <a:extLst>
               <a:ext uri="{FF2B5EF4-FFF2-40B4-BE49-F238E27FC236}">
-                <a16:creationId xmlns="" xmlns:a16="http://schemas.microsoft.com/office/drawing/2014/main" id="{FFF506F9-840A-0508-4CAF-3AC711D8D5CE}"/>
+                <a16:creationId xmlns:a16="http://schemas.microsoft.com/office/drawing/2014/main" id="{FFF506F9-840A-0508-4CAF-3AC711D8D5CE}"/>
               </a:ext>
             </a:extLst>
           </p:cNvPr>
@@ -5791,7 +5764,7 @@
           <p:cNvPr id="12" name="직선 화살표 연결선 11">
             <a:extLst>
               <a:ext uri="{FF2B5EF4-FFF2-40B4-BE49-F238E27FC236}">
-                <a16:creationId xmlns="" xmlns:a16="http://schemas.microsoft.com/office/drawing/2014/main" id="{299DF5EC-9DF4-5255-06AC-0A7CE4FF58C3}"/>
+                <a16:creationId xmlns:a16="http://schemas.microsoft.com/office/drawing/2014/main" id="{299DF5EC-9DF4-5255-06AC-0A7CE4FF58C3}"/>
               </a:ext>
             </a:extLst>
           </p:cNvPr>
@@ -5832,7 +5805,7 @@
           <p:cNvPr id="13" name="TextBox 12">
             <a:extLst>
               <a:ext uri="{FF2B5EF4-FFF2-40B4-BE49-F238E27FC236}">
-                <a16:creationId xmlns="" xmlns:a16="http://schemas.microsoft.com/office/drawing/2014/main" id="{C6D113C6-EA5C-788F-0C77-E7CE6EBB865F}"/>
+                <a16:creationId xmlns:a16="http://schemas.microsoft.com/office/drawing/2014/main" id="{C6D113C6-EA5C-788F-0C77-E7CE6EBB865F}"/>
               </a:ext>
             </a:extLst>
           </p:cNvPr>
@@ -5856,7 +5829,7 @@
           <a:lstStyle/>
           <a:p>
             <a:r>
-              <a:rPr lang="ko-KR" altLang="en-US" sz="4000" smtClean="0">
+              <a:rPr lang="ko-KR" altLang="en-US" sz="4000">
                 <a:solidFill>
                   <a:srgbClr val="FF0000"/>
                 </a:solidFill>
@@ -5866,7 +5839,7 @@
               <a:t>멤버변수</a:t>
             </a:r>
             <a:r>
-              <a:rPr lang="en-US" altLang="ko-KR" sz="4000" smtClean="0">
+              <a:rPr lang="en-US" altLang="ko-KR" sz="4000">
                 <a:solidFill>
                   <a:srgbClr val="FF0000"/>
                 </a:solidFill>
@@ -5876,7 +5849,7 @@
               <a:t>(</a:t>
             </a:r>
             <a:r>
-              <a:rPr lang="ko-KR" altLang="en-US" sz="4000" smtClean="0">
+              <a:rPr lang="ko-KR" altLang="en-US" sz="4000">
                 <a:solidFill>
                   <a:srgbClr val="FF0000"/>
                 </a:solidFill>
@@ -5886,7 +5859,7 @@
               <a:t>객체</a:t>
             </a:r>
             <a:r>
-              <a:rPr lang="en-US" altLang="ko-KR" sz="4000" smtClean="0">
+              <a:rPr lang="en-US" altLang="ko-KR" sz="4000">
                 <a:solidFill>
                   <a:srgbClr val="FF0000"/>
                 </a:solidFill>
@@ -5934,7 +5907,7 @@
           <p:cNvPr id="19" name="직사각형 18">
             <a:extLst>
               <a:ext uri="{FF2B5EF4-FFF2-40B4-BE49-F238E27FC236}">
-                <a16:creationId xmlns="" xmlns:a16="http://schemas.microsoft.com/office/drawing/2014/main" id="{FFF506F9-840A-0508-4CAF-3AC711D8D5CE}"/>
+                <a16:creationId xmlns:a16="http://schemas.microsoft.com/office/drawing/2014/main" id="{FFF506F9-840A-0508-4CAF-3AC711D8D5CE}"/>
               </a:ext>
             </a:extLst>
           </p:cNvPr>
@@ -5986,7 +5959,7 @@
           <p:cNvPr id="20" name="직선 화살표 연결선 19">
             <a:extLst>
               <a:ext uri="{FF2B5EF4-FFF2-40B4-BE49-F238E27FC236}">
-                <a16:creationId xmlns="" xmlns:a16="http://schemas.microsoft.com/office/drawing/2014/main" id="{299DF5EC-9DF4-5255-06AC-0A7CE4FF58C3}"/>
+                <a16:creationId xmlns:a16="http://schemas.microsoft.com/office/drawing/2014/main" id="{299DF5EC-9DF4-5255-06AC-0A7CE4FF58C3}"/>
               </a:ext>
             </a:extLst>
           </p:cNvPr>
@@ -6027,7 +6000,7 @@
           <p:cNvPr id="21" name="TextBox 20">
             <a:extLst>
               <a:ext uri="{FF2B5EF4-FFF2-40B4-BE49-F238E27FC236}">
-                <a16:creationId xmlns="" xmlns:a16="http://schemas.microsoft.com/office/drawing/2014/main" id="{C6D113C6-EA5C-788F-0C77-E7CE6EBB865F}"/>
+                <a16:creationId xmlns:a16="http://schemas.microsoft.com/office/drawing/2014/main" id="{C6D113C6-EA5C-788F-0C77-E7CE6EBB865F}"/>
               </a:ext>
             </a:extLst>
           </p:cNvPr>
@@ -6051,7 +6024,7 @@
           <a:lstStyle/>
           <a:p>
             <a:r>
-              <a:rPr lang="en-US" altLang="ko-KR" sz="4000" smtClean="0">
+              <a:rPr lang="en-US" altLang="ko-KR" sz="4000">
                 <a:solidFill>
                   <a:srgbClr val="FF0000"/>
                 </a:solidFill>
@@ -6061,7 +6034,7 @@
               <a:t>PrintStream</a:t>
             </a:r>
             <a:r>
-              <a:rPr lang="ko-KR" altLang="en-US" sz="4000" smtClean="0">
+              <a:rPr lang="ko-KR" altLang="en-US" sz="4000">
                 <a:solidFill>
                   <a:srgbClr val="FF0000"/>
                 </a:solidFill>
@@ -6090,13 +6063,6 @@
   <p:clrMapOvr>
     <a:masterClrMapping/>
   </p:clrMapOvr>
-  <p:timing>
-    <p:tnLst>
-      <p:par>
-        <p:cTn id="1" dur="indefinite" restart="never" nodeType="tmRoot"/>
-      </p:par>
-    </p:tnLst>
-  </p:timing>
 </p:sld>
 </file>
 
@@ -6122,7 +6088,7 @@
           <p:cNvPr id="4" name="TextBox 3">
             <a:extLst>
               <a:ext uri="{FF2B5EF4-FFF2-40B4-BE49-F238E27FC236}">
-                <a16:creationId xmlns:a16="http://schemas.microsoft.com/office/drawing/2014/main" xmlns="" id="{DF7DDD33-9412-2802-339A-E55446AC2DA7}"/>
+                <a16:creationId xmlns:a16="http://schemas.microsoft.com/office/drawing/2014/main" id="{DF7DDD33-9412-2802-339A-E55446AC2DA7}"/>
               </a:ext>
             </a:extLst>
           </p:cNvPr>
@@ -6146,7 +6112,7 @@
           <a:lstStyle/>
           <a:p>
             <a:r>
-              <a:rPr lang="en-US" altLang="ko-KR" sz="5400" smtClean="0">
+              <a:rPr lang="en-US" altLang="ko-KR" sz="5400">
                 <a:solidFill>
                   <a:srgbClr val="4C50BC"/>
                 </a:solidFill>
@@ -6199,13 +6165,6 @@
   <p:clrMapOvr>
     <a:masterClrMapping/>
   </p:clrMapOvr>
-  <p:timing>
-    <p:tnLst>
-      <p:par>
-        <p:cTn id="1" dur="indefinite" restart="never" nodeType="tmRoot"/>
-      </p:par>
-    </p:tnLst>
-  </p:timing>
 </p:sld>
 </file>
 
@@ -6231,7 +6190,7 @@
           <p:cNvPr id="4" name="TextBox 3">
             <a:extLst>
               <a:ext uri="{FF2B5EF4-FFF2-40B4-BE49-F238E27FC236}">
-                <a16:creationId xmlns:a16="http://schemas.microsoft.com/office/drawing/2014/main" xmlns="" id="{DF7DDD33-9412-2802-339A-E55446AC2DA7}"/>
+                <a16:creationId xmlns:a16="http://schemas.microsoft.com/office/drawing/2014/main" id="{DF7DDD33-9412-2802-339A-E55446AC2DA7}"/>
               </a:ext>
             </a:extLst>
           </p:cNvPr>
@@ -6255,7 +6214,7 @@
           <a:lstStyle/>
           <a:p>
             <a:r>
-              <a:rPr lang="ko-KR" altLang="en-US" sz="5400" smtClean="0">
+              <a:rPr lang="ko-KR" altLang="en-US" sz="5400">
                 <a:solidFill>
                   <a:srgbClr val="4C50BC"/>
                 </a:solidFill>
@@ -6264,7 +6223,7 @@
               </a:rPr>
               <a:t>지금까지 만들어본 클래스들을 </a:t>
             </a:r>
-            <a:endParaRPr lang="en-US" altLang="ko-KR" sz="5400" smtClean="0">
+            <a:endParaRPr lang="en-US" altLang="ko-KR" sz="5400">
               <a:solidFill>
                 <a:srgbClr val="4C50BC"/>
               </a:solidFill>
@@ -6274,7 +6233,7 @@
           </a:p>
           <a:p>
             <a:r>
-              <a:rPr lang="en-US" altLang="ko-KR" sz="5400" smtClean="0">
+              <a:rPr lang="en-US" altLang="ko-KR" sz="5400">
                 <a:solidFill>
                   <a:srgbClr val="4C50BC"/>
                 </a:solidFill>
@@ -6284,7 +6243,7 @@
               <a:t>.java</a:t>
             </a:r>
             <a:r>
-              <a:rPr lang="ko-KR" altLang="en-US" sz="5400" smtClean="0">
+              <a:rPr lang="ko-KR" altLang="en-US" sz="5400">
                 <a:solidFill>
                   <a:srgbClr val="4C50BC"/>
                 </a:solidFill>
@@ -6293,7 +6252,7 @@
               </a:rPr>
               <a:t>파일 하나당 클래스 한개씩 분리하고 </a:t>
             </a:r>
-            <a:endParaRPr lang="en-US" altLang="ko-KR" sz="5400" smtClean="0">
+            <a:endParaRPr lang="en-US" altLang="ko-KR" sz="5400">
               <a:solidFill>
                 <a:srgbClr val="4C50BC"/>
               </a:solidFill>
@@ -6303,7 +6262,7 @@
           </a:p>
           <a:p>
             <a:r>
-              <a:rPr lang="ko-KR" altLang="en-US" sz="5400" smtClean="0">
+              <a:rPr lang="ko-KR" altLang="en-US" sz="5400">
                 <a:solidFill>
                   <a:srgbClr val="4C50BC"/>
                 </a:solidFill>
@@ -6313,7 +6272,7 @@
               <a:t>원하는 대로 패키지로 분리 하도록 하자</a:t>
             </a:r>
             <a:r>
-              <a:rPr lang="en-US" altLang="ko-KR" sz="5400" smtClean="0">
+              <a:rPr lang="en-US" altLang="ko-KR" sz="5400">
                 <a:solidFill>
                   <a:srgbClr val="4C50BC"/>
                 </a:solidFill>
@@ -6325,7 +6284,7 @@
           </a:p>
           <a:p>
             <a:r>
-              <a:rPr lang="en-US" altLang="ko-KR" sz="4000" smtClean="0">
+              <a:rPr lang="en-US" altLang="ko-KR" sz="4000">
                 <a:solidFill>
                   <a:srgbClr val="FF0000"/>
                 </a:solidFill>
@@ -6335,7 +6294,7 @@
               <a:t>(</a:t>
             </a:r>
             <a:r>
-              <a:rPr lang="ko-KR" altLang="en-US" sz="4000" smtClean="0">
+              <a:rPr lang="ko-KR" altLang="en-US" sz="4000">
                 <a:solidFill>
                   <a:srgbClr val="FF0000"/>
                 </a:solidFill>
@@ -6345,7 +6304,7 @@
               <a:t>엔트리포인트가 있는 클래스를 제외하고 모두 다른 패키지로 분류하자</a:t>
             </a:r>
             <a:r>
-              <a:rPr lang="en-US" altLang="ko-KR" sz="4000" smtClean="0">
+              <a:rPr lang="en-US" altLang="ko-KR" sz="4000">
                 <a:solidFill>
                   <a:srgbClr val="FF0000"/>
                 </a:solidFill>
@@ -6357,7 +6316,7 @@
           </a:p>
           <a:p>
             <a:r>
-              <a:rPr lang="ko-KR" altLang="en-US" sz="4000" smtClean="0">
+              <a:rPr lang="ko-KR" altLang="en-US" sz="4000">
                 <a:solidFill>
                   <a:srgbClr val="FF0000"/>
                 </a:solidFill>
@@ -6367,7 +6326,7 @@
               <a:t>패키지명 </a:t>
             </a:r>
             <a:r>
-              <a:rPr lang="en-US" altLang="ko-KR" sz="4000" smtClean="0">
+              <a:rPr lang="en-US" altLang="ko-KR" sz="4000">
                 <a:solidFill>
                   <a:srgbClr val="FF0000"/>
                 </a:solidFill>
@@ -6386,79 +6345,69 @@
                 <a:latin typeface="G마켓 산스 Bold"/>
                 <a:ea typeface="G마켓 산스 Medium" panose="02000000000000000000" pitchFamily="50" charset="-127"/>
               </a:rPr>
-              <a:t> </a:t>
-            </a:r>
-            <a:r>
-              <a:rPr lang="en-US" altLang="ko-KR" sz="4000" smtClean="0">
+              <a:t>  </a:t>
+            </a:r>
+            <a:r>
+              <a:rPr lang="en-US" altLang="ko-KR" sz="3200">
                 <a:solidFill>
                   <a:srgbClr val="FF0000"/>
                 </a:solidFill>
                 <a:latin typeface="G마켓 산스 Bold"/>
                 <a:ea typeface="G마켓 산스 Medium" panose="02000000000000000000" pitchFamily="50" charset="-127"/>
               </a:rPr>
-              <a:t> </a:t>
-            </a:r>
-            <a:r>
-              <a:rPr lang="en-US" altLang="ko-KR" sz="3200" smtClean="0">
+              <a:t>joo.</a:t>
+            </a:r>
+            <a:r>
+              <a:rPr lang="ko-KR" altLang="en-US" sz="3200">
                 <a:solidFill>
                   <a:srgbClr val="FF0000"/>
                 </a:solidFill>
                 <a:latin typeface="G마켓 산스 Bold"/>
                 <a:ea typeface="G마켓 산스 Medium" panose="02000000000000000000" pitchFamily="50" charset="-127"/>
               </a:rPr>
-              <a:t>joo.</a:t>
-            </a:r>
-            <a:r>
-              <a:rPr lang="ko-KR" altLang="en-US" sz="3200" smtClean="0">
+              <a:t>강의</a:t>
+            </a:r>
+            <a:r>
+              <a:rPr lang="en-US" altLang="ko-KR" sz="3200">
                 <a:solidFill>
                   <a:srgbClr val="FF0000"/>
                 </a:solidFill>
                 <a:latin typeface="G마켓 산스 Bold"/>
                 <a:ea typeface="G마켓 산스 Medium" panose="02000000000000000000" pitchFamily="50" charset="-127"/>
               </a:rPr>
+              <a:t>1 , joo.</a:t>
+            </a:r>
+            <a:r>
+              <a:rPr lang="ko-KR" altLang="en-US" sz="3200">
+                <a:solidFill>
+                  <a:srgbClr val="FF0000"/>
+                </a:solidFill>
+                <a:latin typeface="G마켓 산스 Bold"/>
+                <a:ea typeface="G마켓 산스 Medium" panose="02000000000000000000" pitchFamily="50" charset="-127"/>
+              </a:rPr>
               <a:t>강의</a:t>
             </a:r>
             <a:r>
-              <a:rPr lang="en-US" altLang="ko-KR" sz="3200" smtClean="0">
+              <a:rPr lang="en-US" altLang="ko-KR" sz="3200">
                 <a:solidFill>
                   <a:srgbClr val="FF0000"/>
                 </a:solidFill>
                 <a:latin typeface="G마켓 산스 Bold"/>
                 <a:ea typeface="G마켓 산스 Medium" panose="02000000000000000000" pitchFamily="50" charset="-127"/>
               </a:rPr>
-              <a:t>1 , joo.</a:t>
-            </a:r>
-            <a:r>
-              <a:rPr lang="ko-KR" altLang="en-US" sz="3200" smtClean="0">
+              <a:t>2    </a:t>
+            </a:r>
+            <a:r>
+              <a:rPr lang="ko-KR" altLang="en-US" sz="3200">
                 <a:solidFill>
                   <a:srgbClr val="FF0000"/>
                 </a:solidFill>
                 <a:latin typeface="G마켓 산스 Bold"/>
                 <a:ea typeface="G마켓 산스 Medium" panose="02000000000000000000" pitchFamily="50" charset="-127"/>
               </a:rPr>
-              <a:t>강의</a:t>
-            </a:r>
-            <a:r>
-              <a:rPr lang="en-US" altLang="ko-KR" sz="3200" smtClean="0">
-                <a:solidFill>
-                  <a:srgbClr val="FF0000"/>
-                </a:solidFill>
-                <a:latin typeface="G마켓 산스 Bold"/>
-                <a:ea typeface="G마켓 산스 Medium" panose="02000000000000000000" pitchFamily="50" charset="-127"/>
-              </a:rPr>
-              <a:t>2    </a:t>
-            </a:r>
-            <a:r>
-              <a:rPr lang="ko-KR" altLang="en-US" sz="3200" smtClean="0">
-                <a:solidFill>
-                  <a:srgbClr val="FF0000"/>
-                </a:solidFill>
-                <a:latin typeface="G마켓 산스 Bold"/>
-                <a:ea typeface="G마켓 산스 Medium" panose="02000000000000000000" pitchFamily="50" charset="-127"/>
-              </a:rPr>
               <a:t>강의마다 실습하는 클래스들을 분류해두면 편하다</a:t>
             </a:r>
-            <a:endParaRPr lang="en-US" altLang="ko-KR" sz="3200" smtClean="0">
+            <a:endParaRPr lang="en-US" altLang="ko-KR" sz="3200">
               <a:solidFill>
                 <a:srgbClr val="FF0000"/>
               </a:solidFill>
@@ -6473,7 +6422,7 @@
           <p:cNvPr id="5" name="TextBox 4">
             <a:extLst>
               <a:ext uri="{FF2B5EF4-FFF2-40B4-BE49-F238E27FC236}">
-                <a16:creationId xmlns:a16="http://schemas.microsoft.com/office/drawing/2014/main" xmlns="" id="{DF7DDD33-9412-2802-339A-E55446AC2DA7}"/>
+                <a16:creationId xmlns:a16="http://schemas.microsoft.com/office/drawing/2014/main" id="{DF7DDD33-9412-2802-339A-E55446AC2DA7}"/>
               </a:ext>
             </a:extLst>
           </p:cNvPr>
@@ -6497,7 +6446,7 @@
           <a:lstStyle/>
           <a:p>
             <a:r>
-              <a:rPr lang="ko-KR" altLang="en-US" sz="5400" smtClean="0">
+              <a:rPr lang="ko-KR" altLang="en-US" sz="5400">
                 <a:solidFill>
                   <a:srgbClr val="4C50BC"/>
                 </a:solidFill>
@@ -6507,7 +6456,7 @@
               <a:t>실습문제</a:t>
             </a:r>
             <a:r>
-              <a:rPr lang="en-US" altLang="ko-KR" sz="5400" smtClean="0">
+              <a:rPr lang="en-US" altLang="ko-KR" sz="5400">
                 <a:solidFill>
                   <a:srgbClr val="4C50BC"/>
                 </a:solidFill>
@@ -6536,13 +6485,6 @@
   <p:clrMapOvr>
     <a:masterClrMapping/>
   </p:clrMapOvr>
-  <p:timing>
-    <p:tnLst>
-      <p:par>
-        <p:cTn id="1" dur="indefinite" restart="never" nodeType="tmRoot"/>
-      </p:par>
-    </p:tnLst>
-  </p:timing>
 </p:sld>
 </file>
 
@@ -6756,7 +6698,7 @@
           <p:cNvPr id="2" name="TextBox 1">
             <a:extLst>
               <a:ext uri="{FF2B5EF4-FFF2-40B4-BE49-F238E27FC236}">
-                <a16:creationId xmlns:a16="http://schemas.microsoft.com/office/drawing/2014/main" xmlns="" id="{76F36AE5-79B5-0B9F-E510-1C27AAC4B649}"/>
+                <a16:creationId xmlns:a16="http://schemas.microsoft.com/office/drawing/2014/main" id="{76F36AE5-79B5-0B9F-E510-1C27AAC4B649}"/>
               </a:ext>
             </a:extLst>
           </p:cNvPr>
@@ -6780,7 +6722,7 @@
           <a:lstStyle/>
           <a:p>
             <a:r>
-              <a:rPr lang="ko-KR" altLang="en-US" sz="6600" smtClean="0">
+              <a:rPr lang="ko-KR" altLang="en-US" sz="6600">
                 <a:solidFill>
                   <a:schemeClr val="bg1"/>
                 </a:solidFill>
@@ -6809,13 +6751,6 @@
   <p:clrMapOvr>
     <a:masterClrMapping/>
   </p:clrMapOvr>
-  <p:timing>
-    <p:tnLst>
-      <p:par>
-        <p:cTn id="1" dur="indefinite" restart="never" nodeType="tmRoot"/>
-      </p:par>
-    </p:tnLst>
-  </p:timing>
 </p:sld>
 </file>
 
@@ -6841,7 +6776,7 @@
           <p:cNvPr id="4" name="TextBox 3">
             <a:extLst>
               <a:ext uri="{FF2B5EF4-FFF2-40B4-BE49-F238E27FC236}">
-                <a16:creationId xmlns:a16="http://schemas.microsoft.com/office/drawing/2014/main" xmlns="" id="{DF7DDD33-9412-2802-339A-E55446AC2DA7}"/>
+                <a16:creationId xmlns:a16="http://schemas.microsoft.com/office/drawing/2014/main" id="{DF7DDD33-9412-2802-339A-E55446AC2DA7}"/>
               </a:ext>
             </a:extLst>
           </p:cNvPr>
@@ -6865,7 +6800,7 @@
           <a:lstStyle/>
           <a:p>
             <a:r>
-              <a:rPr lang="ko-KR" altLang="en-US" sz="4800" smtClean="0">
+              <a:rPr lang="ko-KR" altLang="en-US" sz="4800">
                 <a:solidFill>
                   <a:srgbClr val="4C50BC"/>
                 </a:solidFill>
@@ -6982,7 +6917,7 @@
           <p:cNvPr id="59" name="그룹 1018">
             <a:extLst>
               <a:ext uri="{FF2B5EF4-FFF2-40B4-BE49-F238E27FC236}">
-                <a16:creationId xmlns="" xmlns:a16="http://schemas.microsoft.com/office/drawing/2014/main" id="{0804D430-F42E-AE32-A065-FFA8C471F092}"/>
+                <a16:creationId xmlns:a16="http://schemas.microsoft.com/office/drawing/2014/main" id="{0804D430-F42E-AE32-A065-FFA8C471F092}"/>
               </a:ext>
             </a:extLst>
           </p:cNvPr>
@@ -7002,7 +6937,7 @@
             <p:cNvPr id="60" name="Object 61">
               <a:extLst>
                 <a:ext uri="{FF2B5EF4-FFF2-40B4-BE49-F238E27FC236}">
-                  <a16:creationId xmlns="" xmlns:a16="http://schemas.microsoft.com/office/drawing/2014/main" id="{334A4C3A-641C-7CD9-8FEE-5EC92B28D640}"/>
+                  <a16:creationId xmlns:a16="http://schemas.microsoft.com/office/drawing/2014/main" id="{334A4C3A-641C-7CD9-8FEE-5EC92B28D640}"/>
                 </a:ext>
               </a:extLst>
             </p:cNvPr>
@@ -7033,7 +6968,7 @@
           <p:cNvPr id="61" name="그룹 1018">
             <a:extLst>
               <a:ext uri="{FF2B5EF4-FFF2-40B4-BE49-F238E27FC236}">
-                <a16:creationId xmlns="" xmlns:a16="http://schemas.microsoft.com/office/drawing/2014/main" id="{0804D430-F42E-AE32-A065-FFA8C471F092}"/>
+                <a16:creationId xmlns:a16="http://schemas.microsoft.com/office/drawing/2014/main" id="{0804D430-F42E-AE32-A065-FFA8C471F092}"/>
               </a:ext>
             </a:extLst>
           </p:cNvPr>
@@ -7053,7 +6988,7 @@
             <p:cNvPr id="62" name="Object 61">
               <a:extLst>
                 <a:ext uri="{FF2B5EF4-FFF2-40B4-BE49-F238E27FC236}">
-                  <a16:creationId xmlns="" xmlns:a16="http://schemas.microsoft.com/office/drawing/2014/main" id="{334A4C3A-641C-7CD9-8FEE-5EC92B28D640}"/>
+                  <a16:creationId xmlns:a16="http://schemas.microsoft.com/office/drawing/2014/main" id="{334A4C3A-641C-7CD9-8FEE-5EC92B28D640}"/>
                 </a:ext>
               </a:extLst>
             </p:cNvPr>
@@ -7084,7 +7019,7 @@
           <p:cNvPr id="63" name="TextBox 62">
             <a:extLst>
               <a:ext uri="{FF2B5EF4-FFF2-40B4-BE49-F238E27FC236}">
-                <a16:creationId xmlns="" xmlns:a16="http://schemas.microsoft.com/office/drawing/2014/main" id="{52176D31-35F7-8916-46FA-6095EFEC1E49}"/>
+                <a16:creationId xmlns:a16="http://schemas.microsoft.com/office/drawing/2014/main" id="{52176D31-35F7-8916-46FA-6095EFEC1E49}"/>
               </a:ext>
             </a:extLst>
           </p:cNvPr>
@@ -7108,7 +7043,7 @@
           <a:lstStyle/>
           <a:p>
             <a:r>
-              <a:rPr lang="ko-KR" altLang="en-US" sz="4000" smtClean="0">
+              <a:rPr lang="ko-KR" altLang="en-US" sz="4000">
                 <a:solidFill>
                   <a:schemeClr val="tx1">
                     <a:lumMod val="50000"/>
@@ -7138,7 +7073,7 @@
           <p:cNvPr id="64" name="TextBox 63">
             <a:extLst>
               <a:ext uri="{FF2B5EF4-FFF2-40B4-BE49-F238E27FC236}">
-                <a16:creationId xmlns="" xmlns:a16="http://schemas.microsoft.com/office/drawing/2014/main" id="{52176D31-35F7-8916-46FA-6095EFEC1E49}"/>
+                <a16:creationId xmlns:a16="http://schemas.microsoft.com/office/drawing/2014/main" id="{52176D31-35F7-8916-46FA-6095EFEC1E49}"/>
               </a:ext>
             </a:extLst>
           </p:cNvPr>
@@ -7162,7 +7097,7 @@
           <a:lstStyle/>
           <a:p>
             <a:r>
-              <a:rPr lang="ko-KR" altLang="en-US" sz="4000" smtClean="0">
+              <a:rPr lang="ko-KR" altLang="en-US" sz="4000">
                 <a:solidFill>
                   <a:schemeClr val="tx1">
                     <a:lumMod val="50000"/>
@@ -7192,7 +7127,7 @@
           <p:cNvPr id="65" name="TextBox 64">
             <a:extLst>
               <a:ext uri="{FF2B5EF4-FFF2-40B4-BE49-F238E27FC236}">
-                <a16:creationId xmlns="" xmlns:a16="http://schemas.microsoft.com/office/drawing/2014/main" id="{52176D31-35F7-8916-46FA-6095EFEC1E49}"/>
+                <a16:creationId xmlns:a16="http://schemas.microsoft.com/office/drawing/2014/main" id="{52176D31-35F7-8916-46FA-6095EFEC1E49}"/>
               </a:ext>
             </a:extLst>
           </p:cNvPr>
@@ -7216,7 +7151,7 @@
           <a:lstStyle/>
           <a:p>
             <a:r>
-              <a:rPr lang="en-US" altLang="ko-KR" sz="4000" smtClean="0">
+              <a:rPr lang="en-US" altLang="ko-KR" sz="4000">
                 <a:solidFill>
                   <a:schemeClr val="tx1">
                     <a:lumMod val="50000"/>
@@ -7231,7 +7166,7 @@
           </a:p>
           <a:p>
             <a:r>
-              <a:rPr lang="en-US" altLang="ko-KR" sz="4000" smtClean="0">
+              <a:rPr lang="en-US" altLang="ko-KR" sz="4000">
                 <a:solidFill>
                   <a:schemeClr val="tx1">
                     <a:lumMod val="50000"/>
@@ -7246,7 +7181,7 @@
           </a:p>
           <a:p>
             <a:r>
-              <a:rPr lang="en-US" altLang="ko-KR" sz="4000" smtClean="0">
+              <a:rPr lang="en-US" altLang="ko-KR" sz="4000">
                 <a:solidFill>
                   <a:schemeClr val="tx1">
                     <a:lumMod val="50000"/>
@@ -7261,7 +7196,7 @@
           </a:p>
           <a:p>
             <a:r>
-              <a:rPr lang="en-US" altLang="ko-KR" sz="4000" smtClean="0">
+              <a:rPr lang="en-US" altLang="ko-KR" sz="4000">
                 <a:solidFill>
                   <a:schemeClr val="tx1">
                     <a:lumMod val="50000"/>
@@ -7291,7 +7226,7 @@
           <p:cNvPr id="66" name="TextBox 65">
             <a:extLst>
               <a:ext uri="{FF2B5EF4-FFF2-40B4-BE49-F238E27FC236}">
-                <a16:creationId xmlns="" xmlns:a16="http://schemas.microsoft.com/office/drawing/2014/main" id="{52176D31-35F7-8916-46FA-6095EFEC1E49}"/>
+                <a16:creationId xmlns:a16="http://schemas.microsoft.com/office/drawing/2014/main" id="{52176D31-35F7-8916-46FA-6095EFEC1E49}"/>
               </a:ext>
             </a:extLst>
           </p:cNvPr>
@@ -7315,7 +7250,7 @@
           <a:lstStyle/>
           <a:p>
             <a:r>
-              <a:rPr lang="en-US" altLang="ko-KR" sz="4000" smtClean="0">
+              <a:rPr lang="en-US" altLang="ko-KR" sz="4000">
                 <a:solidFill>
                   <a:schemeClr val="tx1">
                     <a:lumMod val="50000"/>
@@ -7330,7 +7265,7 @@
           </a:p>
           <a:p>
             <a:r>
-              <a:rPr lang="en-US" altLang="ko-KR" sz="4000" smtClean="0">
+              <a:rPr lang="en-US" altLang="ko-KR" sz="4000">
                 <a:solidFill>
                   <a:schemeClr val="tx1">
                     <a:lumMod val="50000"/>
@@ -7345,7 +7280,7 @@
           </a:p>
           <a:p>
             <a:r>
-              <a:rPr lang="en-US" altLang="ko-KR" sz="4000" smtClean="0">
+              <a:rPr lang="en-US" altLang="ko-KR" sz="4000">
                 <a:solidFill>
                   <a:schemeClr val="tx1">
                     <a:lumMod val="50000"/>
@@ -7360,7 +7295,7 @@
           </a:p>
           <a:p>
             <a:r>
-              <a:rPr lang="en-US" altLang="ko-KR" sz="4000" smtClean="0">
+              <a:rPr lang="en-US" altLang="ko-KR" sz="4000">
                 <a:solidFill>
                   <a:schemeClr val="tx1">
                     <a:lumMod val="50000"/>
@@ -7395,13 +7330,6 @@
   <p:clrMapOvr>
     <a:masterClrMapping/>
   </p:clrMapOvr>
-  <p:timing>
-    <p:tnLst>
-      <p:par>
-        <p:cTn id="1" dur="indefinite" restart="never" nodeType="tmRoot"/>
-      </p:par>
-    </p:tnLst>
-  </p:timing>
 </p:sld>
 </file>
 
@@ -7600,7 +7528,7 @@
           <p:cNvPr id="11" name="TextBox 10">
             <a:extLst>
               <a:ext uri="{FF2B5EF4-FFF2-40B4-BE49-F238E27FC236}">
-                <a16:creationId xmlns:a16="http://schemas.microsoft.com/office/drawing/2014/main" xmlns="" id="{9F88F580-08BE-88C2-D640-13F0026591CB}"/>
+                <a16:creationId xmlns:a16="http://schemas.microsoft.com/office/drawing/2014/main" id="{9F88F580-08BE-88C2-D640-13F0026591CB}"/>
               </a:ext>
             </a:extLst>
           </p:cNvPr>
@@ -7624,7 +7552,7 @@
           <a:lstStyle/>
           <a:p>
             <a:r>
-              <a:rPr lang="en-US" altLang="ko-KR" sz="7200" smtClean="0">
+              <a:rPr lang="en-US" altLang="ko-KR" sz="7200">
                 <a:solidFill>
                   <a:srgbClr val="4C50BC"/>
                 </a:solidFill>
@@ -7668,7 +7596,7 @@
           <p:cNvPr id="13" name="TextBox 12">
             <a:extLst>
               <a:ext uri="{FF2B5EF4-FFF2-40B4-BE49-F238E27FC236}">
-                <a16:creationId xmlns:a16="http://schemas.microsoft.com/office/drawing/2014/main" xmlns="" id="{72769C28-9BB6-DE9C-7B6F-264B77B8DD0E}"/>
+                <a16:creationId xmlns:a16="http://schemas.microsoft.com/office/drawing/2014/main" id="{72769C28-9BB6-DE9C-7B6F-264B77B8DD0E}"/>
               </a:ext>
             </a:extLst>
           </p:cNvPr>
@@ -7692,7 +7620,7 @@
           <a:lstStyle/>
           <a:p>
             <a:r>
-              <a:rPr lang="ko-KR" altLang="en-US" sz="3200" smtClean="0">
+              <a:rPr lang="ko-KR" altLang="en-US" sz="3200">
                 <a:solidFill>
                   <a:srgbClr val="4D4848"/>
                 </a:solidFill>
@@ -7702,7 +7630,7 @@
               <a:t>패키지와 </a:t>
             </a:r>
             <a:r>
-              <a:rPr lang="en-US" altLang="ko-KR" sz="3200" smtClean="0">
+              <a:rPr lang="en-US" altLang="ko-KR" sz="3200">
                 <a:solidFill>
                   <a:srgbClr val="4D4848"/>
                 </a:solidFill>
@@ -7726,7 +7654,7 @@
           <p:cNvPr id="14" name="TextBox 13">
             <a:extLst>
               <a:ext uri="{FF2B5EF4-FFF2-40B4-BE49-F238E27FC236}">
-                <a16:creationId xmlns:a16="http://schemas.microsoft.com/office/drawing/2014/main" xmlns="" id="{270FBB6A-01CE-5637-78DA-58F0C974145C}"/>
+                <a16:creationId xmlns:a16="http://schemas.microsoft.com/office/drawing/2014/main" id="{270FBB6A-01CE-5637-78DA-58F0C974145C}"/>
               </a:ext>
             </a:extLst>
           </p:cNvPr>
@@ -7750,7 +7678,7 @@
           <a:lstStyle/>
           <a:p>
             <a:r>
-              <a:rPr lang="ko-KR" altLang="en-US" sz="3200" smtClean="0">
+              <a:rPr lang="ko-KR" altLang="en-US" sz="3200">
                 <a:solidFill>
                   <a:srgbClr val="4D4848"/>
                 </a:solidFill>
@@ -7774,7 +7702,7 @@
           <p:cNvPr id="2" name="Object 17">
             <a:extLst>
               <a:ext uri="{FF2B5EF4-FFF2-40B4-BE49-F238E27FC236}">
-                <a16:creationId xmlns:a16="http://schemas.microsoft.com/office/drawing/2014/main" xmlns="" id="{140B283D-FE58-FA6F-6F7C-E0F1DBB62A65}"/>
+                <a16:creationId xmlns:a16="http://schemas.microsoft.com/office/drawing/2014/main" id="{140B283D-FE58-FA6F-6F7C-E0F1DBB62A65}"/>
               </a:ext>
             </a:extLst>
           </p:cNvPr>
@@ -7804,7 +7732,7 @@
           <p:cNvPr id="4" name="TextBox 3">
             <a:extLst>
               <a:ext uri="{FF2B5EF4-FFF2-40B4-BE49-F238E27FC236}">
-                <a16:creationId xmlns:a16="http://schemas.microsoft.com/office/drawing/2014/main" xmlns="" id="{2C8D0998-79BC-6FD2-59D9-8052B4A25F65}"/>
+                <a16:creationId xmlns:a16="http://schemas.microsoft.com/office/drawing/2014/main" id="{2C8D0998-79BC-6FD2-59D9-8052B4A25F65}"/>
               </a:ext>
             </a:extLst>
           </p:cNvPr>
@@ -7828,7 +7756,7 @@
           <a:lstStyle/>
           <a:p>
             <a:r>
-              <a:rPr lang="ko-KR" altLang="en-US" sz="3200" smtClean="0">
+              <a:rPr lang="ko-KR" altLang="en-US" sz="3200">
                 <a:solidFill>
                   <a:srgbClr val="4D4848"/>
                 </a:solidFill>
@@ -7852,7 +7780,7 @@
           <p:cNvPr id="5" name="Object 18">
             <a:extLst>
               <a:ext uri="{FF2B5EF4-FFF2-40B4-BE49-F238E27FC236}">
-                <a16:creationId xmlns:a16="http://schemas.microsoft.com/office/drawing/2014/main" xmlns="" id="{3F58EA3E-1018-64D3-FAB2-4F6B9618FA56}"/>
+                <a16:creationId xmlns:a16="http://schemas.microsoft.com/office/drawing/2014/main" id="{3F58EA3E-1018-64D3-FAB2-4F6B9618FA56}"/>
               </a:ext>
             </a:extLst>
           </p:cNvPr>
@@ -7882,7 +7810,7 @@
           <p:cNvPr id="8" name="TextBox 7">
             <a:extLst>
               <a:ext uri="{FF2B5EF4-FFF2-40B4-BE49-F238E27FC236}">
-                <a16:creationId xmlns:a16="http://schemas.microsoft.com/office/drawing/2014/main" xmlns="" id="{681D3F16-7DCF-41AD-F5F1-0558C78C0E4D}"/>
+                <a16:creationId xmlns:a16="http://schemas.microsoft.com/office/drawing/2014/main" id="{681D3F16-7DCF-41AD-F5F1-0558C78C0E4D}"/>
               </a:ext>
             </a:extLst>
           </p:cNvPr>
@@ -7930,13 +7858,6 @@
   <p:clrMapOvr>
     <a:masterClrMapping/>
   </p:clrMapOvr>
-  <p:timing>
-    <p:tnLst>
-      <p:par>
-        <p:cTn id="1" dur="indefinite" restart="never" nodeType="tmRoot"/>
-      </p:par>
-    </p:tnLst>
-  </p:timing>
 </p:sld>
 </file>
 
@@ -7986,7 +7907,7 @@
           <p:cNvPr id="16" name="직사각형 15">
             <a:extLst>
               <a:ext uri="{FF2B5EF4-FFF2-40B4-BE49-F238E27FC236}">
-                <a16:creationId xmlns="" xmlns:a16="http://schemas.microsoft.com/office/drawing/2014/main" id="{FFF506F9-840A-0508-4CAF-3AC711D8D5CE}"/>
+                <a16:creationId xmlns:a16="http://schemas.microsoft.com/office/drawing/2014/main" id="{FFF506F9-840A-0508-4CAF-3AC711D8D5CE}"/>
               </a:ext>
             </a:extLst>
           </p:cNvPr>
@@ -8038,7 +7959,7 @@
           <p:cNvPr id="18" name="직사각형 17">
             <a:extLst>
               <a:ext uri="{FF2B5EF4-FFF2-40B4-BE49-F238E27FC236}">
-                <a16:creationId xmlns="" xmlns:a16="http://schemas.microsoft.com/office/drawing/2014/main" id="{FFF506F9-840A-0508-4CAF-3AC711D8D5CE}"/>
+                <a16:creationId xmlns:a16="http://schemas.microsoft.com/office/drawing/2014/main" id="{FFF506F9-840A-0508-4CAF-3AC711D8D5CE}"/>
               </a:ext>
             </a:extLst>
           </p:cNvPr>
@@ -8114,7 +8035,7 @@
           <p:cNvPr id="22" name="TextBox 21">
             <a:extLst>
               <a:ext uri="{FF2B5EF4-FFF2-40B4-BE49-F238E27FC236}">
-                <a16:creationId xmlns="" xmlns:a16="http://schemas.microsoft.com/office/drawing/2014/main" id="{C6D113C6-EA5C-788F-0C77-E7CE6EBB865F}"/>
+                <a16:creationId xmlns:a16="http://schemas.microsoft.com/office/drawing/2014/main" id="{C6D113C6-EA5C-788F-0C77-E7CE6EBB865F}"/>
               </a:ext>
             </a:extLst>
           </p:cNvPr>
@@ -8138,7 +8059,7 @@
           <a:lstStyle/>
           <a:p>
             <a:r>
-              <a:rPr lang="ko-KR" altLang="en-US" sz="4400" smtClean="0">
+              <a:rPr lang="ko-KR" altLang="en-US" sz="4400">
                 <a:solidFill>
                   <a:srgbClr val="FF0000"/>
                 </a:solidFill>
@@ -8148,7 +8069,7 @@
               <a:t>제어자들 끼리 순서는 상관 없으나 일반적으로 접근제어자를 가장 먼저 작성한다</a:t>
             </a:r>
             <a:r>
-              <a:rPr lang="en-US" altLang="ko-KR" sz="4400" smtClean="0">
+              <a:rPr lang="en-US" altLang="ko-KR" sz="4400">
                 <a:solidFill>
                   <a:srgbClr val="FF0000"/>
                 </a:solidFill>
@@ -8177,13 +8098,6 @@
   <p:clrMapOvr>
     <a:masterClrMapping/>
   </p:clrMapOvr>
-  <p:timing>
-    <p:tnLst>
-      <p:par>
-        <p:cTn id="1" dur="indefinite" restart="never" nodeType="tmRoot"/>
-      </p:par>
-    </p:tnLst>
-  </p:timing>
 </p:sld>
 </file>
 
@@ -8209,7 +8123,7 @@
           <p:cNvPr id="4" name="TextBox 3">
             <a:extLst>
               <a:ext uri="{FF2B5EF4-FFF2-40B4-BE49-F238E27FC236}">
-                <a16:creationId xmlns="" xmlns:a16="http://schemas.microsoft.com/office/drawing/2014/main" id="{5ADC00B6-990A-40DC-3CEA-505258F5E8DA}"/>
+                <a16:creationId xmlns:a16="http://schemas.microsoft.com/office/drawing/2014/main" id="{5ADC00B6-990A-40DC-3CEA-505258F5E8DA}"/>
               </a:ext>
             </a:extLst>
           </p:cNvPr>
@@ -8233,7 +8147,7 @@
           <a:lstStyle/>
           <a:p>
             <a:r>
-              <a:rPr lang="en-US" altLang="ko-KR" sz="4800" smtClean="0">
+              <a:rPr lang="en-US" altLang="ko-KR" sz="4800">
                 <a:solidFill>
                   <a:srgbClr val="4C50BC"/>
                 </a:solidFill>
@@ -8281,7 +8195,7 @@
           <p:cNvPr id="6" name="TextBox 5">
             <a:extLst>
               <a:ext uri="{FF2B5EF4-FFF2-40B4-BE49-F238E27FC236}">
-                <a16:creationId xmlns="" xmlns:a16="http://schemas.microsoft.com/office/drawing/2014/main" id="{52176D31-35F7-8916-46FA-6095EFEC1E49}"/>
+                <a16:creationId xmlns:a16="http://schemas.microsoft.com/office/drawing/2014/main" id="{52176D31-35F7-8916-46FA-6095EFEC1E49}"/>
               </a:ext>
             </a:extLst>
           </p:cNvPr>
@@ -8305,7 +8219,7 @@
           <a:lstStyle/>
           <a:p>
             <a:r>
-              <a:rPr lang="ko-KR" altLang="en-US" sz="4000" smtClean="0">
+              <a:rPr lang="ko-KR" altLang="en-US" sz="4000">
                 <a:solidFill>
                   <a:schemeClr val="tx1">
                     <a:lumMod val="50000"/>
@@ -8318,7 +8232,7 @@
               <a:t>변수 </a:t>
             </a:r>
             <a:r>
-              <a:rPr lang="en-US" altLang="ko-KR" sz="4000" smtClean="0">
+              <a:rPr lang="en-US" altLang="ko-KR" sz="4000">
                 <a:solidFill>
                   <a:schemeClr val="tx1">
                     <a:lumMod val="50000"/>
@@ -8331,7 +8245,7 @@
               <a:t>-&gt; </a:t>
             </a:r>
             <a:r>
-              <a:rPr lang="ko-KR" altLang="en-US" sz="4000" smtClean="0">
+              <a:rPr lang="ko-KR" altLang="en-US" sz="4000">
                 <a:solidFill>
                   <a:schemeClr val="tx1">
                     <a:lumMod val="50000"/>
@@ -8344,7 +8258,7 @@
               <a:t>상수</a:t>
             </a:r>
             <a:r>
-              <a:rPr lang="en-US" altLang="ko-KR" sz="4000" smtClean="0">
+              <a:rPr lang="en-US" altLang="ko-KR" sz="4000">
                 <a:solidFill>
                   <a:schemeClr val="tx1">
                     <a:lumMod val="50000"/>
@@ -8357,7 +8271,7 @@
               <a:t>(</a:t>
             </a:r>
             <a:r>
-              <a:rPr lang="ko-KR" altLang="en-US" sz="4000" smtClean="0">
+              <a:rPr lang="ko-KR" altLang="en-US" sz="4000">
                 <a:solidFill>
                   <a:schemeClr val="tx1">
                     <a:lumMod val="50000"/>
@@ -8370,7 +8284,7 @@
               <a:t>변하지않는값</a:t>
             </a:r>
             <a:r>
-              <a:rPr lang="en-US" altLang="ko-KR" sz="4000" smtClean="0">
+              <a:rPr lang="en-US" altLang="ko-KR" sz="4000">
                 <a:solidFill>
                   <a:schemeClr val="tx1">
                     <a:lumMod val="50000"/>
@@ -8383,7 +8297,7 @@
               <a:t>)</a:t>
             </a:r>
             <a:r>
-              <a:rPr lang="ko-KR" altLang="en-US" sz="4000" smtClean="0">
+              <a:rPr lang="ko-KR" altLang="en-US" sz="4000">
                 <a:solidFill>
                   <a:schemeClr val="tx1">
                     <a:lumMod val="50000"/>
@@ -8413,7 +8327,7 @@
           <p:cNvPr id="7" name="TextBox 6">
             <a:extLst>
               <a:ext uri="{FF2B5EF4-FFF2-40B4-BE49-F238E27FC236}">
-                <a16:creationId xmlns="" xmlns:a16="http://schemas.microsoft.com/office/drawing/2014/main" id="{52176D31-35F7-8916-46FA-6095EFEC1E49}"/>
+                <a16:creationId xmlns:a16="http://schemas.microsoft.com/office/drawing/2014/main" id="{52176D31-35F7-8916-46FA-6095EFEC1E49}"/>
               </a:ext>
             </a:extLst>
           </p:cNvPr>
@@ -8437,7 +8351,7 @@
           <a:lstStyle/>
           <a:p>
             <a:r>
-              <a:rPr lang="en-US" altLang="ko-KR" sz="4000" smtClean="0">
+              <a:rPr lang="en-US" altLang="ko-KR" sz="4000">
                 <a:solidFill>
                   <a:schemeClr val="tx1">
                     <a:lumMod val="50000"/>
@@ -8450,7 +8364,7 @@
               <a:t>: </a:t>
             </a:r>
             <a:r>
-              <a:rPr lang="ko-KR" altLang="en-US" sz="4000" smtClean="0">
+              <a:rPr lang="ko-KR" altLang="en-US" sz="4000">
                 <a:solidFill>
                   <a:schemeClr val="tx1">
                     <a:lumMod val="50000"/>
@@ -8485,13 +8399,6 @@
   <p:clrMapOvr>
     <a:masterClrMapping/>
   </p:clrMapOvr>
-  <p:timing>
-    <p:tnLst>
-      <p:par>
-        <p:cTn id="1" dur="indefinite" restart="never" nodeType="tmRoot"/>
-      </p:par>
-    </p:tnLst>
-  </p:timing>
 </p:sld>
 </file>
 
@@ -8541,7 +8448,7 @@
           <p:cNvPr id="5" name="직선 화살표 연결선 4">
             <a:extLst>
               <a:ext uri="{FF2B5EF4-FFF2-40B4-BE49-F238E27FC236}">
-                <a16:creationId xmlns="" xmlns:a16="http://schemas.microsoft.com/office/drawing/2014/main" id="{299DF5EC-9DF4-5255-06AC-0A7CE4FF58C3}"/>
+                <a16:creationId xmlns:a16="http://schemas.microsoft.com/office/drawing/2014/main" id="{299DF5EC-9DF4-5255-06AC-0A7CE4FF58C3}"/>
               </a:ext>
             </a:extLst>
           </p:cNvPr>
@@ -8582,7 +8489,7 @@
           <p:cNvPr id="6" name="직사각형 5">
             <a:extLst>
               <a:ext uri="{FF2B5EF4-FFF2-40B4-BE49-F238E27FC236}">
-                <a16:creationId xmlns="" xmlns:a16="http://schemas.microsoft.com/office/drawing/2014/main" id="{FFF506F9-840A-0508-4CAF-3AC711D8D5CE}"/>
+                <a16:creationId xmlns:a16="http://schemas.microsoft.com/office/drawing/2014/main" id="{FFF506F9-840A-0508-4CAF-3AC711D8D5CE}"/>
               </a:ext>
             </a:extLst>
           </p:cNvPr>
@@ -8634,7 +8541,7 @@
           <p:cNvPr id="7" name="TextBox 6">
             <a:extLst>
               <a:ext uri="{FF2B5EF4-FFF2-40B4-BE49-F238E27FC236}">
-                <a16:creationId xmlns="" xmlns:a16="http://schemas.microsoft.com/office/drawing/2014/main" id="{C6D113C6-EA5C-788F-0C77-E7CE6EBB865F}"/>
+                <a16:creationId xmlns:a16="http://schemas.microsoft.com/office/drawing/2014/main" id="{C6D113C6-EA5C-788F-0C77-E7CE6EBB865F}"/>
               </a:ext>
             </a:extLst>
           </p:cNvPr>
@@ -8658,7 +8565,7 @@
           <a:lstStyle/>
           <a:p>
             <a:r>
-              <a:rPr lang="ko-KR" altLang="en-US" sz="4000" smtClean="0">
+              <a:rPr lang="ko-KR" altLang="en-US" sz="4000">
                 <a:solidFill>
                   <a:srgbClr val="FF0000"/>
                 </a:solidFill>
@@ -8682,7 +8589,7 @@
           <p:cNvPr id="8" name="직선 화살표 연결선 7">
             <a:extLst>
               <a:ext uri="{FF2B5EF4-FFF2-40B4-BE49-F238E27FC236}">
-                <a16:creationId xmlns="" xmlns:a16="http://schemas.microsoft.com/office/drawing/2014/main" id="{299DF5EC-9DF4-5255-06AC-0A7CE4FF58C3}"/>
+                <a16:creationId xmlns:a16="http://schemas.microsoft.com/office/drawing/2014/main" id="{299DF5EC-9DF4-5255-06AC-0A7CE4FF58C3}"/>
               </a:ext>
             </a:extLst>
           </p:cNvPr>
@@ -8724,7 +8631,7 @@
           <p:cNvPr id="9" name="직사각형 8">
             <a:extLst>
               <a:ext uri="{FF2B5EF4-FFF2-40B4-BE49-F238E27FC236}">
-                <a16:creationId xmlns="" xmlns:a16="http://schemas.microsoft.com/office/drawing/2014/main" id="{FFF506F9-840A-0508-4CAF-3AC711D8D5CE}"/>
+                <a16:creationId xmlns:a16="http://schemas.microsoft.com/office/drawing/2014/main" id="{FFF506F9-840A-0508-4CAF-3AC711D8D5CE}"/>
               </a:ext>
             </a:extLst>
           </p:cNvPr>
@@ -8781,13 +8688,6 @@
   <p:clrMapOvr>
     <a:masterClrMapping/>
   </p:clrMapOvr>
-  <p:timing>
-    <p:tnLst>
-      <p:par>
-        <p:cTn id="1" dur="indefinite" restart="never" nodeType="tmRoot"/>
-      </p:par>
-    </p:tnLst>
-  </p:timing>
 </p:sld>
 </file>
 
@@ -8813,7 +8713,7 @@
           <p:cNvPr id="4" name="TextBox 3">
             <a:extLst>
               <a:ext uri="{FF2B5EF4-FFF2-40B4-BE49-F238E27FC236}">
-                <a16:creationId xmlns:a16="http://schemas.microsoft.com/office/drawing/2014/main" xmlns="" id="{DF7DDD33-9412-2802-339A-E55446AC2DA7}"/>
+                <a16:creationId xmlns:a16="http://schemas.microsoft.com/office/drawing/2014/main" id="{DF7DDD33-9412-2802-339A-E55446AC2DA7}"/>
               </a:ext>
             </a:extLst>
           </p:cNvPr>
@@ -8837,7 +8737,7 @@
           <a:lstStyle/>
           <a:p>
             <a:r>
-              <a:rPr lang="ko-KR" altLang="en-US" sz="5400" smtClean="0">
+              <a:rPr lang="ko-KR" altLang="en-US" sz="5400">
                 <a:solidFill>
                   <a:srgbClr val="4C50BC"/>
                 </a:solidFill>
@@ -8847,7 +8747,7 @@
               <a:t>상수인데 생성자에서 초기화가 가능하게 풀어준건 왜일까</a:t>
             </a:r>
             <a:r>
-              <a:rPr lang="en-US" altLang="ko-KR" sz="5400" smtClean="0">
+              <a:rPr lang="en-US" altLang="ko-KR" sz="5400">
                 <a:solidFill>
                   <a:srgbClr val="4C50BC"/>
                 </a:solidFill>
@@ -8876,13 +8776,6 @@
   <p:clrMapOvr>
     <a:masterClrMapping/>
   </p:clrMapOvr>
-  <p:timing>
-    <p:tnLst>
-      <p:par>
-        <p:cTn id="1" dur="indefinite" restart="never" nodeType="tmRoot"/>
-      </p:par>
-    </p:tnLst>
-  </p:timing>
 </p:sld>
 </file>
 
@@ -8932,7 +8825,7 @@
           <p:cNvPr id="5" name="TextBox 4">
             <a:extLst>
               <a:ext uri="{FF2B5EF4-FFF2-40B4-BE49-F238E27FC236}">
-                <a16:creationId xmlns="" xmlns:a16="http://schemas.microsoft.com/office/drawing/2014/main" id="{C6D113C6-EA5C-788F-0C77-E7CE6EBB865F}"/>
+                <a16:creationId xmlns:a16="http://schemas.microsoft.com/office/drawing/2014/main" id="{C6D113C6-EA5C-788F-0C77-E7CE6EBB865F}"/>
               </a:ext>
             </a:extLst>
           </p:cNvPr>
@@ -8956,7 +8849,7 @@
           <a:lstStyle/>
           <a:p>
             <a:r>
-              <a:rPr lang="ko-KR" altLang="en-US" sz="4400" smtClean="0">
+              <a:rPr lang="ko-KR" altLang="en-US" sz="4400">
                 <a:solidFill>
                   <a:srgbClr val="FF0000"/>
                 </a:solidFill>
@@ -8966,7 +8859,7 @@
               <a:t>객체 마다 다른값을 가져야 하는 상수일경우</a:t>
             </a:r>
             <a:r>
-              <a:rPr lang="en-US" altLang="ko-KR" sz="4400" smtClean="0">
+              <a:rPr lang="en-US" altLang="ko-KR" sz="4400">
                 <a:solidFill>
                   <a:srgbClr val="FF0000"/>
                 </a:solidFill>
@@ -8976,7 +8869,7 @@
               <a:t>... </a:t>
             </a:r>
             <a:r>
-              <a:rPr lang="ko-KR" altLang="en-US" sz="4400" smtClean="0">
+              <a:rPr lang="ko-KR" altLang="en-US" sz="4400">
                 <a:solidFill>
                   <a:srgbClr val="FF0000"/>
                 </a:solidFill>
@@ -8986,7 +8879,7 @@
               <a:t>불가능해진다</a:t>
             </a:r>
             <a:r>
-              <a:rPr lang="en-US" altLang="ko-KR" sz="4400" smtClean="0">
+              <a:rPr lang="en-US" altLang="ko-KR" sz="4400">
                 <a:solidFill>
                   <a:srgbClr val="FF0000"/>
                 </a:solidFill>
@@ -8998,7 +8891,7 @@
           </a:p>
           <a:p>
             <a:r>
-              <a:rPr lang="en-US" altLang="ko-KR" sz="4400" smtClean="0">
+              <a:rPr lang="en-US" altLang="ko-KR" sz="4400">
                 <a:solidFill>
                   <a:srgbClr val="FF0000"/>
                 </a:solidFill>
@@ -9008,7 +8901,7 @@
               <a:t>ex) </a:t>
             </a:r>
             <a:r>
-              <a:rPr lang="ko-KR" altLang="en-US" sz="4400" smtClean="0">
+              <a:rPr lang="ko-KR" altLang="en-US" sz="4400">
                 <a:solidFill>
                   <a:srgbClr val="FF0000"/>
                 </a:solidFill>
@@ -9037,13 +8930,6 @@
   <p:clrMapOvr>
     <a:masterClrMapping/>
   </p:clrMapOvr>
-  <p:timing>
-    <p:tnLst>
-      <p:par>
-        <p:cTn id="1" dur="indefinite" restart="never" nodeType="tmRoot"/>
-      </p:par>
-    </p:tnLst>
-  </p:timing>
 </p:sld>
 </file>
 
@@ -9069,7 +8955,7 @@
           <p:cNvPr id="4" name="TextBox 3">
             <a:extLst>
               <a:ext uri="{FF2B5EF4-FFF2-40B4-BE49-F238E27FC236}">
-                <a16:creationId xmlns="" xmlns:a16="http://schemas.microsoft.com/office/drawing/2014/main" id="{5ADC00B6-990A-40DC-3CEA-505258F5E8DA}"/>
+                <a16:creationId xmlns:a16="http://schemas.microsoft.com/office/drawing/2014/main" id="{5ADC00B6-990A-40DC-3CEA-505258F5E8DA}"/>
               </a:ext>
             </a:extLst>
           </p:cNvPr>
@@ -9093,7 +8979,7 @@
           <a:lstStyle/>
           <a:p>
             <a:r>
-              <a:rPr lang="en-US" altLang="ko-KR" sz="4800" smtClean="0">
+              <a:rPr lang="en-US" altLang="ko-KR" sz="4800">
                 <a:solidFill>
                   <a:srgbClr val="4C50BC"/>
                 </a:solidFill>
@@ -9117,7 +9003,7 @@
           <p:cNvPr id="5" name="TextBox 4">
             <a:extLst>
               <a:ext uri="{FF2B5EF4-FFF2-40B4-BE49-F238E27FC236}">
-                <a16:creationId xmlns="" xmlns:a16="http://schemas.microsoft.com/office/drawing/2014/main" id="{52176D31-35F7-8916-46FA-6095EFEC1E49}"/>
+                <a16:creationId xmlns:a16="http://schemas.microsoft.com/office/drawing/2014/main" id="{52176D31-35F7-8916-46FA-6095EFEC1E49}"/>
               </a:ext>
             </a:extLst>
           </p:cNvPr>
@@ -9141,7 +9027,7 @@
           <a:lstStyle/>
           <a:p>
             <a:r>
-              <a:rPr lang="ko-KR" altLang="en-US" sz="4000" smtClean="0">
+              <a:rPr lang="ko-KR" altLang="en-US" sz="4000">
                 <a:solidFill>
                   <a:schemeClr val="tx1">
                     <a:lumMod val="50000"/>
@@ -9154,7 +9040,7 @@
               <a:t>메서드 </a:t>
             </a:r>
             <a:r>
-              <a:rPr lang="en-US" altLang="ko-KR" sz="4000" smtClean="0">
+              <a:rPr lang="en-US" altLang="ko-KR" sz="4000">
                 <a:solidFill>
                   <a:schemeClr val="tx1">
                     <a:lumMod val="50000"/>
@@ -9167,7 +9053,7 @@
               <a:t>-&gt; </a:t>
             </a:r>
             <a:r>
-              <a:rPr lang="ko-KR" altLang="en-US" sz="4000" smtClean="0">
+              <a:rPr lang="ko-KR" altLang="en-US" sz="4000">
                 <a:solidFill>
                   <a:schemeClr val="tx1">
                     <a:lumMod val="50000"/>
@@ -9180,7 +9066,7 @@
               <a:t>오버라이딩 할수 없다</a:t>
             </a:r>
             <a:r>
-              <a:rPr lang="en-US" altLang="ko-KR" sz="4000" smtClean="0">
+              <a:rPr lang="en-US" altLang="ko-KR" sz="4000">
                 <a:solidFill>
                   <a:schemeClr val="tx1">
                     <a:lumMod val="50000"/>
@@ -9239,13 +9125,6 @@
   <p:clrMapOvr>
     <a:masterClrMapping/>
   </p:clrMapOvr>
-  <p:timing>
-    <p:tnLst>
-      <p:par>
-        <p:cTn id="1" dur="indefinite" restart="never" nodeType="tmRoot"/>
-      </p:par>
-    </p:tnLst>
-  </p:timing>
 </p:sld>
 </file>
 
@@ -9271,7 +9150,7 @@
           <p:cNvPr id="4" name="TextBox 3">
             <a:extLst>
               <a:ext uri="{FF2B5EF4-FFF2-40B4-BE49-F238E27FC236}">
-                <a16:creationId xmlns="" xmlns:a16="http://schemas.microsoft.com/office/drawing/2014/main" id="{5ADC00B6-990A-40DC-3CEA-505258F5E8DA}"/>
+                <a16:creationId xmlns:a16="http://schemas.microsoft.com/office/drawing/2014/main" id="{5ADC00B6-990A-40DC-3CEA-505258F5E8DA}"/>
               </a:ext>
             </a:extLst>
           </p:cNvPr>
@@ -9295,7 +9174,7 @@
           <a:lstStyle/>
           <a:p>
             <a:r>
-              <a:rPr lang="en-US" altLang="ko-KR" sz="4800" smtClean="0">
+              <a:rPr lang="en-US" altLang="ko-KR" sz="4800">
                 <a:solidFill>
                   <a:srgbClr val="4C50BC"/>
                 </a:solidFill>
@@ -9319,7 +9198,7 @@
           <p:cNvPr id="5" name="TextBox 4">
             <a:extLst>
               <a:ext uri="{FF2B5EF4-FFF2-40B4-BE49-F238E27FC236}">
-                <a16:creationId xmlns="" xmlns:a16="http://schemas.microsoft.com/office/drawing/2014/main" id="{52176D31-35F7-8916-46FA-6095EFEC1E49}"/>
+                <a16:creationId xmlns:a16="http://schemas.microsoft.com/office/drawing/2014/main" id="{52176D31-35F7-8916-46FA-6095EFEC1E49}"/>
               </a:ext>
             </a:extLst>
           </p:cNvPr>
@@ -9343,7 +9222,7 @@
           <a:lstStyle/>
           <a:p>
             <a:r>
-              <a:rPr lang="ko-KR" altLang="en-US" sz="4000" smtClean="0">
+              <a:rPr lang="ko-KR" altLang="en-US" sz="4000">
                 <a:solidFill>
                   <a:schemeClr val="tx1">
                     <a:lumMod val="50000"/>
@@ -9356,7 +9235,7 @@
               <a:t>클래스 </a:t>
             </a:r>
             <a:r>
-              <a:rPr lang="en-US" altLang="ko-KR" sz="4000" smtClean="0">
+              <a:rPr lang="en-US" altLang="ko-KR" sz="4000">
                 <a:solidFill>
                   <a:schemeClr val="tx1">
                     <a:lumMod val="50000"/>
@@ -9369,7 +9248,7 @@
               <a:t>-&gt; </a:t>
             </a:r>
             <a:r>
-              <a:rPr lang="ko-KR" altLang="en-US" sz="4000" smtClean="0">
+              <a:rPr lang="ko-KR" altLang="en-US" sz="4000">
                 <a:solidFill>
                   <a:schemeClr val="tx1">
                     <a:lumMod val="50000"/>
@@ -9382,7 +9261,7 @@
               <a:t>상속될수 없다</a:t>
             </a:r>
             <a:r>
-              <a:rPr lang="en-US" altLang="ko-KR" sz="4000" smtClean="0">
+              <a:rPr lang="en-US" altLang="ko-KR" sz="4000">
                 <a:solidFill>
                   <a:schemeClr val="tx1">
                     <a:lumMod val="50000"/>
@@ -9565,7 +9444,7 @@
           <p:cNvPr id="10" name="TextBox 9">
             <a:extLst>
               <a:ext uri="{FF2B5EF4-FFF2-40B4-BE49-F238E27FC236}">
-                <a16:creationId xmlns="" xmlns:a16="http://schemas.microsoft.com/office/drawing/2014/main" id="{5ADC00B6-990A-40DC-3CEA-505258F5E8DA}"/>
+                <a16:creationId xmlns:a16="http://schemas.microsoft.com/office/drawing/2014/main" id="{5ADC00B6-990A-40DC-3CEA-505258F5E8DA}"/>
               </a:ext>
             </a:extLst>
           </p:cNvPr>
@@ -9589,7 +9468,7 @@
           <a:lstStyle/>
           <a:p>
             <a:r>
-              <a:rPr lang="en-US" altLang="ko-KR" sz="4800" smtClean="0">
+              <a:rPr lang="en-US" altLang="ko-KR" sz="4800">
                 <a:solidFill>
                   <a:srgbClr val="4C50BC"/>
                 </a:solidFill>
@@ -9613,7 +9492,7 @@
           <p:cNvPr id="11" name="TextBox 10">
             <a:extLst>
               <a:ext uri="{FF2B5EF4-FFF2-40B4-BE49-F238E27FC236}">
-                <a16:creationId xmlns="" xmlns:a16="http://schemas.microsoft.com/office/drawing/2014/main" id="{52176D31-35F7-8916-46FA-6095EFEC1E49}"/>
+                <a16:creationId xmlns:a16="http://schemas.microsoft.com/office/drawing/2014/main" id="{52176D31-35F7-8916-46FA-6095EFEC1E49}"/>
               </a:ext>
             </a:extLst>
           </p:cNvPr>
@@ -9637,7 +9516,7 @@
           <a:lstStyle/>
           <a:p>
             <a:r>
-              <a:rPr lang="en-US" altLang="ko-KR" sz="4000" smtClean="0">
+              <a:rPr lang="en-US" altLang="ko-KR" sz="4000">
                 <a:solidFill>
                   <a:schemeClr val="tx1">
                     <a:lumMod val="50000"/>
@@ -9650,7 +9529,7 @@
               <a:t>: </a:t>
             </a:r>
             <a:r>
-              <a:rPr lang="ko-KR" altLang="en-US" sz="4000" smtClean="0">
+              <a:rPr lang="ko-KR" altLang="en-US" sz="4000">
                 <a:solidFill>
                   <a:schemeClr val="tx1">
                     <a:lumMod val="50000"/>
@@ -9663,7 +9542,7 @@
               <a:t>추상의</a:t>
             </a:r>
             <a:r>
-              <a:rPr lang="en-US" altLang="ko-KR" sz="4000" smtClean="0">
+              <a:rPr lang="en-US" altLang="ko-KR" sz="4000">
                 <a:solidFill>
                   <a:schemeClr val="tx1">
                     <a:lumMod val="50000"/>
@@ -9676,7 +9555,7 @@
               <a:t>, </a:t>
             </a:r>
             <a:r>
-              <a:rPr lang="ko-KR" altLang="en-US" sz="4000" smtClean="0">
+              <a:rPr lang="ko-KR" altLang="en-US" sz="4000">
                 <a:solidFill>
                   <a:schemeClr val="tx1">
                     <a:lumMod val="50000"/>
@@ -9730,7 +9609,7 @@
           <p:cNvPr id="13" name="직사각형 12">
             <a:extLst>
               <a:ext uri="{FF2B5EF4-FFF2-40B4-BE49-F238E27FC236}">
-                <a16:creationId xmlns="" xmlns:a16="http://schemas.microsoft.com/office/drawing/2014/main" id="{FFF506F9-840A-0508-4CAF-3AC711D8D5CE}"/>
+                <a16:creationId xmlns:a16="http://schemas.microsoft.com/office/drawing/2014/main" id="{FFF506F9-840A-0508-4CAF-3AC711D8D5CE}"/>
               </a:ext>
             </a:extLst>
           </p:cNvPr>
@@ -9782,7 +9661,7 @@
           <p:cNvPr id="14" name="직사각형 13">
             <a:extLst>
               <a:ext uri="{FF2B5EF4-FFF2-40B4-BE49-F238E27FC236}">
-                <a16:creationId xmlns="" xmlns:a16="http://schemas.microsoft.com/office/drawing/2014/main" id="{FFF506F9-840A-0508-4CAF-3AC711D8D5CE}"/>
+                <a16:creationId xmlns:a16="http://schemas.microsoft.com/office/drawing/2014/main" id="{FFF506F9-840A-0508-4CAF-3AC711D8D5CE}"/>
               </a:ext>
             </a:extLst>
           </p:cNvPr>
@@ -9834,7 +9713,7 @@
           <p:cNvPr id="15" name="직선 화살표 연결선 14">
             <a:extLst>
               <a:ext uri="{FF2B5EF4-FFF2-40B4-BE49-F238E27FC236}">
-                <a16:creationId xmlns="" xmlns:a16="http://schemas.microsoft.com/office/drawing/2014/main" id="{299DF5EC-9DF4-5255-06AC-0A7CE4FF58C3}"/>
+                <a16:creationId xmlns:a16="http://schemas.microsoft.com/office/drawing/2014/main" id="{299DF5EC-9DF4-5255-06AC-0A7CE4FF58C3}"/>
               </a:ext>
             </a:extLst>
           </p:cNvPr>
@@ -9875,7 +9754,7 @@
           <p:cNvPr id="16" name="TextBox 15">
             <a:extLst>
               <a:ext uri="{FF2B5EF4-FFF2-40B4-BE49-F238E27FC236}">
-                <a16:creationId xmlns="" xmlns:a16="http://schemas.microsoft.com/office/drawing/2014/main" id="{C6D113C6-EA5C-788F-0C77-E7CE6EBB865F}"/>
+                <a16:creationId xmlns:a16="http://schemas.microsoft.com/office/drawing/2014/main" id="{C6D113C6-EA5C-788F-0C77-E7CE6EBB865F}"/>
               </a:ext>
             </a:extLst>
           </p:cNvPr>
@@ -9899,7 +9778,7 @@
           <a:lstStyle/>
           <a:p>
             <a:r>
-              <a:rPr lang="ko-KR" altLang="en-US" sz="4000" smtClean="0">
+              <a:rPr lang="ko-KR" altLang="en-US" sz="4000">
                 <a:solidFill>
                   <a:srgbClr val="FF0000"/>
                 </a:solidFill>
@@ -9909,7 +9788,7 @@
               <a:t>메서드 내부가 비어 있다</a:t>
             </a:r>
             <a:r>
-              <a:rPr lang="en-US" altLang="ko-KR" sz="4000" smtClean="0">
+              <a:rPr lang="en-US" altLang="ko-KR" sz="4000">
                 <a:solidFill>
                   <a:srgbClr val="FF0000"/>
                 </a:solidFill>
@@ -9933,7 +9812,7 @@
           <p:cNvPr id="17" name="직선 화살표 연결선 16">
             <a:extLst>
               <a:ext uri="{FF2B5EF4-FFF2-40B4-BE49-F238E27FC236}">
-                <a16:creationId xmlns="" xmlns:a16="http://schemas.microsoft.com/office/drawing/2014/main" id="{299DF5EC-9DF4-5255-06AC-0A7CE4FF58C3}"/>
+                <a16:creationId xmlns:a16="http://schemas.microsoft.com/office/drawing/2014/main" id="{299DF5EC-9DF4-5255-06AC-0A7CE4FF58C3}"/>
               </a:ext>
             </a:extLst>
           </p:cNvPr>
@@ -9974,7 +9853,7 @@
           <p:cNvPr id="18" name="TextBox 17">
             <a:extLst>
               <a:ext uri="{FF2B5EF4-FFF2-40B4-BE49-F238E27FC236}">
-                <a16:creationId xmlns="" xmlns:a16="http://schemas.microsoft.com/office/drawing/2014/main" id="{C6D113C6-EA5C-788F-0C77-E7CE6EBB865F}"/>
+                <a16:creationId xmlns:a16="http://schemas.microsoft.com/office/drawing/2014/main" id="{C6D113C6-EA5C-788F-0C77-E7CE6EBB865F}"/>
               </a:ext>
             </a:extLst>
           </p:cNvPr>
@@ -9998,7 +9877,7 @@
           <a:lstStyle/>
           <a:p>
             <a:r>
-              <a:rPr lang="ko-KR" altLang="en-US" sz="4000" smtClean="0">
+              <a:rPr lang="ko-KR" altLang="en-US" sz="4000">
                 <a:solidFill>
                   <a:srgbClr val="FF0000"/>
                 </a:solidFill>
@@ -10008,7 +9887,7 @@
               <a:t>객체 생성을 못하게 막을때 사용한다</a:t>
             </a:r>
             <a:r>
-              <a:rPr lang="en-US" altLang="ko-KR" sz="4000" smtClean="0">
+              <a:rPr lang="en-US" altLang="ko-KR" sz="4000">
                 <a:solidFill>
                   <a:srgbClr val="FF0000"/>
                 </a:solidFill>
@@ -10037,13 +9916,6 @@
   <p:clrMapOvr>
     <a:masterClrMapping/>
   </p:clrMapOvr>
-  <p:timing>
-    <p:tnLst>
-      <p:par>
-        <p:cTn id="1" dur="indefinite" restart="never" nodeType="tmRoot"/>
-      </p:par>
-    </p:tnLst>
-  </p:timing>
 </p:sld>
 </file>
 
@@ -10093,7 +9965,7 @@
           <p:cNvPr id="5" name="TextBox 4">
             <a:extLst>
               <a:ext uri="{FF2B5EF4-FFF2-40B4-BE49-F238E27FC236}">
-                <a16:creationId xmlns="" xmlns:a16="http://schemas.microsoft.com/office/drawing/2014/main" id="{C6D113C6-EA5C-788F-0C77-E7CE6EBB865F}"/>
+                <a16:creationId xmlns:a16="http://schemas.microsoft.com/office/drawing/2014/main" id="{C6D113C6-EA5C-788F-0C77-E7CE6EBB865F}"/>
               </a:ext>
             </a:extLst>
           </p:cNvPr>
@@ -10117,7 +9989,7 @@
           <a:lstStyle/>
           <a:p>
             <a:r>
-              <a:rPr lang="ko-KR" altLang="en-US" sz="4000" smtClean="0">
+              <a:rPr lang="ko-KR" altLang="en-US" sz="4000">
                 <a:solidFill>
                   <a:srgbClr val="FF0000"/>
                 </a:solidFill>
@@ -10127,7 +9999,7 @@
               <a:t>추상 메서드가 있다면 해당 클래스는 인스턴스화 될수 없기에 무조건 추상클래스가 되어야 한다</a:t>
             </a:r>
             <a:r>
-              <a:rPr lang="en-US" altLang="ko-KR" sz="4000" smtClean="0">
+              <a:rPr lang="en-US" altLang="ko-KR" sz="4000">
                 <a:solidFill>
                   <a:srgbClr val="FF0000"/>
                 </a:solidFill>
@@ -10156,13 +10028,6 @@
   <p:clrMapOvr>
     <a:masterClrMapping/>
   </p:clrMapOvr>
-  <p:timing>
-    <p:tnLst>
-      <p:par>
-        <p:cTn id="1" dur="indefinite" restart="never" nodeType="tmRoot"/>
-      </p:par>
-    </p:tnLst>
-  </p:timing>
 </p:sld>
 </file>
 
@@ -10212,7 +10077,7 @@
           <p:cNvPr id="5" name="TextBox 4">
             <a:extLst>
               <a:ext uri="{FF2B5EF4-FFF2-40B4-BE49-F238E27FC236}">
-                <a16:creationId xmlns="" xmlns:a16="http://schemas.microsoft.com/office/drawing/2014/main" id="{C6D113C6-EA5C-788F-0C77-E7CE6EBB865F}"/>
+                <a16:creationId xmlns:a16="http://schemas.microsoft.com/office/drawing/2014/main" id="{C6D113C6-EA5C-788F-0C77-E7CE6EBB865F}"/>
               </a:ext>
             </a:extLst>
           </p:cNvPr>
@@ -10236,7 +10101,7 @@
           <a:lstStyle/>
           <a:p>
             <a:r>
-              <a:rPr lang="ko-KR" altLang="en-US" sz="4000" smtClean="0">
+              <a:rPr lang="ko-KR" altLang="en-US" sz="4000">
                 <a:solidFill>
                   <a:srgbClr val="FF0000"/>
                 </a:solidFill>
@@ -10246,7 +10111,7 @@
               <a:t>추상 메서드가 있으면 반드시 추상클래스여야 한다</a:t>
             </a:r>
             <a:r>
-              <a:rPr lang="en-US" altLang="ko-KR" sz="4000" smtClean="0">
+              <a:rPr lang="en-US" altLang="ko-KR" sz="4000">
                 <a:solidFill>
                   <a:srgbClr val="FF0000"/>
                 </a:solidFill>
@@ -10256,7 +10121,7 @@
               <a:t>. </a:t>
             </a:r>
             <a:r>
-              <a:rPr lang="ko-KR" altLang="en-US" sz="4000" smtClean="0">
+              <a:rPr lang="ko-KR" altLang="en-US" sz="4000">
                 <a:solidFill>
                   <a:srgbClr val="FF0000"/>
                 </a:solidFill>
@@ -10265,7 +10130,7 @@
               </a:rPr>
               <a:t>다만</a:t>
             </a:r>
-            <a:endParaRPr lang="en-US" altLang="ko-KR" sz="4000" smtClean="0">
+            <a:endParaRPr lang="en-US" altLang="ko-KR" sz="4000">
               <a:solidFill>
                 <a:srgbClr val="FF0000"/>
               </a:solidFill>
@@ -10275,7 +10140,7 @@
           </a:p>
           <a:p>
             <a:r>
-              <a:rPr lang="ko-KR" altLang="en-US" sz="4000" smtClean="0">
+              <a:rPr lang="ko-KR" altLang="en-US" sz="4000">
                 <a:solidFill>
                   <a:srgbClr val="FF0000"/>
                 </a:solidFill>
@@ -10285,7 +10150,7 @@
               <a:t>추상 메서드가 없으면 추상클래스를 못한다는것은 아니다</a:t>
             </a:r>
             <a:r>
-              <a:rPr lang="en-US" altLang="ko-KR" sz="4000" smtClean="0">
+              <a:rPr lang="en-US" altLang="ko-KR" sz="4000">
                 <a:solidFill>
                   <a:srgbClr val="FF0000"/>
                 </a:solidFill>
@@ -10297,7 +10162,7 @@
           </a:p>
           <a:p>
             <a:r>
-              <a:rPr lang="ko-KR" altLang="en-US" sz="4000" smtClean="0">
+              <a:rPr lang="ko-KR" altLang="en-US" sz="4000">
                 <a:solidFill>
                   <a:srgbClr val="FF0000"/>
                 </a:solidFill>
@@ -10307,7 +10172,7 @@
               <a:t>객체 생성을 막기 위해 추상화가 가능하다</a:t>
             </a:r>
             <a:r>
-              <a:rPr lang="en-US" altLang="ko-KR" sz="4000" smtClean="0">
+              <a:rPr lang="en-US" altLang="ko-KR" sz="4000">
                 <a:solidFill>
                   <a:srgbClr val="FF0000"/>
                 </a:solidFill>
@@ -10336,13 +10201,6 @@
   <p:clrMapOvr>
     <a:masterClrMapping/>
   </p:clrMapOvr>
-  <p:timing>
-    <p:tnLst>
-      <p:par>
-        <p:cTn id="1" dur="indefinite" restart="never" nodeType="tmRoot"/>
-      </p:par>
-    </p:tnLst>
-  </p:timing>
 </p:sld>
 </file>
 
@@ -10556,7 +10414,7 @@
           <p:cNvPr id="2" name="TextBox 1">
             <a:extLst>
               <a:ext uri="{FF2B5EF4-FFF2-40B4-BE49-F238E27FC236}">
-                <a16:creationId xmlns:a16="http://schemas.microsoft.com/office/drawing/2014/main" xmlns="" id="{8D19D88B-9541-32D7-90F1-0C45C993E21C}"/>
+                <a16:creationId xmlns:a16="http://schemas.microsoft.com/office/drawing/2014/main" id="{8D19D88B-9541-32D7-90F1-0C45C993E21C}"/>
               </a:ext>
             </a:extLst>
           </p:cNvPr>
@@ -10580,7 +10438,7 @@
           <a:lstStyle/>
           <a:p>
             <a:r>
-              <a:rPr lang="ko-KR" altLang="en-US" sz="6600" smtClean="0">
+              <a:rPr lang="ko-KR" altLang="en-US" sz="6600">
                 <a:solidFill>
                   <a:schemeClr val="bg1"/>
                 </a:solidFill>
@@ -10590,7 +10448,7 @@
               <a:t>패키지와 </a:t>
             </a:r>
             <a:r>
-              <a:rPr lang="en-US" altLang="ko-KR" sz="6600" smtClean="0">
+              <a:rPr lang="en-US" altLang="ko-KR" sz="6600">
                 <a:solidFill>
                   <a:schemeClr val="bg1"/>
                 </a:solidFill>
@@ -10614,13 +10472,6 @@
   <p:clrMapOvr>
     <a:masterClrMapping/>
   </p:clrMapOvr>
-  <p:timing>
-    <p:tnLst>
-      <p:par>
-        <p:cTn id="1" dur="indefinite" restart="never" nodeType="tmRoot"/>
-      </p:par>
-    </p:tnLst>
-  </p:timing>
 </p:sld>
 </file>
 
@@ -10646,7 +10497,7 @@
           <p:cNvPr id="4" name="TextBox 3">
             <a:extLst>
               <a:ext uri="{FF2B5EF4-FFF2-40B4-BE49-F238E27FC236}">
-                <a16:creationId xmlns:a16="http://schemas.microsoft.com/office/drawing/2014/main" xmlns="" id="{DF7DDD33-9412-2802-339A-E55446AC2DA7}"/>
+                <a16:creationId xmlns:a16="http://schemas.microsoft.com/office/drawing/2014/main" id="{DF7DDD33-9412-2802-339A-E55446AC2DA7}"/>
               </a:ext>
             </a:extLst>
           </p:cNvPr>
@@ -10670,7 +10521,7 @@
           <a:lstStyle/>
           <a:p>
             <a:r>
-              <a:rPr lang="ko-KR" altLang="en-US" sz="5400" smtClean="0">
+              <a:rPr lang="ko-KR" altLang="en-US" sz="5400">
                 <a:solidFill>
                   <a:srgbClr val="4C50BC"/>
                 </a:solidFill>
@@ -10679,7 +10530,7 @@
               </a:rPr>
               <a:t>객체를 만들지도 못하는 추상 클래스</a:t>
             </a:r>
-            <a:endParaRPr lang="en-US" altLang="ko-KR" sz="5400" smtClean="0">
+            <a:endParaRPr lang="en-US" altLang="ko-KR" sz="5400">
               <a:solidFill>
                 <a:srgbClr val="4C50BC"/>
               </a:solidFill>
@@ -10689,7 +10540,7 @@
           </a:p>
           <a:p>
             <a:r>
-              <a:rPr lang="ko-KR" altLang="en-US" sz="5400" smtClean="0">
+              <a:rPr lang="ko-KR" altLang="en-US" sz="5400">
                 <a:solidFill>
                   <a:srgbClr val="4C50BC"/>
                 </a:solidFill>
@@ -10713,7 +10564,7 @@
           <p:cNvPr id="5" name="TextBox 4">
             <a:extLst>
               <a:ext uri="{FF2B5EF4-FFF2-40B4-BE49-F238E27FC236}">
-                <a16:creationId xmlns="" xmlns:a16="http://schemas.microsoft.com/office/drawing/2014/main" id="{C6D113C6-EA5C-788F-0C77-E7CE6EBB865F}"/>
+                <a16:creationId xmlns:a16="http://schemas.microsoft.com/office/drawing/2014/main" id="{C6D113C6-EA5C-788F-0C77-E7CE6EBB865F}"/>
               </a:ext>
             </a:extLst>
           </p:cNvPr>
@@ -10737,7 +10588,7 @@
           <a:lstStyle/>
           <a:p>
             <a:r>
-              <a:rPr lang="ko-KR" altLang="en-US" sz="8000" smtClean="0">
+              <a:rPr lang="ko-KR" altLang="en-US" sz="8000">
                 <a:solidFill>
                   <a:srgbClr val="FF0000"/>
                 </a:solidFill>
@@ -10747,7 +10598,7 @@
               <a:t>왜 필요 할까</a:t>
             </a:r>
             <a:r>
-              <a:rPr lang="en-US" altLang="ko-KR" sz="8000" smtClean="0">
+              <a:rPr lang="en-US" altLang="ko-KR" sz="8000">
                 <a:solidFill>
                   <a:srgbClr val="FF0000"/>
                 </a:solidFill>
@@ -10776,13 +10627,6 @@
   <p:clrMapOvr>
     <a:masterClrMapping/>
   </p:clrMapOvr>
-  <p:timing>
-    <p:tnLst>
-      <p:par>
-        <p:cTn id="1" dur="indefinite" restart="never" nodeType="tmRoot"/>
-      </p:par>
-    </p:tnLst>
-  </p:timing>
 </p:sld>
 </file>
 
@@ -10808,7 +10652,7 @@
           <p:cNvPr id="4" name="TextBox 3">
             <a:extLst>
               <a:ext uri="{FF2B5EF4-FFF2-40B4-BE49-F238E27FC236}">
-                <a16:creationId xmlns:a16="http://schemas.microsoft.com/office/drawing/2014/main" xmlns="" id="{DF7DDD33-9412-2802-339A-E55446AC2DA7}"/>
+                <a16:creationId xmlns:a16="http://schemas.microsoft.com/office/drawing/2014/main" id="{DF7DDD33-9412-2802-339A-E55446AC2DA7}"/>
               </a:ext>
             </a:extLst>
           </p:cNvPr>
@@ -10832,7 +10676,7 @@
           <a:lstStyle/>
           <a:p>
             <a:r>
-              <a:rPr lang="ko-KR" altLang="en-US" sz="5400" smtClean="0">
+              <a:rPr lang="ko-KR" altLang="en-US" sz="5400">
                 <a:solidFill>
                   <a:srgbClr val="4C50BC"/>
                 </a:solidFill>
@@ -10842,7 +10686,7 @@
               <a:t>사람</a:t>
             </a:r>
             <a:r>
-              <a:rPr lang="en-US" altLang="ko-KR" sz="5400" smtClean="0">
+              <a:rPr lang="en-US" altLang="ko-KR" sz="5400">
                 <a:solidFill>
                   <a:srgbClr val="4C50BC"/>
                 </a:solidFill>
@@ -10852,7 +10696,7 @@
               <a:t>, </a:t>
             </a:r>
             <a:r>
-              <a:rPr lang="ko-KR" altLang="en-US" sz="5400" smtClean="0">
+              <a:rPr lang="ko-KR" altLang="en-US" sz="5400">
                 <a:solidFill>
                   <a:srgbClr val="4C50BC"/>
                 </a:solidFill>
@@ -10862,7 +10706,7 @@
               <a:t>책</a:t>
             </a:r>
             <a:r>
-              <a:rPr lang="en-US" altLang="ko-KR" sz="5400" smtClean="0">
+              <a:rPr lang="en-US" altLang="ko-KR" sz="5400">
                 <a:solidFill>
                   <a:srgbClr val="4C50BC"/>
                 </a:solidFill>
@@ -10872,7 +10716,7 @@
               <a:t>, </a:t>
             </a:r>
             <a:r>
-              <a:rPr lang="ko-KR" altLang="en-US" sz="5400" smtClean="0">
+              <a:rPr lang="ko-KR" altLang="en-US" sz="5400">
                 <a:solidFill>
                   <a:srgbClr val="4C50BC"/>
                 </a:solidFill>
@@ -10882,7 +10726,7 @@
               <a:t>노트북 등등은 실제로 존재하는것인가</a:t>
             </a:r>
             <a:r>
-              <a:rPr lang="en-US" altLang="ko-KR" sz="5400" smtClean="0">
+              <a:rPr lang="en-US" altLang="ko-KR" sz="5400">
                 <a:solidFill>
                   <a:srgbClr val="4C50BC"/>
                 </a:solidFill>
@@ -11218,7 +11062,7 @@
           <p:cNvPr id="5" name="TextBox 4">
             <a:extLst>
               <a:ext uri="{FF2B5EF4-FFF2-40B4-BE49-F238E27FC236}">
-                <a16:creationId xmlns:a16="http://schemas.microsoft.com/office/drawing/2014/main" xmlns="" id="{DF7DDD33-9412-2802-339A-E55446AC2DA7}"/>
+                <a16:creationId xmlns:a16="http://schemas.microsoft.com/office/drawing/2014/main" id="{DF7DDD33-9412-2802-339A-E55446AC2DA7}"/>
               </a:ext>
             </a:extLst>
           </p:cNvPr>
@@ -11242,7 +11086,7 @@
           <a:lstStyle/>
           <a:p>
             <a:r>
-              <a:rPr lang="ko-KR" altLang="en-US" sz="5400" smtClean="0">
+              <a:rPr lang="ko-KR" altLang="en-US" sz="5400">
                 <a:solidFill>
                   <a:srgbClr val="4C50BC"/>
                 </a:solidFill>
@@ -11252,7 +11096,7 @@
               <a:t>현실 세계와는 맞지 않는 코드이다</a:t>
             </a:r>
             <a:r>
-              <a:rPr lang="en-US" altLang="ko-KR" sz="5400" smtClean="0">
+              <a:rPr lang="en-US" altLang="ko-KR" sz="5400">
                 <a:solidFill>
                   <a:srgbClr val="4C50BC"/>
                 </a:solidFill>
@@ -11264,7 +11108,7 @@
           </a:p>
           <a:p>
             <a:r>
-              <a:rPr lang="ko-KR" altLang="en-US" sz="5400" smtClean="0">
+              <a:rPr lang="ko-KR" altLang="en-US" sz="5400">
                 <a:solidFill>
                   <a:srgbClr val="4C50BC"/>
                 </a:solidFill>
@@ -11274,7 +11118,7 @@
               <a:t>상속의 용도로만 제한을 둬야 한다</a:t>
             </a:r>
             <a:r>
-              <a:rPr lang="en-US" altLang="ko-KR" sz="5400" smtClean="0">
+              <a:rPr lang="en-US" altLang="ko-KR" sz="5400">
                 <a:solidFill>
                   <a:srgbClr val="4C50BC"/>
                 </a:solidFill>
@@ -11303,13 +11147,6 @@
   <p:clrMapOvr>
     <a:masterClrMapping/>
   </p:clrMapOvr>
-  <p:timing>
-    <p:tnLst>
-      <p:par>
-        <p:cTn id="1" dur="indefinite" restart="never" nodeType="tmRoot"/>
-      </p:par>
-    </p:tnLst>
-  </p:timing>
 </p:sld>
 </file>
 
@@ -11335,7 +11172,7 @@
           <p:cNvPr id="5" name="TextBox 4">
             <a:extLst>
               <a:ext uri="{FF2B5EF4-FFF2-40B4-BE49-F238E27FC236}">
-                <a16:creationId xmlns="" xmlns:a16="http://schemas.microsoft.com/office/drawing/2014/main" id="{5ADC00B6-990A-40DC-3CEA-505258F5E8DA}"/>
+                <a16:creationId xmlns:a16="http://schemas.microsoft.com/office/drawing/2014/main" id="{5ADC00B6-990A-40DC-3CEA-505258F5E8DA}"/>
               </a:ext>
             </a:extLst>
           </p:cNvPr>
@@ -11359,7 +11196,7 @@
           <a:lstStyle/>
           <a:p>
             <a:r>
-              <a:rPr lang="ko-KR" altLang="en-US" sz="4800" smtClean="0">
+              <a:rPr lang="ko-KR" altLang="en-US" sz="4800">
                 <a:solidFill>
                   <a:srgbClr val="4C50BC"/>
                 </a:solidFill>
@@ -11369,7 +11206,7 @@
               <a:t>실습문제</a:t>
             </a:r>
             <a:r>
-              <a:rPr lang="en-US" altLang="ko-KR" sz="4800" smtClean="0">
+              <a:rPr lang="en-US" altLang="ko-KR" sz="4800">
                 <a:solidFill>
                   <a:srgbClr val="4C50BC"/>
                 </a:solidFill>
@@ -11393,7 +11230,7 @@
           <p:cNvPr id="6" name="TextBox 5">
             <a:extLst>
               <a:ext uri="{FF2B5EF4-FFF2-40B4-BE49-F238E27FC236}">
-                <a16:creationId xmlns="" xmlns:a16="http://schemas.microsoft.com/office/drawing/2014/main" id="{52176D31-35F7-8916-46FA-6095EFEC1E49}"/>
+                <a16:creationId xmlns:a16="http://schemas.microsoft.com/office/drawing/2014/main" id="{52176D31-35F7-8916-46FA-6095EFEC1E49}"/>
               </a:ext>
             </a:extLst>
           </p:cNvPr>
@@ -11427,10 +11264,10 @@
                 <a:latin typeface="G마켓 산스 Medium" panose="02000000000000000000" pitchFamily="50" charset="-127"/>
                 <a:ea typeface="G마켓 산스 Medium" panose="02000000000000000000" pitchFamily="50" charset="-127"/>
               </a:rPr>
-              <a:t>2</a:t>
-            </a:r>
-            <a:r>
-              <a:rPr lang="en-US" altLang="ko-KR" sz="4000" smtClean="0">
+              <a:t>2. People </a:t>
+            </a:r>
+            <a:r>
+              <a:rPr lang="ko-KR" altLang="en-US" sz="4000">
                 <a:solidFill>
                   <a:schemeClr val="tx1">
                     <a:lumMod val="50000"/>
@@ -11440,22 +11277,9 @@
                 <a:latin typeface="G마켓 산스 Medium" panose="02000000000000000000" pitchFamily="50" charset="-127"/>
                 <a:ea typeface="G마켓 산스 Medium" panose="02000000000000000000" pitchFamily="50" charset="-127"/>
               </a:rPr>
-              <a:t>. People </a:t>
-            </a:r>
-            <a:r>
-              <a:rPr lang="ko-KR" altLang="en-US" sz="4000" smtClean="0">
-                <a:solidFill>
-                  <a:schemeClr val="tx1">
-                    <a:lumMod val="50000"/>
-                    <a:lumOff val="50000"/>
-                  </a:schemeClr>
-                </a:solidFill>
-                <a:latin typeface="G마켓 산스 Medium" panose="02000000000000000000" pitchFamily="50" charset="-127"/>
-                <a:ea typeface="G마켓 산스 Medium" panose="02000000000000000000" pitchFamily="50" charset="-127"/>
-              </a:rPr>
               <a:t>클래스를 만들고 멤버마다 적절한 제어자를 사용하자</a:t>
             </a:r>
-            <a:endParaRPr lang="en-US" altLang="ko-KR" sz="4000" smtClean="0">
+            <a:endParaRPr lang="en-US" altLang="ko-KR" sz="4000">
               <a:solidFill>
                 <a:schemeClr val="tx1">
                   <a:lumMod val="50000"/>
@@ -11478,10 +11302,10 @@
                 <a:latin typeface="G마켓 산스 Medium" panose="02000000000000000000" pitchFamily="50" charset="-127"/>
                 <a:ea typeface="G마켓 산스 Medium" panose="02000000000000000000" pitchFamily="50" charset="-127"/>
               </a:rPr>
-              <a:t> </a:t>
-            </a:r>
-            <a:r>
-              <a:rPr lang="en-US" altLang="ko-KR" sz="4000" smtClean="0">
+              <a:t>   </a:t>
+            </a:r>
+            <a:r>
+              <a:rPr lang="ko-KR" altLang="en-US" sz="4000">
                 <a:solidFill>
                   <a:schemeClr val="tx1">
                     <a:lumMod val="50000"/>
@@ -11491,10 +11315,10 @@
                 <a:latin typeface="G마켓 산스 Medium" panose="02000000000000000000" pitchFamily="50" charset="-127"/>
                 <a:ea typeface="G마켓 산스 Medium" panose="02000000000000000000" pitchFamily="50" charset="-127"/>
               </a:rPr>
-              <a:t>  </a:t>
-            </a:r>
-            <a:r>
-              <a:rPr lang="ko-KR" altLang="en-US" sz="4000" smtClean="0">
+              <a:t>이름</a:t>
+            </a:r>
+            <a:r>
+              <a:rPr lang="en-US" altLang="ko-KR" sz="4000">
                 <a:solidFill>
                   <a:schemeClr val="tx1">
                     <a:lumMod val="50000"/>
@@ -11504,10 +11328,10 @@
                 <a:latin typeface="G마켓 산스 Medium" panose="02000000000000000000" pitchFamily="50" charset="-127"/>
                 <a:ea typeface="G마켓 산스 Medium" panose="02000000000000000000" pitchFamily="50" charset="-127"/>
               </a:rPr>
-              <a:t>이름</a:t>
-            </a:r>
-            <a:r>
-              <a:rPr lang="en-US" altLang="ko-KR" sz="4000" smtClean="0">
+              <a:t>, </a:t>
+            </a:r>
+            <a:r>
+              <a:rPr lang="ko-KR" altLang="en-US" sz="4000">
                 <a:solidFill>
                   <a:schemeClr val="tx1">
                     <a:lumMod val="50000"/>
@@ -11517,10 +11341,10 @@
                 <a:latin typeface="G마켓 산스 Medium" panose="02000000000000000000" pitchFamily="50" charset="-127"/>
                 <a:ea typeface="G마켓 산스 Medium" panose="02000000000000000000" pitchFamily="50" charset="-127"/>
               </a:rPr>
-              <a:t>, </a:t>
-            </a:r>
-            <a:r>
-              <a:rPr lang="ko-KR" altLang="en-US" sz="4000" smtClean="0">
+              <a:t>나이</a:t>
+            </a:r>
+            <a:r>
+              <a:rPr lang="en-US" altLang="ko-KR" sz="4000">
                 <a:solidFill>
                   <a:schemeClr val="tx1">
                     <a:lumMod val="50000"/>
@@ -11530,10 +11354,10 @@
                 <a:latin typeface="G마켓 산스 Medium" panose="02000000000000000000" pitchFamily="50" charset="-127"/>
                 <a:ea typeface="G마켓 산스 Medium" panose="02000000000000000000" pitchFamily="50" charset="-127"/>
               </a:rPr>
-              <a:t>나이</a:t>
-            </a:r>
-            <a:r>
-              <a:rPr lang="en-US" altLang="ko-KR" sz="4000" smtClean="0">
+              <a:t>, </a:t>
+            </a:r>
+            <a:r>
+              <a:rPr lang="ko-KR" altLang="en-US" sz="4000">
                 <a:solidFill>
                   <a:schemeClr val="tx1">
                     <a:lumMod val="50000"/>
@@ -11543,10 +11367,10 @@
                 <a:latin typeface="G마켓 산스 Medium" panose="02000000000000000000" pitchFamily="50" charset="-127"/>
                 <a:ea typeface="G마켓 산스 Medium" panose="02000000000000000000" pitchFamily="50" charset="-127"/>
               </a:rPr>
-              <a:t>, </a:t>
-            </a:r>
-            <a:r>
-              <a:rPr lang="ko-KR" altLang="en-US" sz="4000" smtClean="0">
+              <a:t>주민번호</a:t>
+            </a:r>
+            <a:r>
+              <a:rPr lang="en-US" altLang="ko-KR" sz="4000">
                 <a:solidFill>
                   <a:schemeClr val="tx1">
                     <a:lumMod val="50000"/>
@@ -11556,10 +11380,10 @@
                 <a:latin typeface="G마켓 산스 Medium" panose="02000000000000000000" pitchFamily="50" charset="-127"/>
                 <a:ea typeface="G마켓 산스 Medium" panose="02000000000000000000" pitchFamily="50" charset="-127"/>
               </a:rPr>
-              <a:t>주민번호</a:t>
-            </a:r>
-            <a:r>
-              <a:rPr lang="en-US" altLang="ko-KR" sz="4000" smtClean="0">
+              <a:t>, </a:t>
+            </a:r>
+            <a:r>
+              <a:rPr lang="ko-KR" altLang="en-US" sz="4000">
                 <a:solidFill>
                   <a:schemeClr val="tx1">
                     <a:lumMod val="50000"/>
@@ -11569,10 +11393,10 @@
                 <a:latin typeface="G마켓 산스 Medium" panose="02000000000000000000" pitchFamily="50" charset="-127"/>
                 <a:ea typeface="G마켓 산스 Medium" panose="02000000000000000000" pitchFamily="50" charset="-127"/>
               </a:rPr>
-              <a:t>, </a:t>
-            </a:r>
-            <a:r>
-              <a:rPr lang="ko-KR" altLang="en-US" sz="4000" smtClean="0">
+              <a:t>성별</a:t>
+            </a:r>
+            <a:r>
+              <a:rPr lang="en-US" altLang="ko-KR" sz="4000">
                 <a:solidFill>
                   <a:schemeClr val="tx1">
                     <a:lumMod val="50000"/>
@@ -11582,23 +11406,10 @@
                 <a:latin typeface="G마켓 산스 Medium" panose="02000000000000000000" pitchFamily="50" charset="-127"/>
                 <a:ea typeface="G마켓 산스 Medium" panose="02000000000000000000" pitchFamily="50" charset="-127"/>
               </a:rPr>
-              <a:t>성별</a:t>
-            </a:r>
-            <a:r>
-              <a:rPr lang="en-US" altLang="ko-KR" sz="4000" smtClean="0">
-                <a:solidFill>
-                  <a:schemeClr val="tx1">
-                    <a:lumMod val="50000"/>
-                    <a:lumOff val="50000"/>
-                  </a:schemeClr>
-                </a:solidFill>
-                <a:latin typeface="G마켓 산스 Medium" panose="02000000000000000000" pitchFamily="50" charset="-127"/>
-                <a:ea typeface="G마켓 산스 Medium" panose="02000000000000000000" pitchFamily="50" charset="-127"/>
-              </a:rPr>
               <a:t>, </a:t>
             </a:r>
             <a:r>
-              <a:rPr lang="ko-KR" altLang="en-US" sz="4000" smtClean="0">
+              <a:rPr lang="ko-KR" altLang="en-US" sz="4000">
                 <a:solidFill>
                   <a:schemeClr val="tx1">
                     <a:lumMod val="50000"/>
@@ -11628,7 +11439,7 @@
           <p:cNvPr id="8" name="TextBox 7">
             <a:extLst>
               <a:ext uri="{FF2B5EF4-FFF2-40B4-BE49-F238E27FC236}">
-                <a16:creationId xmlns="" xmlns:a16="http://schemas.microsoft.com/office/drawing/2014/main" id="{52176D31-35F7-8916-46FA-6095EFEC1E49}"/>
+                <a16:creationId xmlns:a16="http://schemas.microsoft.com/office/drawing/2014/main" id="{52176D31-35F7-8916-46FA-6095EFEC1E49}"/>
               </a:ext>
             </a:extLst>
           </p:cNvPr>
@@ -11652,7 +11463,7 @@
           <a:lstStyle/>
           <a:p>
             <a:r>
-              <a:rPr lang="en-US" altLang="ko-KR" sz="4000" smtClean="0">
+              <a:rPr lang="en-US" altLang="ko-KR" sz="4000">
                 <a:solidFill>
                   <a:schemeClr val="tx1">
                     <a:lumMod val="50000"/>
@@ -11665,7 +11476,7 @@
               <a:t>1. </a:t>
             </a:r>
             <a:r>
-              <a:rPr lang="ko-KR" altLang="en-US" sz="4000" smtClean="0">
+              <a:rPr lang="ko-KR" altLang="en-US" sz="4000">
                 <a:solidFill>
                   <a:schemeClr val="tx1">
                     <a:lumMod val="50000"/>
@@ -11678,7 +11489,7 @@
               <a:t>앞서 만들어 놓은 </a:t>
             </a:r>
             <a:r>
-              <a:rPr lang="en-US" altLang="ko-KR" sz="4000" smtClean="0">
+              <a:rPr lang="en-US" altLang="ko-KR" sz="4000">
                 <a:solidFill>
                   <a:schemeClr val="tx1">
                     <a:lumMod val="50000"/>
@@ -11691,7 +11502,7 @@
               <a:t>Car </a:t>
             </a:r>
             <a:r>
-              <a:rPr lang="ko-KR" altLang="en-US" sz="4000" smtClean="0">
+              <a:rPr lang="ko-KR" altLang="en-US" sz="4000">
                 <a:solidFill>
                   <a:schemeClr val="tx1">
                     <a:lumMod val="50000"/>
@@ -11704,7 +11515,7 @@
               <a:t>클래스를 추상클래스로 만들자</a:t>
             </a:r>
             <a:r>
-              <a:rPr lang="en-US" altLang="ko-KR" sz="4000" smtClean="0">
+              <a:rPr lang="en-US" altLang="ko-KR" sz="4000">
                 <a:solidFill>
                   <a:schemeClr val="tx1">
                     <a:lumMod val="50000"/>
@@ -11863,7 +11674,7 @@
           <p:cNvPr id="4" name="TextBox 3">
             <a:extLst>
               <a:ext uri="{FF2B5EF4-FFF2-40B4-BE49-F238E27FC236}">
-                <a16:creationId xmlns="" xmlns:a16="http://schemas.microsoft.com/office/drawing/2014/main" id="{52176D31-35F7-8916-46FA-6095EFEC1E49}"/>
+                <a16:creationId xmlns:a16="http://schemas.microsoft.com/office/drawing/2014/main" id="{52176D31-35F7-8916-46FA-6095EFEC1E49}"/>
               </a:ext>
             </a:extLst>
           </p:cNvPr>
@@ -11887,7 +11698,7 @@
           <a:lstStyle/>
           <a:p>
             <a:r>
-              <a:rPr lang="en-US" altLang="ko-KR" sz="3600" smtClean="0">
+              <a:rPr lang="en-US" altLang="ko-KR" sz="3600">
                 <a:solidFill>
                   <a:schemeClr val="tx1">
                     <a:lumMod val="50000"/>
@@ -11900,7 +11711,7 @@
               <a:t>3. Unit, Marine, Zergling </a:t>
             </a:r>
             <a:r>
-              <a:rPr lang="ko-KR" altLang="en-US" sz="3600" smtClean="0">
+              <a:rPr lang="ko-KR" altLang="en-US" sz="3600">
                 <a:solidFill>
                   <a:schemeClr val="tx1">
                     <a:lumMod val="50000"/>
@@ -11912,7 +11723,7 @@
               </a:rPr>
               <a:t>클래스를 구현하자</a:t>
             </a:r>
-            <a:endParaRPr lang="en-US" altLang="ko-KR" sz="3600" smtClean="0">
+            <a:endParaRPr lang="en-US" altLang="ko-KR" sz="3600">
               <a:solidFill>
                 <a:schemeClr val="tx1">
                   <a:lumMod val="50000"/>
@@ -11925,7 +11736,7 @@
           </a:p>
           <a:p>
             <a:r>
-              <a:rPr lang="ko-KR" altLang="en-US" sz="3600" smtClean="0">
+              <a:rPr lang="ko-KR" altLang="en-US" sz="3600">
                 <a:solidFill>
                   <a:schemeClr val="tx1">
                     <a:lumMod val="50000"/>
@@ -11938,7 +11749,7 @@
               <a:t>변수</a:t>
             </a:r>
             <a:r>
-              <a:rPr lang="en-US" altLang="ko-KR" sz="3600" smtClean="0">
+              <a:rPr lang="en-US" altLang="ko-KR" sz="3600">
                 <a:solidFill>
                   <a:schemeClr val="tx1">
                     <a:lumMod val="50000"/>
@@ -11951,7 +11762,7 @@
               <a:t>: </a:t>
             </a:r>
             <a:r>
-              <a:rPr lang="en-US" altLang="ko-KR" sz="3600" smtClean="0">
+              <a:rPr lang="en-US" altLang="ko-KR" sz="3600">
                 <a:solidFill>
                   <a:schemeClr val="accent3">
                     <a:lumMod val="60000"/>
@@ -11964,7 +11775,7 @@
               <a:t>hp, power(</a:t>
             </a:r>
             <a:r>
-              <a:rPr lang="ko-KR" altLang="en-US" sz="3600" smtClean="0">
+              <a:rPr lang="ko-KR" altLang="en-US" sz="3600">
                 <a:solidFill>
                   <a:schemeClr val="accent3">
                     <a:lumMod val="60000"/>
@@ -11977,7 +11788,7 @@
               <a:t>공격력</a:t>
             </a:r>
             <a:r>
-              <a:rPr lang="en-US" altLang="ko-KR" sz="3600" smtClean="0">
+              <a:rPr lang="en-US" altLang="ko-KR" sz="3600">
                 <a:solidFill>
                   <a:schemeClr val="accent3">
                     <a:lumMod val="60000"/>
@@ -11990,7 +11801,7 @@
               <a:t>), armor(</a:t>
             </a:r>
             <a:r>
-              <a:rPr lang="ko-KR" altLang="en-US" sz="3600" smtClean="0">
+              <a:rPr lang="ko-KR" altLang="en-US" sz="3600">
                 <a:solidFill>
                   <a:schemeClr val="accent3">
                     <a:lumMod val="60000"/>
@@ -12003,7 +11814,7 @@
               <a:t>방어력</a:t>
             </a:r>
             <a:r>
-              <a:rPr lang="en-US" altLang="ko-KR" sz="3600" smtClean="0">
+              <a:rPr lang="en-US" altLang="ko-KR" sz="3600">
                 <a:solidFill>
                   <a:schemeClr val="accent3">
                     <a:lumMod val="60000"/>
@@ -12018,7 +11829,7 @@
           </a:p>
           <a:p>
             <a:r>
-              <a:rPr lang="ko-KR" altLang="en-US" sz="3600" smtClean="0">
+              <a:rPr lang="ko-KR" altLang="en-US" sz="3600">
                 <a:solidFill>
                   <a:schemeClr val="tx1">
                     <a:lumMod val="50000"/>
@@ -12031,7 +11842,7 @@
               <a:t>메서드 </a:t>
             </a:r>
             <a:r>
-              <a:rPr lang="en-US" altLang="ko-KR" sz="3600" smtClean="0">
+              <a:rPr lang="en-US" altLang="ko-KR" sz="3600">
                 <a:solidFill>
                   <a:schemeClr val="tx1">
                     <a:lumMod val="50000"/>
@@ -12044,7 +11855,7 @@
               <a:t>: </a:t>
             </a:r>
             <a:r>
-              <a:rPr lang="en-US" altLang="ko-KR" sz="3600" smtClean="0">
+              <a:rPr lang="en-US" altLang="ko-KR" sz="3600">
                 <a:solidFill>
                   <a:schemeClr val="accent3">
                     <a:lumMod val="60000"/>
@@ -12054,36 +11865,10 @@
                 <a:latin typeface="G마켓 산스 Medium" panose="02000000000000000000" pitchFamily="50" charset="-127"/>
                 <a:ea typeface="G마켓 산스 Medium" panose="02000000000000000000" pitchFamily="50" charset="-127"/>
               </a:rPr>
-              <a:t>powerUp</a:t>
+              <a:t>powerUp(), armorUp() </a:t>
             </a:r>
             <a:r>
               <a:rPr lang="en-US" altLang="ko-KR" sz="3600">
-                <a:solidFill>
-                  <a:schemeClr val="accent3">
-                    <a:lumMod val="60000"/>
-                    <a:lumOff val="40000"/>
-                  </a:schemeClr>
-                </a:solidFill>
-                <a:latin typeface="G마켓 산스 Medium" panose="02000000000000000000" pitchFamily="50" charset="-127"/>
-                <a:ea typeface="G마켓 산스 Medium" panose="02000000000000000000" pitchFamily="50" charset="-127"/>
-              </a:rPr>
-              <a:t>(), armorUp</a:t>
-            </a:r>
-            <a:r>
-              <a:rPr lang="en-US" altLang="ko-KR" sz="3600" smtClean="0">
-                <a:solidFill>
-                  <a:schemeClr val="accent3">
-                    <a:lumMod val="60000"/>
-                    <a:lumOff val="40000"/>
-                  </a:schemeClr>
-                </a:solidFill>
-                <a:latin typeface="G마켓 산스 Medium" panose="02000000000000000000" pitchFamily="50" charset="-127"/>
-                <a:ea typeface="G마켓 산스 Medium" panose="02000000000000000000" pitchFamily="50" charset="-127"/>
-              </a:rPr>
-              <a:t>() </a:t>
-            </a:r>
-            <a:r>
-              <a:rPr lang="en-US" altLang="ko-KR" sz="3600" smtClean="0">
                 <a:solidFill>
                   <a:schemeClr val="tx1">
                     <a:lumMod val="50000"/>
@@ -12096,7 +11881,7 @@
               <a:t>-&gt; </a:t>
             </a:r>
             <a:r>
-              <a:rPr lang="ko-KR" altLang="en-US" sz="3600" smtClean="0">
+              <a:rPr lang="ko-KR" altLang="en-US" sz="3600">
                 <a:solidFill>
                   <a:schemeClr val="tx1">
                     <a:lumMod val="50000"/>
@@ -12109,7 +11894,7 @@
               <a:t>각각 수치를 </a:t>
             </a:r>
             <a:r>
-              <a:rPr lang="en-US" altLang="ko-KR" sz="3600" smtClean="0">
+              <a:rPr lang="en-US" altLang="ko-KR" sz="3600">
                 <a:solidFill>
                   <a:schemeClr val="tx1">
                     <a:lumMod val="50000"/>
@@ -12122,7 +11907,7 @@
               <a:t>1</a:t>
             </a:r>
             <a:r>
-              <a:rPr lang="ko-KR" altLang="en-US" sz="3600" smtClean="0">
+              <a:rPr lang="ko-KR" altLang="en-US" sz="3600">
                 <a:solidFill>
                   <a:schemeClr val="tx1">
                     <a:lumMod val="50000"/>
@@ -12135,7 +11920,7 @@
               <a:t>씩 증가 시키며 모든 객체가 동시에 수치가 올라야 한다</a:t>
             </a:r>
             <a:r>
-              <a:rPr lang="en-US" altLang="ko-KR" sz="3600" smtClean="0">
+              <a:rPr lang="en-US" altLang="ko-KR" sz="3600">
                 <a:solidFill>
                   <a:schemeClr val="tx1">
                     <a:lumMod val="50000"/>
@@ -12150,7 +11935,7 @@
           </a:p>
           <a:p>
             <a:r>
-              <a:rPr lang="en-US" altLang="ko-KR" sz="3600" smtClean="0">
+              <a:rPr lang="en-US" altLang="ko-KR" sz="3600">
                 <a:solidFill>
                   <a:srgbClr val="FF0000"/>
                 </a:solidFill>
@@ -12160,7 +11945,7 @@
               <a:t>attack() </a:t>
             </a:r>
             <a:r>
-              <a:rPr lang="ko-KR" altLang="en-US" sz="3600" smtClean="0">
+              <a:rPr lang="ko-KR" altLang="en-US" sz="3600">
                 <a:solidFill>
                   <a:srgbClr val="FF0000"/>
                 </a:solidFill>
@@ -12170,7 +11955,7 @@
               <a:t>메서드의 경우 </a:t>
             </a:r>
             <a:r>
-              <a:rPr lang="en-US" altLang="ko-KR" sz="3600" smtClean="0">
+              <a:rPr lang="en-US" altLang="ko-KR" sz="3600">
                 <a:solidFill>
                   <a:srgbClr val="FF0000"/>
                 </a:solidFill>
@@ -12180,7 +11965,7 @@
               <a:t>unit</a:t>
             </a:r>
             <a:r>
-              <a:rPr lang="ko-KR" altLang="en-US" sz="3600" smtClean="0">
+              <a:rPr lang="ko-KR" altLang="en-US" sz="3600">
                 <a:solidFill>
                   <a:srgbClr val="FF0000"/>
                 </a:solidFill>
@@ -12257,13 +12042,6 @@
   <p:clrMapOvr>
     <a:masterClrMapping/>
   </p:clrMapOvr>
-  <p:timing>
-    <p:tnLst>
-      <p:par>
-        <p:cTn id="1" dur="indefinite" restart="never" nodeType="tmRoot"/>
-      </p:par>
-    </p:tnLst>
-  </p:timing>
 </p:sld>
 </file>
 
@@ -12297,7 +12075,7 @@
           <p:cNvPr id="4" name="Object 1">
             <a:extLst>
               <a:ext uri="{FF2B5EF4-FFF2-40B4-BE49-F238E27FC236}">
-                <a16:creationId xmlns:a16="http://schemas.microsoft.com/office/drawing/2014/main" xmlns="" id="{B0329035-BE76-33A8-0F2E-44624FCC1DED}"/>
+                <a16:creationId xmlns:a16="http://schemas.microsoft.com/office/drawing/2014/main" id="{B0329035-BE76-33A8-0F2E-44624FCC1DED}"/>
               </a:ext>
             </a:extLst>
           </p:cNvPr>
@@ -12327,7 +12105,7 @@
           <p:cNvPr id="7" name="그룹 1001">
             <a:extLst>
               <a:ext uri="{FF2B5EF4-FFF2-40B4-BE49-F238E27FC236}">
-                <a16:creationId xmlns:a16="http://schemas.microsoft.com/office/drawing/2014/main" xmlns="" id="{CD24CE9D-AC18-B6CD-F397-7E8E03D6FE26}"/>
+                <a16:creationId xmlns:a16="http://schemas.microsoft.com/office/drawing/2014/main" id="{CD24CE9D-AC18-B6CD-F397-7E8E03D6FE26}"/>
               </a:ext>
             </a:extLst>
           </p:cNvPr>
@@ -12347,7 +12125,7 @@
             <p:cNvPr id="8" name="Object 5">
               <a:extLst>
                 <a:ext uri="{FF2B5EF4-FFF2-40B4-BE49-F238E27FC236}">
-                  <a16:creationId xmlns:a16="http://schemas.microsoft.com/office/drawing/2014/main" xmlns="" id="{0EEF25E8-3BA8-EBAA-6DC2-66D70C3F9F4D}"/>
+                  <a16:creationId xmlns:a16="http://schemas.microsoft.com/office/drawing/2014/main" id="{0EEF25E8-3BA8-EBAA-6DC2-66D70C3F9F4D}"/>
                 </a:ext>
               </a:extLst>
             </p:cNvPr>
@@ -12378,7 +12156,7 @@
           <p:cNvPr id="9" name="그룹 1002">
             <a:extLst>
               <a:ext uri="{FF2B5EF4-FFF2-40B4-BE49-F238E27FC236}">
-                <a16:creationId xmlns:a16="http://schemas.microsoft.com/office/drawing/2014/main" xmlns="" id="{0F281BC9-DE1F-D1FE-E64C-C4640398F00C}"/>
+                <a16:creationId xmlns:a16="http://schemas.microsoft.com/office/drawing/2014/main" id="{0F281BC9-DE1F-D1FE-E64C-C4640398F00C}"/>
               </a:ext>
             </a:extLst>
           </p:cNvPr>
@@ -12398,7 +12176,7 @@
             <p:cNvPr id="10" name="Object 8">
               <a:extLst>
                 <a:ext uri="{FF2B5EF4-FFF2-40B4-BE49-F238E27FC236}">
-                  <a16:creationId xmlns:a16="http://schemas.microsoft.com/office/drawing/2014/main" xmlns="" id="{F669DCEF-04BB-7046-3F7F-5B513213556E}"/>
+                  <a16:creationId xmlns:a16="http://schemas.microsoft.com/office/drawing/2014/main" id="{F669DCEF-04BB-7046-3F7F-5B513213556E}"/>
                 </a:ext>
               </a:extLst>
             </p:cNvPr>
@@ -12429,7 +12207,7 @@
           <p:cNvPr id="11" name="그룹 1003">
             <a:extLst>
               <a:ext uri="{FF2B5EF4-FFF2-40B4-BE49-F238E27FC236}">
-                <a16:creationId xmlns:a16="http://schemas.microsoft.com/office/drawing/2014/main" xmlns="" id="{1F91EEF9-13EA-BB7F-B056-D35E7DB989AC}"/>
+                <a16:creationId xmlns:a16="http://schemas.microsoft.com/office/drawing/2014/main" id="{1F91EEF9-13EA-BB7F-B056-D35E7DB989AC}"/>
               </a:ext>
             </a:extLst>
           </p:cNvPr>
@@ -12449,7 +12227,7 @@
             <p:cNvPr id="12" name="Object 11">
               <a:extLst>
                 <a:ext uri="{FF2B5EF4-FFF2-40B4-BE49-F238E27FC236}">
-                  <a16:creationId xmlns:a16="http://schemas.microsoft.com/office/drawing/2014/main" xmlns="" id="{2CFFB217-AEFB-2C9E-5F86-6EE19510FFC6}"/>
+                  <a16:creationId xmlns:a16="http://schemas.microsoft.com/office/drawing/2014/main" id="{2CFFB217-AEFB-2C9E-5F86-6EE19510FFC6}"/>
                 </a:ext>
               </a:extLst>
             </p:cNvPr>
@@ -12480,7 +12258,7 @@
           <p:cNvPr id="13" name="그룹 1004">
             <a:extLst>
               <a:ext uri="{FF2B5EF4-FFF2-40B4-BE49-F238E27FC236}">
-                <a16:creationId xmlns:a16="http://schemas.microsoft.com/office/drawing/2014/main" xmlns="" id="{123B9C7E-94E8-E7E1-81BE-D59EA0299187}"/>
+                <a16:creationId xmlns:a16="http://schemas.microsoft.com/office/drawing/2014/main" id="{123B9C7E-94E8-E7E1-81BE-D59EA0299187}"/>
               </a:ext>
             </a:extLst>
           </p:cNvPr>
@@ -12500,7 +12278,7 @@
             <p:cNvPr id="14" name="Object 14">
               <a:extLst>
                 <a:ext uri="{FF2B5EF4-FFF2-40B4-BE49-F238E27FC236}">
-                  <a16:creationId xmlns:a16="http://schemas.microsoft.com/office/drawing/2014/main" xmlns="" id="{B6291552-2D89-A79F-7ACD-EA0EF9A4C389}"/>
+                  <a16:creationId xmlns:a16="http://schemas.microsoft.com/office/drawing/2014/main" id="{B6291552-2D89-A79F-7ACD-EA0EF9A4C389}"/>
                 </a:ext>
               </a:extLst>
             </p:cNvPr>
@@ -12531,7 +12309,7 @@
           <p:cNvPr id="15" name="TextBox 14">
             <a:extLst>
               <a:ext uri="{FF2B5EF4-FFF2-40B4-BE49-F238E27FC236}">
-                <a16:creationId xmlns:a16="http://schemas.microsoft.com/office/drawing/2014/main" xmlns="" id="{7D99763A-FC24-23F5-5BA9-D7B042E0F323}"/>
+                <a16:creationId xmlns:a16="http://schemas.microsoft.com/office/drawing/2014/main" id="{7D99763A-FC24-23F5-5BA9-D7B042E0F323}"/>
               </a:ext>
             </a:extLst>
           </p:cNvPr>
@@ -12555,7 +12333,7 @@
           <a:lstStyle/>
           <a:p>
             <a:r>
-              <a:rPr lang="ko-KR" altLang="en-US" sz="6600" smtClean="0">
+              <a:rPr lang="ko-KR" altLang="en-US" sz="6600">
                 <a:solidFill>
                   <a:schemeClr val="bg1"/>
                 </a:solidFill>
@@ -12584,13 +12362,6 @@
   <p:clrMapOvr>
     <a:masterClrMapping/>
   </p:clrMapOvr>
-  <p:timing>
-    <p:tnLst>
-      <p:par>
-        <p:cTn id="1" dur="indefinite" restart="never" nodeType="tmRoot"/>
-      </p:par>
-    </p:tnLst>
-  </p:timing>
 </p:sld>
 </file>
 
@@ -12616,7 +12387,7 @@
           <p:cNvPr id="4" name="TextBox 3">
             <a:extLst>
               <a:ext uri="{FF2B5EF4-FFF2-40B4-BE49-F238E27FC236}">
-                <a16:creationId xmlns="" xmlns:a16="http://schemas.microsoft.com/office/drawing/2014/main" id="{5ADC00B6-990A-40DC-3CEA-505258F5E8DA}"/>
+                <a16:creationId xmlns:a16="http://schemas.microsoft.com/office/drawing/2014/main" id="{5ADC00B6-990A-40DC-3CEA-505258F5E8DA}"/>
               </a:ext>
             </a:extLst>
           </p:cNvPr>
@@ -12640,7 +12411,7 @@
           <a:lstStyle/>
           <a:p>
             <a:r>
-              <a:rPr lang="en-US" altLang="ko-KR" sz="4800" smtClean="0">
+              <a:rPr lang="en-US" altLang="ko-KR" sz="4800">
                 <a:solidFill>
                   <a:srgbClr val="4C50BC"/>
                 </a:solidFill>
@@ -12650,7 +12421,7 @@
               <a:t>java</a:t>
             </a:r>
             <a:r>
-              <a:rPr lang="ko-KR" altLang="en-US" sz="4800" smtClean="0">
+              <a:rPr lang="ko-KR" altLang="en-US" sz="4800">
                 <a:solidFill>
                   <a:srgbClr val="4C50BC"/>
                 </a:solidFill>
@@ -12698,7 +12469,7 @@
           <p:cNvPr id="6" name="직선 화살표 연결선 5">
             <a:extLst>
               <a:ext uri="{FF2B5EF4-FFF2-40B4-BE49-F238E27FC236}">
-                <a16:creationId xmlns="" xmlns:a16="http://schemas.microsoft.com/office/drawing/2014/main" id="{299DF5EC-9DF4-5255-06AC-0A7CE4FF58C3}"/>
+                <a16:creationId xmlns:a16="http://schemas.microsoft.com/office/drawing/2014/main" id="{299DF5EC-9DF4-5255-06AC-0A7CE4FF58C3}"/>
               </a:ext>
             </a:extLst>
           </p:cNvPr>
@@ -12739,7 +12510,7 @@
           <p:cNvPr id="7" name="TextBox 6">
             <a:extLst>
               <a:ext uri="{FF2B5EF4-FFF2-40B4-BE49-F238E27FC236}">
-                <a16:creationId xmlns="" xmlns:a16="http://schemas.microsoft.com/office/drawing/2014/main" id="{C6D113C6-EA5C-788F-0C77-E7CE6EBB865F}"/>
+                <a16:creationId xmlns:a16="http://schemas.microsoft.com/office/drawing/2014/main" id="{C6D113C6-EA5C-788F-0C77-E7CE6EBB865F}"/>
               </a:ext>
             </a:extLst>
           </p:cNvPr>
@@ -12763,7 +12534,7 @@
           <a:lstStyle/>
           <a:p>
             <a:r>
-              <a:rPr lang="ko-KR" altLang="en-US" sz="4000" smtClean="0">
+              <a:rPr lang="ko-KR" altLang="en-US" sz="4000">
                 <a:solidFill>
                   <a:srgbClr val="FF0000"/>
                 </a:solidFill>
@@ -12787,7 +12558,7 @@
           <p:cNvPr id="9" name="직선 화살표 연결선 8">
             <a:extLst>
               <a:ext uri="{FF2B5EF4-FFF2-40B4-BE49-F238E27FC236}">
-                <a16:creationId xmlns="" xmlns:a16="http://schemas.microsoft.com/office/drawing/2014/main" id="{299DF5EC-9DF4-5255-06AC-0A7CE4FF58C3}"/>
+                <a16:creationId xmlns:a16="http://schemas.microsoft.com/office/drawing/2014/main" id="{299DF5EC-9DF4-5255-06AC-0A7CE4FF58C3}"/>
               </a:ext>
             </a:extLst>
           </p:cNvPr>
@@ -12828,7 +12599,7 @@
           <p:cNvPr id="10" name="TextBox 9">
             <a:extLst>
               <a:ext uri="{FF2B5EF4-FFF2-40B4-BE49-F238E27FC236}">
-                <a16:creationId xmlns="" xmlns:a16="http://schemas.microsoft.com/office/drawing/2014/main" id="{C6D113C6-EA5C-788F-0C77-E7CE6EBB865F}"/>
+                <a16:creationId xmlns:a16="http://schemas.microsoft.com/office/drawing/2014/main" id="{C6D113C6-EA5C-788F-0C77-E7CE6EBB865F}"/>
               </a:ext>
             </a:extLst>
           </p:cNvPr>
@@ -12852,7 +12623,7 @@
           <a:lstStyle/>
           <a:p>
             <a:r>
-              <a:rPr lang="ko-KR" altLang="en-US" sz="4000" smtClean="0">
+              <a:rPr lang="ko-KR" altLang="en-US" sz="4000">
                 <a:solidFill>
                   <a:srgbClr val="FF0000"/>
                 </a:solidFill>
@@ -12900,7 +12671,7 @@
           <p:cNvPr id="12" name="직선 화살표 연결선 11">
             <a:extLst>
               <a:ext uri="{FF2B5EF4-FFF2-40B4-BE49-F238E27FC236}">
-                <a16:creationId xmlns="" xmlns:a16="http://schemas.microsoft.com/office/drawing/2014/main" id="{299DF5EC-9DF4-5255-06AC-0A7CE4FF58C3}"/>
+                <a16:creationId xmlns:a16="http://schemas.microsoft.com/office/drawing/2014/main" id="{299DF5EC-9DF4-5255-06AC-0A7CE4FF58C3}"/>
               </a:ext>
             </a:extLst>
           </p:cNvPr>
@@ -12941,7 +12712,7 @@
           <p:cNvPr id="13" name="TextBox 12">
             <a:extLst>
               <a:ext uri="{FF2B5EF4-FFF2-40B4-BE49-F238E27FC236}">
-                <a16:creationId xmlns="" xmlns:a16="http://schemas.microsoft.com/office/drawing/2014/main" id="{C6D113C6-EA5C-788F-0C77-E7CE6EBB865F}"/>
+                <a16:creationId xmlns:a16="http://schemas.microsoft.com/office/drawing/2014/main" id="{C6D113C6-EA5C-788F-0C77-E7CE6EBB865F}"/>
               </a:ext>
             </a:extLst>
           </p:cNvPr>
@@ -12965,7 +12736,7 @@
           <a:lstStyle/>
           <a:p>
             <a:r>
-              <a:rPr lang="ko-KR" altLang="en-US" sz="4000" smtClean="0">
+              <a:rPr lang="ko-KR" altLang="en-US" sz="4000">
                 <a:solidFill>
                   <a:srgbClr val="FF0000"/>
                 </a:solidFill>
@@ -12989,7 +12760,7 @@
           <p:cNvPr id="15" name="직선 화살표 연결선 14">
             <a:extLst>
               <a:ext uri="{FF2B5EF4-FFF2-40B4-BE49-F238E27FC236}">
-                <a16:creationId xmlns="" xmlns:a16="http://schemas.microsoft.com/office/drawing/2014/main" id="{299DF5EC-9DF4-5255-06AC-0A7CE4FF58C3}"/>
+                <a16:creationId xmlns:a16="http://schemas.microsoft.com/office/drawing/2014/main" id="{299DF5EC-9DF4-5255-06AC-0A7CE4FF58C3}"/>
               </a:ext>
             </a:extLst>
           </p:cNvPr>
@@ -13030,7 +12801,7 @@
           <p:cNvPr id="16" name="TextBox 15">
             <a:extLst>
               <a:ext uri="{FF2B5EF4-FFF2-40B4-BE49-F238E27FC236}">
-                <a16:creationId xmlns="" xmlns:a16="http://schemas.microsoft.com/office/drawing/2014/main" id="{C6D113C6-EA5C-788F-0C77-E7CE6EBB865F}"/>
+                <a16:creationId xmlns:a16="http://schemas.microsoft.com/office/drawing/2014/main" id="{C6D113C6-EA5C-788F-0C77-E7CE6EBB865F}"/>
               </a:ext>
             </a:extLst>
           </p:cNvPr>
@@ -13054,7 +12825,7 @@
           <a:lstStyle/>
           <a:p>
             <a:r>
-              <a:rPr lang="ko-KR" altLang="en-US" sz="4000" smtClean="0">
+              <a:rPr lang="ko-KR" altLang="en-US" sz="4000">
                 <a:solidFill>
                   <a:srgbClr val="FF0000"/>
                 </a:solidFill>
@@ -13078,7 +12849,7 @@
           <p:cNvPr id="18" name="직사각형 17">
             <a:extLst>
               <a:ext uri="{FF2B5EF4-FFF2-40B4-BE49-F238E27FC236}">
-                <a16:creationId xmlns="" xmlns:a16="http://schemas.microsoft.com/office/drawing/2014/main" id="{FFF506F9-840A-0508-4CAF-3AC711D8D5CE}"/>
+                <a16:creationId xmlns:a16="http://schemas.microsoft.com/office/drawing/2014/main" id="{FFF506F9-840A-0508-4CAF-3AC711D8D5CE}"/>
               </a:ext>
             </a:extLst>
           </p:cNvPr>
@@ -13135,13 +12906,6 @@
   <p:clrMapOvr>
     <a:masterClrMapping/>
   </p:clrMapOvr>
-  <p:timing>
-    <p:tnLst>
-      <p:par>
-        <p:cTn id="1" dur="indefinite" restart="never" nodeType="tmRoot"/>
-      </p:par>
-    </p:tnLst>
-  </p:timing>
 </p:sld>
 </file>
 
@@ -13167,7 +12931,7 @@
           <p:cNvPr id="4" name="TextBox 3">
             <a:extLst>
               <a:ext uri="{FF2B5EF4-FFF2-40B4-BE49-F238E27FC236}">
-                <a16:creationId xmlns="" xmlns:a16="http://schemas.microsoft.com/office/drawing/2014/main" id="{5ADC00B6-990A-40DC-3CEA-505258F5E8DA}"/>
+                <a16:creationId xmlns:a16="http://schemas.microsoft.com/office/drawing/2014/main" id="{5ADC00B6-990A-40DC-3CEA-505258F5E8DA}"/>
               </a:ext>
             </a:extLst>
           </p:cNvPr>
@@ -13191,7 +12955,7 @@
           <a:lstStyle/>
           <a:p>
             <a:r>
-              <a:rPr lang="ko-KR" altLang="en-US" sz="4800" smtClean="0">
+              <a:rPr lang="ko-KR" altLang="en-US" sz="4800">
                 <a:solidFill>
                   <a:srgbClr val="4C50BC"/>
                 </a:solidFill>
@@ -13215,7 +12979,7 @@
           <p:cNvPr id="5" name="TextBox 4">
             <a:extLst>
               <a:ext uri="{FF2B5EF4-FFF2-40B4-BE49-F238E27FC236}">
-                <a16:creationId xmlns="" xmlns:a16="http://schemas.microsoft.com/office/drawing/2014/main" id="{52176D31-35F7-8916-46FA-6095EFEC1E49}"/>
+                <a16:creationId xmlns:a16="http://schemas.microsoft.com/office/drawing/2014/main" id="{52176D31-35F7-8916-46FA-6095EFEC1E49}"/>
               </a:ext>
             </a:extLst>
           </p:cNvPr>
@@ -13239,7 +13003,7 @@
           <a:lstStyle/>
           <a:p>
             <a:r>
-              <a:rPr lang="en-US" altLang="ko-KR" sz="4000" smtClean="0">
+              <a:rPr lang="en-US" altLang="ko-KR" sz="4000">
                 <a:solidFill>
                   <a:schemeClr val="tx1">
                     <a:lumMod val="50000"/>
@@ -13252,7 +13016,7 @@
               <a:t>public : </a:t>
             </a:r>
             <a:r>
-              <a:rPr lang="ko-KR" altLang="en-US" sz="4000" smtClean="0">
+              <a:rPr lang="ko-KR" altLang="en-US" sz="4000">
                 <a:solidFill>
                   <a:schemeClr val="tx1">
                     <a:lumMod val="50000"/>
@@ -13264,7 +13028,7 @@
               </a:rPr>
               <a:t>제한없이 어디서든 접근가능</a:t>
             </a:r>
-            <a:endParaRPr lang="en-US" altLang="ko-KR" sz="4000" smtClean="0">
+            <a:endParaRPr lang="en-US" altLang="ko-KR" sz="4000">
               <a:solidFill>
                 <a:schemeClr val="tx1">
                   <a:lumMod val="50000"/>
@@ -13276,7 +13040,7 @@
             </a:endParaRPr>
           </a:p>
           <a:p>
-            <a:endParaRPr lang="en-US" altLang="ko-KR" sz="4000" smtClean="0">
+            <a:endParaRPr lang="en-US" altLang="ko-KR" sz="4000">
               <a:solidFill>
                 <a:schemeClr val="tx1">
                   <a:lumMod val="50000"/>
@@ -13289,7 +13053,7 @@
           </a:p>
           <a:p>
             <a:r>
-              <a:rPr lang="en-US" altLang="ko-KR" sz="4000" smtClean="0">
+              <a:rPr lang="en-US" altLang="ko-KR" sz="4000">
                 <a:solidFill>
                   <a:schemeClr val="tx1">
                     <a:lumMod val="50000"/>
@@ -13302,7 +13066,7 @@
               <a:t>protected : </a:t>
             </a:r>
             <a:r>
-              <a:rPr lang="ko-KR" altLang="en-US" sz="4000" smtClean="0">
+              <a:rPr lang="ko-KR" altLang="en-US" sz="4000">
                 <a:solidFill>
                   <a:schemeClr val="tx1">
                     <a:lumMod val="50000"/>
@@ -13315,7 +13079,7 @@
               <a:t>같은 패키지내에서</a:t>
             </a:r>
             <a:r>
-              <a:rPr lang="en-US" altLang="ko-KR" sz="4000" smtClean="0">
+              <a:rPr lang="en-US" altLang="ko-KR" sz="4000">
                 <a:solidFill>
                   <a:schemeClr val="tx1">
                     <a:lumMod val="50000"/>
@@ -13328,7 +13092,7 @@
               <a:t>, </a:t>
             </a:r>
             <a:r>
-              <a:rPr lang="ko-KR" altLang="en-US" sz="4000" smtClean="0">
+              <a:rPr lang="ko-KR" altLang="en-US" sz="4000">
                 <a:solidFill>
                   <a:schemeClr val="tx1">
                     <a:lumMod val="50000"/>
@@ -13340,7 +13104,7 @@
               </a:rPr>
               <a:t>혹은 다른패키지더라도 자손클래스에서 접근가능</a:t>
             </a:r>
-            <a:endParaRPr lang="en-US" altLang="ko-KR" sz="4000" smtClean="0">
+            <a:endParaRPr lang="en-US" altLang="ko-KR" sz="4000">
               <a:solidFill>
                 <a:schemeClr val="tx1">
                   <a:lumMod val="50000"/>
@@ -13352,7 +13116,7 @@
             </a:endParaRPr>
           </a:p>
           <a:p>
-            <a:endParaRPr lang="en-US" altLang="ko-KR" sz="4000" smtClean="0">
+            <a:endParaRPr lang="en-US" altLang="ko-KR" sz="4000">
               <a:solidFill>
                 <a:schemeClr val="tx1">
                   <a:lumMod val="50000"/>
@@ -13365,7 +13129,7 @@
           </a:p>
           <a:p>
             <a:r>
-              <a:rPr lang="en-US" altLang="ko-KR" sz="4000" smtClean="0">
+              <a:rPr lang="en-US" altLang="ko-KR" sz="4000">
                 <a:solidFill>
                   <a:schemeClr val="tx1">
                     <a:lumMod val="50000"/>
@@ -13378,7 +13142,7 @@
               <a:t>default : </a:t>
             </a:r>
             <a:r>
-              <a:rPr lang="ko-KR" altLang="en-US" sz="4000" smtClean="0">
+              <a:rPr lang="ko-KR" altLang="en-US" sz="4000">
                 <a:solidFill>
                   <a:schemeClr val="tx1">
                     <a:lumMod val="50000"/>
@@ -13390,7 +13154,7 @@
               </a:rPr>
               <a:t>같은 패키지내에서 접근 가능</a:t>
             </a:r>
-            <a:endParaRPr lang="en-US" altLang="ko-KR" sz="4000" smtClean="0">
+            <a:endParaRPr lang="en-US" altLang="ko-KR" sz="4000">
               <a:solidFill>
                 <a:schemeClr val="tx1">
                   <a:lumMod val="50000"/>
@@ -13402,7 +13166,7 @@
             </a:endParaRPr>
           </a:p>
           <a:p>
-            <a:endParaRPr lang="en-US" altLang="ko-KR" sz="4000" smtClean="0">
+            <a:endParaRPr lang="en-US" altLang="ko-KR" sz="4000">
               <a:solidFill>
                 <a:schemeClr val="tx1">
                   <a:lumMod val="50000"/>
@@ -13415,7 +13179,7 @@
           </a:p>
           <a:p>
             <a:r>
-              <a:rPr lang="en-US" altLang="ko-KR" sz="4000" smtClean="0">
+              <a:rPr lang="en-US" altLang="ko-KR" sz="4000">
                 <a:solidFill>
                   <a:schemeClr val="tx1">
                     <a:lumMod val="50000"/>
@@ -13428,7 +13192,7 @@
               <a:t>private : </a:t>
             </a:r>
             <a:r>
-              <a:rPr lang="ko-KR" altLang="en-US" sz="4000" smtClean="0">
+              <a:rPr lang="ko-KR" altLang="en-US" sz="4000">
                 <a:solidFill>
                   <a:schemeClr val="tx1">
                     <a:lumMod val="50000"/>
@@ -13463,13 +13227,6 @@
   <p:clrMapOvr>
     <a:masterClrMapping/>
   </p:clrMapOvr>
-  <p:timing>
-    <p:tnLst>
-      <p:par>
-        <p:cTn id="1" dur="indefinite" restart="never" nodeType="tmRoot"/>
-      </p:par>
-    </p:tnLst>
-  </p:timing>
 </p:sld>
 </file>
 
@@ -13515,8 +13272,20 @@
                 <a:tableStyleId>{5C22544A-7EE6-4342-B048-85BDC9FD1C3A}</a:tableStyleId>
               </a:tblPr>
               <a:tblGrid>
-                <a:gridCol w="5680353"/>
-                <a:gridCol w="5749647"/>
+                <a:gridCol w="5680353">
+                  <a:extLst>
+                    <a:ext uri="{9D8B030D-6E8A-4147-A177-3AD203B41FA5}">
+                      <a16:colId xmlns:a16="http://schemas.microsoft.com/office/drawing/2014/main" val="20000"/>
+                    </a:ext>
+                  </a:extLst>
+                </a:gridCol>
+                <a:gridCol w="5749647">
+                  <a:extLst>
+                    <a:ext uri="{9D8B030D-6E8A-4147-A177-3AD203B41FA5}">
+                      <a16:colId xmlns:a16="http://schemas.microsoft.com/office/drawing/2014/main" val="20001"/>
+                    </a:ext>
+                  </a:extLst>
+                </a:gridCol>
               </a:tblGrid>
               <a:tr h="1005840">
                 <a:tc>
@@ -13526,7 +13295,7 @@
                     <a:p>
                       <a:pPr latinLnBrk="1"/>
                       <a:r>
-                        <a:rPr lang="ko-KR" altLang="en-US" sz="3600" smtClean="0">
+                        <a:rPr lang="ko-KR" altLang="en-US" sz="3600">
                           <a:solidFill>
                             <a:schemeClr val="bg1"/>
                           </a:solidFill>
@@ -13591,7 +13360,7 @@
                     <a:p>
                       <a:pPr latinLnBrk="1"/>
                       <a:r>
-                        <a:rPr lang="ko-KR" altLang="en-US" sz="3600" smtClean="0">
+                        <a:rPr lang="ko-KR" altLang="en-US" sz="3600">
                           <a:solidFill>
                             <a:schemeClr val="bg1"/>
                           </a:solidFill>
@@ -13649,6 +13418,11 @@
                     </a:solidFill>
                   </a:tcPr>
                 </a:tc>
+                <a:extLst>
+                  <a:ext uri="{0D108BD9-81ED-4DB2-BD59-A6C34878D82A}">
+                    <a16:rowId xmlns:a16="http://schemas.microsoft.com/office/drawing/2014/main" val="10000"/>
+                  </a:ext>
+                </a:extLst>
               </a:tr>
               <a:tr h="1005840">
                 <a:tc>
@@ -13658,7 +13432,7 @@
                     <a:p>
                       <a:pPr latinLnBrk="1"/>
                       <a:r>
-                        <a:rPr lang="ko-KR" altLang="en-US" sz="3600" smtClean="0">
+                        <a:rPr lang="ko-KR" altLang="en-US" sz="3600">
                           <a:ea typeface="G마켓 산스 Medium" panose="02000000000000000000"/>
                         </a:rPr>
                         <a:t>클래스</a:t>
@@ -13731,13 +13505,13 @@
                         <a:defRPr/>
                       </a:pPr>
                       <a:r>
-                        <a:rPr lang="en-US" altLang="ko-KR" sz="3600" smtClean="0">
+                        <a:rPr lang="en-US" altLang="ko-KR" sz="3600">
                           <a:ea typeface="G마켓 산스 Medium" panose="02000000000000000000"/>
                         </a:rPr>
                         <a:t>public,</a:t>
                       </a:r>
                       <a:r>
-                        <a:rPr lang="en-US" altLang="ko-KR" sz="3600" baseline="0" smtClean="0">
+                        <a:rPr lang="en-US" altLang="ko-KR" sz="3600" baseline="0">
                           <a:ea typeface="G마켓 산스 Medium" panose="02000000000000000000"/>
                         </a:rPr>
                         <a:t> default</a:t>
@@ -13787,6 +13561,11 @@
                     <a:noFill/>
                   </a:tcPr>
                 </a:tc>
+                <a:extLst>
+                  <a:ext uri="{0D108BD9-81ED-4DB2-BD59-A6C34878D82A}">
+                    <a16:rowId xmlns:a16="http://schemas.microsoft.com/office/drawing/2014/main" val="10001"/>
+                  </a:ext>
+                </a:extLst>
               </a:tr>
               <a:tr h="1005840">
                 <a:tc>
@@ -13796,7 +13575,7 @@
                     <a:p>
                       <a:pPr latinLnBrk="1"/>
                       <a:r>
-                        <a:rPr lang="ko-KR" altLang="en-US" sz="3600" smtClean="0">
+                        <a:rPr lang="ko-KR" altLang="en-US" sz="3600">
                           <a:ea typeface="G마켓 산스 Medium" panose="02000000000000000000"/>
                         </a:rPr>
                         <a:t>메서드</a:t>
@@ -13853,7 +13632,7 @@
                     <a:p>
                       <a:pPr latinLnBrk="1"/>
                       <a:r>
-                        <a:rPr lang="ko-KR" altLang="en-US" sz="3600" smtClean="0">
+                        <a:rPr lang="ko-KR" altLang="en-US" sz="3600">
                           <a:ea typeface="G마켓 산스 Medium" panose="02000000000000000000"/>
                         </a:rPr>
                         <a:t>전부 사용</a:t>
@@ -13903,6 +13682,11 @@
                     <a:noFill/>
                   </a:tcPr>
                 </a:tc>
+                <a:extLst>
+                  <a:ext uri="{0D108BD9-81ED-4DB2-BD59-A6C34878D82A}">
+                    <a16:rowId xmlns:a16="http://schemas.microsoft.com/office/drawing/2014/main" val="10002"/>
+                  </a:ext>
+                </a:extLst>
               </a:tr>
               <a:tr h="1005840">
                 <a:tc>
@@ -13912,7 +13696,7 @@
                     <a:p>
                       <a:pPr latinLnBrk="1"/>
                       <a:r>
-                        <a:rPr lang="ko-KR" altLang="en-US" sz="3600" smtClean="0">
+                        <a:rPr lang="ko-KR" altLang="en-US" sz="3600">
                           <a:ea typeface="G마켓 산스 Medium" panose="02000000000000000000"/>
                         </a:rPr>
                         <a:t>멤버변수</a:t>
@@ -13969,7 +13753,7 @@
                     <a:p>
                       <a:pPr latinLnBrk="1"/>
                       <a:r>
-                        <a:rPr lang="ko-KR" altLang="en-US" sz="3600" smtClean="0">
+                        <a:rPr lang="ko-KR" altLang="en-US" sz="3600">
                           <a:ea typeface="G마켓 산스 Medium" panose="02000000000000000000"/>
                         </a:rPr>
                         <a:t>전부 사용</a:t>
@@ -14019,6 +13803,11 @@
                     <a:noFill/>
                   </a:tcPr>
                 </a:tc>
+                <a:extLst>
+                  <a:ext uri="{0D108BD9-81ED-4DB2-BD59-A6C34878D82A}">
+                    <a16:rowId xmlns:a16="http://schemas.microsoft.com/office/drawing/2014/main" val="10003"/>
+                  </a:ext>
+                </a:extLst>
               </a:tr>
             </a:tbl>
           </a:graphicData>
@@ -14034,13 +13823,6 @@
   <p:clrMapOvr>
     <a:masterClrMapping/>
   </p:clrMapOvr>
-  <p:timing>
-    <p:tnLst>
-      <p:par>
-        <p:cTn id="1" dur="indefinite" restart="never" nodeType="tmRoot"/>
-      </p:par>
-    </p:tnLst>
-  </p:timing>
 </p:sld>
 </file>
 
@@ -14090,7 +13872,7 @@
           <p:cNvPr id="6" name="직선 화살표 연결선 5">
             <a:extLst>
               <a:ext uri="{FF2B5EF4-FFF2-40B4-BE49-F238E27FC236}">
-                <a16:creationId xmlns="" xmlns:a16="http://schemas.microsoft.com/office/drawing/2014/main" id="{299DF5EC-9DF4-5255-06AC-0A7CE4FF58C3}"/>
+                <a16:creationId xmlns:a16="http://schemas.microsoft.com/office/drawing/2014/main" id="{299DF5EC-9DF4-5255-06AC-0A7CE4FF58C3}"/>
               </a:ext>
             </a:extLst>
           </p:cNvPr>
@@ -14131,7 +13913,7 @@
           <p:cNvPr id="7" name="직사각형 6">
             <a:extLst>
               <a:ext uri="{FF2B5EF4-FFF2-40B4-BE49-F238E27FC236}">
-                <a16:creationId xmlns="" xmlns:a16="http://schemas.microsoft.com/office/drawing/2014/main" id="{FFF506F9-840A-0508-4CAF-3AC711D8D5CE}"/>
+                <a16:creationId xmlns:a16="http://schemas.microsoft.com/office/drawing/2014/main" id="{FFF506F9-840A-0508-4CAF-3AC711D8D5CE}"/>
               </a:ext>
             </a:extLst>
           </p:cNvPr>
@@ -14183,7 +13965,7 @@
           <p:cNvPr id="8" name="TextBox 7">
             <a:extLst>
               <a:ext uri="{FF2B5EF4-FFF2-40B4-BE49-F238E27FC236}">
-                <a16:creationId xmlns="" xmlns:a16="http://schemas.microsoft.com/office/drawing/2014/main" id="{C6D113C6-EA5C-788F-0C77-E7CE6EBB865F}"/>
+                <a16:creationId xmlns:a16="http://schemas.microsoft.com/office/drawing/2014/main" id="{C6D113C6-EA5C-788F-0C77-E7CE6EBB865F}"/>
               </a:ext>
             </a:extLst>
           </p:cNvPr>
@@ -14207,7 +13989,7 @@
           <a:lstStyle/>
           <a:p>
             <a:r>
-              <a:rPr lang="en-US" altLang="ko-KR" sz="4000" smtClean="0">
+              <a:rPr lang="en-US" altLang="ko-KR" sz="4000">
                 <a:solidFill>
                   <a:srgbClr val="FF0000"/>
                 </a:solidFill>
@@ -14217,7 +13999,7 @@
               <a:t>private </a:t>
             </a:r>
             <a:r>
-              <a:rPr lang="ko-KR" altLang="en-US" sz="4000" smtClean="0">
+              <a:rPr lang="ko-KR" altLang="en-US" sz="4000">
                 <a:solidFill>
                   <a:srgbClr val="FF0000"/>
                 </a:solidFill>
@@ -14227,7 +14009,7 @@
               <a:t>이라서 클래스 외부에서는 사용할수 없다</a:t>
             </a:r>
             <a:r>
-              <a:rPr lang="en-US" altLang="ko-KR" sz="4000" smtClean="0">
+              <a:rPr lang="en-US" altLang="ko-KR" sz="4000">
                 <a:solidFill>
                   <a:srgbClr val="FF0000"/>
                 </a:solidFill>
@@ -14251,7 +14033,7 @@
           <p:cNvPr id="14" name="직선 화살표 연결선 13">
             <a:extLst>
               <a:ext uri="{FF2B5EF4-FFF2-40B4-BE49-F238E27FC236}">
-                <a16:creationId xmlns="" xmlns:a16="http://schemas.microsoft.com/office/drawing/2014/main" id="{299DF5EC-9DF4-5255-06AC-0A7CE4FF58C3}"/>
+                <a16:creationId xmlns:a16="http://schemas.microsoft.com/office/drawing/2014/main" id="{299DF5EC-9DF4-5255-06AC-0A7CE4FF58C3}"/>
               </a:ext>
             </a:extLst>
           </p:cNvPr>
@@ -14292,7 +14074,7 @@
           <p:cNvPr id="15" name="직사각형 14">
             <a:extLst>
               <a:ext uri="{FF2B5EF4-FFF2-40B4-BE49-F238E27FC236}">
-                <a16:creationId xmlns="" xmlns:a16="http://schemas.microsoft.com/office/drawing/2014/main" id="{FFF506F9-840A-0508-4CAF-3AC711D8D5CE}"/>
+                <a16:creationId xmlns:a16="http://schemas.microsoft.com/office/drawing/2014/main" id="{FFF506F9-840A-0508-4CAF-3AC711D8D5CE}"/>
               </a:ext>
             </a:extLst>
           </p:cNvPr>
@@ -14344,7 +14126,7 @@
           <p:cNvPr id="16" name="TextBox 15">
             <a:extLst>
               <a:ext uri="{FF2B5EF4-FFF2-40B4-BE49-F238E27FC236}">
-                <a16:creationId xmlns="" xmlns:a16="http://schemas.microsoft.com/office/drawing/2014/main" id="{C6D113C6-EA5C-788F-0C77-E7CE6EBB865F}"/>
+                <a16:creationId xmlns:a16="http://schemas.microsoft.com/office/drawing/2014/main" id="{C6D113C6-EA5C-788F-0C77-E7CE6EBB865F}"/>
               </a:ext>
             </a:extLst>
           </p:cNvPr>
@@ -14368,7 +14150,7 @@
           <a:lstStyle/>
           <a:p>
             <a:r>
-              <a:rPr lang="ko-KR" altLang="en-US" sz="4000" smtClean="0">
+              <a:rPr lang="ko-KR" altLang="en-US" sz="4000">
                 <a:solidFill>
                   <a:srgbClr val="FF0000"/>
                 </a:solidFill>
@@ -14392,7 +14174,7 @@
           <p:cNvPr id="17" name="TextBox 16">
             <a:extLst>
               <a:ext uri="{FF2B5EF4-FFF2-40B4-BE49-F238E27FC236}">
-                <a16:creationId xmlns="" xmlns:a16="http://schemas.microsoft.com/office/drawing/2014/main" id="{5ADC00B6-990A-40DC-3CEA-505258F5E8DA}"/>
+                <a16:creationId xmlns:a16="http://schemas.microsoft.com/office/drawing/2014/main" id="{5ADC00B6-990A-40DC-3CEA-505258F5E8DA}"/>
               </a:ext>
             </a:extLst>
           </p:cNvPr>
@@ -14416,7 +14198,7 @@
           <a:lstStyle/>
           <a:p>
             <a:r>
-              <a:rPr lang="ko-KR" altLang="en-US" sz="4800" smtClean="0">
+              <a:rPr lang="ko-KR" altLang="en-US" sz="4800">
                 <a:solidFill>
                   <a:srgbClr val="4C50BC"/>
                 </a:solidFill>
@@ -14426,7 +14208,7 @@
               <a:t>멤버변수의 접근제어</a:t>
             </a:r>
             <a:r>
-              <a:rPr lang="en-US" altLang="ko-KR" sz="4800" smtClean="0">
+              <a:rPr lang="en-US" altLang="ko-KR" sz="4800">
                 <a:solidFill>
                   <a:srgbClr val="4C50BC"/>
                 </a:solidFill>
@@ -14455,13 +14237,6 @@
   <p:clrMapOvr>
     <a:masterClrMapping/>
   </p:clrMapOvr>
-  <p:timing>
-    <p:tnLst>
-      <p:par>
-        <p:cTn id="1" dur="indefinite" restart="never" nodeType="tmRoot"/>
-      </p:par>
-    </p:tnLst>
-  </p:timing>
 </p:sld>
 </file>
 
@@ -14535,7 +14310,7 @@
           <p:cNvPr id="5" name="TextBox 4">
             <a:extLst>
               <a:ext uri="{FF2B5EF4-FFF2-40B4-BE49-F238E27FC236}">
-                <a16:creationId xmlns:a16="http://schemas.microsoft.com/office/drawing/2014/main" xmlns="" id="{DF7DDD33-9412-2802-339A-E55446AC2DA7}"/>
+                <a16:creationId xmlns:a16="http://schemas.microsoft.com/office/drawing/2014/main" id="{DF7DDD33-9412-2802-339A-E55446AC2DA7}"/>
               </a:ext>
             </a:extLst>
           </p:cNvPr>
@@ -14559,7 +14334,7 @@
           <a:lstStyle/>
           <a:p>
             <a:r>
-              <a:rPr lang="ko-KR" altLang="en-US" sz="5400" smtClean="0">
+              <a:rPr lang="ko-KR" altLang="en-US" sz="5400">
                 <a:solidFill>
                   <a:srgbClr val="4C50BC"/>
                 </a:solidFill>
@@ -14583,7 +14358,7 @@
           <p:cNvPr id="6" name="TextBox 5">
             <a:extLst>
               <a:ext uri="{FF2B5EF4-FFF2-40B4-BE49-F238E27FC236}">
-                <a16:creationId xmlns:a16="http://schemas.microsoft.com/office/drawing/2014/main" xmlns="" id="{F68B80B8-3419-5C31-B2F2-084E536A2C1C}"/>
+                <a16:creationId xmlns:a16="http://schemas.microsoft.com/office/drawing/2014/main" id="{F68B80B8-3419-5C31-B2F2-084E536A2C1C}"/>
               </a:ext>
             </a:extLst>
           </p:cNvPr>
@@ -14607,7 +14382,7 @@
           <a:lstStyle/>
           <a:p>
             <a:r>
-              <a:rPr lang="ko-KR" altLang="en-US" sz="3600" smtClean="0">
+              <a:rPr lang="ko-KR" altLang="en-US" sz="3600">
                 <a:solidFill>
                   <a:schemeClr val="bg1">
                     <a:lumMod val="50000"/>
@@ -14635,7 +14410,7 @@
           <p:cNvPr id="7" name="직사각형 6">
             <a:extLst>
               <a:ext uri="{FF2B5EF4-FFF2-40B4-BE49-F238E27FC236}">
-                <a16:creationId xmlns:a16="http://schemas.microsoft.com/office/drawing/2014/main" xmlns="" id="{FFF506F9-840A-0508-4CAF-3AC711D8D5CE}"/>
+                <a16:creationId xmlns:a16="http://schemas.microsoft.com/office/drawing/2014/main" id="{FFF506F9-840A-0508-4CAF-3AC711D8D5CE}"/>
               </a:ext>
             </a:extLst>
           </p:cNvPr>
@@ -14687,7 +14462,7 @@
           <p:cNvPr id="9" name="직사각형 8">
             <a:extLst>
               <a:ext uri="{FF2B5EF4-FFF2-40B4-BE49-F238E27FC236}">
-                <a16:creationId xmlns:a16="http://schemas.microsoft.com/office/drawing/2014/main" xmlns="" id="{FFF506F9-840A-0508-4CAF-3AC711D8D5CE}"/>
+                <a16:creationId xmlns:a16="http://schemas.microsoft.com/office/drawing/2014/main" id="{FFF506F9-840A-0508-4CAF-3AC711D8D5CE}"/>
               </a:ext>
             </a:extLst>
           </p:cNvPr>
@@ -14739,7 +14514,7 @@
           <p:cNvPr id="10" name="TextBox 9">
             <a:extLst>
               <a:ext uri="{FF2B5EF4-FFF2-40B4-BE49-F238E27FC236}">
-                <a16:creationId xmlns="" xmlns:a16="http://schemas.microsoft.com/office/drawing/2014/main" id="{C6D113C6-EA5C-788F-0C77-E7CE6EBB865F}"/>
+                <a16:creationId xmlns:a16="http://schemas.microsoft.com/office/drawing/2014/main" id="{C6D113C6-EA5C-788F-0C77-E7CE6EBB865F}"/>
               </a:ext>
             </a:extLst>
           </p:cNvPr>
@@ -14763,7 +14538,7 @@
           <a:lstStyle/>
           <a:p>
             <a:r>
-              <a:rPr lang="ko-KR" altLang="en-US" sz="4000" smtClean="0">
+              <a:rPr lang="ko-KR" altLang="en-US" sz="4000">
                 <a:solidFill>
                   <a:srgbClr val="FF0000"/>
                 </a:solidFill>
@@ -14811,7 +14586,7 @@
           <p:cNvPr id="13" name="직사각형 12">
             <a:extLst>
               <a:ext uri="{FF2B5EF4-FFF2-40B4-BE49-F238E27FC236}">
-                <a16:creationId xmlns:a16="http://schemas.microsoft.com/office/drawing/2014/main" xmlns="" id="{FFF506F9-840A-0508-4CAF-3AC711D8D5CE}"/>
+                <a16:creationId xmlns:a16="http://schemas.microsoft.com/office/drawing/2014/main" id="{FFF506F9-840A-0508-4CAF-3AC711D8D5CE}"/>
               </a:ext>
             </a:extLst>
           </p:cNvPr>
@@ -14863,7 +14638,7 @@
           <p:cNvPr id="14" name="TextBox 13">
             <a:extLst>
               <a:ext uri="{FF2B5EF4-FFF2-40B4-BE49-F238E27FC236}">
-                <a16:creationId xmlns="" xmlns:a16="http://schemas.microsoft.com/office/drawing/2014/main" id="{C6D113C6-EA5C-788F-0C77-E7CE6EBB865F}"/>
+                <a16:creationId xmlns:a16="http://schemas.microsoft.com/office/drawing/2014/main" id="{C6D113C6-EA5C-788F-0C77-E7CE6EBB865F}"/>
               </a:ext>
             </a:extLst>
           </p:cNvPr>
@@ -14887,7 +14662,7 @@
           <a:lstStyle/>
           <a:p>
             <a:r>
-              <a:rPr lang="ko-KR" altLang="en-US" sz="4000" smtClean="0">
+              <a:rPr lang="ko-KR" altLang="en-US" sz="4000">
                 <a:solidFill>
                   <a:srgbClr val="FF0000"/>
                 </a:solidFill>
@@ -14935,7 +14710,7 @@
           <p:cNvPr id="16" name="직사각형 15">
             <a:extLst>
               <a:ext uri="{FF2B5EF4-FFF2-40B4-BE49-F238E27FC236}">
-                <a16:creationId xmlns:a16="http://schemas.microsoft.com/office/drawing/2014/main" xmlns="" id="{FFF506F9-840A-0508-4CAF-3AC711D8D5CE}"/>
+                <a16:creationId xmlns:a16="http://schemas.microsoft.com/office/drawing/2014/main" id="{FFF506F9-840A-0508-4CAF-3AC711D8D5CE}"/>
               </a:ext>
             </a:extLst>
           </p:cNvPr>
@@ -14987,7 +14762,7 @@
           <p:cNvPr id="17" name="TextBox 16">
             <a:extLst>
               <a:ext uri="{FF2B5EF4-FFF2-40B4-BE49-F238E27FC236}">
-                <a16:creationId xmlns="" xmlns:a16="http://schemas.microsoft.com/office/drawing/2014/main" id="{C6D113C6-EA5C-788F-0C77-E7CE6EBB865F}"/>
+                <a16:creationId xmlns:a16="http://schemas.microsoft.com/office/drawing/2014/main" id="{C6D113C6-EA5C-788F-0C77-E7CE6EBB865F}"/>
               </a:ext>
             </a:extLst>
           </p:cNvPr>
@@ -15011,7 +14786,7 @@
           <a:lstStyle/>
           <a:p>
             <a:r>
-              <a:rPr lang="ko-KR" altLang="en-US" sz="4000" smtClean="0">
+              <a:rPr lang="ko-KR" altLang="en-US" sz="4000">
                 <a:solidFill>
                   <a:srgbClr val="FF0000"/>
                 </a:solidFill>
@@ -15035,7 +14810,7 @@
           <p:cNvPr id="19" name="TextBox 18">
             <a:extLst>
               <a:ext uri="{FF2B5EF4-FFF2-40B4-BE49-F238E27FC236}">
-                <a16:creationId xmlns="" xmlns:a16="http://schemas.microsoft.com/office/drawing/2014/main" id="{C6D113C6-EA5C-788F-0C77-E7CE6EBB865F}"/>
+                <a16:creationId xmlns:a16="http://schemas.microsoft.com/office/drawing/2014/main" id="{C6D113C6-EA5C-788F-0C77-E7CE6EBB865F}"/>
               </a:ext>
             </a:extLst>
           </p:cNvPr>
@@ -15059,7 +14834,7 @@
           <a:lstStyle/>
           <a:p>
             <a:r>
-              <a:rPr lang="ko-KR" altLang="en-US" sz="4800" smtClean="0">
+              <a:rPr lang="ko-KR" altLang="en-US" sz="4800">
                 <a:solidFill>
                   <a:srgbClr val="FF0000"/>
                 </a:solidFill>
@@ -15069,7 +14844,7 @@
               <a:t>패키지는 실제로 폴더로 생성되어 관리된다</a:t>
             </a:r>
             <a:r>
-              <a:rPr lang="en-US" altLang="ko-KR" sz="4800" smtClean="0">
+              <a:rPr lang="en-US" altLang="ko-KR" sz="4800">
                 <a:solidFill>
                   <a:srgbClr val="FF0000"/>
                 </a:solidFill>
@@ -15098,13 +14873,6 @@
   <p:clrMapOvr>
     <a:masterClrMapping/>
   </p:clrMapOvr>
-  <p:timing>
-    <p:tnLst>
-      <p:par>
-        <p:cTn id="1" dur="indefinite" restart="never" nodeType="tmRoot"/>
-      </p:par>
-    </p:tnLst>
-  </p:timing>
 </p:sld>
 </file>
 
@@ -15154,7 +14922,7 @@
           <p:cNvPr id="5" name="TextBox 4">
             <a:extLst>
               <a:ext uri="{FF2B5EF4-FFF2-40B4-BE49-F238E27FC236}">
-                <a16:creationId xmlns="" xmlns:a16="http://schemas.microsoft.com/office/drawing/2014/main" id="{5ADC00B6-990A-40DC-3CEA-505258F5E8DA}"/>
+                <a16:creationId xmlns:a16="http://schemas.microsoft.com/office/drawing/2014/main" id="{5ADC00B6-990A-40DC-3CEA-505258F5E8DA}"/>
               </a:ext>
             </a:extLst>
           </p:cNvPr>
@@ -15178,7 +14946,7 @@
           <a:lstStyle/>
           <a:p>
             <a:r>
-              <a:rPr lang="ko-KR" altLang="en-US" sz="4800" smtClean="0">
+              <a:rPr lang="ko-KR" altLang="en-US" sz="4800">
                 <a:solidFill>
                   <a:srgbClr val="4C50BC"/>
                 </a:solidFill>
@@ -15188,7 +14956,7 @@
               <a:t>멤버변수의 접근제어</a:t>
             </a:r>
             <a:r>
-              <a:rPr lang="en-US" altLang="ko-KR" sz="4800" smtClean="0">
+              <a:rPr lang="en-US" altLang="ko-KR" sz="4800">
                 <a:solidFill>
                   <a:srgbClr val="4C50BC"/>
                 </a:solidFill>
@@ -15212,7 +14980,7 @@
           <p:cNvPr id="7" name="직사각형 6">
             <a:extLst>
               <a:ext uri="{FF2B5EF4-FFF2-40B4-BE49-F238E27FC236}">
-                <a16:creationId xmlns="" xmlns:a16="http://schemas.microsoft.com/office/drawing/2014/main" id="{FFF506F9-840A-0508-4CAF-3AC711D8D5CE}"/>
+                <a16:creationId xmlns:a16="http://schemas.microsoft.com/office/drawing/2014/main" id="{FFF506F9-840A-0508-4CAF-3AC711D8D5CE}"/>
               </a:ext>
             </a:extLst>
           </p:cNvPr>
@@ -15264,7 +15032,7 @@
           <p:cNvPr id="8" name="직사각형 7">
             <a:extLst>
               <a:ext uri="{FF2B5EF4-FFF2-40B4-BE49-F238E27FC236}">
-                <a16:creationId xmlns="" xmlns:a16="http://schemas.microsoft.com/office/drawing/2014/main" id="{FFF506F9-840A-0508-4CAF-3AC711D8D5CE}"/>
+                <a16:creationId xmlns:a16="http://schemas.microsoft.com/office/drawing/2014/main" id="{FFF506F9-840A-0508-4CAF-3AC711D8D5CE}"/>
               </a:ext>
             </a:extLst>
           </p:cNvPr>
@@ -15321,13 +15089,6 @@
   <p:clrMapOvr>
     <a:masterClrMapping/>
   </p:clrMapOvr>
-  <p:timing>
-    <p:tnLst>
-      <p:par>
-        <p:cTn id="1" dur="indefinite" restart="never" nodeType="tmRoot"/>
-      </p:par>
-    </p:tnLst>
-  </p:timing>
 </p:sld>
 </file>
 
@@ -15401,7 +15162,7 @@
           <p:cNvPr id="6" name="직사각형 5">
             <a:extLst>
               <a:ext uri="{FF2B5EF4-FFF2-40B4-BE49-F238E27FC236}">
-                <a16:creationId xmlns="" xmlns:a16="http://schemas.microsoft.com/office/drawing/2014/main" id="{FFF506F9-840A-0508-4CAF-3AC711D8D5CE}"/>
+                <a16:creationId xmlns:a16="http://schemas.microsoft.com/office/drawing/2014/main" id="{FFF506F9-840A-0508-4CAF-3AC711D8D5CE}"/>
               </a:ext>
             </a:extLst>
           </p:cNvPr>
@@ -15453,7 +15214,7 @@
           <p:cNvPr id="7" name="직사각형 6">
             <a:extLst>
               <a:ext uri="{FF2B5EF4-FFF2-40B4-BE49-F238E27FC236}">
-                <a16:creationId xmlns="" xmlns:a16="http://schemas.microsoft.com/office/drawing/2014/main" id="{FFF506F9-840A-0508-4CAF-3AC711D8D5CE}"/>
+                <a16:creationId xmlns:a16="http://schemas.microsoft.com/office/drawing/2014/main" id="{FFF506F9-840A-0508-4CAF-3AC711D8D5CE}"/>
               </a:ext>
             </a:extLst>
           </p:cNvPr>
@@ -15510,13 +15271,6 @@
   <p:clrMapOvr>
     <a:masterClrMapping/>
   </p:clrMapOvr>
-  <p:timing>
-    <p:tnLst>
-      <p:par>
-        <p:cTn id="1" dur="indefinite" restart="never" nodeType="tmRoot"/>
-      </p:par>
-    </p:tnLst>
-  </p:timing>
 </p:sld>
 </file>
 
@@ -15590,7 +15344,7 @@
           <p:cNvPr id="6" name="직사각형 5">
             <a:extLst>
               <a:ext uri="{FF2B5EF4-FFF2-40B4-BE49-F238E27FC236}">
-                <a16:creationId xmlns="" xmlns:a16="http://schemas.microsoft.com/office/drawing/2014/main" id="{FFF506F9-840A-0508-4CAF-3AC711D8D5CE}"/>
+                <a16:creationId xmlns:a16="http://schemas.microsoft.com/office/drawing/2014/main" id="{FFF506F9-840A-0508-4CAF-3AC711D8D5CE}"/>
               </a:ext>
             </a:extLst>
           </p:cNvPr>
@@ -15642,7 +15396,7 @@
           <p:cNvPr id="7" name="직선 화살표 연결선 6">
             <a:extLst>
               <a:ext uri="{FF2B5EF4-FFF2-40B4-BE49-F238E27FC236}">
-                <a16:creationId xmlns="" xmlns:a16="http://schemas.microsoft.com/office/drawing/2014/main" id="{299DF5EC-9DF4-5255-06AC-0A7CE4FF58C3}"/>
+                <a16:creationId xmlns:a16="http://schemas.microsoft.com/office/drawing/2014/main" id="{299DF5EC-9DF4-5255-06AC-0A7CE4FF58C3}"/>
               </a:ext>
             </a:extLst>
           </p:cNvPr>
@@ -15683,7 +15437,7 @@
           <p:cNvPr id="8" name="TextBox 7">
             <a:extLst>
               <a:ext uri="{FF2B5EF4-FFF2-40B4-BE49-F238E27FC236}">
-                <a16:creationId xmlns="" xmlns:a16="http://schemas.microsoft.com/office/drawing/2014/main" id="{C6D113C6-EA5C-788F-0C77-E7CE6EBB865F}"/>
+                <a16:creationId xmlns:a16="http://schemas.microsoft.com/office/drawing/2014/main" id="{C6D113C6-EA5C-788F-0C77-E7CE6EBB865F}"/>
               </a:ext>
             </a:extLst>
           </p:cNvPr>
@@ -15707,7 +15461,7 @@
           <a:lstStyle/>
           <a:p>
             <a:r>
-              <a:rPr lang="en-US" altLang="ko-KR" sz="4000" smtClean="0">
+              <a:rPr lang="en-US" altLang="ko-KR" sz="4000">
                 <a:solidFill>
                   <a:srgbClr val="FF0000"/>
                 </a:solidFill>
@@ -15717,7 +15471,7 @@
               <a:t>protected</a:t>
             </a:r>
             <a:r>
-              <a:rPr lang="ko-KR" altLang="en-US" sz="4000" smtClean="0">
+              <a:rPr lang="ko-KR" altLang="en-US" sz="4000">
                 <a:solidFill>
                   <a:srgbClr val="FF0000"/>
                 </a:solidFill>
@@ -15726,7 +15480,7 @@
               </a:rPr>
               <a:t>는 같은 패키지 </a:t>
             </a:r>
-            <a:endParaRPr lang="en-US" altLang="ko-KR" sz="4000" smtClean="0">
+            <a:endParaRPr lang="en-US" altLang="ko-KR" sz="4000">
               <a:solidFill>
                 <a:srgbClr val="FF0000"/>
               </a:solidFill>
@@ -15736,7 +15490,7 @@
           </a:p>
           <a:p>
             <a:r>
-              <a:rPr lang="ko-KR" altLang="en-US" sz="4000" smtClean="0">
+              <a:rPr lang="ko-KR" altLang="en-US" sz="4000">
                 <a:solidFill>
                   <a:srgbClr val="FF0000"/>
                 </a:solidFill>
@@ -15746,7 +15500,7 @@
               <a:t>혹은 상속받은 자식에서 접근가능</a:t>
             </a:r>
             <a:r>
-              <a:rPr lang="en-US" altLang="ko-KR" sz="4000" smtClean="0">
+              <a:rPr lang="en-US" altLang="ko-KR" sz="4000">
                 <a:solidFill>
                   <a:srgbClr val="FF0000"/>
                 </a:solidFill>
@@ -15756,7 +15510,7 @@
               <a:t>(</a:t>
             </a:r>
             <a:r>
-              <a:rPr lang="ko-KR" altLang="en-US" sz="4000" smtClean="0">
+              <a:rPr lang="ko-KR" altLang="en-US" sz="4000">
                 <a:solidFill>
                   <a:srgbClr val="FF0000"/>
                 </a:solidFill>
@@ -15766,7 +15520,7 @@
               <a:t>패키지가 달라도 상속 받은 자손이면 가능</a:t>
             </a:r>
             <a:r>
-              <a:rPr lang="en-US" altLang="ko-KR" sz="4000" smtClean="0">
+              <a:rPr lang="en-US" altLang="ko-KR" sz="4000">
                 <a:solidFill>
                   <a:srgbClr val="FF0000"/>
                 </a:solidFill>
@@ -15790,7 +15544,7 @@
           <p:cNvPr id="10" name="TextBox 9">
             <a:extLst>
               <a:ext uri="{FF2B5EF4-FFF2-40B4-BE49-F238E27FC236}">
-                <a16:creationId xmlns="" xmlns:a16="http://schemas.microsoft.com/office/drawing/2014/main" id="{5ADC00B6-990A-40DC-3CEA-505258F5E8DA}"/>
+                <a16:creationId xmlns:a16="http://schemas.microsoft.com/office/drawing/2014/main" id="{5ADC00B6-990A-40DC-3CEA-505258F5E8DA}"/>
               </a:ext>
             </a:extLst>
           </p:cNvPr>
@@ -15814,7 +15568,7 @@
           <a:lstStyle/>
           <a:p>
             <a:r>
-              <a:rPr lang="ko-KR" altLang="en-US" sz="4800" smtClean="0">
+              <a:rPr lang="ko-KR" altLang="en-US" sz="4800">
                 <a:solidFill>
                   <a:srgbClr val="4C50BC"/>
                 </a:solidFill>
@@ -15824,7 +15578,7 @@
               <a:t>멤버변수의 접근제어</a:t>
             </a:r>
             <a:r>
-              <a:rPr lang="en-US" altLang="ko-KR" sz="4800" smtClean="0">
+              <a:rPr lang="en-US" altLang="ko-KR" sz="4800">
                 <a:solidFill>
                   <a:srgbClr val="4C50BC"/>
                 </a:solidFill>
@@ -15853,13 +15607,6 @@
   <p:clrMapOvr>
     <a:masterClrMapping/>
   </p:clrMapOvr>
-  <p:timing>
-    <p:tnLst>
-      <p:par>
-        <p:cTn id="1" dur="indefinite" restart="never" nodeType="tmRoot"/>
-      </p:par>
-    </p:tnLst>
-  </p:timing>
 </p:sld>
 </file>
 
@@ -15914,13 +15661,6 @@
   <p:clrMapOvr>
     <a:masterClrMapping/>
   </p:clrMapOvr>
-  <p:timing>
-    <p:tnLst>
-      <p:par>
-        <p:cTn id="1" dur="indefinite" restart="never" nodeType="tmRoot"/>
-      </p:par>
-    </p:tnLst>
-  </p:timing>
 </p:sld>
 </file>
 
@@ -15946,7 +15686,7 @@
           <p:cNvPr id="4" name="TextBox 3">
             <a:extLst>
               <a:ext uri="{FF2B5EF4-FFF2-40B4-BE49-F238E27FC236}">
-                <a16:creationId xmlns="" xmlns:a16="http://schemas.microsoft.com/office/drawing/2014/main" id="{5ADC00B6-990A-40DC-3CEA-505258F5E8DA}"/>
+                <a16:creationId xmlns:a16="http://schemas.microsoft.com/office/drawing/2014/main" id="{5ADC00B6-990A-40DC-3CEA-505258F5E8DA}"/>
               </a:ext>
             </a:extLst>
           </p:cNvPr>
@@ -15970,7 +15710,7 @@
           <a:lstStyle/>
           <a:p>
             <a:r>
-              <a:rPr lang="ko-KR" altLang="en-US" sz="4800" smtClean="0">
+              <a:rPr lang="ko-KR" altLang="en-US" sz="4800">
                 <a:solidFill>
                   <a:srgbClr val="4C50BC"/>
                 </a:solidFill>
@@ -15980,7 +15720,7 @@
               <a:t>메서드는 멤버변수와 동일하게 적용된다</a:t>
             </a:r>
             <a:r>
-              <a:rPr lang="en-US" altLang="ko-KR" sz="4800" smtClean="0">
+              <a:rPr lang="en-US" altLang="ko-KR" sz="4800">
                 <a:solidFill>
                   <a:srgbClr val="4C50BC"/>
                 </a:solidFill>
@@ -16009,13 +15749,6 @@
   <p:clrMapOvr>
     <a:masterClrMapping/>
   </p:clrMapOvr>
-  <p:timing>
-    <p:tnLst>
-      <p:par>
-        <p:cTn id="1" dur="indefinite" restart="never" nodeType="tmRoot"/>
-      </p:par>
-    </p:tnLst>
-  </p:timing>
 </p:sld>
 </file>
 
@@ -16041,7 +15774,7 @@
           <p:cNvPr id="4" name="TextBox 3">
             <a:extLst>
               <a:ext uri="{FF2B5EF4-FFF2-40B4-BE49-F238E27FC236}">
-                <a16:creationId xmlns="" xmlns:a16="http://schemas.microsoft.com/office/drawing/2014/main" id="{5ADC00B6-990A-40DC-3CEA-505258F5E8DA}"/>
+                <a16:creationId xmlns:a16="http://schemas.microsoft.com/office/drawing/2014/main" id="{5ADC00B6-990A-40DC-3CEA-505258F5E8DA}"/>
               </a:ext>
             </a:extLst>
           </p:cNvPr>
@@ -16065,7 +15798,7 @@
           <a:lstStyle/>
           <a:p>
             <a:r>
-              <a:rPr lang="ko-KR" altLang="en-US" sz="4800" smtClean="0">
+              <a:rPr lang="ko-KR" altLang="en-US" sz="4800">
                 <a:solidFill>
                   <a:srgbClr val="4C50BC"/>
                 </a:solidFill>
@@ -16075,7 +15808,7 @@
               <a:t>클래스에는 왜 </a:t>
             </a:r>
             <a:r>
-              <a:rPr lang="en-US" altLang="ko-KR" sz="4800" smtClean="0">
+              <a:rPr lang="en-US" altLang="ko-KR" sz="4800">
                 <a:solidFill>
                   <a:srgbClr val="4C50BC"/>
                 </a:solidFill>
@@ -16085,7 +15818,7 @@
               <a:t>private </a:t>
             </a:r>
             <a:r>
-              <a:rPr lang="ko-KR" altLang="en-US" sz="4800" smtClean="0">
+              <a:rPr lang="ko-KR" altLang="en-US" sz="4800">
                 <a:solidFill>
                   <a:srgbClr val="4C50BC"/>
                 </a:solidFill>
@@ -16095,7 +15828,7 @@
               <a:t>과 </a:t>
             </a:r>
             <a:r>
-              <a:rPr lang="en-US" altLang="ko-KR" sz="4800" smtClean="0">
+              <a:rPr lang="en-US" altLang="ko-KR" sz="4800">
                 <a:solidFill>
                   <a:srgbClr val="4C50BC"/>
                 </a:solidFill>
@@ -16105,7 +15838,7 @@
               <a:t>protected </a:t>
             </a:r>
             <a:r>
-              <a:rPr lang="ko-KR" altLang="en-US" sz="4800" smtClean="0">
+              <a:rPr lang="ko-KR" altLang="en-US" sz="4800">
                 <a:solidFill>
                   <a:srgbClr val="4C50BC"/>
                 </a:solidFill>
@@ -16115,7 +15848,7 @@
               <a:t>가 없을까</a:t>
             </a:r>
             <a:r>
-              <a:rPr lang="en-US" altLang="ko-KR" sz="4800" smtClean="0">
+              <a:rPr lang="en-US" altLang="ko-KR" sz="4800">
                 <a:solidFill>
                   <a:srgbClr val="4C50BC"/>
                 </a:solidFill>
@@ -16144,13 +15877,6 @@
   <p:clrMapOvr>
     <a:masterClrMapping/>
   </p:clrMapOvr>
-  <p:timing>
-    <p:tnLst>
-      <p:par>
-        <p:cTn id="1" dur="indefinite" restart="never" nodeType="tmRoot"/>
-      </p:par>
-    </p:tnLst>
-  </p:timing>
 </p:sld>
 </file>
 
@@ -16200,7 +15926,7 @@
           <p:cNvPr id="5" name="직선 화살표 연결선 4">
             <a:extLst>
               <a:ext uri="{FF2B5EF4-FFF2-40B4-BE49-F238E27FC236}">
-                <a16:creationId xmlns="" xmlns:a16="http://schemas.microsoft.com/office/drawing/2014/main" id="{299DF5EC-9DF4-5255-06AC-0A7CE4FF58C3}"/>
+                <a16:creationId xmlns:a16="http://schemas.microsoft.com/office/drawing/2014/main" id="{299DF5EC-9DF4-5255-06AC-0A7CE4FF58C3}"/>
               </a:ext>
             </a:extLst>
           </p:cNvPr>
@@ -16242,7 +15968,7 @@
           <p:cNvPr id="6" name="직사각형 5">
             <a:extLst>
               <a:ext uri="{FF2B5EF4-FFF2-40B4-BE49-F238E27FC236}">
-                <a16:creationId xmlns="" xmlns:a16="http://schemas.microsoft.com/office/drawing/2014/main" id="{FFF506F9-840A-0508-4CAF-3AC711D8D5CE}"/>
+                <a16:creationId xmlns:a16="http://schemas.microsoft.com/office/drawing/2014/main" id="{FFF506F9-840A-0508-4CAF-3AC711D8D5CE}"/>
               </a:ext>
             </a:extLst>
           </p:cNvPr>
@@ -16294,7 +16020,7 @@
           <p:cNvPr id="7" name="TextBox 6">
             <a:extLst>
               <a:ext uri="{FF2B5EF4-FFF2-40B4-BE49-F238E27FC236}">
-                <a16:creationId xmlns="" xmlns:a16="http://schemas.microsoft.com/office/drawing/2014/main" id="{C6D113C6-EA5C-788F-0C77-E7CE6EBB865F}"/>
+                <a16:creationId xmlns:a16="http://schemas.microsoft.com/office/drawing/2014/main" id="{C6D113C6-EA5C-788F-0C77-E7CE6EBB865F}"/>
               </a:ext>
             </a:extLst>
           </p:cNvPr>
@@ -16318,7 +16044,7 @@
           <a:lstStyle/>
           <a:p>
             <a:r>
-              <a:rPr lang="ko-KR" altLang="en-US" sz="4000" smtClean="0">
+              <a:rPr lang="ko-KR" altLang="en-US" sz="4000">
                 <a:solidFill>
                   <a:srgbClr val="FF0000"/>
                 </a:solidFill>
@@ -16328,7 +16054,7 @@
               <a:t>엔트리포인트 조차 접근하지 못해 절대 실행될수 없는 코드가 된다</a:t>
             </a:r>
             <a:r>
-              <a:rPr lang="en-US" altLang="ko-KR" sz="4000" smtClean="0">
+              <a:rPr lang="en-US" altLang="ko-KR" sz="4000">
                 <a:solidFill>
                   <a:srgbClr val="FF0000"/>
                 </a:solidFill>
@@ -16357,13 +16083,6 @@
   <p:clrMapOvr>
     <a:masterClrMapping/>
   </p:clrMapOvr>
-  <p:timing>
-    <p:tnLst>
-      <p:par>
-        <p:cTn id="1" dur="indefinite" restart="never" nodeType="tmRoot"/>
-      </p:par>
-    </p:tnLst>
-  </p:timing>
 </p:sld>
 </file>
 
@@ -16413,7 +16132,7 @@
           <p:cNvPr id="5" name="직선 화살표 연결선 4">
             <a:extLst>
               <a:ext uri="{FF2B5EF4-FFF2-40B4-BE49-F238E27FC236}">
-                <a16:creationId xmlns="" xmlns:a16="http://schemas.microsoft.com/office/drawing/2014/main" id="{299DF5EC-9DF4-5255-06AC-0A7CE4FF58C3}"/>
+                <a16:creationId xmlns:a16="http://schemas.microsoft.com/office/drawing/2014/main" id="{299DF5EC-9DF4-5255-06AC-0A7CE4FF58C3}"/>
               </a:ext>
             </a:extLst>
           </p:cNvPr>
@@ -16454,7 +16173,7 @@
           <p:cNvPr id="6" name="직사각형 5">
             <a:extLst>
               <a:ext uri="{FF2B5EF4-FFF2-40B4-BE49-F238E27FC236}">
-                <a16:creationId xmlns="" xmlns:a16="http://schemas.microsoft.com/office/drawing/2014/main" id="{FFF506F9-840A-0508-4CAF-3AC711D8D5CE}"/>
+                <a16:creationId xmlns:a16="http://schemas.microsoft.com/office/drawing/2014/main" id="{FFF506F9-840A-0508-4CAF-3AC711D8D5CE}"/>
               </a:ext>
             </a:extLst>
           </p:cNvPr>
@@ -16506,7 +16225,7 @@
           <p:cNvPr id="7" name="TextBox 6">
             <a:extLst>
               <a:ext uri="{FF2B5EF4-FFF2-40B4-BE49-F238E27FC236}">
-                <a16:creationId xmlns="" xmlns:a16="http://schemas.microsoft.com/office/drawing/2014/main" id="{C6D113C6-EA5C-788F-0C77-E7CE6EBB865F}"/>
+                <a16:creationId xmlns:a16="http://schemas.microsoft.com/office/drawing/2014/main" id="{C6D113C6-EA5C-788F-0C77-E7CE6EBB865F}"/>
               </a:ext>
             </a:extLst>
           </p:cNvPr>
@@ -16530,7 +16249,7 @@
           <a:lstStyle/>
           <a:p>
             <a:r>
-              <a:rPr lang="ko-KR" altLang="en-US" sz="4000" smtClean="0">
+              <a:rPr lang="ko-KR" altLang="en-US" sz="4000">
                 <a:solidFill>
                   <a:srgbClr val="FF0000"/>
                 </a:solidFill>
@@ -16540,7 +16259,7 @@
               <a:t>같은 패키지내에서 사용가능한거면 </a:t>
             </a:r>
             <a:r>
-              <a:rPr lang="en-US" altLang="ko-KR" sz="4000" smtClean="0">
+              <a:rPr lang="en-US" altLang="ko-KR" sz="4000">
                 <a:solidFill>
                   <a:srgbClr val="FF0000"/>
                 </a:solidFill>
@@ -16550,7 +16269,7 @@
               <a:t>class </a:t>
             </a:r>
             <a:r>
-              <a:rPr lang="ko-KR" altLang="en-US" sz="4000" smtClean="0">
+              <a:rPr lang="ko-KR" altLang="en-US" sz="4000">
                 <a:solidFill>
                   <a:srgbClr val="FF0000"/>
                 </a:solidFill>
@@ -16560,7 +16279,7 @@
               <a:t>에도 적용 되어야 하는거 아닌가</a:t>
             </a:r>
             <a:r>
-              <a:rPr lang="en-US" altLang="ko-KR" sz="4000" smtClean="0">
+              <a:rPr lang="en-US" altLang="ko-KR" sz="4000">
                 <a:solidFill>
                   <a:srgbClr val="FF0000"/>
                 </a:solidFill>
@@ -16584,7 +16303,7 @@
           <p:cNvPr id="8" name="TextBox 7">
             <a:extLst>
               <a:ext uri="{FF2B5EF4-FFF2-40B4-BE49-F238E27FC236}">
-                <a16:creationId xmlns="" xmlns:a16="http://schemas.microsoft.com/office/drawing/2014/main" id="{5ADC00B6-990A-40DC-3CEA-505258F5E8DA}"/>
+                <a16:creationId xmlns:a16="http://schemas.microsoft.com/office/drawing/2014/main" id="{5ADC00B6-990A-40DC-3CEA-505258F5E8DA}"/>
               </a:ext>
             </a:extLst>
           </p:cNvPr>
@@ -16608,7 +16327,7 @@
           <a:lstStyle/>
           <a:p>
             <a:r>
-              <a:rPr lang="ko-KR" altLang="en-US" sz="4800" smtClean="0">
+              <a:rPr lang="ko-KR" altLang="en-US" sz="4800">
                 <a:solidFill>
                   <a:srgbClr val="4C50BC"/>
                 </a:solidFill>
@@ -16618,7 +16337,7 @@
               <a:t>그 역할은 이미 </a:t>
             </a:r>
             <a:r>
-              <a:rPr lang="en-US" altLang="ko-KR" sz="4800" smtClean="0">
+              <a:rPr lang="en-US" altLang="ko-KR" sz="4800">
                 <a:solidFill>
                   <a:srgbClr val="4C50BC"/>
                 </a:solidFill>
@@ -16628,7 +16347,7 @@
               <a:t>defaul</a:t>
             </a:r>
             <a:r>
-              <a:rPr lang="ko-KR" altLang="en-US" sz="4800" smtClean="0">
+              <a:rPr lang="ko-KR" altLang="en-US" sz="4800">
                 <a:solidFill>
                   <a:srgbClr val="4C50BC"/>
                 </a:solidFill>
@@ -16638,7 +16357,7 @@
               <a:t>가 하고 있다</a:t>
             </a:r>
             <a:r>
-              <a:rPr lang="en-US" altLang="ko-KR" sz="4800" smtClean="0">
+              <a:rPr lang="en-US" altLang="ko-KR" sz="4800">
                 <a:solidFill>
                   <a:srgbClr val="4C50BC"/>
                 </a:solidFill>
@@ -16650,7 +16369,7 @@
           </a:p>
           <a:p>
             <a:r>
-              <a:rPr lang="en-US" altLang="ko-KR" sz="4800" smtClean="0">
+              <a:rPr lang="en-US" altLang="ko-KR" sz="4800">
                 <a:solidFill>
                   <a:srgbClr val="4C50BC"/>
                 </a:solidFill>
@@ -16660,7 +16379,7 @@
               <a:t>protected</a:t>
             </a:r>
             <a:r>
-              <a:rPr lang="ko-KR" altLang="en-US" sz="4800" smtClean="0">
+              <a:rPr lang="ko-KR" altLang="en-US" sz="4800">
                 <a:solidFill>
                   <a:srgbClr val="4C50BC"/>
                 </a:solidFill>
@@ -16670,7 +16389,7 @@
               <a:t>는 사실상 상속 관계에서 유의미한 접근제어이다</a:t>
             </a:r>
             <a:r>
-              <a:rPr lang="en-US" altLang="ko-KR" sz="4800" smtClean="0">
+              <a:rPr lang="en-US" altLang="ko-KR" sz="4800">
                 <a:solidFill>
                   <a:srgbClr val="4C50BC"/>
                 </a:solidFill>
@@ -16691,7 +16410,7 @@
           </a:p>
           <a:p>
             <a:r>
-              <a:rPr lang="ko-KR" altLang="en-US" sz="4800" smtClean="0">
+              <a:rPr lang="ko-KR" altLang="en-US" sz="4800">
                 <a:solidFill>
                   <a:srgbClr val="4C50BC"/>
                 </a:solidFill>
@@ -16701,7 +16420,7 @@
               <a:t>따라서 클래스 내부의 변수나 메서드들에만 사용해도 그 역할을 다하는것이다</a:t>
             </a:r>
             <a:r>
-              <a:rPr lang="en-US" altLang="ko-KR" sz="4800" smtClean="0">
+              <a:rPr lang="en-US" altLang="ko-KR" sz="4800">
                 <a:solidFill>
                   <a:srgbClr val="4C50BC"/>
                 </a:solidFill>
@@ -16833,7 +16552,7 @@
           <p:cNvPr id="4" name="TextBox 3">
             <a:extLst>
               <a:ext uri="{FF2B5EF4-FFF2-40B4-BE49-F238E27FC236}">
-                <a16:creationId xmlns="" xmlns:a16="http://schemas.microsoft.com/office/drawing/2014/main" id="{5ADC00B6-990A-40DC-3CEA-505258F5E8DA}"/>
+                <a16:creationId xmlns:a16="http://schemas.microsoft.com/office/drawing/2014/main" id="{5ADC00B6-990A-40DC-3CEA-505258F5E8DA}"/>
               </a:ext>
             </a:extLst>
           </p:cNvPr>
@@ -16857,7 +16576,7 @@
           <a:lstStyle/>
           <a:p>
             <a:r>
-              <a:rPr lang="ko-KR" altLang="en-US" sz="4800" smtClean="0">
+              <a:rPr lang="ko-KR" altLang="en-US" sz="4800">
                 <a:solidFill>
                   <a:srgbClr val="4C50BC"/>
                 </a:solidFill>
@@ -16867,7 +16586,7 @@
               <a:t>생성자를 </a:t>
             </a:r>
             <a:r>
-              <a:rPr lang="en-US" altLang="ko-KR" sz="4800" smtClean="0">
+              <a:rPr lang="en-US" altLang="ko-KR" sz="4800">
                 <a:solidFill>
                   <a:srgbClr val="4C50BC"/>
                 </a:solidFill>
@@ -16877,7 +16596,7 @@
               <a:t>private </a:t>
             </a:r>
             <a:r>
-              <a:rPr lang="ko-KR" altLang="en-US" sz="4800" smtClean="0">
+              <a:rPr lang="ko-KR" altLang="en-US" sz="4800">
                 <a:solidFill>
                   <a:srgbClr val="4C50BC"/>
                 </a:solidFill>
@@ -16887,7 +16606,7 @@
               <a:t>으로 한다면</a:t>
             </a:r>
             <a:r>
-              <a:rPr lang="en-US" altLang="ko-KR" sz="4800" smtClean="0">
+              <a:rPr lang="en-US" altLang="ko-KR" sz="4800">
                 <a:solidFill>
                   <a:srgbClr val="4C50BC"/>
                 </a:solidFill>
@@ -16935,7 +16654,7 @@
           <p:cNvPr id="6" name="TextBox 5">
             <a:extLst>
               <a:ext uri="{FF2B5EF4-FFF2-40B4-BE49-F238E27FC236}">
-                <a16:creationId xmlns="" xmlns:a16="http://schemas.microsoft.com/office/drawing/2014/main" id="{5ADC00B6-990A-40DC-3CEA-505258F5E8DA}"/>
+                <a16:creationId xmlns:a16="http://schemas.microsoft.com/office/drawing/2014/main" id="{5ADC00B6-990A-40DC-3CEA-505258F5E8DA}"/>
               </a:ext>
             </a:extLst>
           </p:cNvPr>
@@ -16959,7 +16678,7 @@
           <a:lstStyle/>
           <a:p>
             <a:r>
-              <a:rPr lang="ko-KR" altLang="en-US" sz="4800" smtClean="0">
+              <a:rPr lang="ko-KR" altLang="en-US" sz="4800">
                 <a:solidFill>
                   <a:srgbClr val="4C50BC"/>
                 </a:solidFill>
@@ -16983,7 +16702,7 @@
           <p:cNvPr id="7" name="직선 화살표 연결선 6">
             <a:extLst>
               <a:ext uri="{FF2B5EF4-FFF2-40B4-BE49-F238E27FC236}">
-                <a16:creationId xmlns="" xmlns:a16="http://schemas.microsoft.com/office/drawing/2014/main" id="{299DF5EC-9DF4-5255-06AC-0A7CE4FF58C3}"/>
+                <a16:creationId xmlns:a16="http://schemas.microsoft.com/office/drawing/2014/main" id="{299DF5EC-9DF4-5255-06AC-0A7CE4FF58C3}"/>
               </a:ext>
             </a:extLst>
           </p:cNvPr>
@@ -17024,7 +16743,7 @@
           <p:cNvPr id="8" name="TextBox 7">
             <a:extLst>
               <a:ext uri="{FF2B5EF4-FFF2-40B4-BE49-F238E27FC236}">
-                <a16:creationId xmlns="" xmlns:a16="http://schemas.microsoft.com/office/drawing/2014/main" id="{C6D113C6-EA5C-788F-0C77-E7CE6EBB865F}"/>
+                <a16:creationId xmlns:a16="http://schemas.microsoft.com/office/drawing/2014/main" id="{C6D113C6-EA5C-788F-0C77-E7CE6EBB865F}"/>
               </a:ext>
             </a:extLst>
           </p:cNvPr>
@@ -17048,7 +16767,7 @@
           <a:lstStyle/>
           <a:p>
             <a:r>
-              <a:rPr lang="en-US" altLang="ko-KR" sz="4000" smtClean="0">
+              <a:rPr lang="en-US" altLang="ko-KR" sz="4000">
                 <a:solidFill>
                   <a:srgbClr val="FF0000"/>
                 </a:solidFill>
@@ -17058,7 +16777,7 @@
               <a:t>b</a:t>
             </a:r>
             <a:r>
-              <a:rPr lang="ko-KR" altLang="en-US" sz="4000" smtClean="0">
+              <a:rPr lang="ko-KR" altLang="en-US" sz="4000">
                 <a:solidFill>
                   <a:srgbClr val="FF0000"/>
                 </a:solidFill>
@@ -17068,7 +16787,7 @@
               <a:t>의 생성자가 없으니 </a:t>
             </a:r>
             <a:r>
-              <a:rPr lang="en-US" altLang="ko-KR" sz="4000" smtClean="0">
+              <a:rPr lang="en-US" altLang="ko-KR" sz="4000">
                 <a:solidFill>
                   <a:srgbClr val="FF0000"/>
                 </a:solidFill>
@@ -17078,7 +16797,7 @@
               <a:t>b</a:t>
             </a:r>
             <a:r>
-              <a:rPr lang="ko-KR" altLang="en-US" sz="4000" smtClean="0">
+              <a:rPr lang="ko-KR" altLang="en-US" sz="4000">
                 <a:solidFill>
                   <a:srgbClr val="FF0000"/>
                 </a:solidFill>
@@ -17088,7 +16807,7 @@
               <a:t>의 디폴트 생성자가 만들어진다</a:t>
             </a:r>
             <a:r>
-              <a:rPr lang="en-US" altLang="ko-KR" sz="4000" smtClean="0">
+              <a:rPr lang="en-US" altLang="ko-KR" sz="4000">
                 <a:solidFill>
                   <a:srgbClr val="FF0000"/>
                 </a:solidFill>
@@ -17136,7 +16855,7 @@
           <p:cNvPr id="11" name="직선 화살표 연결선 10">
             <a:extLst>
               <a:ext uri="{FF2B5EF4-FFF2-40B4-BE49-F238E27FC236}">
-                <a16:creationId xmlns="" xmlns:a16="http://schemas.microsoft.com/office/drawing/2014/main" id="{299DF5EC-9DF4-5255-06AC-0A7CE4FF58C3}"/>
+                <a16:creationId xmlns:a16="http://schemas.microsoft.com/office/drawing/2014/main" id="{299DF5EC-9DF4-5255-06AC-0A7CE4FF58C3}"/>
               </a:ext>
             </a:extLst>
           </p:cNvPr>
@@ -17177,7 +16896,7 @@
           <p:cNvPr id="12" name="TextBox 11">
             <a:extLst>
               <a:ext uri="{FF2B5EF4-FFF2-40B4-BE49-F238E27FC236}">
-                <a16:creationId xmlns="" xmlns:a16="http://schemas.microsoft.com/office/drawing/2014/main" id="{C6D113C6-EA5C-788F-0C77-E7CE6EBB865F}"/>
+                <a16:creationId xmlns:a16="http://schemas.microsoft.com/office/drawing/2014/main" id="{C6D113C6-EA5C-788F-0C77-E7CE6EBB865F}"/>
               </a:ext>
             </a:extLst>
           </p:cNvPr>
@@ -17201,7 +16920,7 @@
           <a:lstStyle/>
           <a:p>
             <a:r>
-              <a:rPr lang="en-US" altLang="ko-KR" sz="4000" smtClean="0">
+              <a:rPr lang="en-US" altLang="ko-KR" sz="4000">
                 <a:solidFill>
                   <a:srgbClr val="FF0000"/>
                 </a:solidFill>
@@ -17211,7 +16930,7 @@
               <a:t>super()</a:t>
             </a:r>
             <a:r>
-              <a:rPr lang="ko-KR" altLang="en-US" sz="4000" smtClean="0">
+              <a:rPr lang="ko-KR" altLang="en-US" sz="4000">
                 <a:solidFill>
                   <a:srgbClr val="FF0000"/>
                 </a:solidFill>
@@ -17221,7 +16940,7 @@
               <a:t>가 자동으로 삽입되어야 하는데 부모의 생성자가 </a:t>
             </a:r>
             <a:r>
-              <a:rPr lang="en-US" altLang="ko-KR" sz="4000" smtClean="0">
+              <a:rPr lang="en-US" altLang="ko-KR" sz="4000">
                 <a:solidFill>
                   <a:srgbClr val="FF0000"/>
                 </a:solidFill>
@@ -17231,7 +16950,7 @@
               <a:t>private  </a:t>
             </a:r>
             <a:r>
-              <a:rPr lang="ko-KR" altLang="en-US" sz="4000" smtClean="0">
+              <a:rPr lang="ko-KR" altLang="en-US" sz="4000">
                 <a:solidFill>
                   <a:srgbClr val="FF0000"/>
                 </a:solidFill>
@@ -17241,7 +16960,7 @@
               <a:t>으로 접근할수 없다</a:t>
             </a:r>
             <a:r>
-              <a:rPr lang="en-US" altLang="ko-KR" sz="4000" smtClean="0">
+              <a:rPr lang="en-US" altLang="ko-KR" sz="4000">
                 <a:solidFill>
                   <a:srgbClr val="FF0000"/>
                 </a:solidFill>
@@ -17265,7 +16984,7 @@
           <p:cNvPr id="17" name="TextBox 16">
             <a:extLst>
               <a:ext uri="{FF2B5EF4-FFF2-40B4-BE49-F238E27FC236}">
-                <a16:creationId xmlns="" xmlns:a16="http://schemas.microsoft.com/office/drawing/2014/main" id="{C6D113C6-EA5C-788F-0C77-E7CE6EBB865F}"/>
+                <a16:creationId xmlns:a16="http://schemas.microsoft.com/office/drawing/2014/main" id="{C6D113C6-EA5C-788F-0C77-E7CE6EBB865F}"/>
               </a:ext>
             </a:extLst>
           </p:cNvPr>
@@ -17289,7 +17008,7 @@
           <a:lstStyle/>
           <a:p>
             <a:r>
-              <a:rPr lang="ko-KR" altLang="en-US" sz="4000" smtClean="0">
+              <a:rPr lang="ko-KR" altLang="en-US" sz="4000">
                 <a:solidFill>
                   <a:srgbClr val="FF0000"/>
                 </a:solidFill>
@@ -17299,7 +17018,7 @@
               <a:t>생성자가 </a:t>
             </a:r>
             <a:r>
-              <a:rPr lang="en-US" altLang="ko-KR" sz="4000" smtClean="0">
+              <a:rPr lang="en-US" altLang="ko-KR" sz="4000">
                 <a:solidFill>
                   <a:srgbClr val="FF0000"/>
                 </a:solidFill>
@@ -17309,7 +17028,7 @@
               <a:t>private </a:t>
             </a:r>
             <a:r>
-              <a:rPr lang="ko-KR" altLang="en-US" sz="4000" smtClean="0">
+              <a:rPr lang="ko-KR" altLang="en-US" sz="4000">
                 <a:solidFill>
                   <a:srgbClr val="FF0000"/>
                 </a:solidFill>
@@ -17319,7 +17038,7 @@
               <a:t>이라면 클래스에 </a:t>
             </a:r>
             <a:r>
-              <a:rPr lang="en-US" altLang="ko-KR" sz="4000" smtClean="0">
+              <a:rPr lang="en-US" altLang="ko-KR" sz="4000">
                 <a:solidFill>
                   <a:srgbClr val="FF0000"/>
                 </a:solidFill>
@@ -17329,7 +17048,7 @@
               <a:t>final</a:t>
             </a:r>
             <a:r>
-              <a:rPr lang="ko-KR" altLang="en-US" sz="4000" smtClean="0">
+              <a:rPr lang="ko-KR" altLang="en-US" sz="4000">
                 <a:solidFill>
                   <a:srgbClr val="FF0000"/>
                 </a:solidFill>
@@ -17339,7 +17058,7 @@
               <a:t>을 적어줌으로써 상속이 불가능하다고 알려주는것이 좋다</a:t>
             </a:r>
             <a:r>
-              <a:rPr lang="en-US" altLang="ko-KR" sz="4000" smtClean="0">
+              <a:rPr lang="en-US" altLang="ko-KR" sz="4000">
                 <a:solidFill>
                   <a:srgbClr val="FF0000"/>
                 </a:solidFill>
@@ -17644,7 +17363,7 @@
           <p:cNvPr id="4" name="TextBox 3">
             <a:extLst>
               <a:ext uri="{FF2B5EF4-FFF2-40B4-BE49-F238E27FC236}">
-                <a16:creationId xmlns="" xmlns:a16="http://schemas.microsoft.com/office/drawing/2014/main" id="{5ADC00B6-990A-40DC-3CEA-505258F5E8DA}"/>
+                <a16:creationId xmlns:a16="http://schemas.microsoft.com/office/drawing/2014/main" id="{5ADC00B6-990A-40DC-3CEA-505258F5E8DA}"/>
               </a:ext>
             </a:extLst>
           </p:cNvPr>
@@ -17668,7 +17387,7 @@
           <a:lstStyle/>
           <a:p>
             <a:r>
-              <a:rPr lang="ko-KR" altLang="en-US" sz="4800" smtClean="0">
+              <a:rPr lang="ko-KR" altLang="en-US" sz="4800">
                 <a:solidFill>
                   <a:srgbClr val="4C50BC"/>
                 </a:solidFill>
@@ -17702,7 +17421,7 @@
           <p:cNvPr id="5" name="TextBox 4">
             <a:extLst>
               <a:ext uri="{FF2B5EF4-FFF2-40B4-BE49-F238E27FC236}">
-                <a16:creationId xmlns="" xmlns:a16="http://schemas.microsoft.com/office/drawing/2014/main" id="{52176D31-35F7-8916-46FA-6095EFEC1E49}"/>
+                <a16:creationId xmlns:a16="http://schemas.microsoft.com/office/drawing/2014/main" id="{52176D31-35F7-8916-46FA-6095EFEC1E49}"/>
               </a:ext>
             </a:extLst>
           </p:cNvPr>
@@ -17729,7 +17448,7 @@
               <a:buAutoNum type="arabicPeriod"/>
             </a:pPr>
             <a:r>
-              <a:rPr lang="en-US" altLang="ko-KR" sz="3200" smtClean="0">
+              <a:rPr lang="en-US" altLang="ko-KR" sz="3200">
                 <a:solidFill>
                   <a:schemeClr val="tx1">
                     <a:lumMod val="50000"/>
@@ -17742,7 +17461,7 @@
               <a:t>Time </a:t>
             </a:r>
             <a:r>
-              <a:rPr lang="ko-KR" altLang="en-US" sz="3200" smtClean="0">
+              <a:rPr lang="ko-KR" altLang="en-US" sz="3200">
                 <a:solidFill>
                   <a:schemeClr val="tx1">
                     <a:lumMod val="50000"/>
@@ -17755,7 +17474,7 @@
               <a:t>클래스를 만들어 보자</a:t>
             </a:r>
             <a:r>
-              <a:rPr lang="en-US" altLang="ko-KR" sz="3200" smtClean="0">
+              <a:rPr lang="en-US" altLang="ko-KR" sz="3200">
                 <a:solidFill>
                   <a:schemeClr val="tx1">
                     <a:lumMod val="50000"/>
@@ -17770,7 +17489,7 @@
           </a:p>
           <a:p>
             <a:r>
-              <a:rPr lang="en-US" altLang="ko-KR" sz="3200" smtClean="0">
+              <a:rPr lang="en-US" altLang="ko-KR" sz="3200">
                 <a:solidFill>
                   <a:srgbClr val="FF0000"/>
                 </a:solidFill>
@@ -17780,7 +17499,7 @@
               <a:t>hour</a:t>
             </a:r>
             <a:r>
-              <a:rPr lang="ko-KR" altLang="en-US" sz="3200" smtClean="0">
+              <a:rPr lang="ko-KR" altLang="en-US" sz="3200">
                 <a:solidFill>
                   <a:srgbClr val="FF0000"/>
                 </a:solidFill>
@@ -17790,7 +17509,7 @@
               <a:t>는 </a:t>
             </a:r>
             <a:r>
-              <a:rPr lang="en-US" altLang="ko-KR" sz="3200" smtClean="0">
+              <a:rPr lang="en-US" altLang="ko-KR" sz="3200">
                 <a:solidFill>
                   <a:srgbClr val="FF0000"/>
                 </a:solidFill>
@@ -17800,7 +17519,7 @@
               <a:t>0~23</a:t>
             </a:r>
             <a:r>
-              <a:rPr lang="ko-KR" altLang="en-US" sz="3200" smtClean="0">
+              <a:rPr lang="ko-KR" altLang="en-US" sz="3200">
                 <a:solidFill>
                   <a:srgbClr val="FF0000"/>
                 </a:solidFill>
@@ -17810,7 +17529,7 @@
               <a:t>까지만 가질수 있다</a:t>
             </a:r>
             <a:r>
-              <a:rPr lang="en-US" altLang="ko-KR" sz="3200" smtClean="0">
+              <a:rPr lang="en-US" altLang="ko-KR" sz="3200">
                 <a:solidFill>
                   <a:srgbClr val="FF0000"/>
                 </a:solidFill>
@@ -17820,7 +17539,7 @@
               <a:t>. </a:t>
             </a:r>
             <a:r>
-              <a:rPr lang="ko-KR" altLang="en-US" sz="3200" smtClean="0">
+              <a:rPr lang="ko-KR" altLang="en-US" sz="3200">
                 <a:solidFill>
                   <a:srgbClr val="FF0000"/>
                 </a:solidFill>
@@ -17830,7 +17549,7 @@
               <a:t>따라서 멤버변수에 직접 접근을 막고 메서드를 통해서 값을 필터링 해야 한다</a:t>
             </a:r>
             <a:r>
-              <a:rPr lang="en-US" altLang="ko-KR" sz="3200" smtClean="0">
+              <a:rPr lang="en-US" altLang="ko-KR" sz="3200">
                 <a:solidFill>
                   <a:srgbClr val="FF0000"/>
                 </a:solidFill>
@@ -17874,9 +17593,27 @@
                 <a:tableStyleId>{5C22544A-7EE6-4342-B048-85BDC9FD1C3A}</a:tableStyleId>
               </a:tblPr>
               <a:tblGrid>
-                <a:gridCol w="1295400"/>
-                <a:gridCol w="3788368"/>
-                <a:gridCol w="3984031"/>
+                <a:gridCol w="1295400">
+                  <a:extLst>
+                    <a:ext uri="{9D8B030D-6E8A-4147-A177-3AD203B41FA5}">
+                      <a16:colId xmlns:a16="http://schemas.microsoft.com/office/drawing/2014/main" val="20000"/>
+                    </a:ext>
+                  </a:extLst>
+                </a:gridCol>
+                <a:gridCol w="3788368">
+                  <a:extLst>
+                    <a:ext uri="{9D8B030D-6E8A-4147-A177-3AD203B41FA5}">
+                      <a16:colId xmlns:a16="http://schemas.microsoft.com/office/drawing/2014/main" val="20001"/>
+                    </a:ext>
+                  </a:extLst>
+                </a:gridCol>
+                <a:gridCol w="3984031">
+                  <a:extLst>
+                    <a:ext uri="{9D8B030D-6E8A-4147-A177-3AD203B41FA5}">
+                      <a16:colId xmlns:a16="http://schemas.microsoft.com/office/drawing/2014/main" val="20002"/>
+                    </a:ext>
+                  </a:extLst>
+                </a:gridCol>
               </a:tblGrid>
               <a:tr h="370840">
                 <a:tc>
@@ -17945,7 +17682,7 @@
                     <a:p>
                       <a:pPr latinLnBrk="1"/>
                       <a:r>
-                        <a:rPr lang="en-US" altLang="ko-KR" sz="2200" smtClean="0">
+                        <a:rPr lang="en-US" altLang="ko-KR" sz="2200">
                           <a:solidFill>
                             <a:schemeClr val="bg1"/>
                           </a:solidFill>
@@ -18059,6 +17796,11 @@
                     </a:solidFill>
                   </a:tcPr>
                 </a:tc>
+                <a:extLst>
+                  <a:ext uri="{0D108BD9-81ED-4DB2-BD59-A6C34878D82A}">
+                    <a16:rowId xmlns:a16="http://schemas.microsoft.com/office/drawing/2014/main" val="10000"/>
+                  </a:ext>
+                </a:extLst>
               </a:tr>
               <a:tr h="370840">
                 <a:tc>
@@ -18138,13 +17880,13 @@
                         <a:defRPr/>
                       </a:pPr>
                       <a:r>
-                        <a:rPr lang="en-US" altLang="ko-KR" sz="2200" smtClean="0">
+                        <a:rPr lang="en-US" altLang="ko-KR" sz="2200">
                           <a:ea typeface="G마켓 산스 Medium" panose="02000000000000000000"/>
                         </a:rPr>
                         <a:t>int</a:t>
                       </a:r>
                       <a:r>
-                        <a:rPr lang="en-US" altLang="ko-KR" sz="2200" baseline="0" smtClean="0">
+                        <a:rPr lang="en-US" altLang="ko-KR" sz="2200" baseline="0">
                           <a:ea typeface="G마켓 산스 Medium" panose="02000000000000000000"/>
                         </a:rPr>
                         <a:t> hour;</a:t>
@@ -18217,7 +17959,7 @@
                         <a:defRPr/>
                       </a:pPr>
                       <a:r>
-                        <a:rPr lang="ko-KR" altLang="en-US" sz="2000" smtClean="0">
+                        <a:rPr lang="ko-KR" altLang="en-US" sz="2000">
                           <a:ea typeface="G마켓 산스 Medium" panose="02000000000000000000"/>
                         </a:rPr>
                         <a:t>시</a:t>
@@ -18267,6 +18009,11 @@
                     <a:noFill/>
                   </a:tcPr>
                 </a:tc>
+                <a:extLst>
+                  <a:ext uri="{0D108BD9-81ED-4DB2-BD59-A6C34878D82A}">
+                    <a16:rowId xmlns:a16="http://schemas.microsoft.com/office/drawing/2014/main" val="10001"/>
+                  </a:ext>
+                </a:extLst>
               </a:tr>
               <a:tr h="411480">
                 <a:tc>
@@ -18327,13 +18074,13 @@
                     <a:p>
                       <a:pPr latinLnBrk="1"/>
                       <a:r>
-                        <a:rPr lang="en-US" altLang="ko-KR" sz="2200" smtClean="0">
+                        <a:rPr lang="en-US" altLang="ko-KR" sz="2200">
                           <a:ea typeface="G마켓 산스 Medium" panose="02000000000000000000"/>
                         </a:rPr>
                         <a:t>int</a:t>
                       </a:r>
                       <a:r>
-                        <a:rPr lang="en-US" altLang="ko-KR" sz="2200" baseline="0" smtClean="0">
+                        <a:rPr lang="en-US" altLang="ko-KR" sz="2200" baseline="0">
                           <a:ea typeface="G마켓 산스 Medium" panose="02000000000000000000"/>
                         </a:rPr>
                         <a:t> minute;</a:t>
@@ -18390,7 +18137,7 @@
                     <a:p>
                       <a:pPr latinLnBrk="1"/>
                       <a:r>
-                        <a:rPr lang="ko-KR" altLang="en-US" sz="2000" smtClean="0">
+                        <a:rPr lang="ko-KR" altLang="en-US" sz="2000">
                           <a:ea typeface="G마켓 산스 Medium" panose="02000000000000000000"/>
                         </a:rPr>
                         <a:t>분</a:t>
@@ -18440,6 +18187,11 @@
                     <a:noFill/>
                   </a:tcPr>
                 </a:tc>
+                <a:extLst>
+                  <a:ext uri="{0D108BD9-81ED-4DB2-BD59-A6C34878D82A}">
+                    <a16:rowId xmlns:a16="http://schemas.microsoft.com/office/drawing/2014/main" val="10002"/>
+                  </a:ext>
+                </a:extLst>
               </a:tr>
               <a:tr h="411480">
                 <a:tc>
@@ -18500,13 +18252,13 @@
                     <a:p>
                       <a:pPr latinLnBrk="1"/>
                       <a:r>
-                        <a:rPr lang="en-US" altLang="ko-KR" sz="2200" smtClean="0">
+                        <a:rPr lang="en-US" altLang="ko-KR" sz="2200">
                           <a:ea typeface="G마켓 산스 Medium" panose="02000000000000000000"/>
                         </a:rPr>
                         <a:t>int</a:t>
                       </a:r>
                       <a:r>
-                        <a:rPr lang="en-US" altLang="ko-KR" sz="2200" baseline="0" smtClean="0">
+                        <a:rPr lang="en-US" altLang="ko-KR" sz="2200" baseline="0">
                           <a:ea typeface="G마켓 산스 Medium" panose="02000000000000000000"/>
                         </a:rPr>
                         <a:t> second;</a:t>
@@ -18563,7 +18315,7 @@
                     <a:p>
                       <a:pPr latinLnBrk="1"/>
                       <a:r>
-                        <a:rPr lang="ko-KR" altLang="en-US" sz="2000" smtClean="0">
+                        <a:rPr lang="ko-KR" altLang="en-US" sz="2000">
                           <a:ea typeface="G마켓 산스 Medium" panose="02000000000000000000"/>
                         </a:rPr>
                         <a:t>초</a:t>
@@ -18613,6 +18365,11 @@
                     <a:noFill/>
                   </a:tcPr>
                 </a:tc>
+                <a:extLst>
+                  <a:ext uri="{0D108BD9-81ED-4DB2-BD59-A6C34878D82A}">
+                    <a16:rowId xmlns:a16="http://schemas.microsoft.com/office/drawing/2014/main" val="10003"/>
+                  </a:ext>
+                </a:extLst>
               </a:tr>
               <a:tr h="370840">
                 <a:tc>
@@ -18698,7 +18455,7 @@
                     <a:p>
                       <a:pPr latinLnBrk="1"/>
                       <a:r>
-                        <a:rPr lang="en-US" altLang="ko-KR" sz="2200" baseline="0" smtClean="0">
+                        <a:rPr lang="en-US" altLang="ko-KR" sz="2200" baseline="0">
                           <a:ea typeface="G마켓 산스 Medium" panose="02000000000000000000"/>
                         </a:rPr>
                         <a:t>void setHour(int hour)</a:t>
@@ -18707,7 +18464,7 @@
                     <a:p>
                       <a:pPr latinLnBrk="1"/>
                       <a:r>
-                        <a:rPr lang="en-US" altLang="ko-KR" sz="2200" baseline="0" smtClean="0">
+                        <a:rPr lang="en-US" altLang="ko-KR" sz="2200" baseline="0">
                           <a:ea typeface="G마켓 산스 Medium" panose="02000000000000000000"/>
                         </a:rPr>
                         <a:t>int getHour()</a:t>
@@ -18716,7 +18473,7 @@
                     <a:p>
                       <a:pPr latinLnBrk="1"/>
                       <a:r>
-                        <a:rPr lang="en-US" altLang="ko-KR" sz="2200" baseline="0" smtClean="0">
+                        <a:rPr lang="en-US" altLang="ko-KR" sz="2200" baseline="0">
                           <a:ea typeface="G마켓 산스 Medium" panose="02000000000000000000"/>
                         </a:rPr>
                         <a:t>….</a:t>
@@ -18773,31 +18530,31 @@
                     <a:p>
                       <a:pPr latinLnBrk="1"/>
                       <a:r>
-                        <a:rPr lang="en-US" altLang="ko-KR" sz="2000" smtClean="0">
+                        <a:rPr lang="en-US" altLang="ko-KR" sz="2000">
                           <a:ea typeface="G마켓 산스 Medium" panose="02000000000000000000"/>
                         </a:rPr>
                         <a:t>Hour</a:t>
                       </a:r>
                       <a:r>
-                        <a:rPr lang="en-US" altLang="ko-KR" sz="2000" baseline="0" smtClean="0">
+                        <a:rPr lang="en-US" altLang="ko-KR" sz="2000" baseline="0">
                           <a:ea typeface="G마켓 산스 Medium" panose="02000000000000000000"/>
                         </a:rPr>
                         <a:t> </a:t>
                       </a:r>
                       <a:r>
-                        <a:rPr lang="ko-KR" altLang="en-US" sz="2000" baseline="0" smtClean="0">
+                        <a:rPr lang="ko-KR" altLang="en-US" sz="2000" baseline="0">
                           <a:ea typeface="G마켓 산스 Medium" panose="02000000000000000000"/>
                         </a:rPr>
                         <a:t>멤버변수의 값을 셋팅하고</a:t>
                       </a:r>
-                      <a:endParaRPr lang="en-US" altLang="ko-KR" sz="2000" baseline="0" smtClean="0">
+                      <a:endParaRPr lang="en-US" altLang="ko-KR" sz="2000" baseline="0">
                         <a:ea typeface="G마켓 산스 Medium" panose="02000000000000000000"/>
                       </a:endParaRPr>
                     </a:p>
                     <a:p>
                       <a:pPr latinLnBrk="1"/>
                       <a:r>
-                        <a:rPr lang="ko-KR" altLang="en-US" sz="2000" baseline="0" smtClean="0">
+                        <a:rPr lang="ko-KR" altLang="en-US" sz="2000" baseline="0">
                           <a:ea typeface="G마켓 산스 Medium" panose="02000000000000000000"/>
                         </a:rPr>
                         <a:t>가져오는 메서드</a:t>
@@ -18847,6 +18604,11 @@
                     <a:noFill/>
                   </a:tcPr>
                 </a:tc>
+                <a:extLst>
+                  <a:ext uri="{0D108BD9-81ED-4DB2-BD59-A6C34878D82A}">
+                    <a16:rowId xmlns:a16="http://schemas.microsoft.com/office/drawing/2014/main" val="10004"/>
+                  </a:ext>
+                </a:extLst>
               </a:tr>
               <a:tr h="370840">
                 <a:tc>
@@ -18907,13 +18669,13 @@
                     <a:p>
                       <a:pPr latinLnBrk="1"/>
                       <a:r>
-                        <a:rPr lang="en-US" altLang="ko-KR" sz="2200" smtClean="0">
+                        <a:rPr lang="en-US" altLang="ko-KR" sz="2200">
                           <a:ea typeface="G마켓 산스 Medium" panose="02000000000000000000"/>
                         </a:rPr>
                         <a:t>String</a:t>
                       </a:r>
                       <a:r>
-                        <a:rPr lang="en-US" altLang="ko-KR" sz="2200" baseline="0" smtClean="0">
+                        <a:rPr lang="en-US" altLang="ko-KR" sz="2200" baseline="0">
                           <a:ea typeface="G마켓 산스 Medium" panose="02000000000000000000"/>
                         </a:rPr>
                         <a:t> toString()</a:t>
@@ -18970,7 +18732,7 @@
                     <a:p>
                       <a:pPr latinLnBrk="1"/>
                       <a:r>
-                        <a:rPr lang="ko-KR" altLang="en-US" sz="2000" smtClean="0">
+                        <a:rPr lang="ko-KR" altLang="en-US" sz="2000">
                           <a:ea typeface="G마켓 산스 Medium" panose="02000000000000000000"/>
                         </a:rPr>
                         <a:t>멤버변수의 값을 문자열로</a:t>
@@ -19020,6 +18782,11 @@
                     <a:noFill/>
                   </a:tcPr>
                 </a:tc>
+                <a:extLst>
+                  <a:ext uri="{0D108BD9-81ED-4DB2-BD59-A6C34878D82A}">
+                    <a16:rowId xmlns:a16="http://schemas.microsoft.com/office/drawing/2014/main" val="10005"/>
+                  </a:ext>
+                </a:extLst>
               </a:tr>
             </a:tbl>
           </a:graphicData>
@@ -19083,13 +18850,6 @@
   <p:clrMapOvr>
     <a:masterClrMapping/>
   </p:clrMapOvr>
-  <p:timing>
-    <p:tnLst>
-      <p:par>
-        <p:cTn id="1" dur="indefinite" restart="never" nodeType="tmRoot"/>
-      </p:par>
-    </p:tnLst>
-  </p:timing>
 </p:sld>
 </file>
 
@@ -19139,7 +18899,7 @@
           <p:cNvPr id="6" name="직사각형 5">
             <a:extLst>
               <a:ext uri="{FF2B5EF4-FFF2-40B4-BE49-F238E27FC236}">
-                <a16:creationId xmlns:a16="http://schemas.microsoft.com/office/drawing/2014/main" xmlns="" id="{FFF506F9-840A-0508-4CAF-3AC711D8D5CE}"/>
+                <a16:creationId xmlns:a16="http://schemas.microsoft.com/office/drawing/2014/main" id="{FFF506F9-840A-0508-4CAF-3AC711D8D5CE}"/>
               </a:ext>
             </a:extLst>
           </p:cNvPr>
@@ -19191,7 +18951,7 @@
           <p:cNvPr id="7" name="직사각형 6">
             <a:extLst>
               <a:ext uri="{FF2B5EF4-FFF2-40B4-BE49-F238E27FC236}">
-                <a16:creationId xmlns:a16="http://schemas.microsoft.com/office/drawing/2014/main" xmlns="" id="{FFF506F9-840A-0508-4CAF-3AC711D8D5CE}"/>
+                <a16:creationId xmlns:a16="http://schemas.microsoft.com/office/drawing/2014/main" id="{FFF506F9-840A-0508-4CAF-3AC711D8D5CE}"/>
               </a:ext>
             </a:extLst>
           </p:cNvPr>
@@ -19267,7 +19027,7 @@
           <p:cNvPr id="9" name="직사각형 8">
             <a:extLst>
               <a:ext uri="{FF2B5EF4-FFF2-40B4-BE49-F238E27FC236}">
-                <a16:creationId xmlns:a16="http://schemas.microsoft.com/office/drawing/2014/main" xmlns="" id="{FFF506F9-840A-0508-4CAF-3AC711D8D5CE}"/>
+                <a16:creationId xmlns:a16="http://schemas.microsoft.com/office/drawing/2014/main" id="{FFF506F9-840A-0508-4CAF-3AC711D8D5CE}"/>
               </a:ext>
             </a:extLst>
           </p:cNvPr>
@@ -19319,7 +19079,7 @@
           <p:cNvPr id="10" name="직선 화살표 연결선 9">
             <a:extLst>
               <a:ext uri="{FF2B5EF4-FFF2-40B4-BE49-F238E27FC236}">
-                <a16:creationId xmlns:a16="http://schemas.microsoft.com/office/drawing/2014/main" xmlns="" id="{174A1CAB-41DB-CBE5-A53E-D1E78982E7D5}"/>
+                <a16:creationId xmlns:a16="http://schemas.microsoft.com/office/drawing/2014/main" id="{174A1CAB-41DB-CBE5-A53E-D1E78982E7D5}"/>
               </a:ext>
             </a:extLst>
           </p:cNvPr>
@@ -19360,7 +19120,7 @@
           <p:cNvPr id="12" name="TextBox 11">
             <a:extLst>
               <a:ext uri="{FF2B5EF4-FFF2-40B4-BE49-F238E27FC236}">
-                <a16:creationId xmlns="" xmlns:a16="http://schemas.microsoft.com/office/drawing/2014/main" id="{C6D113C6-EA5C-788F-0C77-E7CE6EBB865F}"/>
+                <a16:creationId xmlns:a16="http://schemas.microsoft.com/office/drawing/2014/main" id="{C6D113C6-EA5C-788F-0C77-E7CE6EBB865F}"/>
               </a:ext>
             </a:extLst>
           </p:cNvPr>
@@ -19384,7 +19144,7 @@
           <a:lstStyle/>
           <a:p>
             <a:r>
-              <a:rPr lang="ko-KR" altLang="en-US" sz="4800" smtClean="0">
+              <a:rPr lang="ko-KR" altLang="en-US" sz="4800">
                 <a:solidFill>
                   <a:srgbClr val="FF0000"/>
                 </a:solidFill>
@@ -19393,7 +19153,7 @@
               </a:rPr>
               <a:t>다른 패키지의 클래스를 사용하기 위해서</a:t>
             </a:r>
-            <a:endParaRPr lang="en-US" altLang="ko-KR" sz="4800" smtClean="0">
+            <a:endParaRPr lang="en-US" altLang="ko-KR" sz="4800">
               <a:solidFill>
                 <a:srgbClr val="FF0000"/>
               </a:solidFill>
@@ -19403,7 +19163,7 @@
           </a:p>
           <a:p>
             <a:r>
-              <a:rPr lang="en-US" altLang="ko-KR" sz="4800" smtClean="0">
+              <a:rPr lang="en-US" altLang="ko-KR" sz="4800">
                 <a:solidFill>
                   <a:srgbClr val="FF0000"/>
                 </a:solidFill>
@@ -19413,7 +19173,7 @@
               <a:t>import</a:t>
             </a:r>
             <a:r>
-              <a:rPr lang="ko-KR" altLang="en-US" sz="4800" smtClean="0">
+              <a:rPr lang="ko-KR" altLang="en-US" sz="4800">
                 <a:solidFill>
                   <a:srgbClr val="FF0000"/>
                 </a:solidFill>
@@ -19423,7 +19183,7 @@
               <a:t>를 해야 한다</a:t>
             </a:r>
             <a:r>
-              <a:rPr lang="en-US" altLang="ko-KR" sz="4800" smtClean="0">
+              <a:rPr lang="en-US" altLang="ko-KR" sz="4800">
                 <a:solidFill>
                   <a:srgbClr val="FF0000"/>
                 </a:solidFill>
@@ -19447,7 +19207,7 @@
           <p:cNvPr id="13" name="직사각형 12">
             <a:extLst>
               <a:ext uri="{FF2B5EF4-FFF2-40B4-BE49-F238E27FC236}">
-                <a16:creationId xmlns:a16="http://schemas.microsoft.com/office/drawing/2014/main" xmlns="" id="{FFF506F9-840A-0508-4CAF-3AC711D8D5CE}"/>
+                <a16:creationId xmlns:a16="http://schemas.microsoft.com/office/drawing/2014/main" id="{FFF506F9-840A-0508-4CAF-3AC711D8D5CE}"/>
               </a:ext>
             </a:extLst>
           </p:cNvPr>
@@ -19499,7 +19259,7 @@
           <p:cNvPr id="14" name="직선 화살표 연결선 13">
             <a:extLst>
               <a:ext uri="{FF2B5EF4-FFF2-40B4-BE49-F238E27FC236}">
-                <a16:creationId xmlns:a16="http://schemas.microsoft.com/office/drawing/2014/main" xmlns="" id="{174A1CAB-41DB-CBE5-A53E-D1E78982E7D5}"/>
+                <a16:creationId xmlns:a16="http://schemas.microsoft.com/office/drawing/2014/main" id="{174A1CAB-41DB-CBE5-A53E-D1E78982E7D5}"/>
               </a:ext>
             </a:extLst>
           </p:cNvPr>
@@ -19540,7 +19300,7 @@
           <p:cNvPr id="16" name="TextBox 15">
             <a:extLst>
               <a:ext uri="{FF2B5EF4-FFF2-40B4-BE49-F238E27FC236}">
-                <a16:creationId xmlns="" xmlns:a16="http://schemas.microsoft.com/office/drawing/2014/main" id="{C6D113C6-EA5C-788F-0C77-E7CE6EBB865F}"/>
+                <a16:creationId xmlns:a16="http://schemas.microsoft.com/office/drawing/2014/main" id="{C6D113C6-EA5C-788F-0C77-E7CE6EBB865F}"/>
               </a:ext>
             </a:extLst>
           </p:cNvPr>
@@ -19564,7 +19324,7 @@
           <a:lstStyle/>
           <a:p>
             <a:r>
-              <a:rPr lang="ko-KR" altLang="en-US" sz="4800" smtClean="0">
+              <a:rPr lang="ko-KR" altLang="en-US" sz="4800">
                 <a:solidFill>
                   <a:srgbClr val="FF0000"/>
                 </a:solidFill>
@@ -19573,7 +19333,7 @@
               </a:rPr>
               <a:t>현재 파일의 패키지명</a:t>
             </a:r>
-            <a:endParaRPr lang="en-US" altLang="ko-KR" sz="4800" smtClean="0">
+            <a:endParaRPr lang="en-US" altLang="ko-KR" sz="4800">
               <a:solidFill>
                 <a:srgbClr val="FF0000"/>
               </a:solidFill>
@@ -19583,7 +19343,7 @@
           </a:p>
           <a:p>
             <a:r>
-              <a:rPr lang="en-US" altLang="ko-KR" sz="4800" smtClean="0">
+              <a:rPr lang="en-US" altLang="ko-KR" sz="4800">
                 <a:solidFill>
                   <a:srgbClr val="FF0000"/>
                 </a:solidFill>
@@ -19593,7 +19353,7 @@
               <a:t>(</a:t>
             </a:r>
             <a:r>
-              <a:rPr lang="ko-KR" altLang="en-US" sz="4800" smtClean="0">
+              <a:rPr lang="ko-KR" altLang="en-US" sz="4800">
                 <a:solidFill>
                   <a:srgbClr val="FF0000"/>
                 </a:solidFill>
@@ -19603,7 +19363,7 @@
               <a:t>하나의 패키지명만 가질수 있다</a:t>
             </a:r>
             <a:r>
-              <a:rPr lang="en-US" altLang="ko-KR" sz="4800" smtClean="0">
+              <a:rPr lang="en-US" altLang="ko-KR" sz="4800">
                 <a:solidFill>
                   <a:srgbClr val="FF0000"/>
                 </a:solidFill>
@@ -19632,13 +19392,6 @@
   <p:clrMapOvr>
     <a:masterClrMapping/>
   </p:clrMapOvr>
-  <p:timing>
-    <p:tnLst>
-      <p:par>
-        <p:cTn id="1" dur="indefinite" restart="never" nodeType="tmRoot"/>
-      </p:par>
-    </p:tnLst>
-  </p:timing>
 </p:sld>
 </file>
 
@@ -19664,7 +19417,7 @@
           <p:cNvPr id="4" name="TextBox 3">
             <a:extLst>
               <a:ext uri="{FF2B5EF4-FFF2-40B4-BE49-F238E27FC236}">
-                <a16:creationId xmlns="" xmlns:a16="http://schemas.microsoft.com/office/drawing/2014/main" id="{52176D31-35F7-8916-46FA-6095EFEC1E49}"/>
+                <a16:creationId xmlns:a16="http://schemas.microsoft.com/office/drawing/2014/main" id="{52176D31-35F7-8916-46FA-6095EFEC1E49}"/>
               </a:ext>
             </a:extLst>
           </p:cNvPr>
@@ -19688,7 +19441,7 @@
           <a:lstStyle/>
           <a:p>
             <a:r>
-              <a:rPr lang="en-US" altLang="ko-KR" sz="3200" smtClean="0">
+              <a:rPr lang="en-US" altLang="ko-KR" sz="3200">
                 <a:solidFill>
                   <a:schemeClr val="tx1">
                     <a:lumMod val="50000"/>
@@ -19701,7 +19454,7 @@
               <a:t>2. </a:t>
             </a:r>
             <a:r>
-              <a:rPr lang="ko-KR" altLang="en-US" sz="3200" smtClean="0">
+              <a:rPr lang="ko-KR" altLang="en-US" sz="3200">
                 <a:solidFill>
                   <a:schemeClr val="tx1">
                     <a:lumMod val="50000"/>
@@ -19713,7 +19466,7 @@
               </a:rPr>
               <a:t>싱글톤 패턴 만들기</a:t>
             </a:r>
-            <a:endParaRPr lang="en-US" altLang="ko-KR" sz="3200" smtClean="0">
+            <a:endParaRPr lang="en-US" altLang="ko-KR" sz="3200">
               <a:solidFill>
                 <a:schemeClr val="tx1">
                   <a:lumMod val="50000"/>
@@ -19725,7 +19478,7 @@
             </a:endParaRPr>
           </a:p>
           <a:p>
-            <a:endParaRPr lang="en-US" altLang="ko-KR" sz="3200" smtClean="0">
+            <a:endParaRPr lang="en-US" altLang="ko-KR" sz="3200">
               <a:solidFill>
                 <a:schemeClr val="tx1">
                   <a:lumMod val="50000"/>
@@ -19738,7 +19491,7 @@
           </a:p>
           <a:p>
             <a:r>
-              <a:rPr lang="en-US" altLang="ko-KR" sz="3200" smtClean="0">
+              <a:rPr lang="en-US" altLang="ko-KR" sz="3200">
                 <a:solidFill>
                   <a:schemeClr val="tx1">
                     <a:lumMod val="50000"/>
@@ -19751,7 +19504,7 @@
               <a:t>serverConnection </a:t>
             </a:r>
             <a:r>
-              <a:rPr lang="ko-KR" altLang="en-US" sz="3200" smtClean="0">
+              <a:rPr lang="ko-KR" altLang="en-US" sz="3200">
                 <a:solidFill>
                   <a:schemeClr val="tx1">
                     <a:lumMod val="50000"/>
@@ -19764,7 +19517,7 @@
               <a:t>객체를 만들자</a:t>
             </a:r>
             <a:r>
-              <a:rPr lang="en-US" altLang="ko-KR" sz="3200" smtClean="0">
+              <a:rPr lang="en-US" altLang="ko-KR" sz="3200">
                 <a:solidFill>
                   <a:schemeClr val="tx1">
                     <a:lumMod val="50000"/>
@@ -19777,7 +19530,7 @@
               <a:t>. </a:t>
             </a:r>
             <a:r>
-              <a:rPr lang="ko-KR" altLang="en-US" sz="3200" smtClean="0">
+              <a:rPr lang="ko-KR" altLang="en-US" sz="3200">
                 <a:solidFill>
                   <a:schemeClr val="tx1">
                     <a:lumMod val="50000"/>
@@ -19790,7 +19543,7 @@
               <a:t>해당 객체는 프로그램이 서버와 통신하기 위한 클래스 이다</a:t>
             </a:r>
             <a:r>
-              <a:rPr lang="en-US" altLang="ko-KR" sz="3200" smtClean="0">
+              <a:rPr lang="en-US" altLang="ko-KR" sz="3200">
                 <a:solidFill>
                   <a:schemeClr val="tx1">
                     <a:lumMod val="50000"/>
@@ -19803,7 +19556,7 @@
               <a:t>. </a:t>
             </a:r>
             <a:r>
-              <a:rPr lang="ko-KR" altLang="en-US" sz="3200" smtClean="0">
+              <a:rPr lang="ko-KR" altLang="en-US" sz="3200">
                 <a:solidFill>
                   <a:schemeClr val="tx1">
                     <a:lumMod val="50000"/>
@@ -19816,7 +19569,7 @@
               <a:t>일반적으로 이런 클래스는 프로그램당 한 개의 객체만을 이용한다</a:t>
             </a:r>
             <a:r>
-              <a:rPr lang="en-US" altLang="ko-KR" sz="3200" smtClean="0">
+              <a:rPr lang="en-US" altLang="ko-KR" sz="3200">
                 <a:solidFill>
                   <a:schemeClr val="tx1">
                     <a:lumMod val="50000"/>
@@ -19831,7 +19584,7 @@
           </a:p>
           <a:p>
             <a:r>
-              <a:rPr lang="ko-KR" altLang="en-US" sz="3200" smtClean="0">
+              <a:rPr lang="ko-KR" altLang="en-US" sz="3200">
                 <a:solidFill>
                   <a:schemeClr val="tx1">
                     <a:lumMod val="50000"/>
@@ -19844,7 +19597,7 @@
               <a:t>이러한 구조를 체계화 해놓은것이 디자인패턴중 싱글톤패턴이다</a:t>
             </a:r>
             <a:r>
-              <a:rPr lang="en-US" altLang="ko-KR" sz="3200" smtClean="0">
+              <a:rPr lang="en-US" altLang="ko-KR" sz="3200">
                 <a:solidFill>
                   <a:schemeClr val="tx1">
                     <a:lumMod val="50000"/>
@@ -19858,7 +19611,7 @@
             </a:r>
           </a:p>
           <a:p>
-            <a:endParaRPr lang="en-US" altLang="ko-KR" sz="3200" smtClean="0">
+            <a:endParaRPr lang="en-US" altLang="ko-KR" sz="3200">
               <a:solidFill>
                 <a:schemeClr val="tx1">
                   <a:lumMod val="50000"/>
@@ -19871,7 +19624,7 @@
           </a:p>
           <a:p>
             <a:r>
-              <a:rPr lang="en-US" altLang="ko-KR" sz="3200" smtClean="0">
+              <a:rPr lang="en-US" altLang="ko-KR" sz="3200">
                 <a:solidFill>
                   <a:schemeClr val="tx1">
                     <a:lumMod val="50000"/>
@@ -19884,7 +19637,7 @@
               <a:t>getInstance() </a:t>
             </a:r>
             <a:r>
-              <a:rPr lang="ko-KR" altLang="en-US" sz="3200" smtClean="0">
+              <a:rPr lang="ko-KR" altLang="en-US" sz="3200">
                 <a:solidFill>
                   <a:schemeClr val="tx1">
                     <a:lumMod val="50000"/>
@@ -19897,7 +19650,7 @@
               <a:t>메서드를 만들어 객체는 항상 </a:t>
             </a:r>
             <a:r>
-              <a:rPr lang="en-US" altLang="ko-KR" sz="3200" smtClean="0">
+              <a:rPr lang="en-US" altLang="ko-KR" sz="3200">
                 <a:solidFill>
                   <a:schemeClr val="tx1">
                     <a:lumMod val="50000"/>
@@ -19910,7 +19663,7 @@
               <a:t>1</a:t>
             </a:r>
             <a:r>
-              <a:rPr lang="ko-KR" altLang="en-US" sz="3200" smtClean="0">
+              <a:rPr lang="ko-KR" altLang="en-US" sz="3200">
                 <a:solidFill>
                   <a:schemeClr val="tx1">
                     <a:lumMod val="50000"/>
@@ -19923,7 +19676,7 @@
               <a:t>개만 유지되도록 하자</a:t>
             </a:r>
             <a:r>
-              <a:rPr lang="en-US" altLang="ko-KR" sz="3200" smtClean="0">
+              <a:rPr lang="en-US" altLang="ko-KR" sz="3200">
                 <a:solidFill>
                   <a:schemeClr val="tx1">
                     <a:lumMod val="50000"/>
@@ -19938,7 +19691,7 @@
           </a:p>
           <a:p>
             <a:r>
-              <a:rPr lang="en-US" altLang="ko-KR" sz="3200" smtClean="0">
+              <a:rPr lang="en-US" altLang="ko-KR" sz="3200">
                 <a:solidFill>
                   <a:schemeClr val="tx1">
                     <a:lumMod val="50000"/>
@@ -19951,7 +19704,7 @@
               <a:t>stati</a:t>
             </a:r>
             <a:r>
-              <a:rPr lang="ko-KR" altLang="en-US" sz="3200" smtClean="0">
+              <a:rPr lang="ko-KR" altLang="en-US" sz="3200">
                 <a:solidFill>
                   <a:schemeClr val="tx1">
                     <a:lumMod val="50000"/>
@@ -19964,7 +19717,7 @@
               <a:t>과 </a:t>
             </a:r>
             <a:r>
-              <a:rPr lang="en-US" altLang="ko-KR" sz="3200" smtClean="0">
+              <a:rPr lang="en-US" altLang="ko-KR" sz="3200">
                 <a:solidFill>
                   <a:schemeClr val="tx1">
                     <a:lumMod val="50000"/>
@@ -19977,7 +19730,7 @@
               <a:t>privat</a:t>
             </a:r>
             <a:r>
-              <a:rPr lang="ko-KR" altLang="en-US" sz="3200" smtClean="0">
+              <a:rPr lang="ko-KR" altLang="en-US" sz="3200">
                 <a:solidFill>
                   <a:schemeClr val="tx1">
                     <a:lumMod val="50000"/>
@@ -19990,7 +19743,7 @@
               <a:t>를 활용하자</a:t>
             </a:r>
             <a:r>
-              <a:rPr lang="en-US" altLang="ko-KR" sz="3200" smtClean="0">
+              <a:rPr lang="en-US" altLang="ko-KR" sz="3200">
                 <a:solidFill>
                   <a:schemeClr val="tx1">
                     <a:lumMod val="50000"/>
@@ -20087,13 +19840,6 @@
   <p:clrMapOvr>
     <a:masterClrMapping/>
   </p:clrMapOvr>
-  <p:timing>
-    <p:tnLst>
-      <p:par>
-        <p:cTn id="1" dur="indefinite" restart="never" nodeType="tmRoot"/>
-      </p:par>
-    </p:tnLst>
-  </p:timing>
 </p:sld>
 </file>
 
@@ -20209,7 +19955,7 @@
           <p:cNvPr id="7" name="TextBox 6">
             <a:extLst>
               <a:ext uri="{FF2B5EF4-FFF2-40B4-BE49-F238E27FC236}">
-                <a16:creationId xmlns="" xmlns:a16="http://schemas.microsoft.com/office/drawing/2014/main" id="{5ADC00B6-990A-40DC-3CEA-505258F5E8DA}"/>
+                <a16:creationId xmlns:a16="http://schemas.microsoft.com/office/drawing/2014/main" id="{5ADC00B6-990A-40DC-3CEA-505258F5E8DA}"/>
               </a:ext>
             </a:extLst>
           </p:cNvPr>
@@ -20233,7 +19979,7 @@
           <a:lstStyle/>
           <a:p>
             <a:r>
-              <a:rPr lang="ko-KR" altLang="en-US" sz="4800" smtClean="0">
+              <a:rPr lang="ko-KR" altLang="en-US" sz="4800" dirty="0">
                 <a:solidFill>
                   <a:srgbClr val="4C50BC"/>
                 </a:solidFill>
@@ -20243,7 +19989,7 @@
               <a:t>왜 필요할까</a:t>
             </a:r>
             <a:r>
-              <a:rPr lang="en-US" altLang="ko-KR" sz="4800" smtClean="0">
+              <a:rPr lang="en-US" altLang="ko-KR" sz="4800" dirty="0">
                 <a:solidFill>
                   <a:srgbClr val="4C50BC"/>
                 </a:solidFill>
@@ -20252,13 +19998,6 @@
               </a:rPr>
               <a:t>?</a:t>
             </a:r>
-            <a:endParaRPr lang="en-US" altLang="ko-KR" sz="4800" dirty="0">
-              <a:solidFill>
-                <a:srgbClr val="4C50BC"/>
-              </a:solidFill>
-              <a:latin typeface="G마켓 산스 Medium" panose="02000000000000000000" pitchFamily="50" charset="-127"/>
-              <a:ea typeface="G마켓 산스 Medium" panose="02000000000000000000" pitchFamily="50" charset="-127"/>
-            </a:endParaRPr>
           </a:p>
         </p:txBody>
       </p:sp>
@@ -20284,7 +20023,7 @@
           <a:lstStyle/>
           <a:p>
             <a:r>
-              <a:rPr lang="en-US" altLang="ko-KR" sz="2800" smtClean="0">
+              <a:rPr lang="en-US" altLang="ko-KR" sz="2800">
                 <a:solidFill>
                   <a:schemeClr val="tx1">
                     <a:lumMod val="50000"/>
@@ -20297,7 +20036,7 @@
               <a:t>1. </a:t>
             </a:r>
             <a:r>
-              <a:rPr lang="ko-KR" altLang="en-US" sz="2800" smtClean="0">
+              <a:rPr lang="ko-KR" altLang="en-US" sz="2800">
                 <a:solidFill>
                   <a:schemeClr val="tx1">
                     <a:lumMod val="50000"/>
@@ -20310,7 +20049,7 @@
               <a:t>클래스를 만드는 입장에서 사용자의 값을 필터링 할수 없다</a:t>
             </a:r>
             <a:r>
-              <a:rPr lang="en-US" altLang="ko-KR" sz="2800" smtClean="0">
+              <a:rPr lang="en-US" altLang="ko-KR" sz="2800">
                 <a:solidFill>
                   <a:schemeClr val="tx1">
                     <a:lumMod val="50000"/>
@@ -20321,6 +20060,80 @@
                 <a:ea typeface="G마켓 산스 Medium" panose="02000000000000000000" pitchFamily="50" charset="-127"/>
               </a:rPr>
               <a:t>.</a:t>
+            </a:r>
+          </a:p>
+        </p:txBody>
+      </p:sp>
+      <p:pic>
+        <p:nvPicPr>
+          <p:cNvPr id="9" name="그림 8"/>
+          <p:cNvPicPr>
+            <a:picLocks noChangeAspect="1"/>
+          </p:cNvPicPr>
+          <p:nvPr/>
+        </p:nvPicPr>
+        <p:blipFill>
+          <a:blip r:embed="rId3"/>
+          <a:stretch>
+            <a:fillRect/>
+          </a:stretch>
+        </p:blipFill>
+        <p:spPr>
+          <a:xfrm>
+            <a:off x="9144000" y="2171700"/>
+            <a:ext cx="4629150" cy="1371600"/>
+          </a:xfrm>
+          <a:prstGeom prst="rect">
+            <a:avLst/>
+          </a:prstGeom>
+        </p:spPr>
+      </p:pic>
+      <p:sp>
+        <p:nvSpPr>
+          <p:cNvPr id="10" name="직사각형 9"/>
+          <p:cNvSpPr/>
+          <p:nvPr/>
+        </p:nvSpPr>
+        <p:spPr>
+          <a:xfrm>
+            <a:off x="8229600" y="4010680"/>
+            <a:ext cx="7289175" cy="954107"/>
+          </a:xfrm>
+          <a:prstGeom prst="rect">
+            <a:avLst/>
+          </a:prstGeom>
+        </p:spPr>
+        <p:txBody>
+          <a:bodyPr wrap="none">
+            <a:spAutoFit/>
+          </a:bodyPr>
+          <a:lstStyle/>
+          <a:p>
+            <a:r>
+              <a:rPr lang="en-US" altLang="ko-KR" sz="2800">
+                <a:solidFill>
+                  <a:schemeClr val="tx1">
+                    <a:lumMod val="50000"/>
+                    <a:lumOff val="50000"/>
+                  </a:schemeClr>
+                </a:solidFill>
+                <a:latin typeface="G마켓 산스 Medium" panose="02000000000000000000" pitchFamily="50" charset="-127"/>
+                <a:ea typeface="G마켓 산스 Medium" panose="02000000000000000000" pitchFamily="50" charset="-127"/>
+              </a:rPr>
+              <a:t>2. </a:t>
+            </a:r>
+            <a:r>
+              <a:rPr lang="ko-KR" altLang="en-US" sz="2800">
+                <a:solidFill>
+                  <a:schemeClr val="tx1">
+                    <a:lumMod val="50000"/>
+                    <a:lumOff val="50000"/>
+                  </a:schemeClr>
+                </a:solidFill>
+                <a:latin typeface="G마켓 산스 Medium" panose="02000000000000000000" pitchFamily="50" charset="-127"/>
+                <a:ea typeface="G마켓 산스 Medium" panose="02000000000000000000" pitchFamily="50" charset="-127"/>
+              </a:rPr>
+              <a:t>외부라이브러리들이 객체를 생성해줄때 </a:t>
             </a:r>
             <a:endParaRPr lang="en-US" altLang="ko-KR" sz="2800">
               <a:solidFill>
@@ -20333,42 +20146,59 @@
               <a:ea typeface="G마켓 산스 Medium" panose="02000000000000000000" pitchFamily="50" charset="-127"/>
             </a:endParaRPr>
           </a:p>
+          <a:p>
+            <a:r>
+              <a:rPr lang="en-US" altLang="ko-KR" sz="2800">
+                <a:solidFill>
+                  <a:schemeClr val="tx1">
+                    <a:lumMod val="50000"/>
+                    <a:lumOff val="50000"/>
+                  </a:schemeClr>
+                </a:solidFill>
+                <a:latin typeface="G마켓 산스 Medium" panose="02000000000000000000" pitchFamily="50" charset="-127"/>
+                <a:ea typeface="G마켓 산스 Medium" panose="02000000000000000000" pitchFamily="50" charset="-127"/>
+              </a:rPr>
+              <a:t>setter, getter</a:t>
+            </a:r>
+            <a:r>
+              <a:rPr lang="ko-KR" altLang="en-US" sz="2800">
+                <a:solidFill>
+                  <a:schemeClr val="tx1">
+                    <a:lumMod val="50000"/>
+                    <a:lumOff val="50000"/>
+                  </a:schemeClr>
+                </a:solidFill>
+                <a:latin typeface="G마켓 산스 Medium" panose="02000000000000000000" pitchFamily="50" charset="-127"/>
+                <a:ea typeface="G마켓 산스 Medium" panose="02000000000000000000" pitchFamily="50" charset="-127"/>
+              </a:rPr>
+              <a:t>를 콜백하여 값을 셋팅해준다</a:t>
+            </a:r>
+            <a:r>
+              <a:rPr lang="en-US" altLang="ko-KR" sz="2800">
+                <a:solidFill>
+                  <a:schemeClr val="tx1">
+                    <a:lumMod val="50000"/>
+                    <a:lumOff val="50000"/>
+                  </a:schemeClr>
+                </a:solidFill>
+                <a:latin typeface="G마켓 산스 Medium" panose="02000000000000000000" pitchFamily="50" charset="-127"/>
+                <a:ea typeface="G마켓 산스 Medium" panose="02000000000000000000" pitchFamily="50" charset="-127"/>
+              </a:rPr>
+              <a:t>.</a:t>
+            </a:r>
+          </a:p>
         </p:txBody>
       </p:sp>
-      <p:pic>
-        <p:nvPicPr>
-          <p:cNvPr id="9" name="그림 8"/>
-          <p:cNvPicPr>
-            <a:picLocks noChangeAspect="1"/>
-          </p:cNvPicPr>
-          <p:nvPr/>
-        </p:nvPicPr>
-        <p:blipFill>
-          <a:blip r:embed="rId3"/>
-          <a:stretch>
-            <a:fillRect/>
-          </a:stretch>
-        </p:blipFill>
-        <p:spPr>
-          <a:xfrm>
-            <a:off x="9144000" y="2171700"/>
-            <a:ext cx="4629150" cy="1371600"/>
-          </a:xfrm>
-          <a:prstGeom prst="rect">
-            <a:avLst/>
-          </a:prstGeom>
-        </p:spPr>
-      </p:pic>
       <p:sp>
         <p:nvSpPr>
-          <p:cNvPr id="10" name="직사각형 9"/>
+          <p:cNvPr id="11" name="직사각형 10"/>
           <p:cNvSpPr/>
           <p:nvPr/>
         </p:nvSpPr>
         <p:spPr>
           <a:xfrm>
-            <a:off x="8229600" y="4010680"/>
-            <a:ext cx="7289175" cy="954107"/>
+            <a:off x="8229600" y="5753100"/>
+            <a:ext cx="7888698" cy="523220"/>
           </a:xfrm>
           <a:prstGeom prst="rect">
             <a:avLst/>
@@ -20381,7 +20211,7 @@
           <a:lstStyle/>
           <a:p>
             <a:r>
-              <a:rPr lang="en-US" altLang="ko-KR" sz="2800" smtClean="0">
+              <a:rPr lang="en-US" altLang="ko-KR" sz="2800" dirty="0">
                 <a:solidFill>
                   <a:schemeClr val="tx1">
                     <a:lumMod val="50000"/>
@@ -20391,10 +20221,10 @@
                 <a:latin typeface="G마켓 산스 Medium" panose="02000000000000000000" pitchFamily="50" charset="-127"/>
                 <a:ea typeface="G마켓 산스 Medium" panose="02000000000000000000" pitchFamily="50" charset="-127"/>
               </a:rPr>
-              <a:t>2. </a:t>
-            </a:r>
-            <a:r>
-              <a:rPr lang="ko-KR" altLang="en-US" sz="2800" smtClean="0">
+              <a:t>3. </a:t>
+            </a:r>
+            <a:r>
+              <a:rPr lang="ko-KR" altLang="en-US" sz="2800" dirty="0">
                 <a:solidFill>
                   <a:schemeClr val="tx1">
                     <a:lumMod val="50000"/>
@@ -20404,9 +20234,78 @@
                 <a:latin typeface="G마켓 산스 Medium" panose="02000000000000000000" pitchFamily="50" charset="-127"/>
                 <a:ea typeface="G마켓 산스 Medium" panose="02000000000000000000" pitchFamily="50" charset="-127"/>
               </a:rPr>
-              <a:t>외부라이브러리들이 객체를 생성해줄때 </a:t>
-            </a:r>
-            <a:endParaRPr lang="en-US" altLang="ko-KR" sz="2800" smtClean="0">
+              <a:t>이를 활용하여 읽기전용 변수를 만들 수 있다</a:t>
+            </a:r>
+            <a:r>
+              <a:rPr lang="en-US" altLang="ko-KR" sz="2800" dirty="0">
+                <a:solidFill>
+                  <a:schemeClr val="tx1">
+                    <a:lumMod val="50000"/>
+                    <a:lumOff val="50000"/>
+                  </a:schemeClr>
+                </a:solidFill>
+                <a:latin typeface="G마켓 산스 Medium" panose="02000000000000000000" pitchFamily="50" charset="-127"/>
+                <a:ea typeface="G마켓 산스 Medium" panose="02000000000000000000" pitchFamily="50" charset="-127"/>
+              </a:rPr>
+              <a:t>.</a:t>
+            </a:r>
+          </a:p>
+        </p:txBody>
+      </p:sp>
+      <p:sp>
+        <p:nvSpPr>
+          <p:cNvPr id="2" name="직사각형 1">
+            <a:extLst>
+              <a:ext uri="{FF2B5EF4-FFF2-40B4-BE49-F238E27FC236}">
+                <a16:creationId xmlns:a16="http://schemas.microsoft.com/office/drawing/2014/main" id="{AC86ECFC-6A63-060A-C3A3-DA72F47173BD}"/>
+              </a:ext>
+            </a:extLst>
+          </p:cNvPr>
+          <p:cNvSpPr/>
+          <p:nvPr/>
+        </p:nvSpPr>
+        <p:spPr>
+          <a:xfrm>
+            <a:off x="8229600" y="6743700"/>
+            <a:ext cx="9854236" cy="1815882"/>
+          </a:xfrm>
+          <a:prstGeom prst="rect">
+            <a:avLst/>
+          </a:prstGeom>
+        </p:spPr>
+        <p:txBody>
+          <a:bodyPr wrap="none">
+            <a:spAutoFit/>
+          </a:bodyPr>
+          <a:lstStyle/>
+          <a:p>
+            <a:r>
+              <a:rPr lang="en-US" altLang="ko-KR" sz="2800" dirty="0">
+                <a:solidFill>
+                  <a:schemeClr val="tx1">
+                    <a:lumMod val="50000"/>
+                    <a:lumOff val="50000"/>
+                  </a:schemeClr>
+                </a:solidFill>
+                <a:latin typeface="G마켓 산스 Medium" panose="02000000000000000000" pitchFamily="50" charset="-127"/>
+                <a:ea typeface="G마켓 산스 Medium" panose="02000000000000000000" pitchFamily="50" charset="-127"/>
+              </a:rPr>
+              <a:t>4. </a:t>
+            </a:r>
+            <a:r>
+              <a:rPr lang="ko-KR" altLang="en-US" sz="2800" dirty="0">
+                <a:solidFill>
+                  <a:schemeClr val="tx1">
+                    <a:lumMod val="50000"/>
+                    <a:lumOff val="50000"/>
+                  </a:schemeClr>
+                </a:solidFill>
+                <a:latin typeface="G마켓 산스 Medium" panose="02000000000000000000" pitchFamily="50" charset="-127"/>
+                <a:ea typeface="G마켓 산스 Medium" panose="02000000000000000000" pitchFamily="50" charset="-127"/>
+              </a:rPr>
+              <a:t>이후에 배울 다형성에서 참조변수에 따라 가리키는 </a:t>
+            </a:r>
+            <a:endParaRPr lang="en-US" altLang="ko-KR" sz="2800" dirty="0">
               <a:solidFill>
                 <a:schemeClr val="tx1">
                   <a:lumMod val="50000"/>
@@ -20419,7 +20318,7 @@
           </a:p>
           <a:p>
             <a:r>
-              <a:rPr lang="en-US" altLang="ko-KR" sz="2800" smtClean="0">
+              <a:rPr lang="ko-KR" altLang="en-US" sz="2800" dirty="0">
                 <a:solidFill>
                   <a:schemeClr val="tx1">
                     <a:lumMod val="50000"/>
@@ -20429,10 +20328,10 @@
                 <a:latin typeface="G마켓 산스 Medium" panose="02000000000000000000" pitchFamily="50" charset="-127"/>
                 <a:ea typeface="G마켓 산스 Medium" panose="02000000000000000000" pitchFamily="50" charset="-127"/>
               </a:rPr>
-              <a:t>setter, getter</a:t>
-            </a:r>
-            <a:r>
-              <a:rPr lang="ko-KR" altLang="en-US" sz="2800" smtClean="0">
+              <a:t>멤버변수가 달라 질 수 있다</a:t>
+            </a:r>
+            <a:r>
+              <a:rPr lang="en-US" altLang="ko-KR" sz="2800" dirty="0">
                 <a:solidFill>
                   <a:schemeClr val="tx1">
                     <a:lumMod val="50000"/>
@@ -20442,10 +20341,10 @@
                 <a:latin typeface="G마켓 산스 Medium" panose="02000000000000000000" pitchFamily="50" charset="-127"/>
                 <a:ea typeface="G마켓 산스 Medium" panose="02000000000000000000" pitchFamily="50" charset="-127"/>
               </a:rPr>
-              <a:t>를 콜백하여 값을 셋팅해준다</a:t>
-            </a:r>
-            <a:r>
-              <a:rPr lang="en-US" altLang="ko-KR" sz="2800" smtClean="0">
+              <a:t>. </a:t>
+            </a:r>
+            <a:r>
+              <a:rPr lang="ko-KR" altLang="en-US" sz="2800" dirty="0">
                 <a:solidFill>
                   <a:schemeClr val="tx1">
                     <a:lumMod val="50000"/>
@@ -20455,34 +20354,10 @@
                 <a:latin typeface="G마켓 산스 Medium" panose="02000000000000000000" pitchFamily="50" charset="-127"/>
                 <a:ea typeface="G마켓 산스 Medium" panose="02000000000000000000" pitchFamily="50" charset="-127"/>
               </a:rPr>
-              <a:t>.</a:t>
-            </a:r>
-          </a:p>
-        </p:txBody>
-      </p:sp>
-      <p:sp>
-        <p:nvSpPr>
-          <p:cNvPr id="11" name="직사각형 10"/>
-          <p:cNvSpPr/>
-          <p:nvPr/>
-        </p:nvSpPr>
-        <p:spPr>
-          <a:xfrm>
-            <a:off x="8229600" y="6372880"/>
-            <a:ext cx="7415813" cy="523220"/>
-          </a:xfrm>
-          <a:prstGeom prst="rect">
-            <a:avLst/>
-          </a:prstGeom>
-        </p:spPr>
-        <p:txBody>
-          <a:bodyPr wrap="none">
-            <a:spAutoFit/>
-          </a:bodyPr>
-          <a:lstStyle/>
-          <a:p>
-            <a:r>
-              <a:rPr lang="en-US" altLang="ko-KR" sz="2800" smtClean="0">
+              <a:t>하지만 직접 접근이 아닌 </a:t>
+            </a:r>
+            <a:r>
+              <a:rPr lang="en-US" altLang="ko-KR" sz="2800" dirty="0">
                 <a:solidFill>
                   <a:schemeClr val="tx1">
                     <a:lumMod val="50000"/>
@@ -20492,10 +20367,12 @@
                 <a:latin typeface="G마켓 산스 Medium" panose="02000000000000000000" pitchFamily="50" charset="-127"/>
                 <a:ea typeface="G마켓 산스 Medium" panose="02000000000000000000" pitchFamily="50" charset="-127"/>
               </a:rPr>
-              <a:t>3. </a:t>
-            </a:r>
-            <a:r>
-              <a:rPr lang="ko-KR" altLang="en-US" sz="2800" smtClean="0">
+              <a:t>setter</a:t>
+            </a:r>
+          </a:p>
+          <a:p>
+            <a:r>
+              <a:rPr lang="en-US" altLang="ko-KR" sz="2800" dirty="0">
                 <a:solidFill>
                   <a:schemeClr val="tx1">
                     <a:lumMod val="50000"/>
@@ -20505,10 +20382,100 @@
                 <a:latin typeface="G마켓 산스 Medium" panose="02000000000000000000" pitchFamily="50" charset="-127"/>
                 <a:ea typeface="G마켓 산스 Medium" panose="02000000000000000000" pitchFamily="50" charset="-127"/>
               </a:rPr>
-              <a:t>이를 활용하여 읽기전용 변수를 만들수 있다</a:t>
-            </a:r>
-            <a:r>
-              <a:rPr lang="en-US" altLang="ko-KR" sz="2800" smtClean="0">
+              <a:t>getter </a:t>
+            </a:r>
+            <a:r>
+              <a:rPr lang="ko-KR" altLang="en-US" sz="2800" dirty="0">
+                <a:solidFill>
+                  <a:schemeClr val="tx1">
+                    <a:lumMod val="50000"/>
+                    <a:lumOff val="50000"/>
+                  </a:schemeClr>
+                </a:solidFill>
+                <a:latin typeface="G마켓 산스 Medium" panose="02000000000000000000" pitchFamily="50" charset="-127"/>
+                <a:ea typeface="G마켓 산스 Medium" panose="02000000000000000000" pitchFamily="50" charset="-127"/>
+              </a:rPr>
+              <a:t>를 이용한다면 클래스를 만드는 사람 의도대로</a:t>
+            </a:r>
+            <a:endParaRPr lang="en-US" altLang="ko-KR" sz="2800" dirty="0">
+              <a:solidFill>
+                <a:schemeClr val="tx1">
+                  <a:lumMod val="50000"/>
+                  <a:lumOff val="50000"/>
+                </a:schemeClr>
+              </a:solidFill>
+              <a:latin typeface="G마켓 산스 Medium" panose="02000000000000000000" pitchFamily="50" charset="-127"/>
+              <a:ea typeface="G마켓 산스 Medium" panose="02000000000000000000" pitchFamily="50" charset="-127"/>
+            </a:endParaRPr>
+          </a:p>
+          <a:p>
+            <a:r>
+              <a:rPr lang="ko-KR" altLang="en-US" sz="2800" dirty="0">
+                <a:solidFill>
+                  <a:schemeClr val="tx1">
+                    <a:lumMod val="50000"/>
+                    <a:lumOff val="50000"/>
+                  </a:schemeClr>
+                </a:solidFill>
+                <a:latin typeface="G마켓 산스 Medium" panose="02000000000000000000" pitchFamily="50" charset="-127"/>
+                <a:ea typeface="G마켓 산스 Medium" panose="02000000000000000000" pitchFamily="50" charset="-127"/>
+              </a:rPr>
+              <a:t> </a:t>
+            </a:r>
+            <a:r>
+              <a:rPr lang="en-US" altLang="ko-KR" sz="2800" dirty="0">
+                <a:solidFill>
+                  <a:schemeClr val="tx1">
+                    <a:lumMod val="50000"/>
+                    <a:lumOff val="50000"/>
+                  </a:schemeClr>
+                </a:solidFill>
+                <a:latin typeface="G마켓 산스 Medium" panose="02000000000000000000" pitchFamily="50" charset="-127"/>
+                <a:ea typeface="G마켓 산스 Medium" panose="02000000000000000000" pitchFamily="50" charset="-127"/>
+              </a:rPr>
+              <a:t>this,</a:t>
+            </a:r>
+            <a:r>
+              <a:rPr lang="ko-KR" altLang="en-US" sz="2800" dirty="0">
+                <a:solidFill>
+                  <a:schemeClr val="tx1">
+                    <a:lumMod val="50000"/>
+                    <a:lumOff val="50000"/>
+                  </a:schemeClr>
+                </a:solidFill>
+                <a:latin typeface="G마켓 산스 Medium" panose="02000000000000000000" pitchFamily="50" charset="-127"/>
+                <a:ea typeface="G마켓 산스 Medium" panose="02000000000000000000" pitchFamily="50" charset="-127"/>
+              </a:rPr>
+              <a:t>와 </a:t>
+            </a:r>
+            <a:r>
+              <a:rPr lang="en-US" altLang="ko-KR" sz="2800" dirty="0">
+                <a:solidFill>
+                  <a:schemeClr val="tx1">
+                    <a:lumMod val="50000"/>
+                    <a:lumOff val="50000"/>
+                  </a:schemeClr>
+                </a:solidFill>
+                <a:latin typeface="G마켓 산스 Medium" panose="02000000000000000000" pitchFamily="50" charset="-127"/>
+                <a:ea typeface="G마켓 산스 Medium" panose="02000000000000000000" pitchFamily="50" charset="-127"/>
+              </a:rPr>
+              <a:t>super</a:t>
+            </a:r>
+            <a:r>
+              <a:rPr lang="ko-KR" altLang="en-US" sz="2800" dirty="0">
+                <a:solidFill>
+                  <a:schemeClr val="tx1">
+                    <a:lumMod val="50000"/>
+                    <a:lumOff val="50000"/>
+                  </a:schemeClr>
+                </a:solidFill>
+                <a:latin typeface="G마켓 산스 Medium" panose="02000000000000000000" pitchFamily="50" charset="-127"/>
+                <a:ea typeface="G마켓 산스 Medium" panose="02000000000000000000" pitchFamily="50" charset="-127"/>
+              </a:rPr>
+              <a:t>로 지정 할 수 있다</a:t>
+            </a:r>
+            <a:r>
+              <a:rPr lang="en-US" altLang="ko-KR" sz="2800" dirty="0">
                 <a:solidFill>
                   <a:schemeClr val="tx1">
                     <a:lumMod val="50000"/>
@@ -20748,6 +20715,51 @@
                       </p:childTnLst>
                     </p:cTn>
                   </p:par>
+                  <p:par>
+                    <p:cTn id="21" fill="hold">
+                      <p:stCondLst>
+                        <p:cond delay="indefinite"/>
+                      </p:stCondLst>
+                      <p:childTnLst>
+                        <p:par>
+                          <p:cTn id="22" fill="hold">
+                            <p:stCondLst>
+                              <p:cond delay="0"/>
+                            </p:stCondLst>
+                            <p:childTnLst>
+                              <p:par>
+                                <p:cTn id="23" presetID="1" presetClass="entr" presetSubtype="0" fill="hold" grpId="0" nodeType="clickEffect">
+                                  <p:stCondLst>
+                                    <p:cond delay="0"/>
+                                  </p:stCondLst>
+                                  <p:childTnLst>
+                                    <p:set>
+                                      <p:cBhvr>
+                                        <p:cTn id="24" dur="1" fill="hold">
+                                          <p:stCondLst>
+                                            <p:cond delay="0"/>
+                                          </p:stCondLst>
+                                        </p:cTn>
+                                        <p:tgtEl>
+                                          <p:spTgt spid="2"/>
+                                        </p:tgtEl>
+                                        <p:attrNameLst>
+                                          <p:attrName>style.visibility</p:attrName>
+                                        </p:attrNameLst>
+                                      </p:cBhvr>
+                                      <p:to>
+                                        <p:strVal val="visible"/>
+                                      </p:to>
+                                    </p:set>
+                                  </p:childTnLst>
+                                </p:cTn>
+                              </p:par>
+                            </p:childTnLst>
+                          </p:cTn>
+                        </p:par>
+                      </p:childTnLst>
+                    </p:cTn>
+                  </p:par>
                 </p:childTnLst>
               </p:cTn>
               <p:prevCondLst>
@@ -20774,6 +20786,7 @@
       <p:bldP spid="8" grpId="0"/>
       <p:bldP spid="10" grpId="0"/>
       <p:bldP spid="11" grpId="0"/>
+      <p:bldP spid="2" grpId="0"/>
     </p:bldLst>
   </p:timing>
 </p:sld>
@@ -20818,7 +20831,7 @@
           <a:lstStyle/>
           <a:p>
             <a:r>
-              <a:rPr lang="en-US" altLang="ko-KR" sz="3600">
+              <a:rPr lang="en-US" altLang="ko-KR" sz="3600" dirty="0">
                 <a:solidFill>
                   <a:schemeClr val="tx1">
                     <a:lumMod val="50000"/>
@@ -20831,7 +20844,7 @@
               <a:t>2. </a:t>
             </a:r>
             <a:r>
-              <a:rPr lang="ko-KR" altLang="en-US" sz="3600">
+              <a:rPr lang="ko-KR" altLang="en-US" sz="3600" dirty="0" err="1">
                 <a:solidFill>
                   <a:schemeClr val="tx1">
                     <a:lumMod val="50000"/>
@@ -20841,10 +20854,10 @@
                 <a:latin typeface="G마켓 산스 Medium" panose="02000000000000000000" pitchFamily="50" charset="-127"/>
                 <a:ea typeface="G마켓 산스 Medium" panose="02000000000000000000" pitchFamily="50" charset="-127"/>
               </a:rPr>
-              <a:t>싱글톤 </a:t>
-            </a:r>
-            <a:r>
-              <a:rPr lang="ko-KR" altLang="en-US" sz="3600" smtClean="0">
+              <a:t>싱글톤</a:t>
+            </a:r>
+            <a:r>
+              <a:rPr lang="ko-KR" altLang="en-US" sz="3600" dirty="0">
                 <a:solidFill>
                   <a:schemeClr val="tx1">
                     <a:lumMod val="50000"/>
@@ -20854,9 +20867,9 @@
                 <a:latin typeface="G마켓 산스 Medium" panose="02000000000000000000" pitchFamily="50" charset="-127"/>
                 <a:ea typeface="G마켓 산스 Medium" panose="02000000000000000000" pitchFamily="50" charset="-127"/>
               </a:rPr>
-              <a:t>패턴 만들기</a:t>
-            </a:r>
-            <a:endParaRPr lang="en-US" altLang="ko-KR" sz="3600">
+              <a:t> 패턴 만들기</a:t>
+            </a:r>
+            <a:endParaRPr lang="en-US" altLang="ko-KR" sz="3600" dirty="0">
               <a:solidFill>
                 <a:schemeClr val="tx1">
                   <a:lumMod val="50000"/>
@@ -20898,7 +20911,7 @@
           <p:cNvPr id="6" name="직선 화살표 연결선 5">
             <a:extLst>
               <a:ext uri="{FF2B5EF4-FFF2-40B4-BE49-F238E27FC236}">
-                <a16:creationId xmlns="" xmlns:a16="http://schemas.microsoft.com/office/drawing/2014/main" id="{299DF5EC-9DF4-5255-06AC-0A7CE4FF58C3}"/>
+                <a16:creationId xmlns:a16="http://schemas.microsoft.com/office/drawing/2014/main" id="{299DF5EC-9DF4-5255-06AC-0A7CE4FF58C3}"/>
               </a:ext>
             </a:extLst>
           </p:cNvPr>
@@ -20939,7 +20952,7 @@
           <p:cNvPr id="7" name="TextBox 6">
             <a:extLst>
               <a:ext uri="{FF2B5EF4-FFF2-40B4-BE49-F238E27FC236}">
-                <a16:creationId xmlns="" xmlns:a16="http://schemas.microsoft.com/office/drawing/2014/main" id="{C6D113C6-EA5C-788F-0C77-E7CE6EBB865F}"/>
+                <a16:creationId xmlns:a16="http://schemas.microsoft.com/office/drawing/2014/main" id="{C6D113C6-EA5C-788F-0C77-E7CE6EBB865F}"/>
               </a:ext>
             </a:extLst>
           </p:cNvPr>
@@ -20963,7 +20976,7 @@
           <a:lstStyle/>
           <a:p>
             <a:r>
-              <a:rPr lang="ko-KR" altLang="en-US" sz="4000" smtClean="0">
+              <a:rPr lang="ko-KR" altLang="en-US" sz="4000">
                 <a:solidFill>
                   <a:srgbClr val="FF0000"/>
                 </a:solidFill>
@@ -20973,7 +20986,7 @@
               <a:t>생성자를 </a:t>
             </a:r>
             <a:r>
-              <a:rPr lang="en-US" altLang="ko-KR" sz="4000" smtClean="0">
+              <a:rPr lang="en-US" altLang="ko-KR" sz="4000">
                 <a:solidFill>
                   <a:srgbClr val="FF0000"/>
                 </a:solidFill>
@@ -20983,7 +20996,7 @@
               <a:t>private</a:t>
             </a:r>
             <a:r>
-              <a:rPr lang="ko-KR" altLang="en-US" sz="4000" smtClean="0">
+              <a:rPr lang="ko-KR" altLang="en-US" sz="4000">
                 <a:solidFill>
                   <a:srgbClr val="FF0000"/>
                 </a:solidFill>
@@ -20993,7 +21006,7 @@
               <a:t>으로 하여 객체생성을 못하게 막는다</a:t>
             </a:r>
             <a:r>
-              <a:rPr lang="en-US" altLang="ko-KR" sz="4000" smtClean="0">
+              <a:rPr lang="en-US" altLang="ko-KR" sz="4000">
                 <a:solidFill>
                   <a:srgbClr val="FF0000"/>
                 </a:solidFill>
@@ -21135,6 +21148,454 @@
 
 <file path=ppt/slides/slide53.xml><?xml version="1.0" encoding="utf-8"?>
 <p:sld xmlns:a="http://schemas.openxmlformats.org/drawingml/2006/main" xmlns:r="http://schemas.openxmlformats.org/officeDocument/2006/relationships" xmlns:p="http://schemas.openxmlformats.org/presentationml/2006/main">
+  <p:cSld>
+    <p:spTree>
+      <p:nvGrpSpPr>
+        <p:cNvPr id="1" name=""/>
+        <p:cNvGrpSpPr/>
+        <p:nvPr/>
+      </p:nvGrpSpPr>
+      <p:grpSpPr>
+        <a:xfrm>
+          <a:off x="0" y="0"/>
+          <a:ext cx="0" cy="0"/>
+          <a:chOff x="0" y="0"/>
+          <a:chExt cx="0" cy="0"/>
+        </a:xfrm>
+      </p:grpSpPr>
+      <p:sp>
+        <p:nvSpPr>
+          <p:cNvPr id="4" name="TextBox 3">
+            <a:extLst>
+              <a:ext uri="{FF2B5EF4-FFF2-40B4-BE49-F238E27FC236}">
+                <a16:creationId xmlns:a16="http://schemas.microsoft.com/office/drawing/2014/main" id="{36328840-DB86-84D8-068F-C2C8D7FA2285}"/>
+              </a:ext>
+            </a:extLst>
+          </p:cNvPr>
+          <p:cNvSpPr txBox="1"/>
+          <p:nvPr/>
+        </p:nvSpPr>
+        <p:spPr>
+          <a:xfrm>
+            <a:off x="4495800" y="1562100"/>
+            <a:ext cx="11049000" cy="830997"/>
+          </a:xfrm>
+          <a:prstGeom prst="rect">
+            <a:avLst/>
+          </a:prstGeom>
+          <a:noFill/>
+        </p:spPr>
+        <p:txBody>
+          <a:bodyPr wrap="square" rtlCol="0">
+            <a:spAutoFit/>
+          </a:bodyPr>
+          <a:lstStyle/>
+          <a:p>
+            <a:r>
+              <a:rPr lang="ko-KR" altLang="en-US" sz="4800" dirty="0" err="1">
+                <a:solidFill>
+                  <a:srgbClr val="4C50BC"/>
+                </a:solidFill>
+                <a:latin typeface="G마켓 산스 Medium" panose="02000000000000000000" pitchFamily="50" charset="-127"/>
+                <a:ea typeface="G마켓 산스 Medium" panose="02000000000000000000" pitchFamily="50" charset="-127"/>
+              </a:rPr>
+              <a:t>싱글톤을</a:t>
+            </a:r>
+            <a:r>
+              <a:rPr lang="ko-KR" altLang="en-US" sz="4800" dirty="0">
+                <a:solidFill>
+                  <a:srgbClr val="4C50BC"/>
+                </a:solidFill>
+                <a:latin typeface="G마켓 산스 Medium" panose="02000000000000000000" pitchFamily="50" charset="-127"/>
+                <a:ea typeface="G마켓 산스 Medium" panose="02000000000000000000" pitchFamily="50" charset="-127"/>
+              </a:rPr>
+              <a:t> 쓰는 이유가 무엇일까</a:t>
+            </a:r>
+            <a:r>
+              <a:rPr lang="en-US" altLang="ko-KR" sz="4800" dirty="0">
+                <a:solidFill>
+                  <a:srgbClr val="4C50BC"/>
+                </a:solidFill>
+                <a:latin typeface="G마켓 산스 Medium" panose="02000000000000000000" pitchFamily="50" charset="-127"/>
+                <a:ea typeface="G마켓 산스 Medium" panose="02000000000000000000" pitchFamily="50" charset="-127"/>
+              </a:rPr>
+              <a:t>?</a:t>
+            </a:r>
+          </a:p>
+        </p:txBody>
+      </p:sp>
+      <p:sp>
+        <p:nvSpPr>
+          <p:cNvPr id="5" name="직사각형 4">
+            <a:extLst>
+              <a:ext uri="{FF2B5EF4-FFF2-40B4-BE49-F238E27FC236}">
+                <a16:creationId xmlns:a16="http://schemas.microsoft.com/office/drawing/2014/main" id="{E5F0477F-4CF6-1AF2-AFA4-5EAA5706D76E}"/>
+              </a:ext>
+            </a:extLst>
+          </p:cNvPr>
+          <p:cNvSpPr/>
+          <p:nvPr/>
+        </p:nvSpPr>
+        <p:spPr>
+          <a:xfrm>
+            <a:off x="3276600" y="2781300"/>
+            <a:ext cx="13183417" cy="646331"/>
+          </a:xfrm>
+          <a:prstGeom prst="rect">
+            <a:avLst/>
+          </a:prstGeom>
+        </p:spPr>
+        <p:txBody>
+          <a:bodyPr wrap="none">
+            <a:spAutoFit/>
+          </a:bodyPr>
+          <a:lstStyle/>
+          <a:p>
+            <a:r>
+              <a:rPr lang="en-US" altLang="ko-KR" sz="3600" dirty="0">
+                <a:solidFill>
+                  <a:schemeClr val="tx1">
+                    <a:lumMod val="50000"/>
+                    <a:lumOff val="50000"/>
+                  </a:schemeClr>
+                </a:solidFill>
+                <a:latin typeface="G마켓 산스 Medium" panose="02000000000000000000" pitchFamily="50" charset="-127"/>
+                <a:ea typeface="G마켓 산스 Medium" panose="02000000000000000000" pitchFamily="50" charset="-127"/>
+              </a:rPr>
+              <a:t>1. </a:t>
+            </a:r>
+            <a:r>
+              <a:rPr lang="ko-KR" altLang="en-US" sz="3600" dirty="0">
+                <a:solidFill>
+                  <a:schemeClr val="tx1">
+                    <a:lumMod val="50000"/>
+                    <a:lumOff val="50000"/>
+                  </a:schemeClr>
+                </a:solidFill>
+                <a:latin typeface="G마켓 산스 Medium" panose="02000000000000000000" pitchFamily="50" charset="-127"/>
+                <a:ea typeface="G마켓 산스 Medium" panose="02000000000000000000" pitchFamily="50" charset="-127"/>
+              </a:rPr>
+              <a:t>객체를 </a:t>
+            </a:r>
+            <a:r>
+              <a:rPr lang="en-US" altLang="ko-KR" sz="3600" dirty="0">
+                <a:solidFill>
+                  <a:schemeClr val="tx1">
+                    <a:lumMod val="50000"/>
+                    <a:lumOff val="50000"/>
+                  </a:schemeClr>
+                </a:solidFill>
+                <a:latin typeface="G마켓 산스 Medium" panose="02000000000000000000" pitchFamily="50" charset="-127"/>
+                <a:ea typeface="G마켓 산스 Medium" panose="02000000000000000000" pitchFamily="50" charset="-127"/>
+              </a:rPr>
+              <a:t>static</a:t>
+            </a:r>
+            <a:r>
+              <a:rPr lang="ko-KR" altLang="en-US" sz="3600" dirty="0">
+                <a:solidFill>
+                  <a:schemeClr val="tx1">
+                    <a:lumMod val="50000"/>
+                    <a:lumOff val="50000"/>
+                  </a:schemeClr>
+                </a:solidFill>
+                <a:latin typeface="G마켓 산스 Medium" panose="02000000000000000000" pitchFamily="50" charset="-127"/>
+                <a:ea typeface="G마켓 산스 Medium" panose="02000000000000000000" pitchFamily="50" charset="-127"/>
+              </a:rPr>
+              <a:t>과 동일한 라이프 사이클</a:t>
+            </a:r>
+            <a:r>
+              <a:rPr lang="en-US" altLang="ko-KR" sz="3600" dirty="0">
+                <a:solidFill>
+                  <a:schemeClr val="tx1">
+                    <a:lumMod val="50000"/>
+                    <a:lumOff val="50000"/>
+                  </a:schemeClr>
+                </a:solidFill>
+                <a:latin typeface="G마켓 산스 Medium" panose="02000000000000000000" pitchFamily="50" charset="-127"/>
+                <a:ea typeface="G마켓 산스 Medium" panose="02000000000000000000" pitchFamily="50" charset="-127"/>
+              </a:rPr>
+              <a:t>, </a:t>
+            </a:r>
+            <a:r>
+              <a:rPr lang="ko-KR" altLang="en-US" sz="3600" dirty="0" err="1">
+                <a:solidFill>
+                  <a:schemeClr val="tx1">
+                    <a:lumMod val="50000"/>
+                    <a:lumOff val="50000"/>
+                  </a:schemeClr>
+                </a:solidFill>
+                <a:latin typeface="G마켓 산스 Medium" panose="02000000000000000000" pitchFamily="50" charset="-127"/>
+                <a:ea typeface="G마켓 산스 Medium" panose="02000000000000000000" pitchFamily="50" charset="-127"/>
+              </a:rPr>
+              <a:t>스코프를</a:t>
+            </a:r>
+            <a:r>
+              <a:rPr lang="ko-KR" altLang="en-US" sz="3600" dirty="0">
+                <a:solidFill>
+                  <a:schemeClr val="tx1">
+                    <a:lumMod val="50000"/>
+                    <a:lumOff val="50000"/>
+                  </a:schemeClr>
+                </a:solidFill>
+                <a:latin typeface="G마켓 산스 Medium" panose="02000000000000000000" pitchFamily="50" charset="-127"/>
+                <a:ea typeface="G마켓 산스 Medium" panose="02000000000000000000" pitchFamily="50" charset="-127"/>
+              </a:rPr>
+              <a:t> 만들기 위해</a:t>
+            </a:r>
+            <a:endParaRPr lang="en-US" altLang="ko-KR" sz="3600" dirty="0">
+              <a:solidFill>
+                <a:schemeClr val="tx1">
+                  <a:lumMod val="50000"/>
+                  <a:lumOff val="50000"/>
+                </a:schemeClr>
+              </a:solidFill>
+              <a:latin typeface="G마켓 산스 Medium" panose="02000000000000000000" pitchFamily="50" charset="-127"/>
+              <a:ea typeface="G마켓 산스 Medium" panose="02000000000000000000" pitchFamily="50" charset="-127"/>
+            </a:endParaRPr>
+          </a:p>
+        </p:txBody>
+      </p:sp>
+      <p:sp>
+        <p:nvSpPr>
+          <p:cNvPr id="6" name="직사각형 5">
+            <a:extLst>
+              <a:ext uri="{FF2B5EF4-FFF2-40B4-BE49-F238E27FC236}">
+                <a16:creationId xmlns:a16="http://schemas.microsoft.com/office/drawing/2014/main" id="{5B5C1BCF-9BFF-9359-D461-3CCB09841A95}"/>
+              </a:ext>
+            </a:extLst>
+          </p:cNvPr>
+          <p:cNvSpPr/>
+          <p:nvPr/>
+        </p:nvSpPr>
+        <p:spPr>
+          <a:xfrm>
+            <a:off x="3276600" y="3924300"/>
+            <a:ext cx="11887200" cy="1754326"/>
+          </a:xfrm>
+          <a:prstGeom prst="rect">
+            <a:avLst/>
+          </a:prstGeom>
+        </p:spPr>
+        <p:txBody>
+          <a:bodyPr wrap="square">
+            <a:spAutoFit/>
+          </a:bodyPr>
+          <a:lstStyle/>
+          <a:p>
+            <a:r>
+              <a:rPr lang="en-US" altLang="ko-KR" sz="3600" dirty="0">
+                <a:solidFill>
+                  <a:schemeClr val="tx1">
+                    <a:lumMod val="50000"/>
+                    <a:lumOff val="50000"/>
+                  </a:schemeClr>
+                </a:solidFill>
+                <a:latin typeface="G마켓 산스 Medium" panose="02000000000000000000" pitchFamily="50" charset="-127"/>
+                <a:ea typeface="G마켓 산스 Medium" panose="02000000000000000000" pitchFamily="50" charset="-127"/>
+              </a:rPr>
+              <a:t>2. </a:t>
+            </a:r>
+            <a:r>
+              <a:rPr lang="ko-KR" altLang="en-US" sz="3600" dirty="0">
+                <a:solidFill>
+                  <a:schemeClr val="tx1">
+                    <a:lumMod val="50000"/>
+                    <a:lumOff val="50000"/>
+                  </a:schemeClr>
+                </a:solidFill>
+                <a:latin typeface="G마켓 산스 Medium" panose="02000000000000000000" pitchFamily="50" charset="-127"/>
+                <a:ea typeface="G마켓 산스 Medium" panose="02000000000000000000" pitchFamily="50" charset="-127"/>
+              </a:rPr>
+              <a:t>객체를 </a:t>
+            </a:r>
+            <a:r>
+              <a:rPr lang="ko-KR" altLang="en-US" sz="3600" dirty="0" err="1">
+                <a:solidFill>
+                  <a:schemeClr val="tx1">
+                    <a:lumMod val="50000"/>
+                    <a:lumOff val="50000"/>
+                  </a:schemeClr>
+                </a:solidFill>
+                <a:latin typeface="G마켓 산스 Medium" panose="02000000000000000000" pitchFamily="50" charset="-127"/>
+                <a:ea typeface="G마켓 산스 Medium" panose="02000000000000000000" pitchFamily="50" charset="-127"/>
+              </a:rPr>
+              <a:t>생성하는것은</a:t>
+            </a:r>
+            <a:r>
+              <a:rPr lang="ko-KR" altLang="en-US" sz="3600" dirty="0">
+                <a:solidFill>
+                  <a:schemeClr val="tx1">
+                    <a:lumMod val="50000"/>
+                    <a:lumOff val="50000"/>
+                  </a:schemeClr>
+                </a:solidFill>
+                <a:latin typeface="G마켓 산스 Medium" panose="02000000000000000000" pitchFamily="50" charset="-127"/>
+                <a:ea typeface="G마켓 산스 Medium" panose="02000000000000000000" pitchFamily="50" charset="-127"/>
+              </a:rPr>
+              <a:t> 메모리를 소모하는 것이다</a:t>
+            </a:r>
+            <a:r>
+              <a:rPr lang="en-US" altLang="ko-KR" sz="3600" dirty="0">
+                <a:solidFill>
+                  <a:schemeClr val="tx1">
+                    <a:lumMod val="50000"/>
+                    <a:lumOff val="50000"/>
+                  </a:schemeClr>
+                </a:solidFill>
+                <a:latin typeface="G마켓 산스 Medium" panose="02000000000000000000" pitchFamily="50" charset="-127"/>
+                <a:ea typeface="G마켓 산스 Medium" panose="02000000000000000000" pitchFamily="50" charset="-127"/>
+              </a:rPr>
+              <a:t>. </a:t>
+            </a:r>
+          </a:p>
+          <a:p>
+            <a:r>
+              <a:rPr lang="ko-KR" altLang="en-US" sz="3600" dirty="0">
+                <a:solidFill>
+                  <a:schemeClr val="tx1">
+                    <a:lumMod val="50000"/>
+                    <a:lumOff val="50000"/>
+                  </a:schemeClr>
+                </a:solidFill>
+                <a:latin typeface="G마켓 산스 Medium" panose="02000000000000000000" pitchFamily="50" charset="-127"/>
+                <a:ea typeface="G마켓 산스 Medium" panose="02000000000000000000" pitchFamily="50" charset="-127"/>
+              </a:rPr>
+              <a:t>불필요한 메모리 소모를 막고 응용하여  큐형태로 </a:t>
+            </a:r>
+            <a:endParaRPr lang="en-US" altLang="ko-KR" sz="3600" dirty="0">
+              <a:solidFill>
+                <a:schemeClr val="tx1">
+                  <a:lumMod val="50000"/>
+                  <a:lumOff val="50000"/>
+                </a:schemeClr>
+              </a:solidFill>
+              <a:latin typeface="G마켓 산스 Medium" panose="02000000000000000000" pitchFamily="50" charset="-127"/>
+              <a:ea typeface="G마켓 산스 Medium" panose="02000000000000000000" pitchFamily="50" charset="-127"/>
+            </a:endParaRPr>
+          </a:p>
+          <a:p>
+            <a:r>
+              <a:rPr lang="ko-KR" altLang="en-US" sz="3600" dirty="0">
+                <a:solidFill>
+                  <a:schemeClr val="tx1">
+                    <a:lumMod val="50000"/>
+                    <a:lumOff val="50000"/>
+                  </a:schemeClr>
+                </a:solidFill>
+                <a:latin typeface="G마켓 산스 Medium" panose="02000000000000000000" pitchFamily="50" charset="-127"/>
+                <a:ea typeface="G마켓 산스 Medium" panose="02000000000000000000" pitchFamily="50" charset="-127"/>
+              </a:rPr>
+              <a:t>객체를 관리한다</a:t>
+            </a:r>
+            <a:r>
+              <a:rPr lang="en-US" altLang="ko-KR" sz="3600" dirty="0">
+                <a:solidFill>
+                  <a:schemeClr val="tx1">
+                    <a:lumMod val="50000"/>
+                    <a:lumOff val="50000"/>
+                  </a:schemeClr>
+                </a:solidFill>
+                <a:latin typeface="G마켓 산스 Medium" panose="02000000000000000000" pitchFamily="50" charset="-127"/>
+                <a:ea typeface="G마켓 산스 Medium" panose="02000000000000000000" pitchFamily="50" charset="-127"/>
+              </a:rPr>
+              <a:t>.</a:t>
+            </a:r>
+          </a:p>
+        </p:txBody>
+      </p:sp>
+    </p:spTree>
+    <p:extLst>
+      <p:ext uri="{BB962C8B-B14F-4D97-AF65-F5344CB8AC3E}">
+        <p14:creationId xmlns:p14="http://schemas.microsoft.com/office/powerpoint/2010/main" val="3632336345"/>
+      </p:ext>
+    </p:extLst>
+  </p:cSld>
+  <p:clrMapOvr>
+    <a:masterClrMapping/>
+  </p:clrMapOvr>
+  <p:timing>
+    <p:tnLst>
+      <p:par>
+        <p:cTn id="1" dur="indefinite" restart="never" nodeType="tmRoot">
+          <p:childTnLst>
+            <p:seq concurrent="1" nextAc="seek">
+              <p:cTn id="2" dur="indefinite" nodeType="mainSeq">
+                <p:childTnLst>
+                  <p:par>
+                    <p:cTn id="3" fill="hold">
+                      <p:stCondLst>
+                        <p:cond delay="indefinite"/>
+                      </p:stCondLst>
+                      <p:childTnLst>
+                        <p:par>
+                          <p:cTn id="4" fill="hold">
+                            <p:stCondLst>
+                              <p:cond delay="0"/>
+                            </p:stCondLst>
+                            <p:childTnLst>
+                              <p:par>
+                                <p:cTn id="5" presetID="1" presetClass="entr" presetSubtype="0" fill="hold" grpId="0" nodeType="clickEffect">
+                                  <p:stCondLst>
+                                    <p:cond delay="0"/>
+                                  </p:stCondLst>
+                                  <p:childTnLst>
+                                    <p:set>
+                                      <p:cBhvr>
+                                        <p:cTn id="6" dur="1" fill="hold">
+                                          <p:stCondLst>
+                                            <p:cond delay="0"/>
+                                          </p:stCondLst>
+                                        </p:cTn>
+                                        <p:tgtEl>
+                                          <p:spTgt spid="4"/>
+                                        </p:tgtEl>
+                                        <p:attrNameLst>
+                                          <p:attrName>style.visibility</p:attrName>
+                                        </p:attrNameLst>
+                                      </p:cBhvr>
+                                      <p:to>
+                                        <p:strVal val="visible"/>
+                                      </p:to>
+                                    </p:set>
+                                  </p:childTnLst>
+                                </p:cTn>
+                              </p:par>
+                            </p:childTnLst>
+                          </p:cTn>
+                        </p:par>
+                      </p:childTnLst>
+                    </p:cTn>
+                  </p:par>
+                </p:childTnLst>
+              </p:cTn>
+              <p:prevCondLst>
+                <p:cond evt="onPrev" delay="0">
+                  <p:tgtEl>
+                    <p:sldTgt/>
+                  </p:tgtEl>
+                </p:cond>
+              </p:prevCondLst>
+              <p:nextCondLst>
+                <p:cond evt="onNext" delay="0">
+                  <p:tgtEl>
+                    <p:sldTgt/>
+                  </p:tgtEl>
+                </p:cond>
+              </p:nextCondLst>
+            </p:seq>
+          </p:childTnLst>
+        </p:cTn>
+      </p:par>
+    </p:tnLst>
+    <p:bldLst>
+      <p:bldP spid="4" grpId="0"/>
+    </p:bldLst>
+  </p:timing>
+</p:sld>
+</file>
+
+<file path=ppt/slides/slide54.xml><?xml version="1.0" encoding="utf-8"?>
+<p:sld xmlns:a="http://schemas.openxmlformats.org/drawingml/2006/main" xmlns:r="http://schemas.openxmlformats.org/officeDocument/2006/relationships" xmlns:p="http://schemas.openxmlformats.org/presentationml/2006/main">
   <p:cSld name="Slide 20">
     <p:bg>
       <p:bgPr>
@@ -21421,7 +21882,7 @@
           <p:cNvPr id="2" name="TextBox 1">
             <a:extLst>
               <a:ext uri="{FF2B5EF4-FFF2-40B4-BE49-F238E27FC236}">
-                <a16:creationId xmlns:a16="http://schemas.microsoft.com/office/drawing/2014/main" xmlns="" id="{715D88A2-BD52-978B-A00A-540446126E3D}"/>
+                <a16:creationId xmlns:a16="http://schemas.microsoft.com/office/drawing/2014/main" id="{715D88A2-BD52-978B-A00A-540446126E3D}"/>
               </a:ext>
             </a:extLst>
           </p:cNvPr>
@@ -21469,13 +21930,6 @@
   <p:clrMapOvr>
     <a:masterClrMapping/>
   </p:clrMapOvr>
-  <p:timing>
-    <p:tnLst>
-      <p:par>
-        <p:cTn id="1" dur="indefinite" restart="never" nodeType="tmRoot"/>
-      </p:par>
-    </p:tnLst>
-  </p:timing>
 </p:sld>
 </file>
 
@@ -21501,7 +21955,7 @@
           <p:cNvPr id="4" name="TextBox 3">
             <a:extLst>
               <a:ext uri="{FF2B5EF4-FFF2-40B4-BE49-F238E27FC236}">
-                <a16:creationId xmlns:a16="http://schemas.microsoft.com/office/drawing/2014/main" xmlns="" id="{DF7DDD33-9412-2802-339A-E55446AC2DA7}"/>
+                <a16:creationId xmlns:a16="http://schemas.microsoft.com/office/drawing/2014/main" id="{DF7DDD33-9412-2802-339A-E55446AC2DA7}"/>
               </a:ext>
             </a:extLst>
           </p:cNvPr>
@@ -21525,7 +21979,7 @@
           <a:lstStyle/>
           <a:p>
             <a:r>
-              <a:rPr lang="ko-KR" altLang="en-US" sz="5400" smtClean="0">
+              <a:rPr lang="ko-KR" altLang="en-US" sz="5400">
                 <a:solidFill>
                   <a:srgbClr val="4C50BC"/>
                 </a:solidFill>
@@ -21535,7 +21989,7 @@
               <a:t>왜 쓰는걸까</a:t>
             </a:r>
             <a:r>
-              <a:rPr lang="en-US" altLang="ko-KR" sz="5400" smtClean="0">
+              <a:rPr lang="en-US" altLang="ko-KR" sz="5400">
                 <a:solidFill>
                   <a:srgbClr val="4C50BC"/>
                 </a:solidFill>
@@ -21564,13 +22018,6 @@
   <p:clrMapOvr>
     <a:masterClrMapping/>
   </p:clrMapOvr>
-  <p:timing>
-    <p:tnLst>
-      <p:par>
-        <p:cTn id="1" dur="indefinite" restart="never" nodeType="tmRoot"/>
-      </p:par>
-    </p:tnLst>
-  </p:timing>
 </p:sld>
 </file>
 
@@ -21644,7 +22091,7 @@
           <p:cNvPr id="7" name="직사각형 6">
             <a:extLst>
               <a:ext uri="{FF2B5EF4-FFF2-40B4-BE49-F238E27FC236}">
-                <a16:creationId xmlns:a16="http://schemas.microsoft.com/office/drawing/2014/main" xmlns="" id="{FFF506F9-840A-0508-4CAF-3AC711D8D5CE}"/>
+                <a16:creationId xmlns:a16="http://schemas.microsoft.com/office/drawing/2014/main" id="{FFF506F9-840A-0508-4CAF-3AC711D8D5CE}"/>
               </a:ext>
             </a:extLst>
           </p:cNvPr>
@@ -21696,7 +22143,7 @@
           <p:cNvPr id="8" name="직사각형 7">
             <a:extLst>
               <a:ext uri="{FF2B5EF4-FFF2-40B4-BE49-F238E27FC236}">
-                <a16:creationId xmlns:a16="http://schemas.microsoft.com/office/drawing/2014/main" xmlns="" id="{FFF506F9-840A-0508-4CAF-3AC711D8D5CE}"/>
+                <a16:creationId xmlns:a16="http://schemas.microsoft.com/office/drawing/2014/main" id="{FFF506F9-840A-0508-4CAF-3AC711D8D5CE}"/>
               </a:ext>
             </a:extLst>
           </p:cNvPr>
@@ -21748,7 +22195,7 @@
           <p:cNvPr id="9" name="TextBox 8">
             <a:extLst>
               <a:ext uri="{FF2B5EF4-FFF2-40B4-BE49-F238E27FC236}">
-                <a16:creationId xmlns="" xmlns:a16="http://schemas.microsoft.com/office/drawing/2014/main" id="{C6D113C6-EA5C-788F-0C77-E7CE6EBB865F}"/>
+                <a16:creationId xmlns:a16="http://schemas.microsoft.com/office/drawing/2014/main" id="{C6D113C6-EA5C-788F-0C77-E7CE6EBB865F}"/>
               </a:ext>
             </a:extLst>
           </p:cNvPr>
@@ -21772,7 +22219,7 @@
           <a:lstStyle/>
           <a:p>
             <a:r>
-              <a:rPr lang="ko-KR" altLang="en-US" sz="4800" smtClean="0">
+              <a:rPr lang="ko-KR" altLang="en-US" sz="4800">
                 <a:solidFill>
                   <a:srgbClr val="FF0000"/>
                 </a:solidFill>
@@ -21782,7 +22229,7 @@
               <a:t>패키지가 다르면 클래스명이 같아도 된다</a:t>
             </a:r>
             <a:r>
-              <a:rPr lang="en-US" altLang="ko-KR" sz="4800" smtClean="0">
+              <a:rPr lang="en-US" altLang="ko-KR" sz="4800">
                 <a:solidFill>
                   <a:srgbClr val="FF0000"/>
                 </a:solidFill>
@@ -21811,13 +22258,6 @@
   <p:clrMapOvr>
     <a:masterClrMapping/>
   </p:clrMapOvr>
-  <p:timing>
-    <p:tnLst>
-      <p:par>
-        <p:cTn id="1" dur="indefinite" restart="never" nodeType="tmRoot"/>
-      </p:par>
-    </p:tnLst>
-  </p:timing>
 </p:sld>
 </file>
 
@@ -21843,7 +22283,7 @@
           <p:cNvPr id="4" name="TextBox 3">
             <a:extLst>
               <a:ext uri="{FF2B5EF4-FFF2-40B4-BE49-F238E27FC236}">
-                <a16:creationId xmlns:a16="http://schemas.microsoft.com/office/drawing/2014/main" xmlns="" id="{5ADC00B6-990A-40DC-3CEA-505258F5E8DA}"/>
+                <a16:creationId xmlns:a16="http://schemas.microsoft.com/office/drawing/2014/main" id="{5ADC00B6-990A-40DC-3CEA-505258F5E8DA}"/>
               </a:ext>
             </a:extLst>
           </p:cNvPr>
@@ -21870,7 +22310,7 @@
               <a:buAutoNum type="arabicPeriod"/>
             </a:pPr>
             <a:r>
-              <a:rPr lang="ko-KR" altLang="en-US" sz="4800" smtClean="0">
+              <a:rPr lang="ko-KR" altLang="en-US" sz="4800">
                 <a:solidFill>
                   <a:schemeClr val="bg1">
                     <a:lumMod val="50000"/>
@@ -21882,7 +22322,7 @@
               <a:t>모든 클래스는 반드시 하나의 패키지 안에 속해야 한다</a:t>
             </a:r>
             <a:r>
-              <a:rPr lang="en-US" altLang="ko-KR" sz="4800" smtClean="0">
+              <a:rPr lang="en-US" altLang="ko-KR" sz="4800">
                 <a:solidFill>
                   <a:schemeClr val="bg1">
                     <a:lumMod val="50000"/>
@@ -21899,7 +22339,7 @@
               <a:buAutoNum type="arabicPeriod"/>
             </a:pPr>
             <a:r>
-              <a:rPr lang="ko-KR" altLang="en-US" sz="4800" smtClean="0">
+              <a:rPr lang="ko-KR" altLang="en-US" sz="4800">
                 <a:solidFill>
                   <a:schemeClr val="bg1">
                     <a:lumMod val="50000"/>
@@ -21911,7 +22351,7 @@
               <a:t>대소문자 모두 사용가능하지만 클래스명과의 구분을 위해 소문자만 사용한다</a:t>
             </a:r>
             <a:r>
-              <a:rPr lang="en-US" altLang="ko-KR" sz="4800" smtClean="0">
+              <a:rPr lang="en-US" altLang="ko-KR" sz="4800">
                 <a:solidFill>
                   <a:schemeClr val="bg1">
                     <a:lumMod val="50000"/>
@@ -21928,7 +22368,7 @@
               <a:buAutoNum type="arabicPeriod"/>
             </a:pPr>
             <a:r>
-              <a:rPr lang="ko-KR" altLang="en-US" sz="4800" smtClean="0">
+              <a:rPr lang="ko-KR" altLang="en-US" sz="4800">
                 <a:solidFill>
                   <a:schemeClr val="bg1">
                     <a:lumMod val="50000"/>
@@ -21940,7 +22380,7 @@
               <a:t>문법적 제약은 아니지만 일반적으로 도메인 형식으로 만든다</a:t>
             </a:r>
             <a:r>
-              <a:rPr lang="en-US" altLang="ko-KR" sz="4800" smtClean="0">
+              <a:rPr lang="en-US" altLang="ko-KR" sz="4800">
                 <a:solidFill>
                   <a:schemeClr val="bg1">
                     <a:lumMod val="50000"/>
@@ -21973,7 +22413,7 @@
           <p:cNvPr id="5" name="TextBox 4">
             <a:extLst>
               <a:ext uri="{FF2B5EF4-FFF2-40B4-BE49-F238E27FC236}">
-                <a16:creationId xmlns:a16="http://schemas.microsoft.com/office/drawing/2014/main" xmlns="" id="{DF7DDD33-9412-2802-339A-E55446AC2DA7}"/>
+                <a16:creationId xmlns:a16="http://schemas.microsoft.com/office/drawing/2014/main" id="{DF7DDD33-9412-2802-339A-E55446AC2DA7}"/>
               </a:ext>
             </a:extLst>
           </p:cNvPr>
@@ -21997,7 +22437,7 @@
           <a:lstStyle/>
           <a:p>
             <a:r>
-              <a:rPr lang="ko-KR" altLang="en-US" sz="5400" smtClean="0">
+              <a:rPr lang="ko-KR" altLang="en-US" sz="5400">
                 <a:solidFill>
                   <a:srgbClr val="4C50BC"/>
                 </a:solidFill>
@@ -22129,7 +22569,7 @@
           <p:cNvPr id="4" name="TextBox 3">
             <a:extLst>
               <a:ext uri="{FF2B5EF4-FFF2-40B4-BE49-F238E27FC236}">
-                <a16:creationId xmlns:a16="http://schemas.microsoft.com/office/drawing/2014/main" xmlns="" id="{DF7DDD33-9412-2802-339A-E55446AC2DA7}"/>
+                <a16:creationId xmlns:a16="http://schemas.microsoft.com/office/drawing/2014/main" id="{DF7DDD33-9412-2802-339A-E55446AC2DA7}"/>
               </a:ext>
             </a:extLst>
           </p:cNvPr>
@@ -22153,7 +22593,7 @@
           <a:lstStyle/>
           <a:p>
             <a:r>
-              <a:rPr lang="ko-KR" altLang="en-US" sz="5400" smtClean="0">
+              <a:rPr lang="ko-KR" altLang="en-US" sz="5400">
                 <a:solidFill>
                   <a:srgbClr val="4C50BC"/>
                 </a:solidFill>
@@ -22163,7 +22603,7 @@
               <a:t>지금까지 패키지를 만들지 않아도 썻는데</a:t>
             </a:r>
             <a:r>
-              <a:rPr lang="en-US" altLang="ko-KR" sz="5400" smtClean="0">
+              <a:rPr lang="en-US" altLang="ko-KR" sz="5400">
                 <a:solidFill>
                   <a:srgbClr val="4C50BC"/>
                 </a:solidFill>
@@ -22192,13 +22632,6 @@
   <p:clrMapOvr>
     <a:masterClrMapping/>
   </p:clrMapOvr>
-  <p:timing>
-    <p:tnLst>
-      <p:par>
-        <p:cTn id="1" dur="indefinite" restart="never" nodeType="tmRoot"/>
-      </p:par>
-    </p:tnLst>
-  </p:timing>
 </p:sld>
 </file>
 

--- a/JavaLecture/LectureFile/java 10강 패키지와 접근제어자 강의자료.pptx
+++ b/JavaLecture/LectureFile/java 10강 패키지와 접근제어자 강의자료.pptx
@@ -3987,7 +3987,7 @@
           <p:cNvPr id="2" name="TextBox 1">
             <a:extLst>
               <a:ext uri="{FF2B5EF4-FFF2-40B4-BE49-F238E27FC236}">
-                <a16:creationId xmlns:a16="http://schemas.microsoft.com/office/drawing/2014/main" xmlns="" id="{E9A453A8-9968-67AB-7B4A-83EEB4662AA6}"/>
+                <a16:creationId xmlns="" xmlns:a16="http://schemas.microsoft.com/office/drawing/2014/main" id="{E9A453A8-9968-67AB-7B4A-83EEB4662AA6}"/>
               </a:ext>
             </a:extLst>
           </p:cNvPr>
@@ -4035,7 +4035,7 @@
           <p:cNvPr id="4" name="TextBox 3">
             <a:extLst>
               <a:ext uri="{FF2B5EF4-FFF2-40B4-BE49-F238E27FC236}">
-                <a16:creationId xmlns:a16="http://schemas.microsoft.com/office/drawing/2014/main" xmlns="" id="{F4B7A35A-8AAC-4622-64BC-CAD1472D4115}"/>
+                <a16:creationId xmlns="" xmlns:a16="http://schemas.microsoft.com/office/drawing/2014/main" id="{F4B7A35A-8AAC-4622-64BC-CAD1472D4115}"/>
               </a:ext>
             </a:extLst>
           </p:cNvPr>
@@ -4107,7 +4107,7 @@
           <p:cNvPr id="7" name="TextBox 6">
             <a:extLst>
               <a:ext uri="{FF2B5EF4-FFF2-40B4-BE49-F238E27FC236}">
-                <a16:creationId xmlns:a16="http://schemas.microsoft.com/office/drawing/2014/main" xmlns="" id="{3ACE900A-D779-4343-6623-8588B376F0A1}"/>
+                <a16:creationId xmlns="" xmlns:a16="http://schemas.microsoft.com/office/drawing/2014/main" id="{3ACE900A-D779-4343-6623-8588B376F0A1}"/>
               </a:ext>
             </a:extLst>
           </p:cNvPr>
@@ -4178,7 +4178,7 @@
           <p:cNvPr id="4" name="TextBox 3">
             <a:extLst>
               <a:ext uri="{FF2B5EF4-FFF2-40B4-BE49-F238E27FC236}">
-                <a16:creationId xmlns:a16="http://schemas.microsoft.com/office/drawing/2014/main" xmlns="" id="{5ADC00B6-990A-40DC-3CEA-505258F5E8DA}"/>
+                <a16:creationId xmlns="" xmlns:a16="http://schemas.microsoft.com/office/drawing/2014/main" id="{5ADC00B6-990A-40DC-3CEA-505258F5E8DA}"/>
               </a:ext>
             </a:extLst>
           </p:cNvPr>
@@ -4434,7 +4434,7 @@
           <p:cNvPr id="5" name="TextBox 4">
             <a:extLst>
               <a:ext uri="{FF2B5EF4-FFF2-40B4-BE49-F238E27FC236}">
-                <a16:creationId xmlns:a16="http://schemas.microsoft.com/office/drawing/2014/main" xmlns="" id="{DF7DDD33-9412-2802-339A-E55446AC2DA7}"/>
+                <a16:creationId xmlns="" xmlns:a16="http://schemas.microsoft.com/office/drawing/2014/main" id="{DF7DDD33-9412-2802-339A-E55446AC2DA7}"/>
               </a:ext>
             </a:extLst>
           </p:cNvPr>
@@ -4529,7 +4529,7 @@
           <p:cNvPr id="4" name="TextBox 3">
             <a:extLst>
               <a:ext uri="{FF2B5EF4-FFF2-40B4-BE49-F238E27FC236}">
-                <a16:creationId xmlns:a16="http://schemas.microsoft.com/office/drawing/2014/main" xmlns="" id="{DF7DDD33-9412-2802-339A-E55446AC2DA7}"/>
+                <a16:creationId xmlns="" xmlns:a16="http://schemas.microsoft.com/office/drawing/2014/main" id="{DF7DDD33-9412-2802-339A-E55446AC2DA7}"/>
               </a:ext>
             </a:extLst>
           </p:cNvPr>
@@ -4648,7 +4648,7 @@
           <p:cNvPr id="5" name="TextBox 4">
             <a:extLst>
               <a:ext uri="{FF2B5EF4-FFF2-40B4-BE49-F238E27FC236}">
-                <a16:creationId xmlns:a16="http://schemas.microsoft.com/office/drawing/2014/main" xmlns="" id="{DF7DDD33-9412-2802-339A-E55446AC2DA7}"/>
+                <a16:creationId xmlns="" xmlns:a16="http://schemas.microsoft.com/office/drawing/2014/main" id="{DF7DDD33-9412-2802-339A-E55446AC2DA7}"/>
               </a:ext>
             </a:extLst>
           </p:cNvPr>
@@ -4820,7 +4820,7 @@
           <p:cNvPr id="4" name="TextBox 3">
             <a:extLst>
               <a:ext uri="{FF2B5EF4-FFF2-40B4-BE49-F238E27FC236}">
-                <a16:creationId xmlns:a16="http://schemas.microsoft.com/office/drawing/2014/main" xmlns="" id="{DF7DDD33-9412-2802-339A-E55446AC2DA7}"/>
+                <a16:creationId xmlns="" xmlns:a16="http://schemas.microsoft.com/office/drawing/2014/main" id="{DF7DDD33-9412-2802-339A-E55446AC2DA7}"/>
               </a:ext>
             </a:extLst>
           </p:cNvPr>
@@ -4868,7 +4868,7 @@
           <p:cNvPr id="5" name="TextBox 4">
             <a:extLst>
               <a:ext uri="{FF2B5EF4-FFF2-40B4-BE49-F238E27FC236}">
-                <a16:creationId xmlns:a16="http://schemas.microsoft.com/office/drawing/2014/main" xmlns="" id="{5ADC00B6-990A-40DC-3CEA-505258F5E8DA}"/>
+                <a16:creationId xmlns="" xmlns:a16="http://schemas.microsoft.com/office/drawing/2014/main" id="{5ADC00B6-990A-40DC-3CEA-505258F5E8DA}"/>
               </a:ext>
             </a:extLst>
           </p:cNvPr>
@@ -4980,7 +4980,7 @@
           <p:cNvPr id="7" name="직사각형 6">
             <a:extLst>
               <a:ext uri="{FF2B5EF4-FFF2-40B4-BE49-F238E27FC236}">
-                <a16:creationId xmlns:a16="http://schemas.microsoft.com/office/drawing/2014/main" xmlns="" id="{FFF506F9-840A-0508-4CAF-3AC711D8D5CE}"/>
+                <a16:creationId xmlns="" xmlns:a16="http://schemas.microsoft.com/office/drawing/2014/main" id="{FFF506F9-840A-0508-4CAF-3AC711D8D5CE}"/>
               </a:ext>
             </a:extLst>
           </p:cNvPr>
@@ -5069,7 +5069,7 @@
           <p:cNvPr id="4" name="TextBox 3">
             <a:extLst>
               <a:ext uri="{FF2B5EF4-FFF2-40B4-BE49-F238E27FC236}">
-                <a16:creationId xmlns:a16="http://schemas.microsoft.com/office/drawing/2014/main" xmlns="" id="{DF7DDD33-9412-2802-339A-E55446AC2DA7}"/>
+                <a16:creationId xmlns="" xmlns:a16="http://schemas.microsoft.com/office/drawing/2014/main" id="{DF7DDD33-9412-2802-339A-E55446AC2DA7}"/>
               </a:ext>
             </a:extLst>
           </p:cNvPr>
@@ -5141,7 +5141,7 @@
           <p:cNvPr id="6" name="직사각형 5">
             <a:extLst>
               <a:ext uri="{FF2B5EF4-FFF2-40B4-BE49-F238E27FC236}">
-                <a16:creationId xmlns:a16="http://schemas.microsoft.com/office/drawing/2014/main" xmlns="" id="{FFF506F9-840A-0508-4CAF-3AC711D8D5CE}"/>
+                <a16:creationId xmlns="" xmlns:a16="http://schemas.microsoft.com/office/drawing/2014/main" id="{FFF506F9-840A-0508-4CAF-3AC711D8D5CE}"/>
               </a:ext>
             </a:extLst>
           </p:cNvPr>
@@ -5193,7 +5193,7 @@
           <p:cNvPr id="7" name="직선 화살표 연결선 6">
             <a:extLst>
               <a:ext uri="{FF2B5EF4-FFF2-40B4-BE49-F238E27FC236}">
-                <a16:creationId xmlns:a16="http://schemas.microsoft.com/office/drawing/2014/main" xmlns="" id="{299DF5EC-9DF4-5255-06AC-0A7CE4FF58C3}"/>
+                <a16:creationId xmlns="" xmlns:a16="http://schemas.microsoft.com/office/drawing/2014/main" id="{299DF5EC-9DF4-5255-06AC-0A7CE4FF58C3}"/>
               </a:ext>
             </a:extLst>
           </p:cNvPr>
@@ -5234,7 +5234,7 @@
           <p:cNvPr id="8" name="TextBox 7">
             <a:extLst>
               <a:ext uri="{FF2B5EF4-FFF2-40B4-BE49-F238E27FC236}">
-                <a16:creationId xmlns:a16="http://schemas.microsoft.com/office/drawing/2014/main" xmlns="" id="{C6D113C6-EA5C-788F-0C77-E7CE6EBB865F}"/>
+                <a16:creationId xmlns="" xmlns:a16="http://schemas.microsoft.com/office/drawing/2014/main" id="{C6D113C6-EA5C-788F-0C77-E7CE6EBB865F}"/>
               </a:ext>
             </a:extLst>
           </p:cNvPr>
@@ -5302,7 +5302,7 @@
           <p:cNvPr id="13" name="TextBox 12">
             <a:extLst>
               <a:ext uri="{FF2B5EF4-FFF2-40B4-BE49-F238E27FC236}">
-                <a16:creationId xmlns:a16="http://schemas.microsoft.com/office/drawing/2014/main" xmlns="" id="{DF7DDD33-9412-2802-339A-E55446AC2DA7}"/>
+                <a16:creationId xmlns="" xmlns:a16="http://schemas.microsoft.com/office/drawing/2014/main" id="{DF7DDD33-9412-2802-339A-E55446AC2DA7}"/>
               </a:ext>
             </a:extLst>
           </p:cNvPr>
@@ -5580,7 +5580,7 @@
           <p:cNvPr id="6" name="직사각형 5">
             <a:extLst>
               <a:ext uri="{FF2B5EF4-FFF2-40B4-BE49-F238E27FC236}">
-                <a16:creationId xmlns:a16="http://schemas.microsoft.com/office/drawing/2014/main" xmlns="" id="{FFF506F9-840A-0508-4CAF-3AC711D8D5CE}"/>
+                <a16:creationId xmlns="" xmlns:a16="http://schemas.microsoft.com/office/drawing/2014/main" id="{FFF506F9-840A-0508-4CAF-3AC711D8D5CE}"/>
               </a:ext>
             </a:extLst>
           </p:cNvPr>
@@ -5632,7 +5632,7 @@
           <p:cNvPr id="7" name="직사각형 6">
             <a:extLst>
               <a:ext uri="{FF2B5EF4-FFF2-40B4-BE49-F238E27FC236}">
-                <a16:creationId xmlns:a16="http://schemas.microsoft.com/office/drawing/2014/main" xmlns="" id="{FFF506F9-840A-0508-4CAF-3AC711D8D5CE}"/>
+                <a16:creationId xmlns="" xmlns:a16="http://schemas.microsoft.com/office/drawing/2014/main" id="{FFF506F9-840A-0508-4CAF-3AC711D8D5CE}"/>
               </a:ext>
             </a:extLst>
           </p:cNvPr>
@@ -5684,7 +5684,7 @@
           <p:cNvPr id="8" name="직선 화살표 연결선 7">
             <a:extLst>
               <a:ext uri="{FF2B5EF4-FFF2-40B4-BE49-F238E27FC236}">
-                <a16:creationId xmlns:a16="http://schemas.microsoft.com/office/drawing/2014/main" xmlns="" id="{299DF5EC-9DF4-5255-06AC-0A7CE4FF58C3}"/>
+                <a16:creationId xmlns="" xmlns:a16="http://schemas.microsoft.com/office/drawing/2014/main" id="{299DF5EC-9DF4-5255-06AC-0A7CE4FF58C3}"/>
               </a:ext>
             </a:extLst>
           </p:cNvPr>
@@ -5725,7 +5725,7 @@
           <p:cNvPr id="9" name="TextBox 8">
             <a:extLst>
               <a:ext uri="{FF2B5EF4-FFF2-40B4-BE49-F238E27FC236}">
-                <a16:creationId xmlns:a16="http://schemas.microsoft.com/office/drawing/2014/main" xmlns="" id="{C6D113C6-EA5C-788F-0C77-E7CE6EBB865F}"/>
+                <a16:creationId xmlns="" xmlns:a16="http://schemas.microsoft.com/office/drawing/2014/main" id="{C6D113C6-EA5C-788F-0C77-E7CE6EBB865F}"/>
               </a:ext>
             </a:extLst>
           </p:cNvPr>
@@ -5797,7 +5797,7 @@
           <p:cNvPr id="13" name="직선 화살표 연결선 12">
             <a:extLst>
               <a:ext uri="{FF2B5EF4-FFF2-40B4-BE49-F238E27FC236}">
-                <a16:creationId xmlns:a16="http://schemas.microsoft.com/office/drawing/2014/main" xmlns="" id="{299DF5EC-9DF4-5255-06AC-0A7CE4FF58C3}"/>
+                <a16:creationId xmlns="" xmlns:a16="http://schemas.microsoft.com/office/drawing/2014/main" id="{299DF5EC-9DF4-5255-06AC-0A7CE4FF58C3}"/>
               </a:ext>
             </a:extLst>
           </p:cNvPr>
@@ -5838,7 +5838,7 @@
           <p:cNvPr id="14" name="TextBox 13">
             <a:extLst>
               <a:ext uri="{FF2B5EF4-FFF2-40B4-BE49-F238E27FC236}">
-                <a16:creationId xmlns:a16="http://schemas.microsoft.com/office/drawing/2014/main" xmlns="" id="{C6D113C6-EA5C-788F-0C77-E7CE6EBB865F}"/>
+                <a16:creationId xmlns="" xmlns:a16="http://schemas.microsoft.com/office/drawing/2014/main" id="{C6D113C6-EA5C-788F-0C77-E7CE6EBB865F}"/>
               </a:ext>
             </a:extLst>
           </p:cNvPr>
@@ -6072,7 +6072,7 @@
           <p:cNvPr id="5" name="직사각형 4">
             <a:extLst>
               <a:ext uri="{FF2B5EF4-FFF2-40B4-BE49-F238E27FC236}">
-                <a16:creationId xmlns:a16="http://schemas.microsoft.com/office/drawing/2014/main" xmlns="" id="{FFF506F9-840A-0508-4CAF-3AC711D8D5CE}"/>
+                <a16:creationId xmlns="" xmlns:a16="http://schemas.microsoft.com/office/drawing/2014/main" id="{FFF506F9-840A-0508-4CAF-3AC711D8D5CE}"/>
               </a:ext>
             </a:extLst>
           </p:cNvPr>
@@ -6124,7 +6124,7 @@
           <p:cNvPr id="6" name="TextBox 5">
             <a:extLst>
               <a:ext uri="{FF2B5EF4-FFF2-40B4-BE49-F238E27FC236}">
-                <a16:creationId xmlns:a16="http://schemas.microsoft.com/office/drawing/2014/main" xmlns="" id="{DF7DDD33-9412-2802-339A-E55446AC2DA7}"/>
+                <a16:creationId xmlns="" xmlns:a16="http://schemas.microsoft.com/office/drawing/2014/main" id="{DF7DDD33-9412-2802-339A-E55446AC2DA7}"/>
               </a:ext>
             </a:extLst>
           </p:cNvPr>
@@ -6273,7 +6273,7 @@
           <p:cNvPr id="5" name="TextBox 4">
             <a:extLst>
               <a:ext uri="{FF2B5EF4-FFF2-40B4-BE49-F238E27FC236}">
-                <a16:creationId xmlns:a16="http://schemas.microsoft.com/office/drawing/2014/main" xmlns="" id="{DF7DDD33-9412-2802-339A-E55446AC2DA7}"/>
+                <a16:creationId xmlns="" xmlns:a16="http://schemas.microsoft.com/office/drawing/2014/main" id="{DF7DDD33-9412-2802-339A-E55446AC2DA7}"/>
               </a:ext>
             </a:extLst>
           </p:cNvPr>
@@ -6410,7 +6410,7 @@
           <p:cNvPr id="4" name="TextBox 3">
             <a:extLst>
               <a:ext uri="{FF2B5EF4-FFF2-40B4-BE49-F238E27FC236}">
-                <a16:creationId xmlns:a16="http://schemas.microsoft.com/office/drawing/2014/main" xmlns="" id="{DF7DDD33-9412-2802-339A-E55446AC2DA7}"/>
+                <a16:creationId xmlns="" xmlns:a16="http://schemas.microsoft.com/office/drawing/2014/main" id="{DF7DDD33-9412-2802-339A-E55446AC2DA7}"/>
               </a:ext>
             </a:extLst>
           </p:cNvPr>
@@ -6482,7 +6482,7 @@
           <p:cNvPr id="7" name="직사각형 6">
             <a:extLst>
               <a:ext uri="{FF2B5EF4-FFF2-40B4-BE49-F238E27FC236}">
-                <a16:creationId xmlns:a16="http://schemas.microsoft.com/office/drawing/2014/main" xmlns="" id="{FFF506F9-840A-0508-4CAF-3AC711D8D5CE}"/>
+                <a16:creationId xmlns="" xmlns:a16="http://schemas.microsoft.com/office/drawing/2014/main" id="{FFF506F9-840A-0508-4CAF-3AC711D8D5CE}"/>
               </a:ext>
             </a:extLst>
           </p:cNvPr>
@@ -6534,7 +6534,7 @@
           <p:cNvPr id="8" name="직선 화살표 연결선 7">
             <a:extLst>
               <a:ext uri="{FF2B5EF4-FFF2-40B4-BE49-F238E27FC236}">
-                <a16:creationId xmlns:a16="http://schemas.microsoft.com/office/drawing/2014/main" xmlns="" id="{299DF5EC-9DF4-5255-06AC-0A7CE4FF58C3}"/>
+                <a16:creationId xmlns="" xmlns:a16="http://schemas.microsoft.com/office/drawing/2014/main" id="{299DF5EC-9DF4-5255-06AC-0A7CE4FF58C3}"/>
               </a:ext>
             </a:extLst>
           </p:cNvPr>
@@ -6575,7 +6575,7 @@
           <p:cNvPr id="9" name="TextBox 8">
             <a:extLst>
               <a:ext uri="{FF2B5EF4-FFF2-40B4-BE49-F238E27FC236}">
-                <a16:creationId xmlns:a16="http://schemas.microsoft.com/office/drawing/2014/main" xmlns="" id="{C6D113C6-EA5C-788F-0C77-E7CE6EBB865F}"/>
+                <a16:creationId xmlns="" xmlns:a16="http://schemas.microsoft.com/office/drawing/2014/main" id="{C6D113C6-EA5C-788F-0C77-E7CE6EBB865F}"/>
               </a:ext>
             </a:extLst>
           </p:cNvPr>
@@ -6623,7 +6623,7 @@
           <p:cNvPr id="11" name="직사각형 10">
             <a:extLst>
               <a:ext uri="{FF2B5EF4-FFF2-40B4-BE49-F238E27FC236}">
-                <a16:creationId xmlns:a16="http://schemas.microsoft.com/office/drawing/2014/main" xmlns="" id="{FFF506F9-840A-0508-4CAF-3AC711D8D5CE}"/>
+                <a16:creationId xmlns="" xmlns:a16="http://schemas.microsoft.com/office/drawing/2014/main" id="{FFF506F9-840A-0508-4CAF-3AC711D8D5CE}"/>
               </a:ext>
             </a:extLst>
           </p:cNvPr>
@@ -6675,7 +6675,7 @@
           <p:cNvPr id="12" name="직선 화살표 연결선 11">
             <a:extLst>
               <a:ext uri="{FF2B5EF4-FFF2-40B4-BE49-F238E27FC236}">
-                <a16:creationId xmlns:a16="http://schemas.microsoft.com/office/drawing/2014/main" xmlns="" id="{299DF5EC-9DF4-5255-06AC-0A7CE4FF58C3}"/>
+                <a16:creationId xmlns="" xmlns:a16="http://schemas.microsoft.com/office/drawing/2014/main" id="{299DF5EC-9DF4-5255-06AC-0A7CE4FF58C3}"/>
               </a:ext>
             </a:extLst>
           </p:cNvPr>
@@ -6716,7 +6716,7 @@
           <p:cNvPr id="13" name="TextBox 12">
             <a:extLst>
               <a:ext uri="{FF2B5EF4-FFF2-40B4-BE49-F238E27FC236}">
-                <a16:creationId xmlns:a16="http://schemas.microsoft.com/office/drawing/2014/main" xmlns="" id="{C6D113C6-EA5C-788F-0C77-E7CE6EBB865F}"/>
+                <a16:creationId xmlns="" xmlns:a16="http://schemas.microsoft.com/office/drawing/2014/main" id="{C6D113C6-EA5C-788F-0C77-E7CE6EBB865F}"/>
               </a:ext>
             </a:extLst>
           </p:cNvPr>
@@ -6818,7 +6818,7 @@
           <p:cNvPr id="19" name="직사각형 18">
             <a:extLst>
               <a:ext uri="{FF2B5EF4-FFF2-40B4-BE49-F238E27FC236}">
-                <a16:creationId xmlns:a16="http://schemas.microsoft.com/office/drawing/2014/main" xmlns="" id="{FFF506F9-840A-0508-4CAF-3AC711D8D5CE}"/>
+                <a16:creationId xmlns="" xmlns:a16="http://schemas.microsoft.com/office/drawing/2014/main" id="{FFF506F9-840A-0508-4CAF-3AC711D8D5CE}"/>
               </a:ext>
             </a:extLst>
           </p:cNvPr>
@@ -6870,7 +6870,7 @@
           <p:cNvPr id="20" name="직선 화살표 연결선 19">
             <a:extLst>
               <a:ext uri="{FF2B5EF4-FFF2-40B4-BE49-F238E27FC236}">
-                <a16:creationId xmlns:a16="http://schemas.microsoft.com/office/drawing/2014/main" xmlns="" id="{299DF5EC-9DF4-5255-06AC-0A7CE4FF58C3}"/>
+                <a16:creationId xmlns="" xmlns:a16="http://schemas.microsoft.com/office/drawing/2014/main" id="{299DF5EC-9DF4-5255-06AC-0A7CE4FF58C3}"/>
               </a:ext>
             </a:extLst>
           </p:cNvPr>
@@ -6911,7 +6911,7 @@
           <p:cNvPr id="21" name="TextBox 20">
             <a:extLst>
               <a:ext uri="{FF2B5EF4-FFF2-40B4-BE49-F238E27FC236}">
-                <a16:creationId xmlns:a16="http://schemas.microsoft.com/office/drawing/2014/main" xmlns="" id="{C6D113C6-EA5C-788F-0C77-E7CE6EBB865F}"/>
+                <a16:creationId xmlns="" xmlns:a16="http://schemas.microsoft.com/office/drawing/2014/main" id="{C6D113C6-EA5C-788F-0C77-E7CE6EBB865F}"/>
               </a:ext>
             </a:extLst>
           </p:cNvPr>
@@ -7006,7 +7006,7 @@
           <p:cNvPr id="4" name="TextBox 3">
             <a:extLst>
               <a:ext uri="{FF2B5EF4-FFF2-40B4-BE49-F238E27FC236}">
-                <a16:creationId xmlns:a16="http://schemas.microsoft.com/office/drawing/2014/main" xmlns="" id="{DF7DDD33-9412-2802-339A-E55446AC2DA7}"/>
+                <a16:creationId xmlns="" xmlns:a16="http://schemas.microsoft.com/office/drawing/2014/main" id="{DF7DDD33-9412-2802-339A-E55446AC2DA7}"/>
               </a:ext>
             </a:extLst>
           </p:cNvPr>
@@ -7078,7 +7078,7 @@
           <p:cNvPr id="6" name="TextBox 5">
             <a:extLst>
               <a:ext uri="{FF2B5EF4-FFF2-40B4-BE49-F238E27FC236}">
-                <a16:creationId xmlns:a16="http://schemas.microsoft.com/office/drawing/2014/main" xmlns="" id="{C6D113C6-EA5C-788F-0C77-E7CE6EBB865F}"/>
+                <a16:creationId xmlns="" xmlns:a16="http://schemas.microsoft.com/office/drawing/2014/main" id="{C6D113C6-EA5C-788F-0C77-E7CE6EBB865F}"/>
               </a:ext>
             </a:extLst>
           </p:cNvPr>
@@ -7437,7 +7437,7 @@
           <p:cNvPr id="11" name="TextBox 10">
             <a:extLst>
               <a:ext uri="{FF2B5EF4-FFF2-40B4-BE49-F238E27FC236}">
-                <a16:creationId xmlns:a16="http://schemas.microsoft.com/office/drawing/2014/main" xmlns="" id="{9F88F580-08BE-88C2-D640-13F0026591CB}"/>
+                <a16:creationId xmlns="" xmlns:a16="http://schemas.microsoft.com/office/drawing/2014/main" id="{9F88F580-08BE-88C2-D640-13F0026591CB}"/>
               </a:ext>
             </a:extLst>
           </p:cNvPr>
@@ -7505,7 +7505,7 @@
           <p:cNvPr id="13" name="TextBox 12">
             <a:extLst>
               <a:ext uri="{FF2B5EF4-FFF2-40B4-BE49-F238E27FC236}">
-                <a16:creationId xmlns:a16="http://schemas.microsoft.com/office/drawing/2014/main" xmlns="" id="{72769C28-9BB6-DE9C-7B6F-264B77B8DD0E}"/>
+                <a16:creationId xmlns="" xmlns:a16="http://schemas.microsoft.com/office/drawing/2014/main" id="{72769C28-9BB6-DE9C-7B6F-264B77B8DD0E}"/>
               </a:ext>
             </a:extLst>
           </p:cNvPr>
@@ -7563,7 +7563,7 @@
           <p:cNvPr id="14" name="TextBox 13">
             <a:extLst>
               <a:ext uri="{FF2B5EF4-FFF2-40B4-BE49-F238E27FC236}">
-                <a16:creationId xmlns:a16="http://schemas.microsoft.com/office/drawing/2014/main" xmlns="" id="{270FBB6A-01CE-5637-78DA-58F0C974145C}"/>
+                <a16:creationId xmlns="" xmlns:a16="http://schemas.microsoft.com/office/drawing/2014/main" id="{270FBB6A-01CE-5637-78DA-58F0C974145C}"/>
               </a:ext>
             </a:extLst>
           </p:cNvPr>
@@ -7611,7 +7611,7 @@
           <p:cNvPr id="2" name="Object 17">
             <a:extLst>
               <a:ext uri="{FF2B5EF4-FFF2-40B4-BE49-F238E27FC236}">
-                <a16:creationId xmlns:a16="http://schemas.microsoft.com/office/drawing/2014/main" xmlns="" id="{140B283D-FE58-FA6F-6F7C-E0F1DBB62A65}"/>
+                <a16:creationId xmlns="" xmlns:a16="http://schemas.microsoft.com/office/drawing/2014/main" id="{140B283D-FE58-FA6F-6F7C-E0F1DBB62A65}"/>
               </a:ext>
             </a:extLst>
           </p:cNvPr>
@@ -7641,7 +7641,7 @@
           <p:cNvPr id="4" name="TextBox 3">
             <a:extLst>
               <a:ext uri="{FF2B5EF4-FFF2-40B4-BE49-F238E27FC236}">
-                <a16:creationId xmlns:a16="http://schemas.microsoft.com/office/drawing/2014/main" xmlns="" id="{2C8D0998-79BC-6FD2-59D9-8052B4A25F65}"/>
+                <a16:creationId xmlns="" xmlns:a16="http://schemas.microsoft.com/office/drawing/2014/main" id="{2C8D0998-79BC-6FD2-59D9-8052B4A25F65}"/>
               </a:ext>
             </a:extLst>
           </p:cNvPr>
@@ -7689,7 +7689,7 @@
           <p:cNvPr id="5" name="Object 18">
             <a:extLst>
               <a:ext uri="{FF2B5EF4-FFF2-40B4-BE49-F238E27FC236}">
-                <a16:creationId xmlns:a16="http://schemas.microsoft.com/office/drawing/2014/main" xmlns="" id="{3F58EA3E-1018-64D3-FAB2-4F6B9618FA56}"/>
+                <a16:creationId xmlns="" xmlns:a16="http://schemas.microsoft.com/office/drawing/2014/main" id="{3F58EA3E-1018-64D3-FAB2-4F6B9618FA56}"/>
               </a:ext>
             </a:extLst>
           </p:cNvPr>
@@ -7719,7 +7719,7 @@
           <p:cNvPr id="8" name="TextBox 7">
             <a:extLst>
               <a:ext uri="{FF2B5EF4-FFF2-40B4-BE49-F238E27FC236}">
-                <a16:creationId xmlns:a16="http://schemas.microsoft.com/office/drawing/2014/main" xmlns="" id="{681D3F16-7DCF-41AD-F5F1-0558C78C0E4D}"/>
+                <a16:creationId xmlns="" xmlns:a16="http://schemas.microsoft.com/office/drawing/2014/main" id="{681D3F16-7DCF-41AD-F5F1-0558C78C0E4D}"/>
               </a:ext>
             </a:extLst>
           </p:cNvPr>
@@ -7987,7 +7987,7 @@
           <p:cNvPr id="2" name="TextBox 1">
             <a:extLst>
               <a:ext uri="{FF2B5EF4-FFF2-40B4-BE49-F238E27FC236}">
-                <a16:creationId xmlns:a16="http://schemas.microsoft.com/office/drawing/2014/main" xmlns="" id="{76F36AE5-79B5-0B9F-E510-1C27AAC4B649}"/>
+                <a16:creationId xmlns="" xmlns:a16="http://schemas.microsoft.com/office/drawing/2014/main" id="{76F36AE5-79B5-0B9F-E510-1C27AAC4B649}"/>
               </a:ext>
             </a:extLst>
           </p:cNvPr>
@@ -8072,7 +8072,7 @@
           <p:cNvPr id="4" name="TextBox 3">
             <a:extLst>
               <a:ext uri="{FF2B5EF4-FFF2-40B4-BE49-F238E27FC236}">
-                <a16:creationId xmlns:a16="http://schemas.microsoft.com/office/drawing/2014/main" xmlns="" id="{DF7DDD33-9412-2802-339A-E55446AC2DA7}"/>
+                <a16:creationId xmlns="" xmlns:a16="http://schemas.microsoft.com/office/drawing/2014/main" id="{DF7DDD33-9412-2802-339A-E55446AC2DA7}"/>
               </a:ext>
             </a:extLst>
           </p:cNvPr>
@@ -8213,7 +8213,7 @@
           <p:cNvPr id="59" name="그룹 1018">
             <a:extLst>
               <a:ext uri="{FF2B5EF4-FFF2-40B4-BE49-F238E27FC236}">
-                <a16:creationId xmlns:a16="http://schemas.microsoft.com/office/drawing/2014/main" xmlns="" id="{0804D430-F42E-AE32-A065-FFA8C471F092}"/>
+                <a16:creationId xmlns="" xmlns:a16="http://schemas.microsoft.com/office/drawing/2014/main" id="{0804D430-F42E-AE32-A065-FFA8C471F092}"/>
               </a:ext>
             </a:extLst>
           </p:cNvPr>
@@ -8233,7 +8233,7 @@
             <p:cNvPr id="60" name="Object 61">
               <a:extLst>
                 <a:ext uri="{FF2B5EF4-FFF2-40B4-BE49-F238E27FC236}">
-                  <a16:creationId xmlns:a16="http://schemas.microsoft.com/office/drawing/2014/main" xmlns="" id="{334A4C3A-641C-7CD9-8FEE-5EC92B28D640}"/>
+                  <a16:creationId xmlns="" xmlns:a16="http://schemas.microsoft.com/office/drawing/2014/main" id="{334A4C3A-641C-7CD9-8FEE-5EC92B28D640}"/>
                 </a:ext>
               </a:extLst>
             </p:cNvPr>
@@ -8264,7 +8264,7 @@
           <p:cNvPr id="61" name="그룹 1018">
             <a:extLst>
               <a:ext uri="{FF2B5EF4-FFF2-40B4-BE49-F238E27FC236}">
-                <a16:creationId xmlns:a16="http://schemas.microsoft.com/office/drawing/2014/main" xmlns="" id="{0804D430-F42E-AE32-A065-FFA8C471F092}"/>
+                <a16:creationId xmlns="" xmlns:a16="http://schemas.microsoft.com/office/drawing/2014/main" id="{0804D430-F42E-AE32-A065-FFA8C471F092}"/>
               </a:ext>
             </a:extLst>
           </p:cNvPr>
@@ -8284,7 +8284,7 @@
             <p:cNvPr id="62" name="Object 61">
               <a:extLst>
                 <a:ext uri="{FF2B5EF4-FFF2-40B4-BE49-F238E27FC236}">
-                  <a16:creationId xmlns:a16="http://schemas.microsoft.com/office/drawing/2014/main" xmlns="" id="{334A4C3A-641C-7CD9-8FEE-5EC92B28D640}"/>
+                  <a16:creationId xmlns="" xmlns:a16="http://schemas.microsoft.com/office/drawing/2014/main" id="{334A4C3A-641C-7CD9-8FEE-5EC92B28D640}"/>
                 </a:ext>
               </a:extLst>
             </p:cNvPr>
@@ -8315,7 +8315,7 @@
           <p:cNvPr id="63" name="TextBox 62">
             <a:extLst>
               <a:ext uri="{FF2B5EF4-FFF2-40B4-BE49-F238E27FC236}">
-                <a16:creationId xmlns:a16="http://schemas.microsoft.com/office/drawing/2014/main" xmlns="" id="{52176D31-35F7-8916-46FA-6095EFEC1E49}"/>
+                <a16:creationId xmlns="" xmlns:a16="http://schemas.microsoft.com/office/drawing/2014/main" id="{52176D31-35F7-8916-46FA-6095EFEC1E49}"/>
               </a:ext>
             </a:extLst>
           </p:cNvPr>
@@ -8369,7 +8369,7 @@
           <p:cNvPr id="64" name="TextBox 63">
             <a:extLst>
               <a:ext uri="{FF2B5EF4-FFF2-40B4-BE49-F238E27FC236}">
-                <a16:creationId xmlns:a16="http://schemas.microsoft.com/office/drawing/2014/main" xmlns="" id="{52176D31-35F7-8916-46FA-6095EFEC1E49}"/>
+                <a16:creationId xmlns="" xmlns:a16="http://schemas.microsoft.com/office/drawing/2014/main" id="{52176D31-35F7-8916-46FA-6095EFEC1E49}"/>
               </a:ext>
             </a:extLst>
           </p:cNvPr>
@@ -8436,7 +8436,7 @@
           <p:cNvPr id="65" name="TextBox 64">
             <a:extLst>
               <a:ext uri="{FF2B5EF4-FFF2-40B4-BE49-F238E27FC236}">
-                <a16:creationId xmlns:a16="http://schemas.microsoft.com/office/drawing/2014/main" xmlns="" id="{52176D31-35F7-8916-46FA-6095EFEC1E49}"/>
+                <a16:creationId xmlns="" xmlns:a16="http://schemas.microsoft.com/office/drawing/2014/main" id="{52176D31-35F7-8916-46FA-6095EFEC1E49}"/>
               </a:ext>
             </a:extLst>
           </p:cNvPr>
@@ -8535,7 +8535,7 @@
           <p:cNvPr id="66" name="TextBox 65">
             <a:extLst>
               <a:ext uri="{FF2B5EF4-FFF2-40B4-BE49-F238E27FC236}">
-                <a16:creationId xmlns:a16="http://schemas.microsoft.com/office/drawing/2014/main" xmlns="" id="{52176D31-35F7-8916-46FA-6095EFEC1E49}"/>
+                <a16:creationId xmlns="" xmlns:a16="http://schemas.microsoft.com/office/drawing/2014/main" id="{52176D31-35F7-8916-46FA-6095EFEC1E49}"/>
               </a:ext>
             </a:extLst>
           </p:cNvPr>
@@ -8695,7 +8695,7 @@
           <p:cNvPr id="16" name="직사각형 15">
             <a:extLst>
               <a:ext uri="{FF2B5EF4-FFF2-40B4-BE49-F238E27FC236}">
-                <a16:creationId xmlns:a16="http://schemas.microsoft.com/office/drawing/2014/main" xmlns="" id="{FFF506F9-840A-0508-4CAF-3AC711D8D5CE}"/>
+                <a16:creationId xmlns="" xmlns:a16="http://schemas.microsoft.com/office/drawing/2014/main" id="{FFF506F9-840A-0508-4CAF-3AC711D8D5CE}"/>
               </a:ext>
             </a:extLst>
           </p:cNvPr>
@@ -8747,7 +8747,7 @@
           <p:cNvPr id="18" name="직사각형 17">
             <a:extLst>
               <a:ext uri="{FF2B5EF4-FFF2-40B4-BE49-F238E27FC236}">
-                <a16:creationId xmlns:a16="http://schemas.microsoft.com/office/drawing/2014/main" xmlns="" id="{FFF506F9-840A-0508-4CAF-3AC711D8D5CE}"/>
+                <a16:creationId xmlns="" xmlns:a16="http://schemas.microsoft.com/office/drawing/2014/main" id="{FFF506F9-840A-0508-4CAF-3AC711D8D5CE}"/>
               </a:ext>
             </a:extLst>
           </p:cNvPr>
@@ -8823,7 +8823,7 @@
           <p:cNvPr id="22" name="TextBox 21">
             <a:extLst>
               <a:ext uri="{FF2B5EF4-FFF2-40B4-BE49-F238E27FC236}">
-                <a16:creationId xmlns:a16="http://schemas.microsoft.com/office/drawing/2014/main" xmlns="" id="{C6D113C6-EA5C-788F-0C77-E7CE6EBB865F}"/>
+                <a16:creationId xmlns="" xmlns:a16="http://schemas.microsoft.com/office/drawing/2014/main" id="{C6D113C6-EA5C-788F-0C77-E7CE6EBB865F}"/>
               </a:ext>
             </a:extLst>
           </p:cNvPr>
@@ -8918,7 +8918,7 @@
           <p:cNvPr id="4" name="TextBox 3">
             <a:extLst>
               <a:ext uri="{FF2B5EF4-FFF2-40B4-BE49-F238E27FC236}">
-                <a16:creationId xmlns:a16="http://schemas.microsoft.com/office/drawing/2014/main" xmlns="" id="{5ADC00B6-990A-40DC-3CEA-505258F5E8DA}"/>
+                <a16:creationId xmlns="" xmlns:a16="http://schemas.microsoft.com/office/drawing/2014/main" id="{5ADC00B6-990A-40DC-3CEA-505258F5E8DA}"/>
               </a:ext>
             </a:extLst>
           </p:cNvPr>
@@ -8983,7 +8983,7 @@
           <p:cNvPr id="6" name="TextBox 5">
             <a:extLst>
               <a:ext uri="{FF2B5EF4-FFF2-40B4-BE49-F238E27FC236}">
-                <a16:creationId xmlns:a16="http://schemas.microsoft.com/office/drawing/2014/main" xmlns="" id="{52176D31-35F7-8916-46FA-6095EFEC1E49}"/>
+                <a16:creationId xmlns="" xmlns:a16="http://schemas.microsoft.com/office/drawing/2014/main" id="{52176D31-35F7-8916-46FA-6095EFEC1E49}"/>
               </a:ext>
             </a:extLst>
           </p:cNvPr>
@@ -9115,7 +9115,7 @@
           <p:cNvPr id="7" name="TextBox 6">
             <a:extLst>
               <a:ext uri="{FF2B5EF4-FFF2-40B4-BE49-F238E27FC236}">
-                <a16:creationId xmlns:a16="http://schemas.microsoft.com/office/drawing/2014/main" xmlns="" id="{52176D31-35F7-8916-46FA-6095EFEC1E49}"/>
+                <a16:creationId xmlns="" xmlns:a16="http://schemas.microsoft.com/office/drawing/2014/main" id="{52176D31-35F7-8916-46FA-6095EFEC1E49}"/>
               </a:ext>
             </a:extLst>
           </p:cNvPr>
@@ -9243,7 +9243,7 @@
           <p:cNvPr id="5" name="직선 화살표 연결선 4">
             <a:extLst>
               <a:ext uri="{FF2B5EF4-FFF2-40B4-BE49-F238E27FC236}">
-                <a16:creationId xmlns:a16="http://schemas.microsoft.com/office/drawing/2014/main" xmlns="" id="{299DF5EC-9DF4-5255-06AC-0A7CE4FF58C3}"/>
+                <a16:creationId xmlns="" xmlns:a16="http://schemas.microsoft.com/office/drawing/2014/main" id="{299DF5EC-9DF4-5255-06AC-0A7CE4FF58C3}"/>
               </a:ext>
             </a:extLst>
           </p:cNvPr>
@@ -9284,7 +9284,7 @@
           <p:cNvPr id="6" name="직사각형 5">
             <a:extLst>
               <a:ext uri="{FF2B5EF4-FFF2-40B4-BE49-F238E27FC236}">
-                <a16:creationId xmlns:a16="http://schemas.microsoft.com/office/drawing/2014/main" xmlns="" id="{FFF506F9-840A-0508-4CAF-3AC711D8D5CE}"/>
+                <a16:creationId xmlns="" xmlns:a16="http://schemas.microsoft.com/office/drawing/2014/main" id="{FFF506F9-840A-0508-4CAF-3AC711D8D5CE}"/>
               </a:ext>
             </a:extLst>
           </p:cNvPr>
@@ -9336,7 +9336,7 @@
           <p:cNvPr id="7" name="TextBox 6">
             <a:extLst>
               <a:ext uri="{FF2B5EF4-FFF2-40B4-BE49-F238E27FC236}">
-                <a16:creationId xmlns:a16="http://schemas.microsoft.com/office/drawing/2014/main" xmlns="" id="{C6D113C6-EA5C-788F-0C77-E7CE6EBB865F}"/>
+                <a16:creationId xmlns="" xmlns:a16="http://schemas.microsoft.com/office/drawing/2014/main" id="{C6D113C6-EA5C-788F-0C77-E7CE6EBB865F}"/>
               </a:ext>
             </a:extLst>
           </p:cNvPr>
@@ -9384,7 +9384,7 @@
           <p:cNvPr id="8" name="직선 화살표 연결선 7">
             <a:extLst>
               <a:ext uri="{FF2B5EF4-FFF2-40B4-BE49-F238E27FC236}">
-                <a16:creationId xmlns:a16="http://schemas.microsoft.com/office/drawing/2014/main" xmlns="" id="{299DF5EC-9DF4-5255-06AC-0A7CE4FF58C3}"/>
+                <a16:creationId xmlns="" xmlns:a16="http://schemas.microsoft.com/office/drawing/2014/main" id="{299DF5EC-9DF4-5255-06AC-0A7CE4FF58C3}"/>
               </a:ext>
             </a:extLst>
           </p:cNvPr>
@@ -9426,7 +9426,7 @@
           <p:cNvPr id="9" name="직사각형 8">
             <a:extLst>
               <a:ext uri="{FF2B5EF4-FFF2-40B4-BE49-F238E27FC236}">
-                <a16:creationId xmlns:a16="http://schemas.microsoft.com/office/drawing/2014/main" xmlns="" id="{FFF506F9-840A-0508-4CAF-3AC711D8D5CE}"/>
+                <a16:creationId xmlns="" xmlns:a16="http://schemas.microsoft.com/office/drawing/2014/main" id="{FFF506F9-840A-0508-4CAF-3AC711D8D5CE}"/>
               </a:ext>
             </a:extLst>
           </p:cNvPr>
@@ -9515,7 +9515,7 @@
           <p:cNvPr id="4" name="TextBox 3">
             <a:extLst>
               <a:ext uri="{FF2B5EF4-FFF2-40B4-BE49-F238E27FC236}">
-                <a16:creationId xmlns:a16="http://schemas.microsoft.com/office/drawing/2014/main" xmlns="" id="{DF7DDD33-9412-2802-339A-E55446AC2DA7}"/>
+                <a16:creationId xmlns="" xmlns:a16="http://schemas.microsoft.com/office/drawing/2014/main" id="{DF7DDD33-9412-2802-339A-E55446AC2DA7}"/>
               </a:ext>
             </a:extLst>
           </p:cNvPr>
@@ -9674,7 +9674,7 @@
           <p:cNvPr id="5" name="TextBox 4">
             <a:extLst>
               <a:ext uri="{FF2B5EF4-FFF2-40B4-BE49-F238E27FC236}">
-                <a16:creationId xmlns:a16="http://schemas.microsoft.com/office/drawing/2014/main" xmlns="" id="{C6D113C6-EA5C-788F-0C77-E7CE6EBB865F}"/>
+                <a16:creationId xmlns="" xmlns:a16="http://schemas.microsoft.com/office/drawing/2014/main" id="{C6D113C6-EA5C-788F-0C77-E7CE6EBB865F}"/>
               </a:ext>
             </a:extLst>
           </p:cNvPr>
@@ -9811,7 +9811,7 @@
           <p:cNvPr id="4" name="TextBox 3">
             <a:extLst>
               <a:ext uri="{FF2B5EF4-FFF2-40B4-BE49-F238E27FC236}">
-                <a16:creationId xmlns:a16="http://schemas.microsoft.com/office/drawing/2014/main" xmlns="" id="{5ADC00B6-990A-40DC-3CEA-505258F5E8DA}"/>
+                <a16:creationId xmlns="" xmlns:a16="http://schemas.microsoft.com/office/drawing/2014/main" id="{5ADC00B6-990A-40DC-3CEA-505258F5E8DA}"/>
               </a:ext>
             </a:extLst>
           </p:cNvPr>
@@ -9852,7 +9852,7 @@
           <p:cNvPr id="5" name="TextBox 4">
             <a:extLst>
               <a:ext uri="{FF2B5EF4-FFF2-40B4-BE49-F238E27FC236}">
-                <a16:creationId xmlns:a16="http://schemas.microsoft.com/office/drawing/2014/main" xmlns="" id="{52176D31-35F7-8916-46FA-6095EFEC1E49}"/>
+                <a16:creationId xmlns="" xmlns:a16="http://schemas.microsoft.com/office/drawing/2014/main" id="{52176D31-35F7-8916-46FA-6095EFEC1E49}"/>
               </a:ext>
             </a:extLst>
           </p:cNvPr>
@@ -10048,7 +10048,7 @@
           <p:cNvPr id="4" name="TextBox 3">
             <a:extLst>
               <a:ext uri="{FF2B5EF4-FFF2-40B4-BE49-F238E27FC236}">
-                <a16:creationId xmlns:a16="http://schemas.microsoft.com/office/drawing/2014/main" xmlns="" id="{5ADC00B6-990A-40DC-3CEA-505258F5E8DA}"/>
+                <a16:creationId xmlns="" xmlns:a16="http://schemas.microsoft.com/office/drawing/2014/main" id="{5ADC00B6-990A-40DC-3CEA-505258F5E8DA}"/>
               </a:ext>
             </a:extLst>
           </p:cNvPr>
@@ -10089,7 +10089,7 @@
           <p:cNvPr id="5" name="TextBox 4">
             <a:extLst>
               <a:ext uri="{FF2B5EF4-FFF2-40B4-BE49-F238E27FC236}">
-                <a16:creationId xmlns:a16="http://schemas.microsoft.com/office/drawing/2014/main" xmlns="" id="{52176D31-35F7-8916-46FA-6095EFEC1E49}"/>
+                <a16:creationId xmlns="" xmlns:a16="http://schemas.microsoft.com/office/drawing/2014/main" id="{52176D31-35F7-8916-46FA-6095EFEC1E49}"/>
               </a:ext>
             </a:extLst>
           </p:cNvPr>
@@ -10359,7 +10359,7 @@
           <p:cNvPr id="10" name="TextBox 9">
             <a:extLst>
               <a:ext uri="{FF2B5EF4-FFF2-40B4-BE49-F238E27FC236}">
-                <a16:creationId xmlns:a16="http://schemas.microsoft.com/office/drawing/2014/main" xmlns="" id="{5ADC00B6-990A-40DC-3CEA-505258F5E8DA}"/>
+                <a16:creationId xmlns="" xmlns:a16="http://schemas.microsoft.com/office/drawing/2014/main" id="{5ADC00B6-990A-40DC-3CEA-505258F5E8DA}"/>
               </a:ext>
             </a:extLst>
           </p:cNvPr>
@@ -10407,7 +10407,7 @@
           <p:cNvPr id="11" name="TextBox 10">
             <a:extLst>
               <a:ext uri="{FF2B5EF4-FFF2-40B4-BE49-F238E27FC236}">
-                <a16:creationId xmlns:a16="http://schemas.microsoft.com/office/drawing/2014/main" xmlns="" id="{52176D31-35F7-8916-46FA-6095EFEC1E49}"/>
+                <a16:creationId xmlns="" xmlns:a16="http://schemas.microsoft.com/office/drawing/2014/main" id="{52176D31-35F7-8916-46FA-6095EFEC1E49}"/>
               </a:ext>
             </a:extLst>
           </p:cNvPr>
@@ -10500,7 +10500,7 @@
           <p:cNvPr id="13" name="직사각형 12">
             <a:extLst>
               <a:ext uri="{FF2B5EF4-FFF2-40B4-BE49-F238E27FC236}">
-                <a16:creationId xmlns:a16="http://schemas.microsoft.com/office/drawing/2014/main" xmlns="" id="{FFF506F9-840A-0508-4CAF-3AC711D8D5CE}"/>
+                <a16:creationId xmlns="" xmlns:a16="http://schemas.microsoft.com/office/drawing/2014/main" id="{FFF506F9-840A-0508-4CAF-3AC711D8D5CE}"/>
               </a:ext>
             </a:extLst>
           </p:cNvPr>
@@ -10552,7 +10552,7 @@
           <p:cNvPr id="17" name="직선 화살표 연결선 16">
             <a:extLst>
               <a:ext uri="{FF2B5EF4-FFF2-40B4-BE49-F238E27FC236}">
-                <a16:creationId xmlns:a16="http://schemas.microsoft.com/office/drawing/2014/main" xmlns="" id="{299DF5EC-9DF4-5255-06AC-0A7CE4FF58C3}"/>
+                <a16:creationId xmlns="" xmlns:a16="http://schemas.microsoft.com/office/drawing/2014/main" id="{299DF5EC-9DF4-5255-06AC-0A7CE4FF58C3}"/>
               </a:ext>
             </a:extLst>
           </p:cNvPr>
@@ -10593,7 +10593,7 @@
           <p:cNvPr id="18" name="TextBox 17">
             <a:extLst>
               <a:ext uri="{FF2B5EF4-FFF2-40B4-BE49-F238E27FC236}">
-                <a16:creationId xmlns:a16="http://schemas.microsoft.com/office/drawing/2014/main" xmlns="" id="{C6D113C6-EA5C-788F-0C77-E7CE6EBB865F}"/>
+                <a16:creationId xmlns="" xmlns:a16="http://schemas.microsoft.com/office/drawing/2014/main" id="{C6D113C6-EA5C-788F-0C77-E7CE6EBB865F}"/>
               </a:ext>
             </a:extLst>
           </p:cNvPr>
@@ -10664,7 +10664,7 @@
           <p:cNvPr id="19" name="TextBox 18">
             <a:extLst>
               <a:ext uri="{FF2B5EF4-FFF2-40B4-BE49-F238E27FC236}">
-                <a16:creationId xmlns:a16="http://schemas.microsoft.com/office/drawing/2014/main" xmlns="" id="{C6D113C6-EA5C-788F-0C77-E7CE6EBB865F}"/>
+                <a16:creationId xmlns="" xmlns:a16="http://schemas.microsoft.com/office/drawing/2014/main" id="{C6D113C6-EA5C-788F-0C77-E7CE6EBB865F}"/>
               </a:ext>
             </a:extLst>
           </p:cNvPr>
@@ -10712,7 +10712,7 @@
           <p:cNvPr id="20" name="직선 화살표 연결선 19">
             <a:extLst>
               <a:ext uri="{FF2B5EF4-FFF2-40B4-BE49-F238E27FC236}">
-                <a16:creationId xmlns:a16="http://schemas.microsoft.com/office/drawing/2014/main" xmlns="" id="{299DF5EC-9DF4-5255-06AC-0A7CE4FF58C3}"/>
+                <a16:creationId xmlns="" xmlns:a16="http://schemas.microsoft.com/office/drawing/2014/main" id="{299DF5EC-9DF4-5255-06AC-0A7CE4FF58C3}"/>
               </a:ext>
             </a:extLst>
           </p:cNvPr>
@@ -11076,7 +11076,7 @@
           <p:cNvPr id="2" name="TextBox 1">
             <a:extLst>
               <a:ext uri="{FF2B5EF4-FFF2-40B4-BE49-F238E27FC236}">
-                <a16:creationId xmlns:a16="http://schemas.microsoft.com/office/drawing/2014/main" xmlns="" id="{8D19D88B-9541-32D7-90F1-0C45C993E21C}"/>
+                <a16:creationId xmlns="" xmlns:a16="http://schemas.microsoft.com/office/drawing/2014/main" id="{8D19D88B-9541-32D7-90F1-0C45C993E21C}"/>
               </a:ext>
             </a:extLst>
           </p:cNvPr>
@@ -11190,7 +11190,7 @@
           <p:cNvPr id="9" name="직사각형 8">
             <a:extLst>
               <a:ext uri="{FF2B5EF4-FFF2-40B4-BE49-F238E27FC236}">
-                <a16:creationId xmlns:a16="http://schemas.microsoft.com/office/drawing/2014/main" xmlns="" id="{FFF506F9-840A-0508-4CAF-3AC711D8D5CE}"/>
+                <a16:creationId xmlns="" xmlns:a16="http://schemas.microsoft.com/office/drawing/2014/main" id="{FFF506F9-840A-0508-4CAF-3AC711D8D5CE}"/>
               </a:ext>
             </a:extLst>
           </p:cNvPr>
@@ -11242,7 +11242,7 @@
           <p:cNvPr id="10" name="직선 화살표 연결선 9">
             <a:extLst>
               <a:ext uri="{FF2B5EF4-FFF2-40B4-BE49-F238E27FC236}">
-                <a16:creationId xmlns:a16="http://schemas.microsoft.com/office/drawing/2014/main" xmlns="" id="{299DF5EC-9DF4-5255-06AC-0A7CE4FF58C3}"/>
+                <a16:creationId xmlns="" xmlns:a16="http://schemas.microsoft.com/office/drawing/2014/main" id="{299DF5EC-9DF4-5255-06AC-0A7CE4FF58C3}"/>
               </a:ext>
             </a:extLst>
           </p:cNvPr>
@@ -11283,7 +11283,7 @@
           <p:cNvPr id="11" name="TextBox 10">
             <a:extLst>
               <a:ext uri="{FF2B5EF4-FFF2-40B4-BE49-F238E27FC236}">
-                <a16:creationId xmlns:a16="http://schemas.microsoft.com/office/drawing/2014/main" xmlns="" id="{C6D113C6-EA5C-788F-0C77-E7CE6EBB865F}"/>
+                <a16:creationId xmlns="" xmlns:a16="http://schemas.microsoft.com/office/drawing/2014/main" id="{C6D113C6-EA5C-788F-0C77-E7CE6EBB865F}"/>
               </a:ext>
             </a:extLst>
           </p:cNvPr>
@@ -11371,7 +11371,7 @@
           <p:cNvPr id="15" name="TextBox 14">
             <a:extLst>
               <a:ext uri="{FF2B5EF4-FFF2-40B4-BE49-F238E27FC236}">
-                <a16:creationId xmlns:a16="http://schemas.microsoft.com/office/drawing/2014/main" xmlns="" id="{C6D113C6-EA5C-788F-0C77-E7CE6EBB865F}"/>
+                <a16:creationId xmlns="" xmlns:a16="http://schemas.microsoft.com/office/drawing/2014/main" id="{C6D113C6-EA5C-788F-0C77-E7CE6EBB865F}"/>
               </a:ext>
             </a:extLst>
           </p:cNvPr>
@@ -11419,7 +11419,7 @@
           <p:cNvPr id="16" name="직선 화살표 연결선 15">
             <a:extLst>
               <a:ext uri="{FF2B5EF4-FFF2-40B4-BE49-F238E27FC236}">
-                <a16:creationId xmlns:a16="http://schemas.microsoft.com/office/drawing/2014/main" xmlns="" id="{299DF5EC-9DF4-5255-06AC-0A7CE4FF58C3}"/>
+                <a16:creationId xmlns="" xmlns:a16="http://schemas.microsoft.com/office/drawing/2014/main" id="{299DF5EC-9DF4-5255-06AC-0A7CE4FF58C3}"/>
               </a:ext>
             </a:extLst>
           </p:cNvPr>
@@ -11595,7 +11595,7 @@
           <p:cNvPr id="4" name="TextBox 3">
             <a:extLst>
               <a:ext uri="{FF2B5EF4-FFF2-40B4-BE49-F238E27FC236}">
-                <a16:creationId xmlns:a16="http://schemas.microsoft.com/office/drawing/2014/main" xmlns="" id="{DF7DDD33-9412-2802-339A-E55446AC2DA7}"/>
+                <a16:creationId xmlns="" xmlns:a16="http://schemas.microsoft.com/office/drawing/2014/main" id="{DF7DDD33-9412-2802-339A-E55446AC2DA7}"/>
               </a:ext>
             </a:extLst>
           </p:cNvPr>
@@ -11662,7 +11662,7 @@
           <p:cNvPr id="5" name="TextBox 4">
             <a:extLst>
               <a:ext uri="{FF2B5EF4-FFF2-40B4-BE49-F238E27FC236}">
-                <a16:creationId xmlns:a16="http://schemas.microsoft.com/office/drawing/2014/main" xmlns="" id="{C6D113C6-EA5C-788F-0C77-E7CE6EBB865F}"/>
+                <a16:creationId xmlns="" xmlns:a16="http://schemas.microsoft.com/office/drawing/2014/main" id="{C6D113C6-EA5C-788F-0C77-E7CE6EBB865F}"/>
               </a:ext>
             </a:extLst>
           </p:cNvPr>
@@ -11757,7 +11757,7 @@
           <p:cNvPr id="4" name="TextBox 3">
             <a:extLst>
               <a:ext uri="{FF2B5EF4-FFF2-40B4-BE49-F238E27FC236}">
-                <a16:creationId xmlns:a16="http://schemas.microsoft.com/office/drawing/2014/main" xmlns="" id="{DF7DDD33-9412-2802-339A-E55446AC2DA7}"/>
+                <a16:creationId xmlns="" xmlns:a16="http://schemas.microsoft.com/office/drawing/2014/main" id="{DF7DDD33-9412-2802-339A-E55446AC2DA7}"/>
               </a:ext>
             </a:extLst>
           </p:cNvPr>
@@ -12167,7 +12167,7 @@
           <p:cNvPr id="5" name="TextBox 4">
             <a:extLst>
               <a:ext uri="{FF2B5EF4-FFF2-40B4-BE49-F238E27FC236}">
-                <a16:creationId xmlns:a16="http://schemas.microsoft.com/office/drawing/2014/main" xmlns="" id="{DF7DDD33-9412-2802-339A-E55446AC2DA7}"/>
+                <a16:creationId xmlns="" xmlns:a16="http://schemas.microsoft.com/office/drawing/2014/main" id="{DF7DDD33-9412-2802-339A-E55446AC2DA7}"/>
               </a:ext>
             </a:extLst>
           </p:cNvPr>
@@ -12284,7 +12284,7 @@
           <p:cNvPr id="4" name="TextBox 3">
             <a:extLst>
               <a:ext uri="{FF2B5EF4-FFF2-40B4-BE49-F238E27FC236}">
-                <a16:creationId xmlns:a16="http://schemas.microsoft.com/office/drawing/2014/main" xmlns="" id="{DF7DDD33-9412-2802-339A-E55446AC2DA7}"/>
+                <a16:creationId xmlns="" xmlns:a16="http://schemas.microsoft.com/office/drawing/2014/main" id="{DF7DDD33-9412-2802-339A-E55446AC2DA7}"/>
               </a:ext>
             </a:extLst>
           </p:cNvPr>
@@ -12413,7 +12413,7 @@
           <p:cNvPr id="5" name="TextBox 4">
             <a:extLst>
               <a:ext uri="{FF2B5EF4-FFF2-40B4-BE49-F238E27FC236}">
-                <a16:creationId xmlns:a16="http://schemas.microsoft.com/office/drawing/2014/main" xmlns="" id="{C6D113C6-EA5C-788F-0C77-E7CE6EBB865F}"/>
+                <a16:creationId xmlns="" xmlns:a16="http://schemas.microsoft.com/office/drawing/2014/main" id="{C6D113C6-EA5C-788F-0C77-E7CE6EBB865F}"/>
               </a:ext>
             </a:extLst>
           </p:cNvPr>
@@ -12525,7 +12525,7 @@
           <p:cNvPr id="7" name="직사각형 6">
             <a:extLst>
               <a:ext uri="{FF2B5EF4-FFF2-40B4-BE49-F238E27FC236}">
-                <a16:creationId xmlns:a16="http://schemas.microsoft.com/office/drawing/2014/main" xmlns="" id="{FFF506F9-840A-0508-4CAF-3AC711D8D5CE}"/>
+                <a16:creationId xmlns="" xmlns:a16="http://schemas.microsoft.com/office/drawing/2014/main" id="{FFF506F9-840A-0508-4CAF-3AC711D8D5CE}"/>
               </a:ext>
             </a:extLst>
           </p:cNvPr>
@@ -12736,7 +12736,7 @@
           <p:cNvPr id="5" name="TextBox 4">
             <a:extLst>
               <a:ext uri="{FF2B5EF4-FFF2-40B4-BE49-F238E27FC236}">
-                <a16:creationId xmlns:a16="http://schemas.microsoft.com/office/drawing/2014/main" xmlns="" id="{C6D113C6-EA5C-788F-0C77-E7CE6EBB865F}"/>
+                <a16:creationId xmlns="" xmlns:a16="http://schemas.microsoft.com/office/drawing/2014/main" id="{C6D113C6-EA5C-788F-0C77-E7CE6EBB865F}"/>
               </a:ext>
             </a:extLst>
           </p:cNvPr>
@@ -12943,7 +12943,7 @@
           <p:cNvPr id="5" name="TextBox 4">
             <a:extLst>
               <a:ext uri="{FF2B5EF4-FFF2-40B4-BE49-F238E27FC236}">
-                <a16:creationId xmlns:a16="http://schemas.microsoft.com/office/drawing/2014/main" xmlns="" id="{C6D113C6-EA5C-788F-0C77-E7CE6EBB865F}"/>
+                <a16:creationId xmlns="" xmlns:a16="http://schemas.microsoft.com/office/drawing/2014/main" id="{C6D113C6-EA5C-788F-0C77-E7CE6EBB865F}"/>
               </a:ext>
             </a:extLst>
           </p:cNvPr>
@@ -13034,7 +13034,7 @@
           <p:cNvPr id="6" name="그룹 1008">
             <a:extLst>
               <a:ext uri="{FF2B5EF4-FFF2-40B4-BE49-F238E27FC236}">
-                <a16:creationId xmlns:a16="http://schemas.microsoft.com/office/drawing/2014/main" xmlns="" id="{678F6342-C505-E8AD-ADA4-022CB2C2088E}"/>
+                <a16:creationId xmlns="" xmlns:a16="http://schemas.microsoft.com/office/drawing/2014/main" id="{678F6342-C505-E8AD-ADA4-022CB2C2088E}"/>
               </a:ext>
             </a:extLst>
           </p:cNvPr>
@@ -13054,7 +13054,7 @@
             <p:cNvPr id="7" name="그룹 1009">
               <a:extLst>
                 <a:ext uri="{FF2B5EF4-FFF2-40B4-BE49-F238E27FC236}">
-                  <a16:creationId xmlns:a16="http://schemas.microsoft.com/office/drawing/2014/main" xmlns="" id="{4E1F1FED-812B-9BBB-925A-84B54A077414}"/>
+                  <a16:creationId xmlns="" xmlns:a16="http://schemas.microsoft.com/office/drawing/2014/main" id="{4E1F1FED-812B-9BBB-925A-84B54A077414}"/>
                 </a:ext>
               </a:extLst>
             </p:cNvPr>
@@ -13074,7 +13074,7 @@
               <p:cNvPr id="12" name="Object 29">
                 <a:extLst>
                   <a:ext uri="{FF2B5EF4-FFF2-40B4-BE49-F238E27FC236}">
-                    <a16:creationId xmlns:a16="http://schemas.microsoft.com/office/drawing/2014/main" xmlns="" id="{7B078609-4286-7B00-51EB-809C8E2DE289}"/>
+                    <a16:creationId xmlns="" xmlns:a16="http://schemas.microsoft.com/office/drawing/2014/main" id="{7B078609-4286-7B00-51EB-809C8E2DE289}"/>
                   </a:ext>
                 </a:extLst>
               </p:cNvPr>
@@ -13105,7 +13105,7 @@
             <p:cNvPr id="8" name="그룹 1010">
               <a:extLst>
                 <a:ext uri="{FF2B5EF4-FFF2-40B4-BE49-F238E27FC236}">
-                  <a16:creationId xmlns:a16="http://schemas.microsoft.com/office/drawing/2014/main" xmlns="" id="{02A649BF-B5B5-FBAF-7DFD-E118A4DF8907}"/>
+                  <a16:creationId xmlns="" xmlns:a16="http://schemas.microsoft.com/office/drawing/2014/main" id="{02A649BF-B5B5-FBAF-7DFD-E118A4DF8907}"/>
                 </a:ext>
               </a:extLst>
             </p:cNvPr>
@@ -13125,7 +13125,7 @@
               <p:cNvPr id="11" name="Object 32">
                 <a:extLst>
                   <a:ext uri="{FF2B5EF4-FFF2-40B4-BE49-F238E27FC236}">
-                    <a16:creationId xmlns:a16="http://schemas.microsoft.com/office/drawing/2014/main" xmlns="" id="{2A0FFF23-B3C9-3EA0-1C1B-A87D4FF098AE}"/>
+                    <a16:creationId xmlns="" xmlns:a16="http://schemas.microsoft.com/office/drawing/2014/main" id="{2A0FFF23-B3C9-3EA0-1C1B-A87D4FF098AE}"/>
                   </a:ext>
                 </a:extLst>
               </p:cNvPr>
@@ -13156,7 +13156,7 @@
             <p:cNvPr id="9" name="그룹 1011">
               <a:extLst>
                 <a:ext uri="{FF2B5EF4-FFF2-40B4-BE49-F238E27FC236}">
-                  <a16:creationId xmlns:a16="http://schemas.microsoft.com/office/drawing/2014/main" xmlns="" id="{881F5410-F7FB-F261-A584-707359BAC593}"/>
+                  <a16:creationId xmlns="" xmlns:a16="http://schemas.microsoft.com/office/drawing/2014/main" id="{881F5410-F7FB-F261-A584-707359BAC593}"/>
                 </a:ext>
               </a:extLst>
             </p:cNvPr>
@@ -13176,7 +13176,7 @@
               <p:cNvPr id="10" name="Object 35">
                 <a:extLst>
                   <a:ext uri="{FF2B5EF4-FFF2-40B4-BE49-F238E27FC236}">
-                    <a16:creationId xmlns:a16="http://schemas.microsoft.com/office/drawing/2014/main" xmlns="" id="{4E99E669-73EB-F9F4-EFE8-DC107035C265}"/>
+                    <a16:creationId xmlns="" xmlns:a16="http://schemas.microsoft.com/office/drawing/2014/main" id="{4E99E669-73EB-F9F4-EFE8-DC107035C265}"/>
                   </a:ext>
                 </a:extLst>
               </p:cNvPr>
@@ -13293,7 +13293,7 @@
           <p:cNvPr id="5" name="TextBox 4">
             <a:extLst>
               <a:ext uri="{FF2B5EF4-FFF2-40B4-BE49-F238E27FC236}">
-                <a16:creationId xmlns:a16="http://schemas.microsoft.com/office/drawing/2014/main" xmlns="" id="{C6D113C6-EA5C-788F-0C77-E7CE6EBB865F}"/>
+                <a16:creationId xmlns="" xmlns:a16="http://schemas.microsoft.com/office/drawing/2014/main" id="{C6D113C6-EA5C-788F-0C77-E7CE6EBB865F}"/>
               </a:ext>
             </a:extLst>
           </p:cNvPr>
@@ -13391,7 +13391,7 @@
           <p:cNvPr id="5" name="TextBox 4">
             <a:extLst>
               <a:ext uri="{FF2B5EF4-FFF2-40B4-BE49-F238E27FC236}">
-                <a16:creationId xmlns:a16="http://schemas.microsoft.com/office/drawing/2014/main" xmlns="" id="{5ADC00B6-990A-40DC-3CEA-505258F5E8DA}"/>
+                <a16:creationId xmlns="" xmlns:a16="http://schemas.microsoft.com/office/drawing/2014/main" id="{5ADC00B6-990A-40DC-3CEA-505258F5E8DA}"/>
               </a:ext>
             </a:extLst>
           </p:cNvPr>
@@ -13442,7 +13442,7 @@
           <p:cNvPr id="8" name="TextBox 7">
             <a:extLst>
               <a:ext uri="{FF2B5EF4-FFF2-40B4-BE49-F238E27FC236}">
-                <a16:creationId xmlns:a16="http://schemas.microsoft.com/office/drawing/2014/main" xmlns="" id="{52176D31-35F7-8916-46FA-6095EFEC1E49}"/>
+                <a16:creationId xmlns="" xmlns:a16="http://schemas.microsoft.com/office/drawing/2014/main" id="{52176D31-35F7-8916-46FA-6095EFEC1E49}"/>
               </a:ext>
             </a:extLst>
           </p:cNvPr>
@@ -13941,7 +13941,7 @@
           <p:cNvPr id="5" name="TextBox 4">
             <a:extLst>
               <a:ext uri="{FF2B5EF4-FFF2-40B4-BE49-F238E27FC236}">
-                <a16:creationId xmlns:a16="http://schemas.microsoft.com/office/drawing/2014/main" xmlns="" id="{DF7DDD33-9412-2802-339A-E55446AC2DA7}"/>
+                <a16:creationId xmlns="" xmlns:a16="http://schemas.microsoft.com/office/drawing/2014/main" id="{DF7DDD33-9412-2802-339A-E55446AC2DA7}"/>
               </a:ext>
             </a:extLst>
           </p:cNvPr>
@@ -13989,7 +13989,7 @@
           <p:cNvPr id="6" name="TextBox 5">
             <a:extLst>
               <a:ext uri="{FF2B5EF4-FFF2-40B4-BE49-F238E27FC236}">
-                <a16:creationId xmlns:a16="http://schemas.microsoft.com/office/drawing/2014/main" xmlns="" id="{F68B80B8-3419-5C31-B2F2-084E536A2C1C}"/>
+                <a16:creationId xmlns="" xmlns:a16="http://schemas.microsoft.com/office/drawing/2014/main" id="{F68B80B8-3419-5C31-B2F2-084E536A2C1C}"/>
               </a:ext>
             </a:extLst>
           </p:cNvPr>
@@ -14032,7 +14032,7 @@
           <p:cNvPr id="7" name="직사각형 6">
             <a:extLst>
               <a:ext uri="{FF2B5EF4-FFF2-40B4-BE49-F238E27FC236}">
-                <a16:creationId xmlns:a16="http://schemas.microsoft.com/office/drawing/2014/main" xmlns="" id="{FFF506F9-840A-0508-4CAF-3AC711D8D5CE}"/>
+                <a16:creationId xmlns="" xmlns:a16="http://schemas.microsoft.com/office/drawing/2014/main" id="{FFF506F9-840A-0508-4CAF-3AC711D8D5CE}"/>
               </a:ext>
             </a:extLst>
           </p:cNvPr>
@@ -14084,7 +14084,7 @@
           <p:cNvPr id="9" name="직사각형 8">
             <a:extLst>
               <a:ext uri="{FF2B5EF4-FFF2-40B4-BE49-F238E27FC236}">
-                <a16:creationId xmlns:a16="http://schemas.microsoft.com/office/drawing/2014/main" xmlns="" id="{FFF506F9-840A-0508-4CAF-3AC711D8D5CE}"/>
+                <a16:creationId xmlns="" xmlns:a16="http://schemas.microsoft.com/office/drawing/2014/main" id="{FFF506F9-840A-0508-4CAF-3AC711D8D5CE}"/>
               </a:ext>
             </a:extLst>
           </p:cNvPr>
@@ -14136,7 +14136,7 @@
           <p:cNvPr id="10" name="TextBox 9">
             <a:extLst>
               <a:ext uri="{FF2B5EF4-FFF2-40B4-BE49-F238E27FC236}">
-                <a16:creationId xmlns:a16="http://schemas.microsoft.com/office/drawing/2014/main" xmlns="" id="{C6D113C6-EA5C-788F-0C77-E7CE6EBB865F}"/>
+                <a16:creationId xmlns="" xmlns:a16="http://schemas.microsoft.com/office/drawing/2014/main" id="{C6D113C6-EA5C-788F-0C77-E7CE6EBB865F}"/>
               </a:ext>
             </a:extLst>
           </p:cNvPr>
@@ -14208,7 +14208,7 @@
           <p:cNvPr id="13" name="직사각형 12">
             <a:extLst>
               <a:ext uri="{FF2B5EF4-FFF2-40B4-BE49-F238E27FC236}">
-                <a16:creationId xmlns:a16="http://schemas.microsoft.com/office/drawing/2014/main" xmlns="" id="{FFF506F9-840A-0508-4CAF-3AC711D8D5CE}"/>
+                <a16:creationId xmlns="" xmlns:a16="http://schemas.microsoft.com/office/drawing/2014/main" id="{FFF506F9-840A-0508-4CAF-3AC711D8D5CE}"/>
               </a:ext>
             </a:extLst>
           </p:cNvPr>
@@ -14260,7 +14260,7 @@
           <p:cNvPr id="14" name="TextBox 13">
             <a:extLst>
               <a:ext uri="{FF2B5EF4-FFF2-40B4-BE49-F238E27FC236}">
-                <a16:creationId xmlns:a16="http://schemas.microsoft.com/office/drawing/2014/main" xmlns="" id="{C6D113C6-EA5C-788F-0C77-E7CE6EBB865F}"/>
+                <a16:creationId xmlns="" xmlns:a16="http://schemas.microsoft.com/office/drawing/2014/main" id="{C6D113C6-EA5C-788F-0C77-E7CE6EBB865F}"/>
               </a:ext>
             </a:extLst>
           </p:cNvPr>
@@ -14332,7 +14332,7 @@
           <p:cNvPr id="16" name="직사각형 15">
             <a:extLst>
               <a:ext uri="{FF2B5EF4-FFF2-40B4-BE49-F238E27FC236}">
-                <a16:creationId xmlns:a16="http://schemas.microsoft.com/office/drawing/2014/main" xmlns="" id="{FFF506F9-840A-0508-4CAF-3AC711D8D5CE}"/>
+                <a16:creationId xmlns="" xmlns:a16="http://schemas.microsoft.com/office/drawing/2014/main" id="{FFF506F9-840A-0508-4CAF-3AC711D8D5CE}"/>
               </a:ext>
             </a:extLst>
           </p:cNvPr>
@@ -14384,7 +14384,7 @@
           <p:cNvPr id="17" name="TextBox 16">
             <a:extLst>
               <a:ext uri="{FF2B5EF4-FFF2-40B4-BE49-F238E27FC236}">
-                <a16:creationId xmlns:a16="http://schemas.microsoft.com/office/drawing/2014/main" xmlns="" id="{C6D113C6-EA5C-788F-0C77-E7CE6EBB865F}"/>
+                <a16:creationId xmlns="" xmlns:a16="http://schemas.microsoft.com/office/drawing/2014/main" id="{C6D113C6-EA5C-788F-0C77-E7CE6EBB865F}"/>
               </a:ext>
             </a:extLst>
           </p:cNvPr>
@@ -14432,7 +14432,7 @@
           <p:cNvPr id="19" name="TextBox 18">
             <a:extLst>
               <a:ext uri="{FF2B5EF4-FFF2-40B4-BE49-F238E27FC236}">
-                <a16:creationId xmlns:a16="http://schemas.microsoft.com/office/drawing/2014/main" xmlns="" id="{C6D113C6-EA5C-788F-0C77-E7CE6EBB865F}"/>
+                <a16:creationId xmlns="" xmlns:a16="http://schemas.microsoft.com/office/drawing/2014/main" id="{C6D113C6-EA5C-788F-0C77-E7CE6EBB865F}"/>
               </a:ext>
             </a:extLst>
           </p:cNvPr>
@@ -14894,7 +14894,7 @@
           <p:cNvPr id="4" name="TextBox 3">
             <a:extLst>
               <a:ext uri="{FF2B5EF4-FFF2-40B4-BE49-F238E27FC236}">
-                <a16:creationId xmlns:a16="http://schemas.microsoft.com/office/drawing/2014/main" xmlns="" id="{52176D31-35F7-8916-46FA-6095EFEC1E49}"/>
+                <a16:creationId xmlns="" xmlns:a16="http://schemas.microsoft.com/office/drawing/2014/main" id="{52176D31-35F7-8916-46FA-6095EFEC1E49}"/>
               </a:ext>
             </a:extLst>
           </p:cNvPr>
@@ -15274,7 +15274,7 @@
           <p:cNvPr id="4" name="TextBox 3">
             <a:extLst>
               <a:ext uri="{FF2B5EF4-FFF2-40B4-BE49-F238E27FC236}">
-                <a16:creationId xmlns:a16="http://schemas.microsoft.com/office/drawing/2014/main" xmlns="" id="{52176D31-35F7-8916-46FA-6095EFEC1E49}"/>
+                <a16:creationId xmlns="" xmlns:a16="http://schemas.microsoft.com/office/drawing/2014/main" id="{52176D31-35F7-8916-46FA-6095EFEC1E49}"/>
               </a:ext>
             </a:extLst>
           </p:cNvPr>
@@ -15810,7 +15810,7 @@
           <p:cNvPr id="4" name="Object 1">
             <a:extLst>
               <a:ext uri="{FF2B5EF4-FFF2-40B4-BE49-F238E27FC236}">
-                <a16:creationId xmlns:a16="http://schemas.microsoft.com/office/drawing/2014/main" xmlns="" id="{B0329035-BE76-33A8-0F2E-44624FCC1DED}"/>
+                <a16:creationId xmlns="" xmlns:a16="http://schemas.microsoft.com/office/drawing/2014/main" id="{B0329035-BE76-33A8-0F2E-44624FCC1DED}"/>
               </a:ext>
             </a:extLst>
           </p:cNvPr>
@@ -15840,7 +15840,7 @@
           <p:cNvPr id="7" name="그룹 1001">
             <a:extLst>
               <a:ext uri="{FF2B5EF4-FFF2-40B4-BE49-F238E27FC236}">
-                <a16:creationId xmlns:a16="http://schemas.microsoft.com/office/drawing/2014/main" xmlns="" id="{CD24CE9D-AC18-B6CD-F397-7E8E03D6FE26}"/>
+                <a16:creationId xmlns="" xmlns:a16="http://schemas.microsoft.com/office/drawing/2014/main" id="{CD24CE9D-AC18-B6CD-F397-7E8E03D6FE26}"/>
               </a:ext>
             </a:extLst>
           </p:cNvPr>
@@ -15860,7 +15860,7 @@
             <p:cNvPr id="8" name="Object 5">
               <a:extLst>
                 <a:ext uri="{FF2B5EF4-FFF2-40B4-BE49-F238E27FC236}">
-                  <a16:creationId xmlns:a16="http://schemas.microsoft.com/office/drawing/2014/main" xmlns="" id="{0EEF25E8-3BA8-EBAA-6DC2-66D70C3F9F4D}"/>
+                  <a16:creationId xmlns="" xmlns:a16="http://schemas.microsoft.com/office/drawing/2014/main" id="{0EEF25E8-3BA8-EBAA-6DC2-66D70C3F9F4D}"/>
                 </a:ext>
               </a:extLst>
             </p:cNvPr>
@@ -15891,7 +15891,7 @@
           <p:cNvPr id="9" name="그룹 1002">
             <a:extLst>
               <a:ext uri="{FF2B5EF4-FFF2-40B4-BE49-F238E27FC236}">
-                <a16:creationId xmlns:a16="http://schemas.microsoft.com/office/drawing/2014/main" xmlns="" id="{0F281BC9-DE1F-D1FE-E64C-C4640398F00C}"/>
+                <a16:creationId xmlns="" xmlns:a16="http://schemas.microsoft.com/office/drawing/2014/main" id="{0F281BC9-DE1F-D1FE-E64C-C4640398F00C}"/>
               </a:ext>
             </a:extLst>
           </p:cNvPr>
@@ -15911,7 +15911,7 @@
             <p:cNvPr id="10" name="Object 8">
               <a:extLst>
                 <a:ext uri="{FF2B5EF4-FFF2-40B4-BE49-F238E27FC236}">
-                  <a16:creationId xmlns:a16="http://schemas.microsoft.com/office/drawing/2014/main" xmlns="" id="{F669DCEF-04BB-7046-3F7F-5B513213556E}"/>
+                  <a16:creationId xmlns="" xmlns:a16="http://schemas.microsoft.com/office/drawing/2014/main" id="{F669DCEF-04BB-7046-3F7F-5B513213556E}"/>
                 </a:ext>
               </a:extLst>
             </p:cNvPr>
@@ -15942,7 +15942,7 @@
           <p:cNvPr id="11" name="그룹 1003">
             <a:extLst>
               <a:ext uri="{FF2B5EF4-FFF2-40B4-BE49-F238E27FC236}">
-                <a16:creationId xmlns:a16="http://schemas.microsoft.com/office/drawing/2014/main" xmlns="" id="{1F91EEF9-13EA-BB7F-B056-D35E7DB989AC}"/>
+                <a16:creationId xmlns="" xmlns:a16="http://schemas.microsoft.com/office/drawing/2014/main" id="{1F91EEF9-13EA-BB7F-B056-D35E7DB989AC}"/>
               </a:ext>
             </a:extLst>
           </p:cNvPr>
@@ -15962,7 +15962,7 @@
             <p:cNvPr id="12" name="Object 11">
               <a:extLst>
                 <a:ext uri="{FF2B5EF4-FFF2-40B4-BE49-F238E27FC236}">
-                  <a16:creationId xmlns:a16="http://schemas.microsoft.com/office/drawing/2014/main" xmlns="" id="{2CFFB217-AEFB-2C9E-5F86-6EE19510FFC6}"/>
+                  <a16:creationId xmlns="" xmlns:a16="http://schemas.microsoft.com/office/drawing/2014/main" id="{2CFFB217-AEFB-2C9E-5F86-6EE19510FFC6}"/>
                 </a:ext>
               </a:extLst>
             </p:cNvPr>
@@ -15993,7 +15993,7 @@
           <p:cNvPr id="13" name="그룹 1004">
             <a:extLst>
               <a:ext uri="{FF2B5EF4-FFF2-40B4-BE49-F238E27FC236}">
-                <a16:creationId xmlns:a16="http://schemas.microsoft.com/office/drawing/2014/main" xmlns="" id="{123B9C7E-94E8-E7E1-81BE-D59EA0299187}"/>
+                <a16:creationId xmlns="" xmlns:a16="http://schemas.microsoft.com/office/drawing/2014/main" id="{123B9C7E-94E8-E7E1-81BE-D59EA0299187}"/>
               </a:ext>
             </a:extLst>
           </p:cNvPr>
@@ -16013,7 +16013,7 @@
             <p:cNvPr id="14" name="Object 14">
               <a:extLst>
                 <a:ext uri="{FF2B5EF4-FFF2-40B4-BE49-F238E27FC236}">
-                  <a16:creationId xmlns:a16="http://schemas.microsoft.com/office/drawing/2014/main" xmlns="" id="{B6291552-2D89-A79F-7ACD-EA0EF9A4C389}"/>
+                  <a16:creationId xmlns="" xmlns:a16="http://schemas.microsoft.com/office/drawing/2014/main" id="{B6291552-2D89-A79F-7ACD-EA0EF9A4C389}"/>
                 </a:ext>
               </a:extLst>
             </p:cNvPr>
@@ -16044,7 +16044,7 @@
           <p:cNvPr id="15" name="TextBox 14">
             <a:extLst>
               <a:ext uri="{FF2B5EF4-FFF2-40B4-BE49-F238E27FC236}">
-                <a16:creationId xmlns:a16="http://schemas.microsoft.com/office/drawing/2014/main" xmlns="" id="{7D99763A-FC24-23F5-5BA9-D7B042E0F323}"/>
+                <a16:creationId xmlns="" xmlns:a16="http://schemas.microsoft.com/office/drawing/2014/main" id="{7D99763A-FC24-23F5-5BA9-D7B042E0F323}"/>
               </a:ext>
             </a:extLst>
           </p:cNvPr>
@@ -16129,7 +16129,7 @@
           <p:cNvPr id="4" name="TextBox 3">
             <a:extLst>
               <a:ext uri="{FF2B5EF4-FFF2-40B4-BE49-F238E27FC236}">
-                <a16:creationId xmlns:a16="http://schemas.microsoft.com/office/drawing/2014/main" xmlns="" id="{5ADC00B6-990A-40DC-3CEA-505258F5E8DA}"/>
+                <a16:creationId xmlns="" xmlns:a16="http://schemas.microsoft.com/office/drawing/2014/main" id="{5ADC00B6-990A-40DC-3CEA-505258F5E8DA}"/>
               </a:ext>
             </a:extLst>
           </p:cNvPr>
@@ -16211,7 +16211,7 @@
           <p:cNvPr id="6" name="직선 화살표 연결선 5">
             <a:extLst>
               <a:ext uri="{FF2B5EF4-FFF2-40B4-BE49-F238E27FC236}">
-                <a16:creationId xmlns:a16="http://schemas.microsoft.com/office/drawing/2014/main" xmlns="" id="{299DF5EC-9DF4-5255-06AC-0A7CE4FF58C3}"/>
+                <a16:creationId xmlns="" xmlns:a16="http://schemas.microsoft.com/office/drawing/2014/main" id="{299DF5EC-9DF4-5255-06AC-0A7CE4FF58C3}"/>
               </a:ext>
             </a:extLst>
           </p:cNvPr>
@@ -16252,7 +16252,7 @@
           <p:cNvPr id="7" name="TextBox 6">
             <a:extLst>
               <a:ext uri="{FF2B5EF4-FFF2-40B4-BE49-F238E27FC236}">
-                <a16:creationId xmlns:a16="http://schemas.microsoft.com/office/drawing/2014/main" xmlns="" id="{C6D113C6-EA5C-788F-0C77-E7CE6EBB865F}"/>
+                <a16:creationId xmlns="" xmlns:a16="http://schemas.microsoft.com/office/drawing/2014/main" id="{C6D113C6-EA5C-788F-0C77-E7CE6EBB865F}"/>
               </a:ext>
             </a:extLst>
           </p:cNvPr>
@@ -16300,7 +16300,7 @@
           <p:cNvPr id="9" name="직선 화살표 연결선 8">
             <a:extLst>
               <a:ext uri="{FF2B5EF4-FFF2-40B4-BE49-F238E27FC236}">
-                <a16:creationId xmlns:a16="http://schemas.microsoft.com/office/drawing/2014/main" xmlns="" id="{299DF5EC-9DF4-5255-06AC-0A7CE4FF58C3}"/>
+                <a16:creationId xmlns="" xmlns:a16="http://schemas.microsoft.com/office/drawing/2014/main" id="{299DF5EC-9DF4-5255-06AC-0A7CE4FF58C3}"/>
               </a:ext>
             </a:extLst>
           </p:cNvPr>
@@ -16341,7 +16341,7 @@
           <p:cNvPr id="10" name="TextBox 9">
             <a:extLst>
               <a:ext uri="{FF2B5EF4-FFF2-40B4-BE49-F238E27FC236}">
-                <a16:creationId xmlns:a16="http://schemas.microsoft.com/office/drawing/2014/main" xmlns="" id="{C6D113C6-EA5C-788F-0C77-E7CE6EBB865F}"/>
+                <a16:creationId xmlns="" xmlns:a16="http://schemas.microsoft.com/office/drawing/2014/main" id="{C6D113C6-EA5C-788F-0C77-E7CE6EBB865F}"/>
               </a:ext>
             </a:extLst>
           </p:cNvPr>
@@ -16413,7 +16413,7 @@
           <p:cNvPr id="12" name="직선 화살표 연결선 11">
             <a:extLst>
               <a:ext uri="{FF2B5EF4-FFF2-40B4-BE49-F238E27FC236}">
-                <a16:creationId xmlns:a16="http://schemas.microsoft.com/office/drawing/2014/main" xmlns="" id="{299DF5EC-9DF4-5255-06AC-0A7CE4FF58C3}"/>
+                <a16:creationId xmlns="" xmlns:a16="http://schemas.microsoft.com/office/drawing/2014/main" id="{299DF5EC-9DF4-5255-06AC-0A7CE4FF58C3}"/>
               </a:ext>
             </a:extLst>
           </p:cNvPr>
@@ -16454,7 +16454,7 @@
           <p:cNvPr id="13" name="TextBox 12">
             <a:extLst>
               <a:ext uri="{FF2B5EF4-FFF2-40B4-BE49-F238E27FC236}">
-                <a16:creationId xmlns:a16="http://schemas.microsoft.com/office/drawing/2014/main" xmlns="" id="{C6D113C6-EA5C-788F-0C77-E7CE6EBB865F}"/>
+                <a16:creationId xmlns="" xmlns:a16="http://schemas.microsoft.com/office/drawing/2014/main" id="{C6D113C6-EA5C-788F-0C77-E7CE6EBB865F}"/>
               </a:ext>
             </a:extLst>
           </p:cNvPr>
@@ -16502,7 +16502,7 @@
           <p:cNvPr id="15" name="직선 화살표 연결선 14">
             <a:extLst>
               <a:ext uri="{FF2B5EF4-FFF2-40B4-BE49-F238E27FC236}">
-                <a16:creationId xmlns:a16="http://schemas.microsoft.com/office/drawing/2014/main" xmlns="" id="{299DF5EC-9DF4-5255-06AC-0A7CE4FF58C3}"/>
+                <a16:creationId xmlns="" xmlns:a16="http://schemas.microsoft.com/office/drawing/2014/main" id="{299DF5EC-9DF4-5255-06AC-0A7CE4FF58C3}"/>
               </a:ext>
             </a:extLst>
           </p:cNvPr>
@@ -16543,7 +16543,7 @@
           <p:cNvPr id="16" name="TextBox 15">
             <a:extLst>
               <a:ext uri="{FF2B5EF4-FFF2-40B4-BE49-F238E27FC236}">
-                <a16:creationId xmlns:a16="http://schemas.microsoft.com/office/drawing/2014/main" xmlns="" id="{C6D113C6-EA5C-788F-0C77-E7CE6EBB865F}"/>
+                <a16:creationId xmlns="" xmlns:a16="http://schemas.microsoft.com/office/drawing/2014/main" id="{C6D113C6-EA5C-788F-0C77-E7CE6EBB865F}"/>
               </a:ext>
             </a:extLst>
           </p:cNvPr>
@@ -16591,7 +16591,7 @@
           <p:cNvPr id="18" name="직사각형 17">
             <a:extLst>
               <a:ext uri="{FF2B5EF4-FFF2-40B4-BE49-F238E27FC236}">
-                <a16:creationId xmlns:a16="http://schemas.microsoft.com/office/drawing/2014/main" xmlns="" id="{FFF506F9-840A-0508-4CAF-3AC711D8D5CE}"/>
+                <a16:creationId xmlns="" xmlns:a16="http://schemas.microsoft.com/office/drawing/2014/main" id="{FFF506F9-840A-0508-4CAF-3AC711D8D5CE}"/>
               </a:ext>
             </a:extLst>
           </p:cNvPr>
@@ -16680,7 +16680,7 @@
           <p:cNvPr id="4" name="TextBox 3">
             <a:extLst>
               <a:ext uri="{FF2B5EF4-FFF2-40B4-BE49-F238E27FC236}">
-                <a16:creationId xmlns:a16="http://schemas.microsoft.com/office/drawing/2014/main" xmlns="" id="{5ADC00B6-990A-40DC-3CEA-505258F5E8DA}"/>
+                <a16:creationId xmlns="" xmlns:a16="http://schemas.microsoft.com/office/drawing/2014/main" id="{5ADC00B6-990A-40DC-3CEA-505258F5E8DA}"/>
               </a:ext>
             </a:extLst>
           </p:cNvPr>
@@ -16728,7 +16728,7 @@
           <p:cNvPr id="5" name="TextBox 4">
             <a:extLst>
               <a:ext uri="{FF2B5EF4-FFF2-40B4-BE49-F238E27FC236}">
-                <a16:creationId xmlns:a16="http://schemas.microsoft.com/office/drawing/2014/main" xmlns="" id="{52176D31-35F7-8916-46FA-6095EFEC1E49}"/>
+                <a16:creationId xmlns="" xmlns:a16="http://schemas.microsoft.com/office/drawing/2014/main" id="{52176D31-35F7-8916-46FA-6095EFEC1E49}"/>
               </a:ext>
             </a:extLst>
           </p:cNvPr>
@@ -17127,14 +17127,14 @@
                 <a:gridCol w="5680353">
                   <a:extLst>
                     <a:ext uri="{9D8B030D-6E8A-4147-A177-3AD203B41FA5}">
-                      <a16:colId xmlns:a16="http://schemas.microsoft.com/office/drawing/2014/main" xmlns="" val="20000"/>
+                      <a16:colId xmlns="" xmlns:a16="http://schemas.microsoft.com/office/drawing/2014/main" val="20000"/>
                     </a:ext>
                   </a:extLst>
                 </a:gridCol>
                 <a:gridCol w="5749647">
                   <a:extLst>
                     <a:ext uri="{9D8B030D-6E8A-4147-A177-3AD203B41FA5}">
-                      <a16:colId xmlns:a16="http://schemas.microsoft.com/office/drawing/2014/main" xmlns="" val="20001"/>
+                      <a16:colId xmlns="" xmlns:a16="http://schemas.microsoft.com/office/drawing/2014/main" val="20001"/>
                     </a:ext>
                   </a:extLst>
                 </a:gridCol>
@@ -17272,7 +17272,7 @@
                 </a:tc>
                 <a:extLst>
                   <a:ext uri="{0D108BD9-81ED-4DB2-BD59-A6C34878D82A}">
-                    <a16:rowId xmlns:a16="http://schemas.microsoft.com/office/drawing/2014/main" xmlns="" val="10000"/>
+                    <a16:rowId xmlns="" xmlns:a16="http://schemas.microsoft.com/office/drawing/2014/main" val="10000"/>
                   </a:ext>
                 </a:extLst>
               </a:tr>
@@ -17415,7 +17415,7 @@
                 </a:tc>
                 <a:extLst>
                   <a:ext uri="{0D108BD9-81ED-4DB2-BD59-A6C34878D82A}">
-                    <a16:rowId xmlns:a16="http://schemas.microsoft.com/office/drawing/2014/main" xmlns="" val="10001"/>
+                    <a16:rowId xmlns="" xmlns:a16="http://schemas.microsoft.com/office/drawing/2014/main" val="10001"/>
                   </a:ext>
                 </a:extLst>
               </a:tr>
@@ -17536,7 +17536,7 @@
                 </a:tc>
                 <a:extLst>
                   <a:ext uri="{0D108BD9-81ED-4DB2-BD59-A6C34878D82A}">
-                    <a16:rowId xmlns:a16="http://schemas.microsoft.com/office/drawing/2014/main" xmlns="" val="10002"/>
+                    <a16:rowId xmlns="" xmlns:a16="http://schemas.microsoft.com/office/drawing/2014/main" val="10002"/>
                   </a:ext>
                 </a:extLst>
               </a:tr>
@@ -17657,7 +17657,7 @@
                 </a:tc>
                 <a:extLst>
                   <a:ext uri="{0D108BD9-81ED-4DB2-BD59-A6C34878D82A}">
-                    <a16:rowId xmlns:a16="http://schemas.microsoft.com/office/drawing/2014/main" xmlns="" val="10003"/>
+                    <a16:rowId xmlns="" xmlns:a16="http://schemas.microsoft.com/office/drawing/2014/main" val="10003"/>
                   </a:ext>
                 </a:extLst>
               </a:tr>
@@ -17731,7 +17731,7 @@
           <p:cNvPr id="6" name="직선 화살표 연결선 5">
             <a:extLst>
               <a:ext uri="{FF2B5EF4-FFF2-40B4-BE49-F238E27FC236}">
-                <a16:creationId xmlns:a16="http://schemas.microsoft.com/office/drawing/2014/main" xmlns="" id="{299DF5EC-9DF4-5255-06AC-0A7CE4FF58C3}"/>
+                <a16:creationId xmlns="" xmlns:a16="http://schemas.microsoft.com/office/drawing/2014/main" id="{299DF5EC-9DF4-5255-06AC-0A7CE4FF58C3}"/>
               </a:ext>
             </a:extLst>
           </p:cNvPr>
@@ -17772,7 +17772,7 @@
           <p:cNvPr id="7" name="직사각형 6">
             <a:extLst>
               <a:ext uri="{FF2B5EF4-FFF2-40B4-BE49-F238E27FC236}">
-                <a16:creationId xmlns:a16="http://schemas.microsoft.com/office/drawing/2014/main" xmlns="" id="{FFF506F9-840A-0508-4CAF-3AC711D8D5CE}"/>
+                <a16:creationId xmlns="" xmlns:a16="http://schemas.microsoft.com/office/drawing/2014/main" id="{FFF506F9-840A-0508-4CAF-3AC711D8D5CE}"/>
               </a:ext>
             </a:extLst>
           </p:cNvPr>
@@ -17824,7 +17824,7 @@
           <p:cNvPr id="8" name="TextBox 7">
             <a:extLst>
               <a:ext uri="{FF2B5EF4-FFF2-40B4-BE49-F238E27FC236}">
-                <a16:creationId xmlns:a16="http://schemas.microsoft.com/office/drawing/2014/main" xmlns="" id="{C6D113C6-EA5C-788F-0C77-E7CE6EBB865F}"/>
+                <a16:creationId xmlns="" xmlns:a16="http://schemas.microsoft.com/office/drawing/2014/main" id="{C6D113C6-EA5C-788F-0C77-E7CE6EBB865F}"/>
               </a:ext>
             </a:extLst>
           </p:cNvPr>
@@ -17905,7 +17905,7 @@
           <p:cNvPr id="14" name="직선 화살표 연결선 13">
             <a:extLst>
               <a:ext uri="{FF2B5EF4-FFF2-40B4-BE49-F238E27FC236}">
-                <a16:creationId xmlns:a16="http://schemas.microsoft.com/office/drawing/2014/main" xmlns="" id="{299DF5EC-9DF4-5255-06AC-0A7CE4FF58C3}"/>
+                <a16:creationId xmlns="" xmlns:a16="http://schemas.microsoft.com/office/drawing/2014/main" id="{299DF5EC-9DF4-5255-06AC-0A7CE4FF58C3}"/>
               </a:ext>
             </a:extLst>
           </p:cNvPr>
@@ -17946,7 +17946,7 @@
           <p:cNvPr id="15" name="직사각형 14">
             <a:extLst>
               <a:ext uri="{FF2B5EF4-FFF2-40B4-BE49-F238E27FC236}">
-                <a16:creationId xmlns:a16="http://schemas.microsoft.com/office/drawing/2014/main" xmlns="" id="{FFF506F9-840A-0508-4CAF-3AC711D8D5CE}"/>
+                <a16:creationId xmlns="" xmlns:a16="http://schemas.microsoft.com/office/drawing/2014/main" id="{FFF506F9-840A-0508-4CAF-3AC711D8D5CE}"/>
               </a:ext>
             </a:extLst>
           </p:cNvPr>
@@ -17998,7 +17998,7 @@
           <p:cNvPr id="16" name="TextBox 15">
             <a:extLst>
               <a:ext uri="{FF2B5EF4-FFF2-40B4-BE49-F238E27FC236}">
-                <a16:creationId xmlns:a16="http://schemas.microsoft.com/office/drawing/2014/main" xmlns="" id="{C6D113C6-EA5C-788F-0C77-E7CE6EBB865F}"/>
+                <a16:creationId xmlns="" xmlns:a16="http://schemas.microsoft.com/office/drawing/2014/main" id="{C6D113C6-EA5C-788F-0C77-E7CE6EBB865F}"/>
               </a:ext>
             </a:extLst>
           </p:cNvPr>
@@ -18046,7 +18046,7 @@
           <p:cNvPr id="17" name="TextBox 16">
             <a:extLst>
               <a:ext uri="{FF2B5EF4-FFF2-40B4-BE49-F238E27FC236}">
-                <a16:creationId xmlns:a16="http://schemas.microsoft.com/office/drawing/2014/main" xmlns="" id="{5ADC00B6-990A-40DC-3CEA-505258F5E8DA}"/>
+                <a16:creationId xmlns="" xmlns:a16="http://schemas.microsoft.com/office/drawing/2014/main" id="{5ADC00B6-990A-40DC-3CEA-505258F5E8DA}"/>
               </a:ext>
             </a:extLst>
           </p:cNvPr>
@@ -18165,7 +18165,7 @@
           <p:cNvPr id="5" name="TextBox 4">
             <a:extLst>
               <a:ext uri="{FF2B5EF4-FFF2-40B4-BE49-F238E27FC236}">
-                <a16:creationId xmlns:a16="http://schemas.microsoft.com/office/drawing/2014/main" xmlns="" id="{5ADC00B6-990A-40DC-3CEA-505258F5E8DA}"/>
+                <a16:creationId xmlns="" xmlns:a16="http://schemas.microsoft.com/office/drawing/2014/main" id="{5ADC00B6-990A-40DC-3CEA-505258F5E8DA}"/>
               </a:ext>
             </a:extLst>
           </p:cNvPr>
@@ -18216,7 +18216,7 @@
           <p:cNvPr id="7" name="직사각형 6">
             <a:extLst>
               <a:ext uri="{FF2B5EF4-FFF2-40B4-BE49-F238E27FC236}">
-                <a16:creationId xmlns:a16="http://schemas.microsoft.com/office/drawing/2014/main" xmlns="" id="{FFF506F9-840A-0508-4CAF-3AC711D8D5CE}"/>
+                <a16:creationId xmlns="" xmlns:a16="http://schemas.microsoft.com/office/drawing/2014/main" id="{FFF506F9-840A-0508-4CAF-3AC711D8D5CE}"/>
               </a:ext>
             </a:extLst>
           </p:cNvPr>
@@ -18268,7 +18268,7 @@
           <p:cNvPr id="8" name="직사각형 7">
             <a:extLst>
               <a:ext uri="{FF2B5EF4-FFF2-40B4-BE49-F238E27FC236}">
-                <a16:creationId xmlns:a16="http://schemas.microsoft.com/office/drawing/2014/main" xmlns="" id="{FFF506F9-840A-0508-4CAF-3AC711D8D5CE}"/>
+                <a16:creationId xmlns="" xmlns:a16="http://schemas.microsoft.com/office/drawing/2014/main" id="{FFF506F9-840A-0508-4CAF-3AC711D8D5CE}"/>
               </a:ext>
             </a:extLst>
           </p:cNvPr>
@@ -18405,7 +18405,7 @@
           <p:cNvPr id="6" name="직사각형 5">
             <a:extLst>
               <a:ext uri="{FF2B5EF4-FFF2-40B4-BE49-F238E27FC236}">
-                <a16:creationId xmlns:a16="http://schemas.microsoft.com/office/drawing/2014/main" xmlns="" id="{FFF506F9-840A-0508-4CAF-3AC711D8D5CE}"/>
+                <a16:creationId xmlns="" xmlns:a16="http://schemas.microsoft.com/office/drawing/2014/main" id="{FFF506F9-840A-0508-4CAF-3AC711D8D5CE}"/>
               </a:ext>
             </a:extLst>
           </p:cNvPr>
@@ -18457,7 +18457,7 @@
           <p:cNvPr id="7" name="직사각형 6">
             <a:extLst>
               <a:ext uri="{FF2B5EF4-FFF2-40B4-BE49-F238E27FC236}">
-                <a16:creationId xmlns:a16="http://schemas.microsoft.com/office/drawing/2014/main" xmlns="" id="{FFF506F9-840A-0508-4CAF-3AC711D8D5CE}"/>
+                <a16:creationId xmlns="" xmlns:a16="http://schemas.microsoft.com/office/drawing/2014/main" id="{FFF506F9-840A-0508-4CAF-3AC711D8D5CE}"/>
               </a:ext>
             </a:extLst>
           </p:cNvPr>
@@ -18546,7 +18546,7 @@
           <p:cNvPr id="4" name="TextBox 3">
             <a:extLst>
               <a:ext uri="{FF2B5EF4-FFF2-40B4-BE49-F238E27FC236}">
-                <a16:creationId xmlns:a16="http://schemas.microsoft.com/office/drawing/2014/main" xmlns="" id="{DF7DDD33-9412-2802-339A-E55446AC2DA7}"/>
+                <a16:creationId xmlns="" xmlns:a16="http://schemas.microsoft.com/office/drawing/2014/main" id="{DF7DDD33-9412-2802-339A-E55446AC2DA7}"/>
               </a:ext>
             </a:extLst>
           </p:cNvPr>
@@ -18594,7 +18594,7 @@
           <p:cNvPr id="5" name="TextBox 4">
             <a:extLst>
               <a:ext uri="{FF2B5EF4-FFF2-40B4-BE49-F238E27FC236}">
-                <a16:creationId xmlns:a16="http://schemas.microsoft.com/office/drawing/2014/main" xmlns="" id="{F68B80B8-3419-5C31-B2F2-084E536A2C1C}"/>
+                <a16:creationId xmlns="" xmlns:a16="http://schemas.microsoft.com/office/drawing/2014/main" id="{F68B80B8-3419-5C31-B2F2-084E536A2C1C}"/>
               </a:ext>
             </a:extLst>
           </p:cNvPr>
@@ -18682,7 +18682,7 @@
           <p:cNvPr id="8" name="TextBox 7">
             <a:extLst>
               <a:ext uri="{FF2B5EF4-FFF2-40B4-BE49-F238E27FC236}">
-                <a16:creationId xmlns:a16="http://schemas.microsoft.com/office/drawing/2014/main" xmlns="" id="{C6D113C6-EA5C-788F-0C77-E7CE6EBB865F}"/>
+                <a16:creationId xmlns="" xmlns:a16="http://schemas.microsoft.com/office/drawing/2014/main" id="{C6D113C6-EA5C-788F-0C77-E7CE6EBB865F}"/>
               </a:ext>
             </a:extLst>
           </p:cNvPr>
@@ -18825,7 +18825,7 @@
           <p:cNvPr id="6" name="직사각형 5">
             <a:extLst>
               <a:ext uri="{FF2B5EF4-FFF2-40B4-BE49-F238E27FC236}">
-                <a16:creationId xmlns:a16="http://schemas.microsoft.com/office/drawing/2014/main" xmlns="" id="{FFF506F9-840A-0508-4CAF-3AC711D8D5CE}"/>
+                <a16:creationId xmlns="" xmlns:a16="http://schemas.microsoft.com/office/drawing/2014/main" id="{FFF506F9-840A-0508-4CAF-3AC711D8D5CE}"/>
               </a:ext>
             </a:extLst>
           </p:cNvPr>
@@ -18877,7 +18877,7 @@
           <p:cNvPr id="7" name="직선 화살표 연결선 6">
             <a:extLst>
               <a:ext uri="{FF2B5EF4-FFF2-40B4-BE49-F238E27FC236}">
-                <a16:creationId xmlns:a16="http://schemas.microsoft.com/office/drawing/2014/main" xmlns="" id="{299DF5EC-9DF4-5255-06AC-0A7CE4FF58C3}"/>
+                <a16:creationId xmlns="" xmlns:a16="http://schemas.microsoft.com/office/drawing/2014/main" id="{299DF5EC-9DF4-5255-06AC-0A7CE4FF58C3}"/>
               </a:ext>
             </a:extLst>
           </p:cNvPr>
@@ -18918,7 +18918,7 @@
           <p:cNvPr id="8" name="TextBox 7">
             <a:extLst>
               <a:ext uri="{FF2B5EF4-FFF2-40B4-BE49-F238E27FC236}">
-                <a16:creationId xmlns:a16="http://schemas.microsoft.com/office/drawing/2014/main" xmlns="" id="{C6D113C6-EA5C-788F-0C77-E7CE6EBB865F}"/>
+                <a16:creationId xmlns="" xmlns:a16="http://schemas.microsoft.com/office/drawing/2014/main" id="{C6D113C6-EA5C-788F-0C77-E7CE6EBB865F}"/>
               </a:ext>
             </a:extLst>
           </p:cNvPr>
@@ -19025,7 +19025,7 @@
           <p:cNvPr id="10" name="TextBox 9">
             <a:extLst>
               <a:ext uri="{FF2B5EF4-FFF2-40B4-BE49-F238E27FC236}">
-                <a16:creationId xmlns:a16="http://schemas.microsoft.com/office/drawing/2014/main" xmlns="" id="{5ADC00B6-990A-40DC-3CEA-505258F5E8DA}"/>
+                <a16:creationId xmlns="" xmlns:a16="http://schemas.microsoft.com/office/drawing/2014/main" id="{5ADC00B6-990A-40DC-3CEA-505258F5E8DA}"/>
               </a:ext>
             </a:extLst>
           </p:cNvPr>
@@ -19144,7 +19144,7 @@
           <p:cNvPr id="3" name="TextBox 2">
             <a:extLst>
               <a:ext uri="{FF2B5EF4-FFF2-40B4-BE49-F238E27FC236}">
-                <a16:creationId xmlns:a16="http://schemas.microsoft.com/office/drawing/2014/main" xmlns="" id="{5ADC00B6-990A-40DC-3CEA-505258F5E8DA}"/>
+                <a16:creationId xmlns="" xmlns:a16="http://schemas.microsoft.com/office/drawing/2014/main" id="{5ADC00B6-990A-40DC-3CEA-505258F5E8DA}"/>
               </a:ext>
             </a:extLst>
           </p:cNvPr>
@@ -19239,7 +19239,7 @@
           <p:cNvPr id="4" name="TextBox 3">
             <a:extLst>
               <a:ext uri="{FF2B5EF4-FFF2-40B4-BE49-F238E27FC236}">
-                <a16:creationId xmlns:a16="http://schemas.microsoft.com/office/drawing/2014/main" xmlns="" id="{5ADC00B6-990A-40DC-3CEA-505258F5E8DA}"/>
+                <a16:creationId xmlns="" xmlns:a16="http://schemas.microsoft.com/office/drawing/2014/main" id="{5ADC00B6-990A-40DC-3CEA-505258F5E8DA}"/>
               </a:ext>
             </a:extLst>
           </p:cNvPr>
@@ -19324,7 +19324,7 @@
           <p:cNvPr id="5" name="직사각형 4">
             <a:extLst>
               <a:ext uri="{FF2B5EF4-FFF2-40B4-BE49-F238E27FC236}">
-                <a16:creationId xmlns:a16="http://schemas.microsoft.com/office/drawing/2014/main" xmlns="" id="{FFF506F9-840A-0508-4CAF-3AC711D8D5CE}"/>
+                <a16:creationId xmlns="" xmlns:a16="http://schemas.microsoft.com/office/drawing/2014/main" id="{FFF506F9-840A-0508-4CAF-3AC711D8D5CE}"/>
               </a:ext>
             </a:extLst>
           </p:cNvPr>
@@ -19413,7 +19413,7 @@
           <p:cNvPr id="4" name="TextBox 3">
             <a:extLst>
               <a:ext uri="{FF2B5EF4-FFF2-40B4-BE49-F238E27FC236}">
-                <a16:creationId xmlns:a16="http://schemas.microsoft.com/office/drawing/2014/main" xmlns="" id="{5ADC00B6-990A-40DC-3CEA-505258F5E8DA}"/>
+                <a16:creationId xmlns="" xmlns:a16="http://schemas.microsoft.com/office/drawing/2014/main" id="{5ADC00B6-990A-40DC-3CEA-505258F5E8DA}"/>
               </a:ext>
             </a:extLst>
           </p:cNvPr>
@@ -19565,7 +19565,7 @@
           <p:cNvPr id="5" name="직선 화살표 연결선 4">
             <a:extLst>
               <a:ext uri="{FF2B5EF4-FFF2-40B4-BE49-F238E27FC236}">
-                <a16:creationId xmlns:a16="http://schemas.microsoft.com/office/drawing/2014/main" xmlns="" id="{299DF5EC-9DF4-5255-06AC-0A7CE4FF58C3}"/>
+                <a16:creationId xmlns="" xmlns:a16="http://schemas.microsoft.com/office/drawing/2014/main" id="{299DF5EC-9DF4-5255-06AC-0A7CE4FF58C3}"/>
               </a:ext>
             </a:extLst>
           </p:cNvPr>
@@ -19607,7 +19607,7 @@
           <p:cNvPr id="6" name="직사각형 5">
             <a:extLst>
               <a:ext uri="{FF2B5EF4-FFF2-40B4-BE49-F238E27FC236}">
-                <a16:creationId xmlns:a16="http://schemas.microsoft.com/office/drawing/2014/main" xmlns="" id="{FFF506F9-840A-0508-4CAF-3AC711D8D5CE}"/>
+                <a16:creationId xmlns="" xmlns:a16="http://schemas.microsoft.com/office/drawing/2014/main" id="{FFF506F9-840A-0508-4CAF-3AC711D8D5CE}"/>
               </a:ext>
             </a:extLst>
           </p:cNvPr>
@@ -19659,7 +19659,7 @@
           <p:cNvPr id="7" name="TextBox 6">
             <a:extLst>
               <a:ext uri="{FF2B5EF4-FFF2-40B4-BE49-F238E27FC236}">
-                <a16:creationId xmlns:a16="http://schemas.microsoft.com/office/drawing/2014/main" xmlns="" id="{C6D113C6-EA5C-788F-0C77-E7CE6EBB865F}"/>
+                <a16:creationId xmlns="" xmlns:a16="http://schemas.microsoft.com/office/drawing/2014/main" id="{C6D113C6-EA5C-788F-0C77-E7CE6EBB865F}"/>
               </a:ext>
             </a:extLst>
           </p:cNvPr>
@@ -19798,7 +19798,7 @@
           <p:cNvPr id="5" name="직선 화살표 연결선 4">
             <a:extLst>
               <a:ext uri="{FF2B5EF4-FFF2-40B4-BE49-F238E27FC236}">
-                <a16:creationId xmlns:a16="http://schemas.microsoft.com/office/drawing/2014/main" xmlns="" id="{299DF5EC-9DF4-5255-06AC-0A7CE4FF58C3}"/>
+                <a16:creationId xmlns="" xmlns:a16="http://schemas.microsoft.com/office/drawing/2014/main" id="{299DF5EC-9DF4-5255-06AC-0A7CE4FF58C3}"/>
               </a:ext>
             </a:extLst>
           </p:cNvPr>
@@ -19839,7 +19839,7 @@
           <p:cNvPr id="6" name="직사각형 5">
             <a:extLst>
               <a:ext uri="{FF2B5EF4-FFF2-40B4-BE49-F238E27FC236}">
-                <a16:creationId xmlns:a16="http://schemas.microsoft.com/office/drawing/2014/main" xmlns="" id="{FFF506F9-840A-0508-4CAF-3AC711D8D5CE}"/>
+                <a16:creationId xmlns="" xmlns:a16="http://schemas.microsoft.com/office/drawing/2014/main" id="{FFF506F9-840A-0508-4CAF-3AC711D8D5CE}"/>
               </a:ext>
             </a:extLst>
           </p:cNvPr>
@@ -19891,7 +19891,7 @@
           <p:cNvPr id="7" name="TextBox 6">
             <a:extLst>
               <a:ext uri="{FF2B5EF4-FFF2-40B4-BE49-F238E27FC236}">
-                <a16:creationId xmlns:a16="http://schemas.microsoft.com/office/drawing/2014/main" xmlns="" id="{C6D113C6-EA5C-788F-0C77-E7CE6EBB865F}"/>
+                <a16:creationId xmlns="" xmlns:a16="http://schemas.microsoft.com/office/drawing/2014/main" id="{C6D113C6-EA5C-788F-0C77-E7CE6EBB865F}"/>
               </a:ext>
             </a:extLst>
           </p:cNvPr>
@@ -19969,7 +19969,7 @@
           <p:cNvPr id="8" name="TextBox 7">
             <a:extLst>
               <a:ext uri="{FF2B5EF4-FFF2-40B4-BE49-F238E27FC236}">
-                <a16:creationId xmlns:a16="http://schemas.microsoft.com/office/drawing/2014/main" xmlns="" id="{5ADC00B6-990A-40DC-3CEA-505258F5E8DA}"/>
+                <a16:creationId xmlns="" xmlns:a16="http://schemas.microsoft.com/office/drawing/2014/main" id="{5ADC00B6-990A-40DC-3CEA-505258F5E8DA}"/>
               </a:ext>
             </a:extLst>
           </p:cNvPr>
@@ -20218,7 +20218,7 @@
           <p:cNvPr id="4" name="TextBox 3">
             <a:extLst>
               <a:ext uri="{FF2B5EF4-FFF2-40B4-BE49-F238E27FC236}">
-                <a16:creationId xmlns:a16="http://schemas.microsoft.com/office/drawing/2014/main" xmlns="" id="{5ADC00B6-990A-40DC-3CEA-505258F5E8DA}"/>
+                <a16:creationId xmlns="" xmlns:a16="http://schemas.microsoft.com/office/drawing/2014/main" id="{5ADC00B6-990A-40DC-3CEA-505258F5E8DA}"/>
               </a:ext>
             </a:extLst>
           </p:cNvPr>
@@ -20323,7 +20323,7 @@
           <p:cNvPr id="6" name="TextBox 5">
             <a:extLst>
               <a:ext uri="{FF2B5EF4-FFF2-40B4-BE49-F238E27FC236}">
-                <a16:creationId xmlns:a16="http://schemas.microsoft.com/office/drawing/2014/main" xmlns="" id="{5ADC00B6-990A-40DC-3CEA-505258F5E8DA}"/>
+                <a16:creationId xmlns="" xmlns:a16="http://schemas.microsoft.com/office/drawing/2014/main" id="{5ADC00B6-990A-40DC-3CEA-505258F5E8DA}"/>
               </a:ext>
             </a:extLst>
           </p:cNvPr>
@@ -20371,7 +20371,7 @@
           <p:cNvPr id="7" name="직선 화살표 연결선 6">
             <a:extLst>
               <a:ext uri="{FF2B5EF4-FFF2-40B4-BE49-F238E27FC236}">
-                <a16:creationId xmlns:a16="http://schemas.microsoft.com/office/drawing/2014/main" xmlns="" id="{299DF5EC-9DF4-5255-06AC-0A7CE4FF58C3}"/>
+                <a16:creationId xmlns="" xmlns:a16="http://schemas.microsoft.com/office/drawing/2014/main" id="{299DF5EC-9DF4-5255-06AC-0A7CE4FF58C3}"/>
               </a:ext>
             </a:extLst>
           </p:cNvPr>
@@ -20412,7 +20412,7 @@
           <p:cNvPr id="8" name="TextBox 7">
             <a:extLst>
               <a:ext uri="{FF2B5EF4-FFF2-40B4-BE49-F238E27FC236}">
-                <a16:creationId xmlns:a16="http://schemas.microsoft.com/office/drawing/2014/main" xmlns="" id="{C6D113C6-EA5C-788F-0C77-E7CE6EBB865F}"/>
+                <a16:creationId xmlns="" xmlns:a16="http://schemas.microsoft.com/office/drawing/2014/main" id="{C6D113C6-EA5C-788F-0C77-E7CE6EBB865F}"/>
               </a:ext>
             </a:extLst>
           </p:cNvPr>
@@ -20524,7 +20524,7 @@
           <p:cNvPr id="11" name="직선 화살표 연결선 10">
             <a:extLst>
               <a:ext uri="{FF2B5EF4-FFF2-40B4-BE49-F238E27FC236}">
-                <a16:creationId xmlns:a16="http://schemas.microsoft.com/office/drawing/2014/main" xmlns="" id="{299DF5EC-9DF4-5255-06AC-0A7CE4FF58C3}"/>
+                <a16:creationId xmlns="" xmlns:a16="http://schemas.microsoft.com/office/drawing/2014/main" id="{299DF5EC-9DF4-5255-06AC-0A7CE4FF58C3}"/>
               </a:ext>
             </a:extLst>
           </p:cNvPr>
@@ -20565,7 +20565,7 @@
           <p:cNvPr id="12" name="TextBox 11">
             <a:extLst>
               <a:ext uri="{FF2B5EF4-FFF2-40B4-BE49-F238E27FC236}">
-                <a16:creationId xmlns:a16="http://schemas.microsoft.com/office/drawing/2014/main" xmlns="" id="{C6D113C6-EA5C-788F-0C77-E7CE6EBB865F}"/>
+                <a16:creationId xmlns="" xmlns:a16="http://schemas.microsoft.com/office/drawing/2014/main" id="{C6D113C6-EA5C-788F-0C77-E7CE6EBB865F}"/>
               </a:ext>
             </a:extLst>
           </p:cNvPr>
@@ -20653,7 +20653,7 @@
           <p:cNvPr id="17" name="TextBox 16">
             <a:extLst>
               <a:ext uri="{FF2B5EF4-FFF2-40B4-BE49-F238E27FC236}">
-                <a16:creationId xmlns:a16="http://schemas.microsoft.com/office/drawing/2014/main" xmlns="" id="{C6D113C6-EA5C-788F-0C77-E7CE6EBB865F}"/>
+                <a16:creationId xmlns="" xmlns:a16="http://schemas.microsoft.com/office/drawing/2014/main" id="{C6D113C6-EA5C-788F-0C77-E7CE6EBB865F}"/>
               </a:ext>
             </a:extLst>
           </p:cNvPr>
@@ -21056,7 +21056,7 @@
           <p:cNvPr id="6" name="직사각형 5">
             <a:extLst>
               <a:ext uri="{FF2B5EF4-FFF2-40B4-BE49-F238E27FC236}">
-                <a16:creationId xmlns="" xmlns:a16="http://schemas.microsoft.com/office/drawing/2014/main" id="{FFF506F9-840A-0508-4CAF-3AC711D8D5CE}"/>
+                <a16:creationId xmlns:a16="http://schemas.microsoft.com/office/drawing/2014/main" xmlns="" id="{FFF506F9-840A-0508-4CAF-3AC711D8D5CE}"/>
               </a:ext>
             </a:extLst>
           </p:cNvPr>
@@ -21108,7 +21108,7 @@
           <p:cNvPr id="7" name="직사각형 6">
             <a:extLst>
               <a:ext uri="{FF2B5EF4-FFF2-40B4-BE49-F238E27FC236}">
-                <a16:creationId xmlns="" xmlns:a16="http://schemas.microsoft.com/office/drawing/2014/main" id="{FFF506F9-840A-0508-4CAF-3AC711D8D5CE}"/>
+                <a16:creationId xmlns:a16="http://schemas.microsoft.com/office/drawing/2014/main" xmlns="" id="{FFF506F9-840A-0508-4CAF-3AC711D8D5CE}"/>
               </a:ext>
             </a:extLst>
           </p:cNvPr>
@@ -21160,7 +21160,7 @@
           <p:cNvPr id="8" name="직사각형 7">
             <a:extLst>
               <a:ext uri="{FF2B5EF4-FFF2-40B4-BE49-F238E27FC236}">
-                <a16:creationId xmlns="" xmlns:a16="http://schemas.microsoft.com/office/drawing/2014/main" id="{FFF506F9-840A-0508-4CAF-3AC711D8D5CE}"/>
+                <a16:creationId xmlns:a16="http://schemas.microsoft.com/office/drawing/2014/main" xmlns="" id="{FFF506F9-840A-0508-4CAF-3AC711D8D5CE}"/>
               </a:ext>
             </a:extLst>
           </p:cNvPr>
@@ -21236,7 +21236,7 @@
           <p:cNvPr id="10" name="직사각형 9">
             <a:extLst>
               <a:ext uri="{FF2B5EF4-FFF2-40B4-BE49-F238E27FC236}">
-                <a16:creationId xmlns="" xmlns:a16="http://schemas.microsoft.com/office/drawing/2014/main" id="{FFF506F9-840A-0508-4CAF-3AC711D8D5CE}"/>
+                <a16:creationId xmlns:a16="http://schemas.microsoft.com/office/drawing/2014/main" xmlns="" id="{FFF506F9-840A-0508-4CAF-3AC711D8D5CE}"/>
               </a:ext>
             </a:extLst>
           </p:cNvPr>
@@ -21288,7 +21288,7 @@
           <p:cNvPr id="11" name="TextBox 10">
             <a:extLst>
               <a:ext uri="{FF2B5EF4-FFF2-40B4-BE49-F238E27FC236}">
-                <a16:creationId xmlns:a16="http://schemas.microsoft.com/office/drawing/2014/main" xmlns="" id="{5ADC00B6-990A-40DC-3CEA-505258F5E8DA}"/>
+                <a16:creationId xmlns="" xmlns:a16="http://schemas.microsoft.com/office/drawing/2014/main" id="{5ADC00B6-990A-40DC-3CEA-505258F5E8DA}"/>
               </a:ext>
             </a:extLst>
           </p:cNvPr>
@@ -21366,7 +21366,7 @@
           <p:cNvPr id="4" name="TextBox 3">
             <a:extLst>
               <a:ext uri="{FF2B5EF4-FFF2-40B4-BE49-F238E27FC236}">
-                <a16:creationId xmlns:a16="http://schemas.microsoft.com/office/drawing/2014/main" xmlns="" id="{5ADC00B6-990A-40DC-3CEA-505258F5E8DA}"/>
+                <a16:creationId xmlns="" xmlns:a16="http://schemas.microsoft.com/office/drawing/2014/main" id="{5ADC00B6-990A-40DC-3CEA-505258F5E8DA}"/>
               </a:ext>
             </a:extLst>
           </p:cNvPr>
@@ -21417,7 +21417,7 @@
           <p:cNvPr id="5" name="TextBox 4">
             <a:extLst>
               <a:ext uri="{FF2B5EF4-FFF2-40B4-BE49-F238E27FC236}">
-                <a16:creationId xmlns:a16="http://schemas.microsoft.com/office/drawing/2014/main" xmlns="" id="{52176D31-35F7-8916-46FA-6095EFEC1E49}"/>
+                <a16:creationId xmlns="" xmlns:a16="http://schemas.microsoft.com/office/drawing/2014/main" id="{52176D31-35F7-8916-46FA-6095EFEC1E49}"/>
               </a:ext>
             </a:extLst>
           </p:cNvPr>
@@ -21509,7 +21509,7 @@
           <p:cNvPr id="7" name="그룹 1008">
             <a:extLst>
               <a:ext uri="{FF2B5EF4-FFF2-40B4-BE49-F238E27FC236}">
-                <a16:creationId xmlns="" xmlns:a16="http://schemas.microsoft.com/office/drawing/2014/main" id="{678F6342-C505-E8AD-ADA4-022CB2C2088E}"/>
+                <a16:creationId xmlns:a16="http://schemas.microsoft.com/office/drawing/2014/main" xmlns="" id="{678F6342-C505-E8AD-ADA4-022CB2C2088E}"/>
               </a:ext>
             </a:extLst>
           </p:cNvPr>
@@ -21529,7 +21529,7 @@
             <p:cNvPr id="8" name="그룹 1009">
               <a:extLst>
                 <a:ext uri="{FF2B5EF4-FFF2-40B4-BE49-F238E27FC236}">
-                  <a16:creationId xmlns="" xmlns:a16="http://schemas.microsoft.com/office/drawing/2014/main" id="{4E1F1FED-812B-9BBB-925A-84B54A077414}"/>
+                  <a16:creationId xmlns:a16="http://schemas.microsoft.com/office/drawing/2014/main" xmlns="" id="{4E1F1FED-812B-9BBB-925A-84B54A077414}"/>
                 </a:ext>
               </a:extLst>
             </p:cNvPr>
@@ -21549,7 +21549,7 @@
               <p:cNvPr id="13" name="Object 29">
                 <a:extLst>
                   <a:ext uri="{FF2B5EF4-FFF2-40B4-BE49-F238E27FC236}">
-                    <a16:creationId xmlns="" xmlns:a16="http://schemas.microsoft.com/office/drawing/2014/main" id="{7B078609-4286-7B00-51EB-809C8E2DE289}"/>
+                    <a16:creationId xmlns:a16="http://schemas.microsoft.com/office/drawing/2014/main" xmlns="" id="{7B078609-4286-7B00-51EB-809C8E2DE289}"/>
                   </a:ext>
                 </a:extLst>
               </p:cNvPr>
@@ -21580,7 +21580,7 @@
             <p:cNvPr id="9" name="그룹 1010">
               <a:extLst>
                 <a:ext uri="{FF2B5EF4-FFF2-40B4-BE49-F238E27FC236}">
-                  <a16:creationId xmlns="" xmlns:a16="http://schemas.microsoft.com/office/drawing/2014/main" id="{02A649BF-B5B5-FBAF-7DFD-E118A4DF8907}"/>
+                  <a16:creationId xmlns:a16="http://schemas.microsoft.com/office/drawing/2014/main" xmlns="" id="{02A649BF-B5B5-FBAF-7DFD-E118A4DF8907}"/>
                 </a:ext>
               </a:extLst>
             </p:cNvPr>
@@ -21600,7 +21600,7 @@
               <p:cNvPr id="12" name="Object 32">
                 <a:extLst>
                   <a:ext uri="{FF2B5EF4-FFF2-40B4-BE49-F238E27FC236}">
-                    <a16:creationId xmlns="" xmlns:a16="http://schemas.microsoft.com/office/drawing/2014/main" id="{2A0FFF23-B3C9-3EA0-1C1B-A87D4FF098AE}"/>
+                    <a16:creationId xmlns:a16="http://schemas.microsoft.com/office/drawing/2014/main" xmlns="" id="{2A0FFF23-B3C9-3EA0-1C1B-A87D4FF098AE}"/>
                   </a:ext>
                 </a:extLst>
               </p:cNvPr>
@@ -21631,7 +21631,7 @@
             <p:cNvPr id="10" name="그룹 1011">
               <a:extLst>
                 <a:ext uri="{FF2B5EF4-FFF2-40B4-BE49-F238E27FC236}">
-                  <a16:creationId xmlns="" xmlns:a16="http://schemas.microsoft.com/office/drawing/2014/main" id="{881F5410-F7FB-F261-A584-707359BAC593}"/>
+                  <a16:creationId xmlns:a16="http://schemas.microsoft.com/office/drawing/2014/main" xmlns="" id="{881F5410-F7FB-F261-A584-707359BAC593}"/>
                 </a:ext>
               </a:extLst>
             </p:cNvPr>
@@ -21651,7 +21651,7 @@
               <p:cNvPr id="11" name="Object 35">
                 <a:extLst>
                   <a:ext uri="{FF2B5EF4-FFF2-40B4-BE49-F238E27FC236}">
-                    <a16:creationId xmlns="" xmlns:a16="http://schemas.microsoft.com/office/drawing/2014/main" id="{4E99E669-73EB-F9F4-EFE8-DC107035C265}"/>
+                    <a16:creationId xmlns:a16="http://schemas.microsoft.com/office/drawing/2014/main" xmlns="" id="{4E99E669-73EB-F9F4-EFE8-DC107035C265}"/>
                   </a:ext>
                 </a:extLst>
               </p:cNvPr>
@@ -21707,7 +21707,7 @@
           <p:cNvPr id="15" name="직사각형 14">
             <a:extLst>
               <a:ext uri="{FF2B5EF4-FFF2-40B4-BE49-F238E27FC236}">
-                <a16:creationId xmlns="" xmlns:a16="http://schemas.microsoft.com/office/drawing/2014/main" id="{FFF506F9-840A-0508-4CAF-3AC711D8D5CE}"/>
+                <a16:creationId xmlns:a16="http://schemas.microsoft.com/office/drawing/2014/main" xmlns="" id="{FFF506F9-840A-0508-4CAF-3AC711D8D5CE}"/>
               </a:ext>
             </a:extLst>
           </p:cNvPr>
@@ -21759,7 +21759,7 @@
           <p:cNvPr id="16" name="직사각형 15">
             <a:extLst>
               <a:ext uri="{FF2B5EF4-FFF2-40B4-BE49-F238E27FC236}">
-                <a16:creationId xmlns="" xmlns:a16="http://schemas.microsoft.com/office/drawing/2014/main" id="{FFF506F9-840A-0508-4CAF-3AC711D8D5CE}"/>
+                <a16:creationId xmlns:a16="http://schemas.microsoft.com/office/drawing/2014/main" xmlns="" id="{FFF506F9-840A-0508-4CAF-3AC711D8D5CE}"/>
               </a:ext>
             </a:extLst>
           </p:cNvPr>
@@ -21811,7 +21811,7 @@
           <p:cNvPr id="18" name="TextBox 17">
             <a:extLst>
               <a:ext uri="{FF2B5EF4-FFF2-40B4-BE49-F238E27FC236}">
-                <a16:creationId xmlns="" xmlns:a16="http://schemas.microsoft.com/office/drawing/2014/main" id="{C6D113C6-EA5C-788F-0C77-E7CE6EBB865F}"/>
+                <a16:creationId xmlns:a16="http://schemas.microsoft.com/office/drawing/2014/main" xmlns="" id="{C6D113C6-EA5C-788F-0C77-E7CE6EBB865F}"/>
               </a:ext>
             </a:extLst>
           </p:cNvPr>
@@ -22028,7 +22028,7 @@
           <p:cNvPr id="5" name="TextBox 4">
             <a:extLst>
               <a:ext uri="{FF2B5EF4-FFF2-40B4-BE49-F238E27FC236}">
-                <a16:creationId xmlns:a16="http://schemas.microsoft.com/office/drawing/2014/main" xmlns="" id="{52176D31-35F7-8916-46FA-6095EFEC1E49}"/>
+                <a16:creationId xmlns="" xmlns:a16="http://schemas.microsoft.com/office/drawing/2014/main" id="{52176D31-35F7-8916-46FA-6095EFEC1E49}"/>
               </a:ext>
             </a:extLst>
           </p:cNvPr>
@@ -22244,21 +22244,21 @@
                 <a:gridCol w="1426029">
                   <a:extLst>
                     <a:ext uri="{9D8B030D-6E8A-4147-A177-3AD203B41FA5}">
-                      <a16:colId xmlns:a16="http://schemas.microsoft.com/office/drawing/2014/main" xmlns="" val="20000"/>
+                      <a16:colId xmlns="" xmlns:a16="http://schemas.microsoft.com/office/drawing/2014/main" val="20000"/>
                     </a:ext>
                   </a:extLst>
                 </a:gridCol>
                 <a:gridCol w="4170388">
                   <a:extLst>
                     <a:ext uri="{9D8B030D-6E8A-4147-A177-3AD203B41FA5}">
-                      <a16:colId xmlns:a16="http://schemas.microsoft.com/office/drawing/2014/main" xmlns="" val="20001"/>
+                      <a16:colId xmlns="" xmlns:a16="http://schemas.microsoft.com/office/drawing/2014/main" val="20001"/>
                     </a:ext>
                   </a:extLst>
                 </a:gridCol>
                 <a:gridCol w="4385782">
                   <a:extLst>
                     <a:ext uri="{9D8B030D-6E8A-4147-A177-3AD203B41FA5}">
-                      <a16:colId xmlns:a16="http://schemas.microsoft.com/office/drawing/2014/main" xmlns="" val="20002"/>
+                      <a16:colId xmlns="" xmlns:a16="http://schemas.microsoft.com/office/drawing/2014/main" val="20002"/>
                     </a:ext>
                   </a:extLst>
                 </a:gridCol>
@@ -22446,7 +22446,7 @@
                 </a:tc>
                 <a:extLst>
                   <a:ext uri="{0D108BD9-81ED-4DB2-BD59-A6C34878D82A}">
-                    <a16:rowId xmlns:a16="http://schemas.microsoft.com/office/drawing/2014/main" xmlns="" val="10000"/>
+                    <a16:rowId xmlns="" xmlns:a16="http://schemas.microsoft.com/office/drawing/2014/main" val="10000"/>
                   </a:ext>
                 </a:extLst>
               </a:tr>
@@ -22659,7 +22659,7 @@
                 </a:tc>
                 <a:extLst>
                   <a:ext uri="{0D108BD9-81ED-4DB2-BD59-A6C34878D82A}">
-                    <a16:rowId xmlns:a16="http://schemas.microsoft.com/office/drawing/2014/main" xmlns="" val="10001"/>
+                    <a16:rowId xmlns="" xmlns:a16="http://schemas.microsoft.com/office/drawing/2014/main" val="10001"/>
                   </a:ext>
                 </a:extLst>
               </a:tr>
@@ -22837,7 +22837,7 @@
                 </a:tc>
                 <a:extLst>
                   <a:ext uri="{0D108BD9-81ED-4DB2-BD59-A6C34878D82A}">
-                    <a16:rowId xmlns:a16="http://schemas.microsoft.com/office/drawing/2014/main" xmlns="" val="10002"/>
+                    <a16:rowId xmlns="" xmlns:a16="http://schemas.microsoft.com/office/drawing/2014/main" val="10002"/>
                   </a:ext>
                 </a:extLst>
               </a:tr>
@@ -23015,7 +23015,7 @@
                 </a:tc>
                 <a:extLst>
                   <a:ext uri="{0D108BD9-81ED-4DB2-BD59-A6C34878D82A}">
-                    <a16:rowId xmlns:a16="http://schemas.microsoft.com/office/drawing/2014/main" xmlns="" val="10003"/>
+                    <a16:rowId xmlns="" xmlns:a16="http://schemas.microsoft.com/office/drawing/2014/main" val="10003"/>
                   </a:ext>
                 </a:extLst>
               </a:tr>
@@ -23254,7 +23254,7 @@
                 </a:tc>
                 <a:extLst>
                   <a:ext uri="{0D108BD9-81ED-4DB2-BD59-A6C34878D82A}">
-                    <a16:rowId xmlns:a16="http://schemas.microsoft.com/office/drawing/2014/main" xmlns="" val="10004"/>
+                    <a16:rowId xmlns="" xmlns:a16="http://schemas.microsoft.com/office/drawing/2014/main" val="10004"/>
                   </a:ext>
                 </a:extLst>
               </a:tr>
@@ -23429,7 +23429,7 @@
                 </a:tc>
                 <a:extLst>
                   <a:ext uri="{0D108BD9-81ED-4DB2-BD59-A6C34878D82A}">
-                    <a16:rowId xmlns:a16="http://schemas.microsoft.com/office/drawing/2014/main" xmlns="" val="10005"/>
+                    <a16:rowId xmlns="" xmlns:a16="http://schemas.microsoft.com/office/drawing/2014/main" val="10005"/>
                   </a:ext>
                 </a:extLst>
               </a:tr>
@@ -23551,7 +23551,7 @@
           <p:cNvPr id="6" name="직사각형 5">
             <a:extLst>
               <a:ext uri="{FF2B5EF4-FFF2-40B4-BE49-F238E27FC236}">
-                <a16:creationId xmlns:a16="http://schemas.microsoft.com/office/drawing/2014/main" xmlns="" id="{FFF506F9-840A-0508-4CAF-3AC711D8D5CE}"/>
+                <a16:creationId xmlns="" xmlns:a16="http://schemas.microsoft.com/office/drawing/2014/main" id="{FFF506F9-840A-0508-4CAF-3AC711D8D5CE}"/>
               </a:ext>
             </a:extLst>
           </p:cNvPr>
@@ -23603,7 +23603,7 @@
           <p:cNvPr id="7" name="직사각형 6">
             <a:extLst>
               <a:ext uri="{FF2B5EF4-FFF2-40B4-BE49-F238E27FC236}">
-                <a16:creationId xmlns:a16="http://schemas.microsoft.com/office/drawing/2014/main" xmlns="" id="{FFF506F9-840A-0508-4CAF-3AC711D8D5CE}"/>
+                <a16:creationId xmlns="" xmlns:a16="http://schemas.microsoft.com/office/drawing/2014/main" id="{FFF506F9-840A-0508-4CAF-3AC711D8D5CE}"/>
               </a:ext>
             </a:extLst>
           </p:cNvPr>
@@ -23679,7 +23679,7 @@
           <p:cNvPr id="9" name="직사각형 8">
             <a:extLst>
               <a:ext uri="{FF2B5EF4-FFF2-40B4-BE49-F238E27FC236}">
-                <a16:creationId xmlns:a16="http://schemas.microsoft.com/office/drawing/2014/main" xmlns="" id="{FFF506F9-840A-0508-4CAF-3AC711D8D5CE}"/>
+                <a16:creationId xmlns="" xmlns:a16="http://schemas.microsoft.com/office/drawing/2014/main" id="{FFF506F9-840A-0508-4CAF-3AC711D8D5CE}"/>
               </a:ext>
             </a:extLst>
           </p:cNvPr>
@@ -23731,7 +23731,7 @@
           <p:cNvPr id="10" name="직선 화살표 연결선 9">
             <a:extLst>
               <a:ext uri="{FF2B5EF4-FFF2-40B4-BE49-F238E27FC236}">
-                <a16:creationId xmlns:a16="http://schemas.microsoft.com/office/drawing/2014/main" xmlns="" id="{174A1CAB-41DB-CBE5-A53E-D1E78982E7D5}"/>
+                <a16:creationId xmlns="" xmlns:a16="http://schemas.microsoft.com/office/drawing/2014/main" id="{174A1CAB-41DB-CBE5-A53E-D1E78982E7D5}"/>
               </a:ext>
             </a:extLst>
           </p:cNvPr>
@@ -23772,7 +23772,7 @@
           <p:cNvPr id="12" name="TextBox 11">
             <a:extLst>
               <a:ext uri="{FF2B5EF4-FFF2-40B4-BE49-F238E27FC236}">
-                <a16:creationId xmlns:a16="http://schemas.microsoft.com/office/drawing/2014/main" xmlns="" id="{C6D113C6-EA5C-788F-0C77-E7CE6EBB865F}"/>
+                <a16:creationId xmlns="" xmlns:a16="http://schemas.microsoft.com/office/drawing/2014/main" id="{C6D113C6-EA5C-788F-0C77-E7CE6EBB865F}"/>
               </a:ext>
             </a:extLst>
           </p:cNvPr>
@@ -23852,7 +23852,7 @@
           <p:cNvPr id="13" name="직사각형 12">
             <a:extLst>
               <a:ext uri="{FF2B5EF4-FFF2-40B4-BE49-F238E27FC236}">
-                <a16:creationId xmlns:a16="http://schemas.microsoft.com/office/drawing/2014/main" xmlns="" id="{FFF506F9-840A-0508-4CAF-3AC711D8D5CE}"/>
+                <a16:creationId xmlns="" xmlns:a16="http://schemas.microsoft.com/office/drawing/2014/main" id="{FFF506F9-840A-0508-4CAF-3AC711D8D5CE}"/>
               </a:ext>
             </a:extLst>
           </p:cNvPr>
@@ -23904,7 +23904,7 @@
           <p:cNvPr id="14" name="직선 화살표 연결선 13">
             <a:extLst>
               <a:ext uri="{FF2B5EF4-FFF2-40B4-BE49-F238E27FC236}">
-                <a16:creationId xmlns:a16="http://schemas.microsoft.com/office/drawing/2014/main" xmlns="" id="{174A1CAB-41DB-CBE5-A53E-D1E78982E7D5}"/>
+                <a16:creationId xmlns="" xmlns:a16="http://schemas.microsoft.com/office/drawing/2014/main" id="{174A1CAB-41DB-CBE5-A53E-D1E78982E7D5}"/>
               </a:ext>
             </a:extLst>
           </p:cNvPr>
@@ -23945,7 +23945,7 @@
           <p:cNvPr id="16" name="TextBox 15">
             <a:extLst>
               <a:ext uri="{FF2B5EF4-FFF2-40B4-BE49-F238E27FC236}">
-                <a16:creationId xmlns:a16="http://schemas.microsoft.com/office/drawing/2014/main" xmlns="" id="{C6D113C6-EA5C-788F-0C77-E7CE6EBB865F}"/>
+                <a16:creationId xmlns="" xmlns:a16="http://schemas.microsoft.com/office/drawing/2014/main" id="{C6D113C6-EA5C-788F-0C77-E7CE6EBB865F}"/>
               </a:ext>
             </a:extLst>
           </p:cNvPr>
@@ -24388,7 +24388,7 @@
           <p:cNvPr id="7" name="TextBox 6">
             <a:extLst>
               <a:ext uri="{FF2B5EF4-FFF2-40B4-BE49-F238E27FC236}">
-                <a16:creationId xmlns:a16="http://schemas.microsoft.com/office/drawing/2014/main" xmlns="" id="{5ADC00B6-990A-40DC-3CEA-505258F5E8DA}"/>
+                <a16:creationId xmlns="" xmlns:a16="http://schemas.microsoft.com/office/drawing/2014/main" id="{5ADC00B6-990A-40DC-3CEA-505258F5E8DA}"/>
               </a:ext>
             </a:extLst>
           </p:cNvPr>
@@ -24742,7 +24742,7 @@
           <p:cNvPr id="2" name="직사각형 1">
             <a:extLst>
               <a:ext uri="{FF2B5EF4-FFF2-40B4-BE49-F238E27FC236}">
-                <a16:creationId xmlns:a16="http://schemas.microsoft.com/office/drawing/2014/main" xmlns="" id="{AC86ECFC-6A63-060A-C3A3-DA72F47173BD}"/>
+                <a16:creationId xmlns="" xmlns:a16="http://schemas.microsoft.com/office/drawing/2014/main" id="{AC86ECFC-6A63-060A-C3A3-DA72F47173BD}"/>
               </a:ext>
             </a:extLst>
           </p:cNvPr>
@@ -25388,7 +25388,7 @@
           <p:cNvPr id="4" name="TextBox 3">
             <a:extLst>
               <a:ext uri="{FF2B5EF4-FFF2-40B4-BE49-F238E27FC236}">
-                <a16:creationId xmlns:a16="http://schemas.microsoft.com/office/drawing/2014/main" xmlns="" id="{52176D31-35F7-8916-46FA-6095EFEC1E49}"/>
+                <a16:creationId xmlns="" xmlns:a16="http://schemas.microsoft.com/office/drawing/2014/main" id="{52176D31-35F7-8916-46FA-6095EFEC1E49}"/>
               </a:ext>
             </a:extLst>
           </p:cNvPr>
@@ -26246,7 +26246,7 @@
           <p:cNvPr id="6" name="직선 화살표 연결선 5">
             <a:extLst>
               <a:ext uri="{FF2B5EF4-FFF2-40B4-BE49-F238E27FC236}">
-                <a16:creationId xmlns:a16="http://schemas.microsoft.com/office/drawing/2014/main" xmlns="" id="{299DF5EC-9DF4-5255-06AC-0A7CE4FF58C3}"/>
+                <a16:creationId xmlns="" xmlns:a16="http://schemas.microsoft.com/office/drawing/2014/main" id="{299DF5EC-9DF4-5255-06AC-0A7CE4FF58C3}"/>
               </a:ext>
             </a:extLst>
           </p:cNvPr>
@@ -26287,7 +26287,7 @@
           <p:cNvPr id="7" name="TextBox 6">
             <a:extLst>
               <a:ext uri="{FF2B5EF4-FFF2-40B4-BE49-F238E27FC236}">
-                <a16:creationId xmlns:a16="http://schemas.microsoft.com/office/drawing/2014/main" xmlns="" id="{C6D113C6-EA5C-788F-0C77-E7CE6EBB865F}"/>
+                <a16:creationId xmlns="" xmlns:a16="http://schemas.microsoft.com/office/drawing/2014/main" id="{C6D113C6-EA5C-788F-0C77-E7CE6EBB865F}"/>
               </a:ext>
             </a:extLst>
           </p:cNvPr>
@@ -26571,7 +26571,7 @@
           <p:cNvPr id="4" name="TextBox 3">
             <a:extLst>
               <a:ext uri="{FF2B5EF4-FFF2-40B4-BE49-F238E27FC236}">
-                <a16:creationId xmlns:a16="http://schemas.microsoft.com/office/drawing/2014/main" xmlns="" id="{36328840-DB86-84D8-068F-C2C8D7FA2285}"/>
+                <a16:creationId xmlns="" xmlns:a16="http://schemas.microsoft.com/office/drawing/2014/main" id="{36328840-DB86-84D8-068F-C2C8D7FA2285}"/>
               </a:ext>
             </a:extLst>
           </p:cNvPr>
@@ -26632,7 +26632,7 @@
           <p:cNvPr id="5" name="직사각형 4">
             <a:extLst>
               <a:ext uri="{FF2B5EF4-FFF2-40B4-BE49-F238E27FC236}">
-                <a16:creationId xmlns:a16="http://schemas.microsoft.com/office/drawing/2014/main" xmlns="" id="{E5F0477F-4CF6-1AF2-AFA4-5EAA5706D76E}"/>
+                <a16:creationId xmlns="" xmlns:a16="http://schemas.microsoft.com/office/drawing/2014/main" id="{E5F0477F-4CF6-1AF2-AFA4-5EAA5706D76E}"/>
               </a:ext>
             </a:extLst>
           </p:cNvPr>
@@ -26763,7 +26763,7 @@
           <p:cNvPr id="6" name="직사각형 5">
             <a:extLst>
               <a:ext uri="{FF2B5EF4-FFF2-40B4-BE49-F238E27FC236}">
-                <a16:creationId xmlns:a16="http://schemas.microsoft.com/office/drawing/2014/main" xmlns="" id="{5B5C1BCF-9BFF-9359-D461-3CCB09841A95}"/>
+                <a16:creationId xmlns="" xmlns:a16="http://schemas.microsoft.com/office/drawing/2014/main" id="{5B5C1BCF-9BFF-9359-D461-3CCB09841A95}"/>
               </a:ext>
             </a:extLst>
           </p:cNvPr>
@@ -27355,7 +27355,7 @@
           <p:cNvPr id="2" name="TextBox 1">
             <a:extLst>
               <a:ext uri="{FF2B5EF4-FFF2-40B4-BE49-F238E27FC236}">
-                <a16:creationId xmlns:a16="http://schemas.microsoft.com/office/drawing/2014/main" xmlns="" id="{715D88A2-BD52-978B-A00A-540446126E3D}"/>
+                <a16:creationId xmlns="" xmlns:a16="http://schemas.microsoft.com/office/drawing/2014/main" id="{715D88A2-BD52-978B-A00A-540446126E3D}"/>
               </a:ext>
             </a:extLst>
           </p:cNvPr>
@@ -27435,7 +27435,7 @@
           <p:cNvPr id="4" name="TextBox 3">
             <a:extLst>
               <a:ext uri="{FF2B5EF4-FFF2-40B4-BE49-F238E27FC236}">
-                <a16:creationId xmlns:a16="http://schemas.microsoft.com/office/drawing/2014/main" xmlns="" id="{DF7DDD33-9412-2802-339A-E55446AC2DA7}"/>
+                <a16:creationId xmlns="" xmlns:a16="http://schemas.microsoft.com/office/drawing/2014/main" id="{DF7DDD33-9412-2802-339A-E55446AC2DA7}"/>
               </a:ext>
             </a:extLst>
           </p:cNvPr>
@@ -27564,7 +27564,7 @@
           <p:cNvPr id="10" name="직사각형 9">
             <a:extLst>
               <a:ext uri="{FF2B5EF4-FFF2-40B4-BE49-F238E27FC236}">
-                <a16:creationId xmlns:a16="http://schemas.microsoft.com/office/drawing/2014/main" xmlns="" id="{FFF506F9-840A-0508-4CAF-3AC711D8D5CE}"/>
+                <a16:creationId xmlns="" xmlns:a16="http://schemas.microsoft.com/office/drawing/2014/main" id="{FFF506F9-840A-0508-4CAF-3AC711D8D5CE}"/>
               </a:ext>
             </a:extLst>
           </p:cNvPr>
@@ -27616,7 +27616,7 @@
           <p:cNvPr id="11" name="직사각형 10">
             <a:extLst>
               <a:ext uri="{FF2B5EF4-FFF2-40B4-BE49-F238E27FC236}">
-                <a16:creationId xmlns:a16="http://schemas.microsoft.com/office/drawing/2014/main" xmlns="" id="{FFF506F9-840A-0508-4CAF-3AC711D8D5CE}"/>
+                <a16:creationId xmlns="" xmlns:a16="http://schemas.microsoft.com/office/drawing/2014/main" id="{FFF506F9-840A-0508-4CAF-3AC711D8D5CE}"/>
               </a:ext>
             </a:extLst>
           </p:cNvPr>
@@ -27668,7 +27668,7 @@
           <p:cNvPr id="13" name="TextBox 12">
             <a:extLst>
               <a:ext uri="{FF2B5EF4-FFF2-40B4-BE49-F238E27FC236}">
-                <a16:creationId xmlns:a16="http://schemas.microsoft.com/office/drawing/2014/main" xmlns="" id="{C6D113C6-EA5C-788F-0C77-E7CE6EBB865F}"/>
+                <a16:creationId xmlns="" xmlns:a16="http://schemas.microsoft.com/office/drawing/2014/main" id="{C6D113C6-EA5C-788F-0C77-E7CE6EBB865F}"/>
               </a:ext>
             </a:extLst>
           </p:cNvPr>
@@ -27787,7 +27787,7 @@
           <p:cNvPr id="5" name="직사각형 4">
             <a:extLst>
               <a:ext uri="{FF2B5EF4-FFF2-40B4-BE49-F238E27FC236}">
-                <a16:creationId xmlns:a16="http://schemas.microsoft.com/office/drawing/2014/main" xmlns="" id="{FFF506F9-840A-0508-4CAF-3AC711D8D5CE}"/>
+                <a16:creationId xmlns="" xmlns:a16="http://schemas.microsoft.com/office/drawing/2014/main" id="{FFF506F9-840A-0508-4CAF-3AC711D8D5CE}"/>
               </a:ext>
             </a:extLst>
           </p:cNvPr>
@@ -27839,7 +27839,7 @@
           <p:cNvPr id="6" name="직사각형 5">
             <a:extLst>
               <a:ext uri="{FF2B5EF4-FFF2-40B4-BE49-F238E27FC236}">
-                <a16:creationId xmlns:a16="http://schemas.microsoft.com/office/drawing/2014/main" xmlns="" id="{FFF506F9-840A-0508-4CAF-3AC711D8D5CE}"/>
+                <a16:creationId xmlns="" xmlns:a16="http://schemas.microsoft.com/office/drawing/2014/main" id="{FFF506F9-840A-0508-4CAF-3AC711D8D5CE}"/>
               </a:ext>
             </a:extLst>
           </p:cNvPr>
@@ -27891,7 +27891,7 @@
           <p:cNvPr id="7" name="TextBox 6">
             <a:extLst>
               <a:ext uri="{FF2B5EF4-FFF2-40B4-BE49-F238E27FC236}">
-                <a16:creationId xmlns:a16="http://schemas.microsoft.com/office/drawing/2014/main" xmlns="" id="{C6D113C6-EA5C-788F-0C77-E7CE6EBB865F}"/>
+                <a16:creationId xmlns="" xmlns:a16="http://schemas.microsoft.com/office/drawing/2014/main" id="{C6D113C6-EA5C-788F-0C77-E7CE6EBB865F}"/>
               </a:ext>
             </a:extLst>
           </p:cNvPr>

--- a/JavaLecture/LectureFile/java 10강 패키지와 접근제어자 강의자료.pptx
+++ b/JavaLecture/LectureFile/java 10강 패키지와 접근제어자 강의자료.pptx
@@ -271,7 +271,7 @@
           <a:p>
             <a:fld id="{D79F2C30-10E1-4C46-91DC-BBDB9629E720}" type="datetimeFigureOut">
               <a:rPr lang="ko-KR" altLang="en-US" smtClean="0"/>
-              <a:t>2023-04-23 Sunday</a:t>
+              <a:t>2023-08-27</a:t>
             </a:fld>
             <a:endParaRPr lang="ko-KR" altLang="en-US"/>
           </a:p>
@@ -731,7 +731,7 @@
           <a:p>
             <a:fld id="{F8166F1F-CE9B-4651-A6AA-CD717754106B}" type="datetimeFigureOut">
               <a:rPr lang="en-US" smtClean="0"/>
-              <a:t>4/23/2023</a:t>
+              <a:t>8/27/2023</a:t>
             </a:fld>
             <a:endParaRPr lang="en-US"/>
           </a:p>
@@ -934,7 +934,7 @@
           <a:p>
             <a:fld id="{A76116CE-C4A3-4A05-B2D7-7C2E9A889C0F}" type="datetimeFigureOut">
               <a:rPr lang="en-US" smtClean="0"/>
-              <a:t>4/23/2023</a:t>
+              <a:t>8/27/2023</a:t>
             </a:fld>
             <a:endParaRPr lang="en-US"/>
           </a:p>
@@ -1137,7 +1137,7 @@
           <a:p>
             <a:fld id="{A76116CE-C4A3-4A05-B2D7-7C2E9A889C0F}" type="datetimeFigureOut">
               <a:rPr lang="en-US" smtClean="0"/>
-              <a:t>4/23/2023</a:t>
+              <a:t>8/27/2023</a:t>
             </a:fld>
             <a:endParaRPr lang="en-US"/>
           </a:p>
@@ -1342,7 +1342,7 @@
           <a:p>
             <a:fld id="{A76116CE-C4A3-4A05-B2D7-7C2E9A889C0F}" type="datetimeFigureOut">
               <a:rPr lang="en-US" smtClean="0"/>
-              <a:t>4/23/2023</a:t>
+              <a:t>8/27/2023</a:t>
             </a:fld>
             <a:endParaRPr lang="en-US"/>
           </a:p>
@@ -1612,7 +1612,7 @@
           <a:p>
             <a:fld id="{A76116CE-C4A3-4A05-B2D7-7C2E9A889C0F}" type="datetimeFigureOut">
               <a:rPr lang="en-US" smtClean="0"/>
-              <a:t>4/23/2023</a:t>
+              <a:t>8/27/2023</a:t>
             </a:fld>
             <a:endParaRPr lang="en-US"/>
           </a:p>
@@ -1930,7 +1930,7 @@
           <a:p>
             <a:fld id="{A76116CE-C4A3-4A05-B2D7-7C2E9A889C0F}" type="datetimeFigureOut">
               <a:rPr lang="en-US" smtClean="0"/>
-              <a:t>4/23/2023</a:t>
+              <a:t>8/27/2023</a:t>
             </a:fld>
             <a:endParaRPr lang="en-US"/>
           </a:p>
@@ -2388,7 +2388,7 @@
           <a:p>
             <a:fld id="{A76116CE-C4A3-4A05-B2D7-7C2E9A889C0F}" type="datetimeFigureOut">
               <a:rPr lang="en-US" smtClean="0"/>
-              <a:t>4/23/2023</a:t>
+              <a:t>8/27/2023</a:t>
             </a:fld>
             <a:endParaRPr lang="en-US"/>
           </a:p>
@@ -2532,7 +2532,7 @@
           <a:p>
             <a:fld id="{A76116CE-C4A3-4A05-B2D7-7C2E9A889C0F}" type="datetimeFigureOut">
               <a:rPr lang="en-US" smtClean="0"/>
-              <a:t>4/23/2023</a:t>
+              <a:t>8/27/2023</a:t>
             </a:fld>
             <a:endParaRPr lang="en-US"/>
           </a:p>
@@ -2646,7 +2646,7 @@
           <a:p>
             <a:fld id="{A76116CE-C4A3-4A05-B2D7-7C2E9A889C0F}" type="datetimeFigureOut">
               <a:rPr lang="en-US" smtClean="0"/>
-              <a:t>4/23/2023</a:t>
+              <a:t>8/27/2023</a:t>
             </a:fld>
             <a:endParaRPr lang="en-US"/>
           </a:p>
@@ -2949,7 +2949,7 @@
           <a:p>
             <a:fld id="{A76116CE-C4A3-4A05-B2D7-7C2E9A889C0F}" type="datetimeFigureOut">
               <a:rPr lang="en-US" smtClean="0"/>
-              <a:t>4/23/2023</a:t>
+              <a:t>8/27/2023</a:t>
             </a:fld>
             <a:endParaRPr lang="en-US"/>
           </a:p>
@@ -3229,7 +3229,7 @@
           <a:p>
             <a:fld id="{A76116CE-C4A3-4A05-B2D7-7C2E9A889C0F}" type="datetimeFigureOut">
               <a:rPr lang="en-US" smtClean="0"/>
-              <a:t>4/23/2023</a:t>
+              <a:t>8/27/2023</a:t>
             </a:fld>
             <a:endParaRPr lang="en-US"/>
           </a:p>
@@ -3987,7 +3987,7 @@
           <p:cNvPr id="2" name="TextBox 1">
             <a:extLst>
               <a:ext uri="{FF2B5EF4-FFF2-40B4-BE49-F238E27FC236}">
-                <a16:creationId xmlns="" xmlns:a16="http://schemas.microsoft.com/office/drawing/2014/main" id="{E9A453A8-9968-67AB-7B4A-83EEB4662AA6}"/>
+                <a16:creationId xmlns:a16="http://schemas.microsoft.com/office/drawing/2014/main" xmlns="" id="{E9A453A8-9968-67AB-7B4A-83EEB4662AA6}"/>
               </a:ext>
             </a:extLst>
           </p:cNvPr>
@@ -4035,7 +4035,7 @@
           <p:cNvPr id="4" name="TextBox 3">
             <a:extLst>
               <a:ext uri="{FF2B5EF4-FFF2-40B4-BE49-F238E27FC236}">
-                <a16:creationId xmlns="" xmlns:a16="http://schemas.microsoft.com/office/drawing/2014/main" id="{F4B7A35A-8AAC-4622-64BC-CAD1472D4115}"/>
+                <a16:creationId xmlns:a16="http://schemas.microsoft.com/office/drawing/2014/main" xmlns="" id="{F4B7A35A-8AAC-4622-64BC-CAD1472D4115}"/>
               </a:ext>
             </a:extLst>
           </p:cNvPr>
@@ -4107,7 +4107,7 @@
           <p:cNvPr id="7" name="TextBox 6">
             <a:extLst>
               <a:ext uri="{FF2B5EF4-FFF2-40B4-BE49-F238E27FC236}">
-                <a16:creationId xmlns="" xmlns:a16="http://schemas.microsoft.com/office/drawing/2014/main" id="{3ACE900A-D779-4343-6623-8588B376F0A1}"/>
+                <a16:creationId xmlns:a16="http://schemas.microsoft.com/office/drawing/2014/main" xmlns="" id="{3ACE900A-D779-4343-6623-8588B376F0A1}"/>
               </a:ext>
             </a:extLst>
           </p:cNvPr>
@@ -4178,7 +4178,7 @@
           <p:cNvPr id="4" name="TextBox 3">
             <a:extLst>
               <a:ext uri="{FF2B5EF4-FFF2-40B4-BE49-F238E27FC236}">
-                <a16:creationId xmlns="" xmlns:a16="http://schemas.microsoft.com/office/drawing/2014/main" id="{5ADC00B6-990A-40DC-3CEA-505258F5E8DA}"/>
+                <a16:creationId xmlns:a16="http://schemas.microsoft.com/office/drawing/2014/main" xmlns="" id="{5ADC00B6-990A-40DC-3CEA-505258F5E8DA}"/>
               </a:ext>
             </a:extLst>
           </p:cNvPr>
@@ -4434,7 +4434,7 @@
           <p:cNvPr id="5" name="TextBox 4">
             <a:extLst>
               <a:ext uri="{FF2B5EF4-FFF2-40B4-BE49-F238E27FC236}">
-                <a16:creationId xmlns="" xmlns:a16="http://schemas.microsoft.com/office/drawing/2014/main" id="{DF7DDD33-9412-2802-339A-E55446AC2DA7}"/>
+                <a16:creationId xmlns:a16="http://schemas.microsoft.com/office/drawing/2014/main" xmlns="" id="{DF7DDD33-9412-2802-339A-E55446AC2DA7}"/>
               </a:ext>
             </a:extLst>
           </p:cNvPr>
@@ -4529,7 +4529,7 @@
           <p:cNvPr id="4" name="TextBox 3">
             <a:extLst>
               <a:ext uri="{FF2B5EF4-FFF2-40B4-BE49-F238E27FC236}">
-                <a16:creationId xmlns="" xmlns:a16="http://schemas.microsoft.com/office/drawing/2014/main" id="{DF7DDD33-9412-2802-339A-E55446AC2DA7}"/>
+                <a16:creationId xmlns:a16="http://schemas.microsoft.com/office/drawing/2014/main" xmlns="" id="{DF7DDD33-9412-2802-339A-E55446AC2DA7}"/>
               </a:ext>
             </a:extLst>
           </p:cNvPr>
@@ -4648,7 +4648,7 @@
           <p:cNvPr id="5" name="TextBox 4">
             <a:extLst>
               <a:ext uri="{FF2B5EF4-FFF2-40B4-BE49-F238E27FC236}">
-                <a16:creationId xmlns="" xmlns:a16="http://schemas.microsoft.com/office/drawing/2014/main" id="{DF7DDD33-9412-2802-339A-E55446AC2DA7}"/>
+                <a16:creationId xmlns:a16="http://schemas.microsoft.com/office/drawing/2014/main" xmlns="" id="{DF7DDD33-9412-2802-339A-E55446AC2DA7}"/>
               </a:ext>
             </a:extLst>
           </p:cNvPr>
@@ -4815,12 +4815,36 @@
           <a:chExt cx="0" cy="0"/>
         </a:xfrm>
       </p:grpSpPr>
+      <p:pic>
+        <p:nvPicPr>
+          <p:cNvPr id="2" name="그림 1"/>
+          <p:cNvPicPr>
+            <a:picLocks noChangeAspect="1"/>
+          </p:cNvPicPr>
+          <p:nvPr/>
+        </p:nvPicPr>
+        <p:blipFill>
+          <a:blip r:embed="rId2"/>
+          <a:stretch>
+            <a:fillRect/>
+          </a:stretch>
+        </p:blipFill>
+        <p:spPr>
+          <a:xfrm>
+            <a:off x="990600" y="2933700"/>
+            <a:ext cx="10695326" cy="4588998"/>
+          </a:xfrm>
+          <a:prstGeom prst="rect">
+            <a:avLst/>
+          </a:prstGeom>
+        </p:spPr>
+      </p:pic>
       <p:sp>
         <p:nvSpPr>
           <p:cNvPr id="4" name="TextBox 3">
             <a:extLst>
               <a:ext uri="{FF2B5EF4-FFF2-40B4-BE49-F238E27FC236}">
-                <a16:creationId xmlns="" xmlns:a16="http://schemas.microsoft.com/office/drawing/2014/main" id="{DF7DDD33-9412-2802-339A-E55446AC2DA7}"/>
+                <a16:creationId xmlns:a16="http://schemas.microsoft.com/office/drawing/2014/main" xmlns="" id="{DF7DDD33-9412-2802-339A-E55446AC2DA7}"/>
               </a:ext>
             </a:extLst>
           </p:cNvPr>
@@ -4868,7 +4892,7 @@
           <p:cNvPr id="5" name="TextBox 4">
             <a:extLst>
               <a:ext uri="{FF2B5EF4-FFF2-40B4-BE49-F238E27FC236}">
-                <a16:creationId xmlns="" xmlns:a16="http://schemas.microsoft.com/office/drawing/2014/main" id="{5ADC00B6-990A-40DC-3CEA-505258F5E8DA}"/>
+                <a16:creationId xmlns:a16="http://schemas.microsoft.com/office/drawing/2014/main" xmlns="" id="{5ADC00B6-990A-40DC-3CEA-505258F5E8DA}"/>
               </a:ext>
             </a:extLst>
           </p:cNvPr>
@@ -4951,36 +4975,12 @@
           </a:p>
         </p:txBody>
       </p:sp>
-      <p:pic>
-        <p:nvPicPr>
-          <p:cNvPr id="6" name="그림 5"/>
-          <p:cNvPicPr>
-            <a:picLocks noChangeAspect="1"/>
-          </p:cNvPicPr>
-          <p:nvPr/>
-        </p:nvPicPr>
-        <p:blipFill>
-          <a:blip r:embed="rId2"/>
-          <a:stretch>
-            <a:fillRect/>
-          </a:stretch>
-        </p:blipFill>
-        <p:spPr>
-          <a:xfrm>
-            <a:off x="1371600" y="2933700"/>
-            <a:ext cx="7725827" cy="4852988"/>
-          </a:xfrm>
-          <a:prstGeom prst="rect">
-            <a:avLst/>
-          </a:prstGeom>
-        </p:spPr>
-      </p:pic>
       <p:sp>
         <p:nvSpPr>
           <p:cNvPr id="7" name="직사각형 6">
             <a:extLst>
               <a:ext uri="{FF2B5EF4-FFF2-40B4-BE49-F238E27FC236}">
-                <a16:creationId xmlns="" xmlns:a16="http://schemas.microsoft.com/office/drawing/2014/main" id="{FFF506F9-840A-0508-4CAF-3AC711D8D5CE}"/>
+                <a16:creationId xmlns:a16="http://schemas.microsoft.com/office/drawing/2014/main" xmlns="" id="{FFF506F9-840A-0508-4CAF-3AC711D8D5CE}"/>
               </a:ext>
             </a:extLst>
           </p:cNvPr>
@@ -4989,8 +4989,60 @@
         </p:nvSpPr>
         <p:spPr>
           <a:xfrm>
-            <a:off x="1600200" y="3534370"/>
-            <a:ext cx="3581400" cy="457200"/>
+            <a:off x="1524000" y="3314700"/>
+            <a:ext cx="5486400" cy="457200"/>
+          </a:xfrm>
+          <a:prstGeom prst="rect">
+            <a:avLst/>
+          </a:prstGeom>
+          <a:noFill/>
+          <a:ln>
+            <a:solidFill>
+              <a:srgbClr val="FF0000"/>
+            </a:solidFill>
+          </a:ln>
+        </p:spPr>
+        <p:style>
+          <a:lnRef idx="2">
+            <a:schemeClr val="accent2">
+              <a:shade val="50000"/>
+            </a:schemeClr>
+          </a:lnRef>
+          <a:fillRef idx="1">
+            <a:schemeClr val="accent2"/>
+          </a:fillRef>
+          <a:effectRef idx="0">
+            <a:schemeClr val="accent2"/>
+          </a:effectRef>
+          <a:fontRef idx="minor">
+            <a:schemeClr val="lt1"/>
+          </a:fontRef>
+        </p:style>
+        <p:txBody>
+          <a:bodyPr rtlCol="0" anchor="ctr"/>
+          <a:lstStyle/>
+          <a:p>
+            <a:pPr algn="ctr"/>
+            <a:endParaRPr lang="ko-KR" altLang="en-US"/>
+          </a:p>
+        </p:txBody>
+      </p:sp>
+      <p:sp>
+        <p:nvSpPr>
+          <p:cNvPr id="8" name="직사각형 7">
+            <a:extLst>
+              <a:ext uri="{FF2B5EF4-FFF2-40B4-BE49-F238E27FC236}">
+                <a16:creationId xmlns:a16="http://schemas.microsoft.com/office/drawing/2014/main" xmlns="" id="{FFF506F9-840A-0508-4CAF-3AC711D8D5CE}"/>
+              </a:ext>
+            </a:extLst>
+          </p:cNvPr>
+          <p:cNvSpPr/>
+          <p:nvPr/>
+        </p:nvSpPr>
+        <p:spPr>
+          <a:xfrm>
+            <a:off x="3048000" y="6896100"/>
+            <a:ext cx="8382000" cy="457200"/>
           </a:xfrm>
           <a:prstGeom prst="rect">
             <a:avLst/>
@@ -5064,12 +5116,36 @@
           <a:chExt cx="0" cy="0"/>
         </a:xfrm>
       </p:grpSpPr>
+      <p:pic>
+        <p:nvPicPr>
+          <p:cNvPr id="2" name="그림 1"/>
+          <p:cNvPicPr>
+            <a:picLocks noChangeAspect="1"/>
+          </p:cNvPicPr>
+          <p:nvPr/>
+        </p:nvPicPr>
+        <p:blipFill>
+          <a:blip r:embed="rId2"/>
+          <a:stretch>
+            <a:fillRect/>
+          </a:stretch>
+        </p:blipFill>
+        <p:spPr>
+          <a:xfrm>
+            <a:off x="380999" y="1409700"/>
+            <a:ext cx="15485495" cy="4267200"/>
+          </a:xfrm>
+          <a:prstGeom prst="rect">
+            <a:avLst/>
+          </a:prstGeom>
+        </p:spPr>
+      </p:pic>
       <p:sp>
         <p:nvSpPr>
           <p:cNvPr id="4" name="TextBox 3">
             <a:extLst>
               <a:ext uri="{FF2B5EF4-FFF2-40B4-BE49-F238E27FC236}">
-                <a16:creationId xmlns="" xmlns:a16="http://schemas.microsoft.com/office/drawing/2014/main" id="{DF7DDD33-9412-2802-339A-E55446AC2DA7}"/>
+                <a16:creationId xmlns:a16="http://schemas.microsoft.com/office/drawing/2014/main" xmlns="" id="{DF7DDD33-9412-2802-339A-E55446AC2DA7}"/>
               </a:ext>
             </a:extLst>
           </p:cNvPr>
@@ -5112,36 +5188,12 @@
           </a:p>
         </p:txBody>
       </p:sp>
-      <p:pic>
-        <p:nvPicPr>
-          <p:cNvPr id="5" name="그림 4"/>
-          <p:cNvPicPr>
-            <a:picLocks noChangeAspect="1"/>
-          </p:cNvPicPr>
-          <p:nvPr/>
-        </p:nvPicPr>
-        <p:blipFill>
-          <a:blip r:embed="rId2"/>
-          <a:stretch>
-            <a:fillRect/>
-          </a:stretch>
-        </p:blipFill>
-        <p:spPr>
-          <a:xfrm>
-            <a:off x="609600" y="1113830"/>
-            <a:ext cx="7614940" cy="4486870"/>
-          </a:xfrm>
-          <a:prstGeom prst="rect">
-            <a:avLst/>
-          </a:prstGeom>
-        </p:spPr>
-      </p:pic>
       <p:sp>
         <p:nvSpPr>
           <p:cNvPr id="6" name="직사각형 5">
             <a:extLst>
               <a:ext uri="{FF2B5EF4-FFF2-40B4-BE49-F238E27FC236}">
-                <a16:creationId xmlns="" xmlns:a16="http://schemas.microsoft.com/office/drawing/2014/main" id="{FFF506F9-840A-0508-4CAF-3AC711D8D5CE}"/>
+                <a16:creationId xmlns:a16="http://schemas.microsoft.com/office/drawing/2014/main" xmlns="" id="{FFF506F9-840A-0508-4CAF-3AC711D8D5CE}"/>
               </a:ext>
             </a:extLst>
           </p:cNvPr>
@@ -5150,7 +5202,7 @@
         </p:nvSpPr>
         <p:spPr>
           <a:xfrm>
-            <a:off x="2057400" y="4991100"/>
+            <a:off x="2057400" y="5067300"/>
             <a:ext cx="2590800" cy="457200"/>
           </a:xfrm>
           <a:prstGeom prst="rect">
@@ -5193,7 +5245,7 @@
           <p:cNvPr id="7" name="직선 화살표 연결선 6">
             <a:extLst>
               <a:ext uri="{FF2B5EF4-FFF2-40B4-BE49-F238E27FC236}">
-                <a16:creationId xmlns="" xmlns:a16="http://schemas.microsoft.com/office/drawing/2014/main" id="{299DF5EC-9DF4-5255-06AC-0A7CE4FF58C3}"/>
+                <a16:creationId xmlns:a16="http://schemas.microsoft.com/office/drawing/2014/main" xmlns="" id="{299DF5EC-9DF4-5255-06AC-0A7CE4FF58C3}"/>
               </a:ext>
             </a:extLst>
           </p:cNvPr>
@@ -5204,7 +5256,7 @@
         </p:nvCxnSpPr>
         <p:spPr>
           <a:xfrm>
-            <a:off x="3657600" y="5448300"/>
+            <a:off x="3657600" y="5524500"/>
             <a:ext cx="0" cy="1066800"/>
           </a:xfrm>
           <a:prstGeom prst="straightConnector1">
@@ -5234,7 +5286,7 @@
           <p:cNvPr id="8" name="TextBox 7">
             <a:extLst>
               <a:ext uri="{FF2B5EF4-FFF2-40B4-BE49-F238E27FC236}">
-                <a16:creationId xmlns="" xmlns:a16="http://schemas.microsoft.com/office/drawing/2014/main" id="{C6D113C6-EA5C-788F-0C77-E7CE6EBB865F}"/>
+                <a16:creationId xmlns:a16="http://schemas.microsoft.com/office/drawing/2014/main" xmlns="" id="{C6D113C6-EA5C-788F-0C77-E7CE6EBB865F}"/>
               </a:ext>
             </a:extLst>
           </p:cNvPr>
@@ -5243,8 +5295,8 @@
         </p:nvSpPr>
         <p:spPr>
           <a:xfrm>
-            <a:off x="1128932" y="6515100"/>
-            <a:ext cx="9372600" cy="1323439"/>
+            <a:off x="1128932" y="6645414"/>
+            <a:ext cx="15177868" cy="707886"/>
           </a:xfrm>
           <a:prstGeom prst="rect">
             <a:avLst/>
@@ -5302,7 +5354,7 @@
           <p:cNvPr id="13" name="TextBox 12">
             <a:extLst>
               <a:ext uri="{FF2B5EF4-FFF2-40B4-BE49-F238E27FC236}">
-                <a16:creationId xmlns="" xmlns:a16="http://schemas.microsoft.com/office/drawing/2014/main" id="{DF7DDD33-9412-2802-339A-E55446AC2DA7}"/>
+                <a16:creationId xmlns:a16="http://schemas.microsoft.com/office/drawing/2014/main" xmlns="" id="{DF7DDD33-9412-2802-339A-E55446AC2DA7}"/>
               </a:ext>
             </a:extLst>
           </p:cNvPr>
@@ -5580,7 +5632,7 @@
           <p:cNvPr id="6" name="직사각형 5">
             <a:extLst>
               <a:ext uri="{FF2B5EF4-FFF2-40B4-BE49-F238E27FC236}">
-                <a16:creationId xmlns="" xmlns:a16="http://schemas.microsoft.com/office/drawing/2014/main" id="{FFF506F9-840A-0508-4CAF-3AC711D8D5CE}"/>
+                <a16:creationId xmlns:a16="http://schemas.microsoft.com/office/drawing/2014/main" xmlns="" id="{FFF506F9-840A-0508-4CAF-3AC711D8D5CE}"/>
               </a:ext>
             </a:extLst>
           </p:cNvPr>
@@ -5632,7 +5684,7 @@
           <p:cNvPr id="7" name="직사각형 6">
             <a:extLst>
               <a:ext uri="{FF2B5EF4-FFF2-40B4-BE49-F238E27FC236}">
-                <a16:creationId xmlns="" xmlns:a16="http://schemas.microsoft.com/office/drawing/2014/main" id="{FFF506F9-840A-0508-4CAF-3AC711D8D5CE}"/>
+                <a16:creationId xmlns:a16="http://schemas.microsoft.com/office/drawing/2014/main" xmlns="" id="{FFF506F9-840A-0508-4CAF-3AC711D8D5CE}"/>
               </a:ext>
             </a:extLst>
           </p:cNvPr>
@@ -5684,7 +5736,7 @@
           <p:cNvPr id="8" name="직선 화살표 연결선 7">
             <a:extLst>
               <a:ext uri="{FF2B5EF4-FFF2-40B4-BE49-F238E27FC236}">
-                <a16:creationId xmlns="" xmlns:a16="http://schemas.microsoft.com/office/drawing/2014/main" id="{299DF5EC-9DF4-5255-06AC-0A7CE4FF58C3}"/>
+                <a16:creationId xmlns:a16="http://schemas.microsoft.com/office/drawing/2014/main" xmlns="" id="{299DF5EC-9DF4-5255-06AC-0A7CE4FF58C3}"/>
               </a:ext>
             </a:extLst>
           </p:cNvPr>
@@ -5725,7 +5777,7 @@
           <p:cNvPr id="9" name="TextBox 8">
             <a:extLst>
               <a:ext uri="{FF2B5EF4-FFF2-40B4-BE49-F238E27FC236}">
-                <a16:creationId xmlns="" xmlns:a16="http://schemas.microsoft.com/office/drawing/2014/main" id="{C6D113C6-EA5C-788F-0C77-E7CE6EBB865F}"/>
+                <a16:creationId xmlns:a16="http://schemas.microsoft.com/office/drawing/2014/main" xmlns="" id="{C6D113C6-EA5C-788F-0C77-E7CE6EBB865F}"/>
               </a:ext>
             </a:extLst>
           </p:cNvPr>
@@ -5797,7 +5849,7 @@
           <p:cNvPr id="13" name="직선 화살표 연결선 12">
             <a:extLst>
               <a:ext uri="{FF2B5EF4-FFF2-40B4-BE49-F238E27FC236}">
-                <a16:creationId xmlns="" xmlns:a16="http://schemas.microsoft.com/office/drawing/2014/main" id="{299DF5EC-9DF4-5255-06AC-0A7CE4FF58C3}"/>
+                <a16:creationId xmlns:a16="http://schemas.microsoft.com/office/drawing/2014/main" xmlns="" id="{299DF5EC-9DF4-5255-06AC-0A7CE4FF58C3}"/>
               </a:ext>
             </a:extLst>
           </p:cNvPr>
@@ -5838,7 +5890,7 @@
           <p:cNvPr id="14" name="TextBox 13">
             <a:extLst>
               <a:ext uri="{FF2B5EF4-FFF2-40B4-BE49-F238E27FC236}">
-                <a16:creationId xmlns="" xmlns:a16="http://schemas.microsoft.com/office/drawing/2014/main" id="{C6D113C6-EA5C-788F-0C77-E7CE6EBB865F}"/>
+                <a16:creationId xmlns:a16="http://schemas.microsoft.com/office/drawing/2014/main" xmlns="" id="{C6D113C6-EA5C-788F-0C77-E7CE6EBB865F}"/>
               </a:ext>
             </a:extLst>
           </p:cNvPr>
@@ -6072,7 +6124,7 @@
           <p:cNvPr id="5" name="직사각형 4">
             <a:extLst>
               <a:ext uri="{FF2B5EF4-FFF2-40B4-BE49-F238E27FC236}">
-                <a16:creationId xmlns="" xmlns:a16="http://schemas.microsoft.com/office/drawing/2014/main" id="{FFF506F9-840A-0508-4CAF-3AC711D8D5CE}"/>
+                <a16:creationId xmlns:a16="http://schemas.microsoft.com/office/drawing/2014/main" xmlns="" id="{FFF506F9-840A-0508-4CAF-3AC711D8D5CE}"/>
               </a:ext>
             </a:extLst>
           </p:cNvPr>
@@ -6124,7 +6176,7 @@
           <p:cNvPr id="6" name="TextBox 5">
             <a:extLst>
               <a:ext uri="{FF2B5EF4-FFF2-40B4-BE49-F238E27FC236}">
-                <a16:creationId xmlns="" xmlns:a16="http://schemas.microsoft.com/office/drawing/2014/main" id="{DF7DDD33-9412-2802-339A-E55446AC2DA7}"/>
+                <a16:creationId xmlns:a16="http://schemas.microsoft.com/office/drawing/2014/main" xmlns="" id="{DF7DDD33-9412-2802-339A-E55446AC2DA7}"/>
               </a:ext>
             </a:extLst>
           </p:cNvPr>
@@ -6273,7 +6325,7 @@
           <p:cNvPr id="5" name="TextBox 4">
             <a:extLst>
               <a:ext uri="{FF2B5EF4-FFF2-40B4-BE49-F238E27FC236}">
-                <a16:creationId xmlns="" xmlns:a16="http://schemas.microsoft.com/office/drawing/2014/main" id="{DF7DDD33-9412-2802-339A-E55446AC2DA7}"/>
+                <a16:creationId xmlns:a16="http://schemas.microsoft.com/office/drawing/2014/main" xmlns="" id="{DF7DDD33-9412-2802-339A-E55446AC2DA7}"/>
               </a:ext>
             </a:extLst>
           </p:cNvPr>
@@ -6410,7 +6462,7 @@
           <p:cNvPr id="4" name="TextBox 3">
             <a:extLst>
               <a:ext uri="{FF2B5EF4-FFF2-40B4-BE49-F238E27FC236}">
-                <a16:creationId xmlns="" xmlns:a16="http://schemas.microsoft.com/office/drawing/2014/main" id="{DF7DDD33-9412-2802-339A-E55446AC2DA7}"/>
+                <a16:creationId xmlns:a16="http://schemas.microsoft.com/office/drawing/2014/main" xmlns="" id="{DF7DDD33-9412-2802-339A-E55446AC2DA7}"/>
               </a:ext>
             </a:extLst>
           </p:cNvPr>
@@ -6482,7 +6534,7 @@
           <p:cNvPr id="7" name="직사각형 6">
             <a:extLst>
               <a:ext uri="{FF2B5EF4-FFF2-40B4-BE49-F238E27FC236}">
-                <a16:creationId xmlns="" xmlns:a16="http://schemas.microsoft.com/office/drawing/2014/main" id="{FFF506F9-840A-0508-4CAF-3AC711D8D5CE}"/>
+                <a16:creationId xmlns:a16="http://schemas.microsoft.com/office/drawing/2014/main" xmlns="" id="{FFF506F9-840A-0508-4CAF-3AC711D8D5CE}"/>
               </a:ext>
             </a:extLst>
           </p:cNvPr>
@@ -6534,7 +6586,7 @@
           <p:cNvPr id="8" name="직선 화살표 연결선 7">
             <a:extLst>
               <a:ext uri="{FF2B5EF4-FFF2-40B4-BE49-F238E27FC236}">
-                <a16:creationId xmlns="" xmlns:a16="http://schemas.microsoft.com/office/drawing/2014/main" id="{299DF5EC-9DF4-5255-06AC-0A7CE4FF58C3}"/>
+                <a16:creationId xmlns:a16="http://schemas.microsoft.com/office/drawing/2014/main" xmlns="" id="{299DF5EC-9DF4-5255-06AC-0A7CE4FF58C3}"/>
               </a:ext>
             </a:extLst>
           </p:cNvPr>
@@ -6575,7 +6627,7 @@
           <p:cNvPr id="9" name="TextBox 8">
             <a:extLst>
               <a:ext uri="{FF2B5EF4-FFF2-40B4-BE49-F238E27FC236}">
-                <a16:creationId xmlns="" xmlns:a16="http://schemas.microsoft.com/office/drawing/2014/main" id="{C6D113C6-EA5C-788F-0C77-E7CE6EBB865F}"/>
+                <a16:creationId xmlns:a16="http://schemas.microsoft.com/office/drawing/2014/main" xmlns="" id="{C6D113C6-EA5C-788F-0C77-E7CE6EBB865F}"/>
               </a:ext>
             </a:extLst>
           </p:cNvPr>
@@ -6623,7 +6675,7 @@
           <p:cNvPr id="11" name="직사각형 10">
             <a:extLst>
               <a:ext uri="{FF2B5EF4-FFF2-40B4-BE49-F238E27FC236}">
-                <a16:creationId xmlns="" xmlns:a16="http://schemas.microsoft.com/office/drawing/2014/main" id="{FFF506F9-840A-0508-4CAF-3AC711D8D5CE}"/>
+                <a16:creationId xmlns:a16="http://schemas.microsoft.com/office/drawing/2014/main" xmlns="" id="{FFF506F9-840A-0508-4CAF-3AC711D8D5CE}"/>
               </a:ext>
             </a:extLst>
           </p:cNvPr>
@@ -6675,7 +6727,7 @@
           <p:cNvPr id="12" name="직선 화살표 연결선 11">
             <a:extLst>
               <a:ext uri="{FF2B5EF4-FFF2-40B4-BE49-F238E27FC236}">
-                <a16:creationId xmlns="" xmlns:a16="http://schemas.microsoft.com/office/drawing/2014/main" id="{299DF5EC-9DF4-5255-06AC-0A7CE4FF58C3}"/>
+                <a16:creationId xmlns:a16="http://schemas.microsoft.com/office/drawing/2014/main" xmlns="" id="{299DF5EC-9DF4-5255-06AC-0A7CE4FF58C3}"/>
               </a:ext>
             </a:extLst>
           </p:cNvPr>
@@ -6716,7 +6768,7 @@
           <p:cNvPr id="13" name="TextBox 12">
             <a:extLst>
               <a:ext uri="{FF2B5EF4-FFF2-40B4-BE49-F238E27FC236}">
-                <a16:creationId xmlns="" xmlns:a16="http://schemas.microsoft.com/office/drawing/2014/main" id="{C6D113C6-EA5C-788F-0C77-E7CE6EBB865F}"/>
+                <a16:creationId xmlns:a16="http://schemas.microsoft.com/office/drawing/2014/main" xmlns="" id="{C6D113C6-EA5C-788F-0C77-E7CE6EBB865F}"/>
               </a:ext>
             </a:extLst>
           </p:cNvPr>
@@ -6805,7 +6857,7 @@
         </p:blipFill>
         <p:spPr>
           <a:xfrm>
-            <a:off x="1143000" y="5669448"/>
+            <a:off x="904874" y="8109902"/>
             <a:ext cx="11430000" cy="1174012"/>
           </a:xfrm>
           <a:prstGeom prst="rect">
@@ -6818,7 +6870,7 @@
           <p:cNvPr id="19" name="직사각형 18">
             <a:extLst>
               <a:ext uri="{FF2B5EF4-FFF2-40B4-BE49-F238E27FC236}">
-                <a16:creationId xmlns="" xmlns:a16="http://schemas.microsoft.com/office/drawing/2014/main" id="{FFF506F9-840A-0508-4CAF-3AC711D8D5CE}"/>
+                <a16:creationId xmlns:a16="http://schemas.microsoft.com/office/drawing/2014/main" xmlns="" id="{FFF506F9-840A-0508-4CAF-3AC711D8D5CE}"/>
               </a:ext>
             </a:extLst>
           </p:cNvPr>
@@ -6870,7 +6922,7 @@
           <p:cNvPr id="20" name="직선 화살표 연결선 19">
             <a:extLst>
               <a:ext uri="{FF2B5EF4-FFF2-40B4-BE49-F238E27FC236}">
-                <a16:creationId xmlns="" xmlns:a16="http://schemas.microsoft.com/office/drawing/2014/main" id="{299DF5EC-9DF4-5255-06AC-0A7CE4FF58C3}"/>
+                <a16:creationId xmlns:a16="http://schemas.microsoft.com/office/drawing/2014/main" xmlns="" id="{299DF5EC-9DF4-5255-06AC-0A7CE4FF58C3}"/>
               </a:ext>
             </a:extLst>
           </p:cNvPr>
@@ -6911,7 +6963,7 @@
           <p:cNvPr id="21" name="TextBox 20">
             <a:extLst>
               <a:ext uri="{FF2B5EF4-FFF2-40B4-BE49-F238E27FC236}">
-                <a16:creationId xmlns="" xmlns:a16="http://schemas.microsoft.com/office/drawing/2014/main" id="{C6D113C6-EA5C-788F-0C77-E7CE6EBB865F}"/>
+                <a16:creationId xmlns:a16="http://schemas.microsoft.com/office/drawing/2014/main" xmlns="" id="{C6D113C6-EA5C-788F-0C77-E7CE6EBB865F}"/>
               </a:ext>
             </a:extLst>
           </p:cNvPr>
@@ -6964,6 +7016,30 @@
           </a:p>
         </p:txBody>
       </p:sp>
+      <p:pic>
+        <p:nvPicPr>
+          <p:cNvPr id="2" name="그림 1"/>
+          <p:cNvPicPr>
+            <a:picLocks noChangeAspect="1"/>
+          </p:cNvPicPr>
+          <p:nvPr/>
+        </p:nvPicPr>
+        <p:blipFill>
+          <a:blip r:embed="rId4"/>
+          <a:stretch>
+            <a:fillRect/>
+          </a:stretch>
+        </p:blipFill>
+        <p:spPr>
+          <a:xfrm>
+            <a:off x="904874" y="5226620"/>
+            <a:ext cx="9338993" cy="2854560"/>
+          </a:xfrm>
+          <a:prstGeom prst="rect">
+            <a:avLst/>
+          </a:prstGeom>
+        </p:spPr>
+      </p:pic>
     </p:spTree>
     <p:extLst>
       <p:ext uri="{BB962C8B-B14F-4D97-AF65-F5344CB8AC3E}">
@@ -7006,7 +7082,7 @@
           <p:cNvPr id="4" name="TextBox 3">
             <a:extLst>
               <a:ext uri="{FF2B5EF4-FFF2-40B4-BE49-F238E27FC236}">
-                <a16:creationId xmlns="" xmlns:a16="http://schemas.microsoft.com/office/drawing/2014/main" id="{DF7DDD33-9412-2802-339A-E55446AC2DA7}"/>
+                <a16:creationId xmlns:a16="http://schemas.microsoft.com/office/drawing/2014/main" xmlns="" id="{DF7DDD33-9412-2802-339A-E55446AC2DA7}"/>
               </a:ext>
             </a:extLst>
           </p:cNvPr>
@@ -7078,7 +7154,7 @@
           <p:cNvPr id="6" name="TextBox 5">
             <a:extLst>
               <a:ext uri="{FF2B5EF4-FFF2-40B4-BE49-F238E27FC236}">
-                <a16:creationId xmlns="" xmlns:a16="http://schemas.microsoft.com/office/drawing/2014/main" id="{C6D113C6-EA5C-788F-0C77-E7CE6EBB865F}"/>
+                <a16:creationId xmlns:a16="http://schemas.microsoft.com/office/drawing/2014/main" xmlns="" id="{C6D113C6-EA5C-788F-0C77-E7CE6EBB865F}"/>
               </a:ext>
             </a:extLst>
           </p:cNvPr>
@@ -7087,8 +7163,8 @@
         </p:nvSpPr>
         <p:spPr>
           <a:xfrm>
-            <a:off x="990600" y="8572500"/>
-            <a:ext cx="16611600" cy="769441"/>
+            <a:off x="152400" y="8572500"/>
+            <a:ext cx="18288000" cy="769441"/>
           </a:xfrm>
           <a:prstGeom prst="rect">
             <a:avLst/>
@@ -7437,7 +7513,7 @@
           <p:cNvPr id="11" name="TextBox 10">
             <a:extLst>
               <a:ext uri="{FF2B5EF4-FFF2-40B4-BE49-F238E27FC236}">
-                <a16:creationId xmlns="" xmlns:a16="http://schemas.microsoft.com/office/drawing/2014/main" id="{9F88F580-08BE-88C2-D640-13F0026591CB}"/>
+                <a16:creationId xmlns:a16="http://schemas.microsoft.com/office/drawing/2014/main" xmlns="" id="{9F88F580-08BE-88C2-D640-13F0026591CB}"/>
               </a:ext>
             </a:extLst>
           </p:cNvPr>
@@ -7505,7 +7581,7 @@
           <p:cNvPr id="13" name="TextBox 12">
             <a:extLst>
               <a:ext uri="{FF2B5EF4-FFF2-40B4-BE49-F238E27FC236}">
-                <a16:creationId xmlns="" xmlns:a16="http://schemas.microsoft.com/office/drawing/2014/main" id="{72769C28-9BB6-DE9C-7B6F-264B77B8DD0E}"/>
+                <a16:creationId xmlns:a16="http://schemas.microsoft.com/office/drawing/2014/main" xmlns="" id="{72769C28-9BB6-DE9C-7B6F-264B77B8DD0E}"/>
               </a:ext>
             </a:extLst>
           </p:cNvPr>
@@ -7563,7 +7639,7 @@
           <p:cNvPr id="14" name="TextBox 13">
             <a:extLst>
               <a:ext uri="{FF2B5EF4-FFF2-40B4-BE49-F238E27FC236}">
-                <a16:creationId xmlns="" xmlns:a16="http://schemas.microsoft.com/office/drawing/2014/main" id="{270FBB6A-01CE-5637-78DA-58F0C974145C}"/>
+                <a16:creationId xmlns:a16="http://schemas.microsoft.com/office/drawing/2014/main" xmlns="" id="{270FBB6A-01CE-5637-78DA-58F0C974145C}"/>
               </a:ext>
             </a:extLst>
           </p:cNvPr>
@@ -7611,7 +7687,7 @@
           <p:cNvPr id="2" name="Object 17">
             <a:extLst>
               <a:ext uri="{FF2B5EF4-FFF2-40B4-BE49-F238E27FC236}">
-                <a16:creationId xmlns="" xmlns:a16="http://schemas.microsoft.com/office/drawing/2014/main" id="{140B283D-FE58-FA6F-6F7C-E0F1DBB62A65}"/>
+                <a16:creationId xmlns:a16="http://schemas.microsoft.com/office/drawing/2014/main" xmlns="" id="{140B283D-FE58-FA6F-6F7C-E0F1DBB62A65}"/>
               </a:ext>
             </a:extLst>
           </p:cNvPr>
@@ -7641,7 +7717,7 @@
           <p:cNvPr id="4" name="TextBox 3">
             <a:extLst>
               <a:ext uri="{FF2B5EF4-FFF2-40B4-BE49-F238E27FC236}">
-                <a16:creationId xmlns="" xmlns:a16="http://schemas.microsoft.com/office/drawing/2014/main" id="{2C8D0998-79BC-6FD2-59D9-8052B4A25F65}"/>
+                <a16:creationId xmlns:a16="http://schemas.microsoft.com/office/drawing/2014/main" xmlns="" id="{2C8D0998-79BC-6FD2-59D9-8052B4A25F65}"/>
               </a:ext>
             </a:extLst>
           </p:cNvPr>
@@ -7689,7 +7765,7 @@
           <p:cNvPr id="5" name="Object 18">
             <a:extLst>
               <a:ext uri="{FF2B5EF4-FFF2-40B4-BE49-F238E27FC236}">
-                <a16:creationId xmlns="" xmlns:a16="http://schemas.microsoft.com/office/drawing/2014/main" id="{3F58EA3E-1018-64D3-FAB2-4F6B9618FA56}"/>
+                <a16:creationId xmlns:a16="http://schemas.microsoft.com/office/drawing/2014/main" xmlns="" id="{3F58EA3E-1018-64D3-FAB2-4F6B9618FA56}"/>
               </a:ext>
             </a:extLst>
           </p:cNvPr>
@@ -7719,7 +7795,7 @@
           <p:cNvPr id="8" name="TextBox 7">
             <a:extLst>
               <a:ext uri="{FF2B5EF4-FFF2-40B4-BE49-F238E27FC236}">
-                <a16:creationId xmlns="" xmlns:a16="http://schemas.microsoft.com/office/drawing/2014/main" id="{681D3F16-7DCF-41AD-F5F1-0558C78C0E4D}"/>
+                <a16:creationId xmlns:a16="http://schemas.microsoft.com/office/drawing/2014/main" xmlns="" id="{681D3F16-7DCF-41AD-F5F1-0558C78C0E4D}"/>
               </a:ext>
             </a:extLst>
           </p:cNvPr>
@@ -7987,7 +8063,7 @@
           <p:cNvPr id="2" name="TextBox 1">
             <a:extLst>
               <a:ext uri="{FF2B5EF4-FFF2-40B4-BE49-F238E27FC236}">
-                <a16:creationId xmlns="" xmlns:a16="http://schemas.microsoft.com/office/drawing/2014/main" id="{76F36AE5-79B5-0B9F-E510-1C27AAC4B649}"/>
+                <a16:creationId xmlns:a16="http://schemas.microsoft.com/office/drawing/2014/main" xmlns="" id="{76F36AE5-79B5-0B9F-E510-1C27AAC4B649}"/>
               </a:ext>
             </a:extLst>
           </p:cNvPr>
@@ -8072,7 +8148,7 @@
           <p:cNvPr id="4" name="TextBox 3">
             <a:extLst>
               <a:ext uri="{FF2B5EF4-FFF2-40B4-BE49-F238E27FC236}">
-                <a16:creationId xmlns="" xmlns:a16="http://schemas.microsoft.com/office/drawing/2014/main" id="{DF7DDD33-9412-2802-339A-E55446AC2DA7}"/>
+                <a16:creationId xmlns:a16="http://schemas.microsoft.com/office/drawing/2014/main" xmlns="" id="{DF7DDD33-9412-2802-339A-E55446AC2DA7}"/>
               </a:ext>
             </a:extLst>
           </p:cNvPr>
@@ -8213,7 +8289,7 @@
           <p:cNvPr id="59" name="그룹 1018">
             <a:extLst>
               <a:ext uri="{FF2B5EF4-FFF2-40B4-BE49-F238E27FC236}">
-                <a16:creationId xmlns="" xmlns:a16="http://schemas.microsoft.com/office/drawing/2014/main" id="{0804D430-F42E-AE32-A065-FFA8C471F092}"/>
+                <a16:creationId xmlns:a16="http://schemas.microsoft.com/office/drawing/2014/main" xmlns="" id="{0804D430-F42E-AE32-A065-FFA8C471F092}"/>
               </a:ext>
             </a:extLst>
           </p:cNvPr>
@@ -8233,7 +8309,7 @@
             <p:cNvPr id="60" name="Object 61">
               <a:extLst>
                 <a:ext uri="{FF2B5EF4-FFF2-40B4-BE49-F238E27FC236}">
-                  <a16:creationId xmlns="" xmlns:a16="http://schemas.microsoft.com/office/drawing/2014/main" id="{334A4C3A-641C-7CD9-8FEE-5EC92B28D640}"/>
+                  <a16:creationId xmlns:a16="http://schemas.microsoft.com/office/drawing/2014/main" xmlns="" id="{334A4C3A-641C-7CD9-8FEE-5EC92B28D640}"/>
                 </a:ext>
               </a:extLst>
             </p:cNvPr>
@@ -8264,7 +8340,7 @@
           <p:cNvPr id="61" name="그룹 1018">
             <a:extLst>
               <a:ext uri="{FF2B5EF4-FFF2-40B4-BE49-F238E27FC236}">
-                <a16:creationId xmlns="" xmlns:a16="http://schemas.microsoft.com/office/drawing/2014/main" id="{0804D430-F42E-AE32-A065-FFA8C471F092}"/>
+                <a16:creationId xmlns:a16="http://schemas.microsoft.com/office/drawing/2014/main" xmlns="" id="{0804D430-F42E-AE32-A065-FFA8C471F092}"/>
               </a:ext>
             </a:extLst>
           </p:cNvPr>
@@ -8284,7 +8360,7 @@
             <p:cNvPr id="62" name="Object 61">
               <a:extLst>
                 <a:ext uri="{FF2B5EF4-FFF2-40B4-BE49-F238E27FC236}">
-                  <a16:creationId xmlns="" xmlns:a16="http://schemas.microsoft.com/office/drawing/2014/main" id="{334A4C3A-641C-7CD9-8FEE-5EC92B28D640}"/>
+                  <a16:creationId xmlns:a16="http://schemas.microsoft.com/office/drawing/2014/main" xmlns="" id="{334A4C3A-641C-7CD9-8FEE-5EC92B28D640}"/>
                 </a:ext>
               </a:extLst>
             </p:cNvPr>
@@ -8315,7 +8391,7 @@
           <p:cNvPr id="63" name="TextBox 62">
             <a:extLst>
               <a:ext uri="{FF2B5EF4-FFF2-40B4-BE49-F238E27FC236}">
-                <a16:creationId xmlns="" xmlns:a16="http://schemas.microsoft.com/office/drawing/2014/main" id="{52176D31-35F7-8916-46FA-6095EFEC1E49}"/>
+                <a16:creationId xmlns:a16="http://schemas.microsoft.com/office/drawing/2014/main" xmlns="" id="{52176D31-35F7-8916-46FA-6095EFEC1E49}"/>
               </a:ext>
             </a:extLst>
           </p:cNvPr>
@@ -8369,7 +8445,7 @@
           <p:cNvPr id="64" name="TextBox 63">
             <a:extLst>
               <a:ext uri="{FF2B5EF4-FFF2-40B4-BE49-F238E27FC236}">
-                <a16:creationId xmlns="" xmlns:a16="http://schemas.microsoft.com/office/drawing/2014/main" id="{52176D31-35F7-8916-46FA-6095EFEC1E49}"/>
+                <a16:creationId xmlns:a16="http://schemas.microsoft.com/office/drawing/2014/main" xmlns="" id="{52176D31-35F7-8916-46FA-6095EFEC1E49}"/>
               </a:ext>
             </a:extLst>
           </p:cNvPr>
@@ -8436,7 +8512,7 @@
           <p:cNvPr id="65" name="TextBox 64">
             <a:extLst>
               <a:ext uri="{FF2B5EF4-FFF2-40B4-BE49-F238E27FC236}">
-                <a16:creationId xmlns="" xmlns:a16="http://schemas.microsoft.com/office/drawing/2014/main" id="{52176D31-35F7-8916-46FA-6095EFEC1E49}"/>
+                <a16:creationId xmlns:a16="http://schemas.microsoft.com/office/drawing/2014/main" xmlns="" id="{52176D31-35F7-8916-46FA-6095EFEC1E49}"/>
               </a:ext>
             </a:extLst>
           </p:cNvPr>
@@ -8535,7 +8611,7 @@
           <p:cNvPr id="66" name="TextBox 65">
             <a:extLst>
               <a:ext uri="{FF2B5EF4-FFF2-40B4-BE49-F238E27FC236}">
-                <a16:creationId xmlns="" xmlns:a16="http://schemas.microsoft.com/office/drawing/2014/main" id="{52176D31-35F7-8916-46FA-6095EFEC1E49}"/>
+                <a16:creationId xmlns:a16="http://schemas.microsoft.com/office/drawing/2014/main" xmlns="" id="{52176D31-35F7-8916-46FA-6095EFEC1E49}"/>
               </a:ext>
             </a:extLst>
           </p:cNvPr>
@@ -8695,7 +8771,7 @@
           <p:cNvPr id="16" name="직사각형 15">
             <a:extLst>
               <a:ext uri="{FF2B5EF4-FFF2-40B4-BE49-F238E27FC236}">
-                <a16:creationId xmlns="" xmlns:a16="http://schemas.microsoft.com/office/drawing/2014/main" id="{FFF506F9-840A-0508-4CAF-3AC711D8D5CE}"/>
+                <a16:creationId xmlns:a16="http://schemas.microsoft.com/office/drawing/2014/main" xmlns="" id="{FFF506F9-840A-0508-4CAF-3AC711D8D5CE}"/>
               </a:ext>
             </a:extLst>
           </p:cNvPr>
@@ -8747,7 +8823,7 @@
           <p:cNvPr id="18" name="직사각형 17">
             <a:extLst>
               <a:ext uri="{FF2B5EF4-FFF2-40B4-BE49-F238E27FC236}">
-                <a16:creationId xmlns="" xmlns:a16="http://schemas.microsoft.com/office/drawing/2014/main" id="{FFF506F9-840A-0508-4CAF-3AC711D8D5CE}"/>
+                <a16:creationId xmlns:a16="http://schemas.microsoft.com/office/drawing/2014/main" xmlns="" id="{FFF506F9-840A-0508-4CAF-3AC711D8D5CE}"/>
               </a:ext>
             </a:extLst>
           </p:cNvPr>
@@ -8823,7 +8899,7 @@
           <p:cNvPr id="22" name="TextBox 21">
             <a:extLst>
               <a:ext uri="{FF2B5EF4-FFF2-40B4-BE49-F238E27FC236}">
-                <a16:creationId xmlns="" xmlns:a16="http://schemas.microsoft.com/office/drawing/2014/main" id="{C6D113C6-EA5C-788F-0C77-E7CE6EBB865F}"/>
+                <a16:creationId xmlns:a16="http://schemas.microsoft.com/office/drawing/2014/main" xmlns="" id="{C6D113C6-EA5C-788F-0C77-E7CE6EBB865F}"/>
               </a:ext>
             </a:extLst>
           </p:cNvPr>
@@ -8918,7 +8994,7 @@
           <p:cNvPr id="4" name="TextBox 3">
             <a:extLst>
               <a:ext uri="{FF2B5EF4-FFF2-40B4-BE49-F238E27FC236}">
-                <a16:creationId xmlns="" xmlns:a16="http://schemas.microsoft.com/office/drawing/2014/main" id="{5ADC00B6-990A-40DC-3CEA-505258F5E8DA}"/>
+                <a16:creationId xmlns:a16="http://schemas.microsoft.com/office/drawing/2014/main" xmlns="" id="{5ADC00B6-990A-40DC-3CEA-505258F5E8DA}"/>
               </a:ext>
             </a:extLst>
           </p:cNvPr>
@@ -8983,7 +9059,7 @@
           <p:cNvPr id="6" name="TextBox 5">
             <a:extLst>
               <a:ext uri="{FF2B5EF4-FFF2-40B4-BE49-F238E27FC236}">
-                <a16:creationId xmlns="" xmlns:a16="http://schemas.microsoft.com/office/drawing/2014/main" id="{52176D31-35F7-8916-46FA-6095EFEC1E49}"/>
+                <a16:creationId xmlns:a16="http://schemas.microsoft.com/office/drawing/2014/main" xmlns="" id="{52176D31-35F7-8916-46FA-6095EFEC1E49}"/>
               </a:ext>
             </a:extLst>
           </p:cNvPr>
@@ -9115,7 +9191,7 @@
           <p:cNvPr id="7" name="TextBox 6">
             <a:extLst>
               <a:ext uri="{FF2B5EF4-FFF2-40B4-BE49-F238E27FC236}">
-                <a16:creationId xmlns="" xmlns:a16="http://schemas.microsoft.com/office/drawing/2014/main" id="{52176D31-35F7-8916-46FA-6095EFEC1E49}"/>
+                <a16:creationId xmlns:a16="http://schemas.microsoft.com/office/drawing/2014/main" xmlns="" id="{52176D31-35F7-8916-46FA-6095EFEC1E49}"/>
               </a:ext>
             </a:extLst>
           </p:cNvPr>
@@ -9243,7 +9319,7 @@
           <p:cNvPr id="5" name="직선 화살표 연결선 4">
             <a:extLst>
               <a:ext uri="{FF2B5EF4-FFF2-40B4-BE49-F238E27FC236}">
-                <a16:creationId xmlns="" xmlns:a16="http://schemas.microsoft.com/office/drawing/2014/main" id="{299DF5EC-9DF4-5255-06AC-0A7CE4FF58C3}"/>
+                <a16:creationId xmlns:a16="http://schemas.microsoft.com/office/drawing/2014/main" xmlns="" id="{299DF5EC-9DF4-5255-06AC-0A7CE4FF58C3}"/>
               </a:ext>
             </a:extLst>
           </p:cNvPr>
@@ -9284,7 +9360,7 @@
           <p:cNvPr id="6" name="직사각형 5">
             <a:extLst>
               <a:ext uri="{FF2B5EF4-FFF2-40B4-BE49-F238E27FC236}">
-                <a16:creationId xmlns="" xmlns:a16="http://schemas.microsoft.com/office/drawing/2014/main" id="{FFF506F9-840A-0508-4CAF-3AC711D8D5CE}"/>
+                <a16:creationId xmlns:a16="http://schemas.microsoft.com/office/drawing/2014/main" xmlns="" id="{FFF506F9-840A-0508-4CAF-3AC711D8D5CE}"/>
               </a:ext>
             </a:extLst>
           </p:cNvPr>
@@ -9336,7 +9412,7 @@
           <p:cNvPr id="7" name="TextBox 6">
             <a:extLst>
               <a:ext uri="{FF2B5EF4-FFF2-40B4-BE49-F238E27FC236}">
-                <a16:creationId xmlns="" xmlns:a16="http://schemas.microsoft.com/office/drawing/2014/main" id="{C6D113C6-EA5C-788F-0C77-E7CE6EBB865F}"/>
+                <a16:creationId xmlns:a16="http://schemas.microsoft.com/office/drawing/2014/main" xmlns="" id="{C6D113C6-EA5C-788F-0C77-E7CE6EBB865F}"/>
               </a:ext>
             </a:extLst>
           </p:cNvPr>
@@ -9384,7 +9460,7 @@
           <p:cNvPr id="8" name="직선 화살표 연결선 7">
             <a:extLst>
               <a:ext uri="{FF2B5EF4-FFF2-40B4-BE49-F238E27FC236}">
-                <a16:creationId xmlns="" xmlns:a16="http://schemas.microsoft.com/office/drawing/2014/main" id="{299DF5EC-9DF4-5255-06AC-0A7CE4FF58C3}"/>
+                <a16:creationId xmlns:a16="http://schemas.microsoft.com/office/drawing/2014/main" xmlns="" id="{299DF5EC-9DF4-5255-06AC-0A7CE4FF58C3}"/>
               </a:ext>
             </a:extLst>
           </p:cNvPr>
@@ -9426,7 +9502,7 @@
           <p:cNvPr id="9" name="직사각형 8">
             <a:extLst>
               <a:ext uri="{FF2B5EF4-FFF2-40B4-BE49-F238E27FC236}">
-                <a16:creationId xmlns="" xmlns:a16="http://schemas.microsoft.com/office/drawing/2014/main" id="{FFF506F9-840A-0508-4CAF-3AC711D8D5CE}"/>
+                <a16:creationId xmlns:a16="http://schemas.microsoft.com/office/drawing/2014/main" xmlns="" id="{FFF506F9-840A-0508-4CAF-3AC711D8D5CE}"/>
               </a:ext>
             </a:extLst>
           </p:cNvPr>
@@ -9515,7 +9591,7 @@
           <p:cNvPr id="4" name="TextBox 3">
             <a:extLst>
               <a:ext uri="{FF2B5EF4-FFF2-40B4-BE49-F238E27FC236}">
-                <a16:creationId xmlns="" xmlns:a16="http://schemas.microsoft.com/office/drawing/2014/main" id="{DF7DDD33-9412-2802-339A-E55446AC2DA7}"/>
+                <a16:creationId xmlns:a16="http://schemas.microsoft.com/office/drawing/2014/main" xmlns="" id="{DF7DDD33-9412-2802-339A-E55446AC2DA7}"/>
               </a:ext>
             </a:extLst>
           </p:cNvPr>
@@ -9645,9 +9721,109 @@
           <a:chExt cx="0" cy="0"/>
         </a:xfrm>
       </p:grpSpPr>
+      <p:sp>
+        <p:nvSpPr>
+          <p:cNvPr id="5" name="TextBox 4">
+            <a:extLst>
+              <a:ext uri="{FF2B5EF4-FFF2-40B4-BE49-F238E27FC236}">
+                <a16:creationId xmlns:a16="http://schemas.microsoft.com/office/drawing/2014/main" xmlns="" id="{C6D113C6-EA5C-788F-0C77-E7CE6EBB865F}"/>
+              </a:ext>
+            </a:extLst>
+          </p:cNvPr>
+          <p:cNvSpPr txBox="1"/>
+          <p:nvPr/>
+        </p:nvSpPr>
+        <p:spPr>
+          <a:xfrm>
+            <a:off x="914400" y="7581900"/>
+            <a:ext cx="16154400" cy="1446550"/>
+          </a:xfrm>
+          <a:prstGeom prst="rect">
+            <a:avLst/>
+          </a:prstGeom>
+          <a:noFill/>
+        </p:spPr>
+        <p:txBody>
+          <a:bodyPr wrap="square" rtlCol="0">
+            <a:spAutoFit/>
+          </a:bodyPr>
+          <a:lstStyle/>
+          <a:p>
+            <a:r>
+              <a:rPr lang="ko-KR" altLang="en-US" sz="4400">
+                <a:solidFill>
+                  <a:srgbClr val="FF0000"/>
+                </a:solidFill>
+                <a:latin typeface="G마켓 산스 Medium" panose="02000000000000000000" pitchFamily="50" charset="-127"/>
+                <a:ea typeface="G마켓 산스 Medium" panose="02000000000000000000" pitchFamily="50" charset="-127"/>
+              </a:rPr>
+              <a:t>객체 마다 다른값을 가져야 하는 상수일경우</a:t>
+            </a:r>
+            <a:r>
+              <a:rPr lang="en-US" altLang="ko-KR" sz="4400">
+                <a:solidFill>
+                  <a:srgbClr val="FF0000"/>
+                </a:solidFill>
+                <a:latin typeface="G마켓 산스 Medium" panose="02000000000000000000" pitchFamily="50" charset="-127"/>
+                <a:ea typeface="G마켓 산스 Medium" panose="02000000000000000000" pitchFamily="50" charset="-127"/>
+              </a:rPr>
+              <a:t>... </a:t>
+            </a:r>
+            <a:r>
+              <a:rPr lang="ko-KR" altLang="en-US" sz="4400">
+                <a:solidFill>
+                  <a:srgbClr val="FF0000"/>
+                </a:solidFill>
+                <a:latin typeface="G마켓 산스 Medium" panose="02000000000000000000" pitchFamily="50" charset="-127"/>
+                <a:ea typeface="G마켓 산스 Medium" panose="02000000000000000000" pitchFamily="50" charset="-127"/>
+              </a:rPr>
+              <a:t>불가능해진다</a:t>
+            </a:r>
+            <a:r>
+              <a:rPr lang="en-US" altLang="ko-KR" sz="4400">
+                <a:solidFill>
+                  <a:srgbClr val="FF0000"/>
+                </a:solidFill>
+                <a:latin typeface="G마켓 산스 Medium" panose="02000000000000000000" pitchFamily="50" charset="-127"/>
+                <a:ea typeface="G마켓 산스 Medium" panose="02000000000000000000" pitchFamily="50" charset="-127"/>
+              </a:rPr>
+              <a:t>.</a:t>
+            </a:r>
+          </a:p>
+          <a:p>
+            <a:r>
+              <a:rPr lang="en-US" altLang="ko-KR" sz="4400">
+                <a:solidFill>
+                  <a:srgbClr val="FF0000"/>
+                </a:solidFill>
+                <a:latin typeface="G마켓 산스 Medium" panose="02000000000000000000" pitchFamily="50" charset="-127"/>
+                <a:ea typeface="G마켓 산스 Medium" panose="02000000000000000000" pitchFamily="50" charset="-127"/>
+              </a:rPr>
+              <a:t>ex) </a:t>
+            </a:r>
+            <a:r>
+              <a:rPr lang="ko-KR" altLang="en-US" sz="4400">
+                <a:solidFill>
+                  <a:srgbClr val="FF0000"/>
+                </a:solidFill>
+                <a:latin typeface="G마켓 산스 Medium" panose="02000000000000000000" pitchFamily="50" charset="-127"/>
+                <a:ea typeface="G마켓 산스 Medium" panose="02000000000000000000" pitchFamily="50" charset="-127"/>
+              </a:rPr>
+              <a:t>주민번호</a:t>
+            </a:r>
+            <a:endParaRPr lang="en-US" altLang="ko-KR" sz="4400" dirty="0">
+              <a:solidFill>
+                <a:srgbClr val="FF0000"/>
+              </a:solidFill>
+              <a:latin typeface="G마켓 산스 Medium" panose="02000000000000000000" pitchFamily="50" charset="-127"/>
+              <a:ea typeface="G마켓 산스 Medium" panose="02000000000000000000" pitchFamily="50" charset="-127"/>
+            </a:endParaRPr>
+          </a:p>
+        </p:txBody>
+      </p:sp>
       <p:pic>
         <p:nvPicPr>
-          <p:cNvPr id="4" name="그림 3"/>
+          <p:cNvPr id="3" name="그림 2"/>
           <p:cNvPicPr>
             <a:picLocks noChangeAspect="1"/>
           </p:cNvPicPr>
@@ -9661,114 +9837,14 @@
         </p:blipFill>
         <p:spPr>
           <a:xfrm>
-            <a:off x="1447800" y="1104900"/>
-            <a:ext cx="7103286" cy="3276600"/>
+            <a:off x="910882" y="419100"/>
+            <a:ext cx="12710261" cy="6781800"/>
           </a:xfrm>
           <a:prstGeom prst="rect">
             <a:avLst/>
           </a:prstGeom>
         </p:spPr>
       </p:pic>
-      <p:sp>
-        <p:nvSpPr>
-          <p:cNvPr id="5" name="TextBox 4">
-            <a:extLst>
-              <a:ext uri="{FF2B5EF4-FFF2-40B4-BE49-F238E27FC236}">
-                <a16:creationId xmlns="" xmlns:a16="http://schemas.microsoft.com/office/drawing/2014/main" id="{C6D113C6-EA5C-788F-0C77-E7CE6EBB865F}"/>
-              </a:ext>
-            </a:extLst>
-          </p:cNvPr>
-          <p:cNvSpPr txBox="1"/>
-          <p:nvPr/>
-        </p:nvSpPr>
-        <p:spPr>
-          <a:xfrm>
-            <a:off x="1295400" y="6972300"/>
-            <a:ext cx="16154400" cy="1446550"/>
-          </a:xfrm>
-          <a:prstGeom prst="rect">
-            <a:avLst/>
-          </a:prstGeom>
-          <a:noFill/>
-        </p:spPr>
-        <p:txBody>
-          <a:bodyPr wrap="square" rtlCol="0">
-            <a:spAutoFit/>
-          </a:bodyPr>
-          <a:lstStyle/>
-          <a:p>
-            <a:r>
-              <a:rPr lang="ko-KR" altLang="en-US" sz="4400">
-                <a:solidFill>
-                  <a:srgbClr val="FF0000"/>
-                </a:solidFill>
-                <a:latin typeface="G마켓 산스 Medium" panose="02000000000000000000" pitchFamily="50" charset="-127"/>
-                <a:ea typeface="G마켓 산스 Medium" panose="02000000000000000000" pitchFamily="50" charset="-127"/>
-              </a:rPr>
-              <a:t>객체 마다 다른값을 가져야 하는 상수일경우</a:t>
-            </a:r>
-            <a:r>
-              <a:rPr lang="en-US" altLang="ko-KR" sz="4400">
-                <a:solidFill>
-                  <a:srgbClr val="FF0000"/>
-                </a:solidFill>
-                <a:latin typeface="G마켓 산스 Medium" panose="02000000000000000000" pitchFamily="50" charset="-127"/>
-                <a:ea typeface="G마켓 산스 Medium" panose="02000000000000000000" pitchFamily="50" charset="-127"/>
-              </a:rPr>
-              <a:t>... </a:t>
-            </a:r>
-            <a:r>
-              <a:rPr lang="ko-KR" altLang="en-US" sz="4400">
-                <a:solidFill>
-                  <a:srgbClr val="FF0000"/>
-                </a:solidFill>
-                <a:latin typeface="G마켓 산스 Medium" panose="02000000000000000000" pitchFamily="50" charset="-127"/>
-                <a:ea typeface="G마켓 산스 Medium" panose="02000000000000000000" pitchFamily="50" charset="-127"/>
-              </a:rPr>
-              <a:t>불가능해진다</a:t>
-            </a:r>
-            <a:r>
-              <a:rPr lang="en-US" altLang="ko-KR" sz="4400">
-                <a:solidFill>
-                  <a:srgbClr val="FF0000"/>
-                </a:solidFill>
-                <a:latin typeface="G마켓 산스 Medium" panose="02000000000000000000" pitchFamily="50" charset="-127"/>
-                <a:ea typeface="G마켓 산스 Medium" panose="02000000000000000000" pitchFamily="50" charset="-127"/>
-              </a:rPr>
-              <a:t>.</a:t>
-            </a:r>
-          </a:p>
-          <a:p>
-            <a:r>
-              <a:rPr lang="en-US" altLang="ko-KR" sz="4400">
-                <a:solidFill>
-                  <a:srgbClr val="FF0000"/>
-                </a:solidFill>
-                <a:latin typeface="G마켓 산스 Medium" panose="02000000000000000000" pitchFamily="50" charset="-127"/>
-                <a:ea typeface="G마켓 산스 Medium" panose="02000000000000000000" pitchFamily="50" charset="-127"/>
-              </a:rPr>
-              <a:t>ex) </a:t>
-            </a:r>
-            <a:r>
-              <a:rPr lang="ko-KR" altLang="en-US" sz="4400">
-                <a:solidFill>
-                  <a:srgbClr val="FF0000"/>
-                </a:solidFill>
-                <a:latin typeface="G마켓 산스 Medium" panose="02000000000000000000" pitchFamily="50" charset="-127"/>
-                <a:ea typeface="G마켓 산스 Medium" panose="02000000000000000000" pitchFamily="50" charset="-127"/>
-              </a:rPr>
-              <a:t>주민번호</a:t>
-            </a:r>
-            <a:endParaRPr lang="en-US" altLang="ko-KR" sz="4400" dirty="0">
-              <a:solidFill>
-                <a:srgbClr val="FF0000"/>
-              </a:solidFill>
-              <a:latin typeface="G마켓 산스 Medium" panose="02000000000000000000" pitchFamily="50" charset="-127"/>
-              <a:ea typeface="G마켓 산스 Medium" panose="02000000000000000000" pitchFamily="50" charset="-127"/>
-            </a:endParaRPr>
-          </a:p>
-        </p:txBody>
-      </p:sp>
     </p:spTree>
     <p:extLst>
       <p:ext uri="{BB962C8B-B14F-4D97-AF65-F5344CB8AC3E}">
@@ -9811,7 +9887,7 @@
           <p:cNvPr id="4" name="TextBox 3">
             <a:extLst>
               <a:ext uri="{FF2B5EF4-FFF2-40B4-BE49-F238E27FC236}">
-                <a16:creationId xmlns="" xmlns:a16="http://schemas.microsoft.com/office/drawing/2014/main" id="{5ADC00B6-990A-40DC-3CEA-505258F5E8DA}"/>
+                <a16:creationId xmlns:a16="http://schemas.microsoft.com/office/drawing/2014/main" xmlns="" id="{5ADC00B6-990A-40DC-3CEA-505258F5E8DA}"/>
               </a:ext>
             </a:extLst>
           </p:cNvPr>
@@ -9852,7 +9928,7 @@
           <p:cNvPr id="5" name="TextBox 4">
             <a:extLst>
               <a:ext uri="{FF2B5EF4-FFF2-40B4-BE49-F238E27FC236}">
-                <a16:creationId xmlns="" xmlns:a16="http://schemas.microsoft.com/office/drawing/2014/main" id="{52176D31-35F7-8916-46FA-6095EFEC1E49}"/>
+                <a16:creationId xmlns:a16="http://schemas.microsoft.com/office/drawing/2014/main" xmlns="" id="{52176D31-35F7-8916-46FA-6095EFEC1E49}"/>
               </a:ext>
             </a:extLst>
           </p:cNvPr>
@@ -10048,7 +10124,7 @@
           <p:cNvPr id="4" name="TextBox 3">
             <a:extLst>
               <a:ext uri="{FF2B5EF4-FFF2-40B4-BE49-F238E27FC236}">
-                <a16:creationId xmlns="" xmlns:a16="http://schemas.microsoft.com/office/drawing/2014/main" id="{5ADC00B6-990A-40DC-3CEA-505258F5E8DA}"/>
+                <a16:creationId xmlns:a16="http://schemas.microsoft.com/office/drawing/2014/main" xmlns="" id="{5ADC00B6-990A-40DC-3CEA-505258F5E8DA}"/>
               </a:ext>
             </a:extLst>
           </p:cNvPr>
@@ -10089,7 +10165,7 @@
           <p:cNvPr id="5" name="TextBox 4">
             <a:extLst>
               <a:ext uri="{FF2B5EF4-FFF2-40B4-BE49-F238E27FC236}">
-                <a16:creationId xmlns="" xmlns:a16="http://schemas.microsoft.com/office/drawing/2014/main" id="{52176D31-35F7-8916-46FA-6095EFEC1E49}"/>
+                <a16:creationId xmlns:a16="http://schemas.microsoft.com/office/drawing/2014/main" xmlns="" id="{52176D31-35F7-8916-46FA-6095EFEC1E49}"/>
               </a:ext>
             </a:extLst>
           </p:cNvPr>
@@ -10359,7 +10435,7 @@
           <p:cNvPr id="10" name="TextBox 9">
             <a:extLst>
               <a:ext uri="{FF2B5EF4-FFF2-40B4-BE49-F238E27FC236}">
-                <a16:creationId xmlns="" xmlns:a16="http://schemas.microsoft.com/office/drawing/2014/main" id="{5ADC00B6-990A-40DC-3CEA-505258F5E8DA}"/>
+                <a16:creationId xmlns:a16="http://schemas.microsoft.com/office/drawing/2014/main" xmlns="" id="{5ADC00B6-990A-40DC-3CEA-505258F5E8DA}"/>
               </a:ext>
             </a:extLst>
           </p:cNvPr>
@@ -10407,7 +10483,7 @@
           <p:cNvPr id="11" name="TextBox 10">
             <a:extLst>
               <a:ext uri="{FF2B5EF4-FFF2-40B4-BE49-F238E27FC236}">
-                <a16:creationId xmlns="" xmlns:a16="http://schemas.microsoft.com/office/drawing/2014/main" id="{52176D31-35F7-8916-46FA-6095EFEC1E49}"/>
+                <a16:creationId xmlns:a16="http://schemas.microsoft.com/office/drawing/2014/main" xmlns="" id="{52176D31-35F7-8916-46FA-6095EFEC1E49}"/>
               </a:ext>
             </a:extLst>
           </p:cNvPr>
@@ -10500,7 +10576,7 @@
           <p:cNvPr id="13" name="직사각형 12">
             <a:extLst>
               <a:ext uri="{FF2B5EF4-FFF2-40B4-BE49-F238E27FC236}">
-                <a16:creationId xmlns="" xmlns:a16="http://schemas.microsoft.com/office/drawing/2014/main" id="{FFF506F9-840A-0508-4CAF-3AC711D8D5CE}"/>
+                <a16:creationId xmlns:a16="http://schemas.microsoft.com/office/drawing/2014/main" xmlns="" id="{FFF506F9-840A-0508-4CAF-3AC711D8D5CE}"/>
               </a:ext>
             </a:extLst>
           </p:cNvPr>
@@ -10552,7 +10628,7 @@
           <p:cNvPr id="17" name="직선 화살표 연결선 16">
             <a:extLst>
               <a:ext uri="{FF2B5EF4-FFF2-40B4-BE49-F238E27FC236}">
-                <a16:creationId xmlns="" xmlns:a16="http://schemas.microsoft.com/office/drawing/2014/main" id="{299DF5EC-9DF4-5255-06AC-0A7CE4FF58C3}"/>
+                <a16:creationId xmlns:a16="http://schemas.microsoft.com/office/drawing/2014/main" xmlns="" id="{299DF5EC-9DF4-5255-06AC-0A7CE4FF58C3}"/>
               </a:ext>
             </a:extLst>
           </p:cNvPr>
@@ -10593,7 +10669,7 @@
           <p:cNvPr id="18" name="TextBox 17">
             <a:extLst>
               <a:ext uri="{FF2B5EF4-FFF2-40B4-BE49-F238E27FC236}">
-                <a16:creationId xmlns="" xmlns:a16="http://schemas.microsoft.com/office/drawing/2014/main" id="{C6D113C6-EA5C-788F-0C77-E7CE6EBB865F}"/>
+                <a16:creationId xmlns:a16="http://schemas.microsoft.com/office/drawing/2014/main" xmlns="" id="{C6D113C6-EA5C-788F-0C77-E7CE6EBB865F}"/>
               </a:ext>
             </a:extLst>
           </p:cNvPr>
@@ -10664,7 +10740,7 @@
           <p:cNvPr id="19" name="TextBox 18">
             <a:extLst>
               <a:ext uri="{FF2B5EF4-FFF2-40B4-BE49-F238E27FC236}">
-                <a16:creationId xmlns="" xmlns:a16="http://schemas.microsoft.com/office/drawing/2014/main" id="{C6D113C6-EA5C-788F-0C77-E7CE6EBB865F}"/>
+                <a16:creationId xmlns:a16="http://schemas.microsoft.com/office/drawing/2014/main" xmlns="" id="{C6D113C6-EA5C-788F-0C77-E7CE6EBB865F}"/>
               </a:ext>
             </a:extLst>
           </p:cNvPr>
@@ -10712,7 +10788,7 @@
           <p:cNvPr id="20" name="직선 화살표 연결선 19">
             <a:extLst>
               <a:ext uri="{FF2B5EF4-FFF2-40B4-BE49-F238E27FC236}">
-                <a16:creationId xmlns="" xmlns:a16="http://schemas.microsoft.com/office/drawing/2014/main" id="{299DF5EC-9DF4-5255-06AC-0A7CE4FF58C3}"/>
+                <a16:creationId xmlns:a16="http://schemas.microsoft.com/office/drawing/2014/main" xmlns="" id="{299DF5EC-9DF4-5255-06AC-0A7CE4FF58C3}"/>
               </a:ext>
             </a:extLst>
           </p:cNvPr>
@@ -11076,7 +11152,7 @@
           <p:cNvPr id="2" name="TextBox 1">
             <a:extLst>
               <a:ext uri="{FF2B5EF4-FFF2-40B4-BE49-F238E27FC236}">
-                <a16:creationId xmlns="" xmlns:a16="http://schemas.microsoft.com/office/drawing/2014/main" id="{8D19D88B-9541-32D7-90F1-0C45C993E21C}"/>
+                <a16:creationId xmlns:a16="http://schemas.microsoft.com/office/drawing/2014/main" xmlns="" id="{8D19D88B-9541-32D7-90F1-0C45C993E21C}"/>
               </a:ext>
             </a:extLst>
           </p:cNvPr>
@@ -11190,7 +11266,7 @@
           <p:cNvPr id="9" name="직사각형 8">
             <a:extLst>
               <a:ext uri="{FF2B5EF4-FFF2-40B4-BE49-F238E27FC236}">
-                <a16:creationId xmlns="" xmlns:a16="http://schemas.microsoft.com/office/drawing/2014/main" id="{FFF506F9-840A-0508-4CAF-3AC711D8D5CE}"/>
+                <a16:creationId xmlns:a16="http://schemas.microsoft.com/office/drawing/2014/main" xmlns="" id="{FFF506F9-840A-0508-4CAF-3AC711D8D5CE}"/>
               </a:ext>
             </a:extLst>
           </p:cNvPr>
@@ -11242,7 +11318,7 @@
           <p:cNvPr id="10" name="직선 화살표 연결선 9">
             <a:extLst>
               <a:ext uri="{FF2B5EF4-FFF2-40B4-BE49-F238E27FC236}">
-                <a16:creationId xmlns="" xmlns:a16="http://schemas.microsoft.com/office/drawing/2014/main" id="{299DF5EC-9DF4-5255-06AC-0A7CE4FF58C3}"/>
+                <a16:creationId xmlns:a16="http://schemas.microsoft.com/office/drawing/2014/main" xmlns="" id="{299DF5EC-9DF4-5255-06AC-0A7CE4FF58C3}"/>
               </a:ext>
             </a:extLst>
           </p:cNvPr>
@@ -11283,7 +11359,7 @@
           <p:cNvPr id="11" name="TextBox 10">
             <a:extLst>
               <a:ext uri="{FF2B5EF4-FFF2-40B4-BE49-F238E27FC236}">
-                <a16:creationId xmlns="" xmlns:a16="http://schemas.microsoft.com/office/drawing/2014/main" id="{C6D113C6-EA5C-788F-0C77-E7CE6EBB865F}"/>
+                <a16:creationId xmlns:a16="http://schemas.microsoft.com/office/drawing/2014/main" xmlns="" id="{C6D113C6-EA5C-788F-0C77-E7CE6EBB865F}"/>
               </a:ext>
             </a:extLst>
           </p:cNvPr>
@@ -11371,7 +11447,7 @@
           <p:cNvPr id="15" name="TextBox 14">
             <a:extLst>
               <a:ext uri="{FF2B5EF4-FFF2-40B4-BE49-F238E27FC236}">
-                <a16:creationId xmlns="" xmlns:a16="http://schemas.microsoft.com/office/drawing/2014/main" id="{C6D113C6-EA5C-788F-0C77-E7CE6EBB865F}"/>
+                <a16:creationId xmlns:a16="http://schemas.microsoft.com/office/drawing/2014/main" xmlns="" id="{C6D113C6-EA5C-788F-0C77-E7CE6EBB865F}"/>
               </a:ext>
             </a:extLst>
           </p:cNvPr>
@@ -11419,7 +11495,7 @@
           <p:cNvPr id="16" name="직선 화살표 연결선 15">
             <a:extLst>
               <a:ext uri="{FF2B5EF4-FFF2-40B4-BE49-F238E27FC236}">
-                <a16:creationId xmlns="" xmlns:a16="http://schemas.microsoft.com/office/drawing/2014/main" id="{299DF5EC-9DF4-5255-06AC-0A7CE4FF58C3}"/>
+                <a16:creationId xmlns:a16="http://schemas.microsoft.com/office/drawing/2014/main" xmlns="" id="{299DF5EC-9DF4-5255-06AC-0A7CE4FF58C3}"/>
               </a:ext>
             </a:extLst>
           </p:cNvPr>
@@ -11595,7 +11671,7 @@
           <p:cNvPr id="4" name="TextBox 3">
             <a:extLst>
               <a:ext uri="{FF2B5EF4-FFF2-40B4-BE49-F238E27FC236}">
-                <a16:creationId xmlns="" xmlns:a16="http://schemas.microsoft.com/office/drawing/2014/main" id="{DF7DDD33-9412-2802-339A-E55446AC2DA7}"/>
+                <a16:creationId xmlns:a16="http://schemas.microsoft.com/office/drawing/2014/main" xmlns="" id="{DF7DDD33-9412-2802-339A-E55446AC2DA7}"/>
               </a:ext>
             </a:extLst>
           </p:cNvPr>
@@ -11662,7 +11738,7 @@
           <p:cNvPr id="5" name="TextBox 4">
             <a:extLst>
               <a:ext uri="{FF2B5EF4-FFF2-40B4-BE49-F238E27FC236}">
-                <a16:creationId xmlns="" xmlns:a16="http://schemas.microsoft.com/office/drawing/2014/main" id="{C6D113C6-EA5C-788F-0C77-E7CE6EBB865F}"/>
+                <a16:creationId xmlns:a16="http://schemas.microsoft.com/office/drawing/2014/main" xmlns="" id="{C6D113C6-EA5C-788F-0C77-E7CE6EBB865F}"/>
               </a:ext>
             </a:extLst>
           </p:cNvPr>
@@ -11757,7 +11833,7 @@
           <p:cNvPr id="4" name="TextBox 3">
             <a:extLst>
               <a:ext uri="{FF2B5EF4-FFF2-40B4-BE49-F238E27FC236}">
-                <a16:creationId xmlns="" xmlns:a16="http://schemas.microsoft.com/office/drawing/2014/main" id="{DF7DDD33-9412-2802-339A-E55446AC2DA7}"/>
+                <a16:creationId xmlns:a16="http://schemas.microsoft.com/office/drawing/2014/main" xmlns="" id="{DF7DDD33-9412-2802-339A-E55446AC2DA7}"/>
               </a:ext>
             </a:extLst>
           </p:cNvPr>
@@ -11866,8 +11942,8 @@
         </p:blipFill>
         <p:spPr>
           <a:xfrm>
-            <a:off x="2590800" y="4229100"/>
-            <a:ext cx="2628900" cy="1647825"/>
+            <a:off x="990600" y="3848100"/>
+            <a:ext cx="6443084" cy="4038600"/>
           </a:xfrm>
           <a:prstGeom prst="rect">
             <a:avLst/>
@@ -11890,8 +11966,8 @@
         </p:blipFill>
         <p:spPr>
           <a:xfrm>
-            <a:off x="6248400" y="4229100"/>
-            <a:ext cx="7073757" cy="1295400"/>
+            <a:off x="7619999" y="3848100"/>
+            <a:ext cx="10402583" cy="1905000"/>
           </a:xfrm>
           <a:prstGeom prst="rect">
             <a:avLst/>
@@ -12167,7 +12243,7 @@
           <p:cNvPr id="5" name="TextBox 4">
             <a:extLst>
               <a:ext uri="{FF2B5EF4-FFF2-40B4-BE49-F238E27FC236}">
-                <a16:creationId xmlns="" xmlns:a16="http://schemas.microsoft.com/office/drawing/2014/main" id="{DF7DDD33-9412-2802-339A-E55446AC2DA7}"/>
+                <a16:creationId xmlns:a16="http://schemas.microsoft.com/office/drawing/2014/main" xmlns="" id="{DF7DDD33-9412-2802-339A-E55446AC2DA7}"/>
               </a:ext>
             </a:extLst>
           </p:cNvPr>
@@ -12284,7 +12360,7 @@
           <p:cNvPr id="4" name="TextBox 3">
             <a:extLst>
               <a:ext uri="{FF2B5EF4-FFF2-40B4-BE49-F238E27FC236}">
-                <a16:creationId xmlns="" xmlns:a16="http://schemas.microsoft.com/office/drawing/2014/main" id="{DF7DDD33-9412-2802-339A-E55446AC2DA7}"/>
+                <a16:creationId xmlns:a16="http://schemas.microsoft.com/office/drawing/2014/main" xmlns="" id="{DF7DDD33-9412-2802-339A-E55446AC2DA7}"/>
               </a:ext>
             </a:extLst>
           </p:cNvPr>
@@ -12413,7 +12489,7 @@
           <p:cNvPr id="5" name="TextBox 4">
             <a:extLst>
               <a:ext uri="{FF2B5EF4-FFF2-40B4-BE49-F238E27FC236}">
-                <a16:creationId xmlns="" xmlns:a16="http://schemas.microsoft.com/office/drawing/2014/main" id="{C6D113C6-EA5C-788F-0C77-E7CE6EBB865F}"/>
+                <a16:creationId xmlns:a16="http://schemas.microsoft.com/office/drawing/2014/main" xmlns="" id="{C6D113C6-EA5C-788F-0C77-E7CE6EBB865F}"/>
               </a:ext>
             </a:extLst>
           </p:cNvPr>
@@ -12525,7 +12601,7 @@
           <p:cNvPr id="7" name="직사각형 6">
             <a:extLst>
               <a:ext uri="{FF2B5EF4-FFF2-40B4-BE49-F238E27FC236}">
-                <a16:creationId xmlns="" xmlns:a16="http://schemas.microsoft.com/office/drawing/2014/main" id="{FFF506F9-840A-0508-4CAF-3AC711D8D5CE}"/>
+                <a16:creationId xmlns:a16="http://schemas.microsoft.com/office/drawing/2014/main" xmlns="" id="{FFF506F9-840A-0508-4CAF-3AC711D8D5CE}"/>
               </a:ext>
             </a:extLst>
           </p:cNvPr>
@@ -12736,7 +12812,7 @@
           <p:cNvPr id="5" name="TextBox 4">
             <a:extLst>
               <a:ext uri="{FF2B5EF4-FFF2-40B4-BE49-F238E27FC236}">
-                <a16:creationId xmlns="" xmlns:a16="http://schemas.microsoft.com/office/drawing/2014/main" id="{C6D113C6-EA5C-788F-0C77-E7CE6EBB865F}"/>
+                <a16:creationId xmlns:a16="http://schemas.microsoft.com/office/drawing/2014/main" xmlns="" id="{C6D113C6-EA5C-788F-0C77-E7CE6EBB865F}"/>
               </a:ext>
             </a:extLst>
           </p:cNvPr>
@@ -12745,8 +12821,8 @@
         </p:nvSpPr>
         <p:spPr>
           <a:xfrm>
-            <a:off x="10134600" y="3638371"/>
-            <a:ext cx="7239000" cy="1754326"/>
+            <a:off x="9525000" y="3638371"/>
+            <a:ext cx="8458200" cy="1200329"/>
           </a:xfrm>
           <a:prstGeom prst="rect">
             <a:avLst/>
@@ -12943,7 +13019,7 @@
           <p:cNvPr id="5" name="TextBox 4">
             <a:extLst>
               <a:ext uri="{FF2B5EF4-FFF2-40B4-BE49-F238E27FC236}">
-                <a16:creationId xmlns="" xmlns:a16="http://schemas.microsoft.com/office/drawing/2014/main" id="{C6D113C6-EA5C-788F-0C77-E7CE6EBB865F}"/>
+                <a16:creationId xmlns:a16="http://schemas.microsoft.com/office/drawing/2014/main" xmlns="" id="{C6D113C6-EA5C-788F-0C77-E7CE6EBB865F}"/>
               </a:ext>
             </a:extLst>
           </p:cNvPr>
@@ -13034,7 +13110,7 @@
           <p:cNvPr id="6" name="그룹 1008">
             <a:extLst>
               <a:ext uri="{FF2B5EF4-FFF2-40B4-BE49-F238E27FC236}">
-                <a16:creationId xmlns="" xmlns:a16="http://schemas.microsoft.com/office/drawing/2014/main" id="{678F6342-C505-E8AD-ADA4-022CB2C2088E}"/>
+                <a16:creationId xmlns:a16="http://schemas.microsoft.com/office/drawing/2014/main" xmlns="" id="{678F6342-C505-E8AD-ADA4-022CB2C2088E}"/>
               </a:ext>
             </a:extLst>
           </p:cNvPr>
@@ -13054,7 +13130,7 @@
             <p:cNvPr id="7" name="그룹 1009">
               <a:extLst>
                 <a:ext uri="{FF2B5EF4-FFF2-40B4-BE49-F238E27FC236}">
-                  <a16:creationId xmlns="" xmlns:a16="http://schemas.microsoft.com/office/drawing/2014/main" id="{4E1F1FED-812B-9BBB-925A-84B54A077414}"/>
+                  <a16:creationId xmlns:a16="http://schemas.microsoft.com/office/drawing/2014/main" xmlns="" id="{4E1F1FED-812B-9BBB-925A-84B54A077414}"/>
                 </a:ext>
               </a:extLst>
             </p:cNvPr>
@@ -13074,7 +13150,7 @@
               <p:cNvPr id="12" name="Object 29">
                 <a:extLst>
                   <a:ext uri="{FF2B5EF4-FFF2-40B4-BE49-F238E27FC236}">
-                    <a16:creationId xmlns="" xmlns:a16="http://schemas.microsoft.com/office/drawing/2014/main" id="{7B078609-4286-7B00-51EB-809C8E2DE289}"/>
+                    <a16:creationId xmlns:a16="http://schemas.microsoft.com/office/drawing/2014/main" xmlns="" id="{7B078609-4286-7B00-51EB-809C8E2DE289}"/>
                   </a:ext>
                 </a:extLst>
               </p:cNvPr>
@@ -13105,7 +13181,7 @@
             <p:cNvPr id="8" name="그룹 1010">
               <a:extLst>
                 <a:ext uri="{FF2B5EF4-FFF2-40B4-BE49-F238E27FC236}">
-                  <a16:creationId xmlns="" xmlns:a16="http://schemas.microsoft.com/office/drawing/2014/main" id="{02A649BF-B5B5-FBAF-7DFD-E118A4DF8907}"/>
+                  <a16:creationId xmlns:a16="http://schemas.microsoft.com/office/drawing/2014/main" xmlns="" id="{02A649BF-B5B5-FBAF-7DFD-E118A4DF8907}"/>
                 </a:ext>
               </a:extLst>
             </p:cNvPr>
@@ -13125,7 +13201,7 @@
               <p:cNvPr id="11" name="Object 32">
                 <a:extLst>
                   <a:ext uri="{FF2B5EF4-FFF2-40B4-BE49-F238E27FC236}">
-                    <a16:creationId xmlns="" xmlns:a16="http://schemas.microsoft.com/office/drawing/2014/main" id="{2A0FFF23-B3C9-3EA0-1C1B-A87D4FF098AE}"/>
+                    <a16:creationId xmlns:a16="http://schemas.microsoft.com/office/drawing/2014/main" xmlns="" id="{2A0FFF23-B3C9-3EA0-1C1B-A87D4FF098AE}"/>
                   </a:ext>
                 </a:extLst>
               </p:cNvPr>
@@ -13156,7 +13232,7 @@
             <p:cNvPr id="9" name="그룹 1011">
               <a:extLst>
                 <a:ext uri="{FF2B5EF4-FFF2-40B4-BE49-F238E27FC236}">
-                  <a16:creationId xmlns="" xmlns:a16="http://schemas.microsoft.com/office/drawing/2014/main" id="{881F5410-F7FB-F261-A584-707359BAC593}"/>
+                  <a16:creationId xmlns:a16="http://schemas.microsoft.com/office/drawing/2014/main" xmlns="" id="{881F5410-F7FB-F261-A584-707359BAC593}"/>
                 </a:ext>
               </a:extLst>
             </p:cNvPr>
@@ -13176,7 +13252,7 @@
               <p:cNvPr id="10" name="Object 35">
                 <a:extLst>
                   <a:ext uri="{FF2B5EF4-FFF2-40B4-BE49-F238E27FC236}">
-                    <a16:creationId xmlns="" xmlns:a16="http://schemas.microsoft.com/office/drawing/2014/main" id="{4E99E669-73EB-F9F4-EFE8-DC107035C265}"/>
+                    <a16:creationId xmlns:a16="http://schemas.microsoft.com/office/drawing/2014/main" xmlns="" id="{4E99E669-73EB-F9F4-EFE8-DC107035C265}"/>
                   </a:ext>
                 </a:extLst>
               </p:cNvPr>
@@ -13293,7 +13369,7 @@
           <p:cNvPr id="5" name="TextBox 4">
             <a:extLst>
               <a:ext uri="{FF2B5EF4-FFF2-40B4-BE49-F238E27FC236}">
-                <a16:creationId xmlns="" xmlns:a16="http://schemas.microsoft.com/office/drawing/2014/main" id="{C6D113C6-EA5C-788F-0C77-E7CE6EBB865F}"/>
+                <a16:creationId xmlns:a16="http://schemas.microsoft.com/office/drawing/2014/main" xmlns="" id="{C6D113C6-EA5C-788F-0C77-E7CE6EBB865F}"/>
               </a:ext>
             </a:extLst>
           </p:cNvPr>
@@ -13302,8 +13378,8 @@
         </p:nvSpPr>
         <p:spPr>
           <a:xfrm>
-            <a:off x="609600" y="5295900"/>
-            <a:ext cx="17221200" cy="923330"/>
+            <a:off x="4343400" y="3619500"/>
+            <a:ext cx="9296400" cy="1754326"/>
           </a:xfrm>
           <a:prstGeom prst="rect">
             <a:avLst/>
@@ -13391,7 +13467,7 @@
           <p:cNvPr id="5" name="TextBox 4">
             <a:extLst>
               <a:ext uri="{FF2B5EF4-FFF2-40B4-BE49-F238E27FC236}">
-                <a16:creationId xmlns="" xmlns:a16="http://schemas.microsoft.com/office/drawing/2014/main" id="{5ADC00B6-990A-40DC-3CEA-505258F5E8DA}"/>
+                <a16:creationId xmlns:a16="http://schemas.microsoft.com/office/drawing/2014/main" xmlns="" id="{5ADC00B6-990A-40DC-3CEA-505258F5E8DA}"/>
               </a:ext>
             </a:extLst>
           </p:cNvPr>
@@ -13400,7 +13476,7 @@
         </p:nvSpPr>
         <p:spPr>
           <a:xfrm>
-            <a:off x="914400" y="495300"/>
+            <a:off x="609600" y="151866"/>
             <a:ext cx="3276600" cy="830997"/>
           </a:xfrm>
           <a:prstGeom prst="rect">
@@ -13442,7 +13518,7 @@
           <p:cNvPr id="8" name="TextBox 7">
             <a:extLst>
               <a:ext uri="{FF2B5EF4-FFF2-40B4-BE49-F238E27FC236}">
-                <a16:creationId xmlns="" xmlns:a16="http://schemas.microsoft.com/office/drawing/2014/main" id="{52176D31-35F7-8916-46FA-6095EFEC1E49}"/>
+                <a16:creationId xmlns:a16="http://schemas.microsoft.com/office/drawing/2014/main" xmlns="" id="{52176D31-35F7-8916-46FA-6095EFEC1E49}"/>
               </a:ext>
             </a:extLst>
           </p:cNvPr>
@@ -13451,7 +13527,7 @@
         </p:nvSpPr>
         <p:spPr>
           <a:xfrm>
-            <a:off x="1281112" y="1384012"/>
+            <a:off x="1281112" y="982863"/>
             <a:ext cx="16154400" cy="2554545"/>
           </a:xfrm>
           <a:prstGeom prst="rect">
@@ -13466,23 +13542,29 @@
           <a:lstStyle/>
           <a:p>
             <a:r>
-              <a:rPr lang="en-US" altLang="ko-KR" sz="4000" dirty="0" smtClean="0">
-                <a:solidFill>
-                  <a:schemeClr val="bg1">
-                    <a:lumMod val="50000"/>
-                  </a:schemeClr>
-                </a:solidFill>
-                <a:latin typeface="G마켓 산스 Medium" panose="02000000000000000000" pitchFamily="50" charset="-127"/>
-                <a:ea typeface="G마켓 산스 Medium" panose="02000000000000000000" pitchFamily="50" charset="-127"/>
-              </a:rPr>
-              <a:t>1.Phone, Galaxy, I</a:t>
-            </a:r>
-            <a:r>
-              <a:rPr lang="en-US" altLang="ko-KR" sz="4000" dirty="0">
-                <a:solidFill>
-                  <a:schemeClr val="bg1">
-                    <a:lumMod val="50000"/>
-                  </a:schemeClr>
+              <a:rPr lang="en-US" altLang="ko-KR" sz="4000" b="1" smtClean="0">
+                <a:solidFill>
+                  <a:srgbClr val="4C50BC"/>
+                </a:solidFill>
+                <a:latin typeface="G마켓 산스 Medium" panose="02000000000000000000" pitchFamily="50" charset="-127"/>
+                <a:ea typeface="G마켓 산스 Medium" panose="02000000000000000000" pitchFamily="50" charset="-127"/>
+              </a:rPr>
+              <a:t>1-1.Phone</a:t>
+            </a:r>
+            <a:r>
+              <a:rPr lang="en-US" altLang="ko-KR" sz="4000" b="1" dirty="0" smtClean="0">
+                <a:solidFill>
+                  <a:srgbClr val="4C50BC"/>
+                </a:solidFill>
+                <a:latin typeface="G마켓 산스 Medium" panose="02000000000000000000" pitchFamily="50" charset="-127"/>
+                <a:ea typeface="G마켓 산스 Medium" panose="02000000000000000000" pitchFamily="50" charset="-127"/>
+              </a:rPr>
+              <a:t>, Galaxy, I</a:t>
+            </a:r>
+            <a:r>
+              <a:rPr lang="en-US" altLang="ko-KR" sz="4000" b="1" dirty="0">
+                <a:solidFill>
+                  <a:srgbClr val="4C50BC"/>
                 </a:solidFill>
                 <a:latin typeface="G마켓 산스 Medium" panose="02000000000000000000" pitchFamily="50" charset="-127"/>
                 <a:ea typeface="G마켓 산스 Medium" panose="02000000000000000000" pitchFamily="50" charset="-127"/>
@@ -13490,11 +13572,9 @@
               <a:t>Phone</a:t>
             </a:r>
             <a:r>
-              <a:rPr lang="en-US" altLang="ko-KR" sz="4000" dirty="0" smtClean="0">
-                <a:solidFill>
-                  <a:schemeClr val="bg1">
-                    <a:lumMod val="50000"/>
-                  </a:schemeClr>
+              <a:rPr lang="en-US" altLang="ko-KR" sz="4000" b="1" dirty="0" smtClean="0">
+                <a:solidFill>
+                  <a:srgbClr val="4C50BC"/>
                 </a:solidFill>
                 <a:latin typeface="G마켓 산스 Medium" panose="02000000000000000000" pitchFamily="50" charset="-127"/>
                 <a:ea typeface="G마켓 산스 Medium" panose="02000000000000000000" pitchFamily="50" charset="-127"/>
@@ -13502,11 +13582,9 @@
               <a:t> </a:t>
             </a:r>
             <a:r>
-              <a:rPr lang="ko-KR" altLang="en-US" sz="4000" dirty="0" smtClean="0">
-                <a:solidFill>
-                  <a:schemeClr val="bg1">
-                    <a:lumMod val="50000"/>
-                  </a:schemeClr>
+              <a:rPr lang="ko-KR" altLang="en-US" sz="4000" b="1" dirty="0" smtClean="0">
+                <a:solidFill>
+                  <a:srgbClr val="4C50BC"/>
                 </a:solidFill>
                 <a:latin typeface="G마켓 산스 Medium" panose="02000000000000000000" pitchFamily="50" charset="-127"/>
                 <a:ea typeface="G마켓 산스 Medium" panose="02000000000000000000" pitchFamily="50" charset="-127"/>
@@ -13514,11 +13592,9 @@
               <a:t>클래스를 만들자</a:t>
             </a:r>
             <a:r>
-              <a:rPr lang="en-US" altLang="ko-KR" sz="4000" dirty="0" smtClean="0">
-                <a:solidFill>
-                  <a:schemeClr val="bg1">
-                    <a:lumMod val="50000"/>
-                  </a:schemeClr>
+              <a:rPr lang="en-US" altLang="ko-KR" sz="4000" b="1" dirty="0" smtClean="0">
+                <a:solidFill>
+                  <a:srgbClr val="4C50BC"/>
                 </a:solidFill>
                 <a:latin typeface="G마켓 산스 Medium" panose="02000000000000000000" pitchFamily="50" charset="-127"/>
                 <a:ea typeface="G마켓 산스 Medium" panose="02000000000000000000" pitchFamily="50" charset="-127"/>
@@ -13941,7 +14017,7 @@
           <p:cNvPr id="5" name="TextBox 4">
             <a:extLst>
               <a:ext uri="{FF2B5EF4-FFF2-40B4-BE49-F238E27FC236}">
-                <a16:creationId xmlns="" xmlns:a16="http://schemas.microsoft.com/office/drawing/2014/main" id="{DF7DDD33-9412-2802-339A-E55446AC2DA7}"/>
+                <a16:creationId xmlns:a16="http://schemas.microsoft.com/office/drawing/2014/main" xmlns="" id="{DF7DDD33-9412-2802-339A-E55446AC2DA7}"/>
               </a:ext>
             </a:extLst>
           </p:cNvPr>
@@ -13989,7 +14065,7 @@
           <p:cNvPr id="6" name="TextBox 5">
             <a:extLst>
               <a:ext uri="{FF2B5EF4-FFF2-40B4-BE49-F238E27FC236}">
-                <a16:creationId xmlns="" xmlns:a16="http://schemas.microsoft.com/office/drawing/2014/main" id="{F68B80B8-3419-5C31-B2F2-084E536A2C1C}"/>
+                <a16:creationId xmlns:a16="http://schemas.microsoft.com/office/drawing/2014/main" xmlns="" id="{F68B80B8-3419-5C31-B2F2-084E536A2C1C}"/>
               </a:ext>
             </a:extLst>
           </p:cNvPr>
@@ -14032,7 +14108,7 @@
           <p:cNvPr id="7" name="직사각형 6">
             <a:extLst>
               <a:ext uri="{FF2B5EF4-FFF2-40B4-BE49-F238E27FC236}">
-                <a16:creationId xmlns="" xmlns:a16="http://schemas.microsoft.com/office/drawing/2014/main" id="{FFF506F9-840A-0508-4CAF-3AC711D8D5CE}"/>
+                <a16:creationId xmlns:a16="http://schemas.microsoft.com/office/drawing/2014/main" xmlns="" id="{FFF506F9-840A-0508-4CAF-3AC711D8D5CE}"/>
               </a:ext>
             </a:extLst>
           </p:cNvPr>
@@ -14084,7 +14160,7 @@
           <p:cNvPr id="9" name="직사각형 8">
             <a:extLst>
               <a:ext uri="{FF2B5EF4-FFF2-40B4-BE49-F238E27FC236}">
-                <a16:creationId xmlns="" xmlns:a16="http://schemas.microsoft.com/office/drawing/2014/main" id="{FFF506F9-840A-0508-4CAF-3AC711D8D5CE}"/>
+                <a16:creationId xmlns:a16="http://schemas.microsoft.com/office/drawing/2014/main" xmlns="" id="{FFF506F9-840A-0508-4CAF-3AC711D8D5CE}"/>
               </a:ext>
             </a:extLst>
           </p:cNvPr>
@@ -14136,7 +14212,7 @@
           <p:cNvPr id="10" name="TextBox 9">
             <a:extLst>
               <a:ext uri="{FF2B5EF4-FFF2-40B4-BE49-F238E27FC236}">
-                <a16:creationId xmlns="" xmlns:a16="http://schemas.microsoft.com/office/drawing/2014/main" id="{C6D113C6-EA5C-788F-0C77-E7CE6EBB865F}"/>
+                <a16:creationId xmlns:a16="http://schemas.microsoft.com/office/drawing/2014/main" xmlns="" id="{C6D113C6-EA5C-788F-0C77-E7CE6EBB865F}"/>
               </a:ext>
             </a:extLst>
           </p:cNvPr>
@@ -14208,7 +14284,7 @@
           <p:cNvPr id="13" name="직사각형 12">
             <a:extLst>
               <a:ext uri="{FF2B5EF4-FFF2-40B4-BE49-F238E27FC236}">
-                <a16:creationId xmlns="" xmlns:a16="http://schemas.microsoft.com/office/drawing/2014/main" id="{FFF506F9-840A-0508-4CAF-3AC711D8D5CE}"/>
+                <a16:creationId xmlns:a16="http://schemas.microsoft.com/office/drawing/2014/main" xmlns="" id="{FFF506F9-840A-0508-4CAF-3AC711D8D5CE}"/>
               </a:ext>
             </a:extLst>
           </p:cNvPr>
@@ -14260,7 +14336,7 @@
           <p:cNvPr id="14" name="TextBox 13">
             <a:extLst>
               <a:ext uri="{FF2B5EF4-FFF2-40B4-BE49-F238E27FC236}">
-                <a16:creationId xmlns="" xmlns:a16="http://schemas.microsoft.com/office/drawing/2014/main" id="{C6D113C6-EA5C-788F-0C77-E7CE6EBB865F}"/>
+                <a16:creationId xmlns:a16="http://schemas.microsoft.com/office/drawing/2014/main" xmlns="" id="{C6D113C6-EA5C-788F-0C77-E7CE6EBB865F}"/>
               </a:ext>
             </a:extLst>
           </p:cNvPr>
@@ -14332,7 +14408,7 @@
           <p:cNvPr id="16" name="직사각형 15">
             <a:extLst>
               <a:ext uri="{FF2B5EF4-FFF2-40B4-BE49-F238E27FC236}">
-                <a16:creationId xmlns="" xmlns:a16="http://schemas.microsoft.com/office/drawing/2014/main" id="{FFF506F9-840A-0508-4CAF-3AC711D8D5CE}"/>
+                <a16:creationId xmlns:a16="http://schemas.microsoft.com/office/drawing/2014/main" xmlns="" id="{FFF506F9-840A-0508-4CAF-3AC711D8D5CE}"/>
               </a:ext>
             </a:extLst>
           </p:cNvPr>
@@ -14384,7 +14460,7 @@
           <p:cNvPr id="17" name="TextBox 16">
             <a:extLst>
               <a:ext uri="{FF2B5EF4-FFF2-40B4-BE49-F238E27FC236}">
-                <a16:creationId xmlns="" xmlns:a16="http://schemas.microsoft.com/office/drawing/2014/main" id="{C6D113C6-EA5C-788F-0C77-E7CE6EBB865F}"/>
+                <a16:creationId xmlns:a16="http://schemas.microsoft.com/office/drawing/2014/main" xmlns="" id="{C6D113C6-EA5C-788F-0C77-E7CE6EBB865F}"/>
               </a:ext>
             </a:extLst>
           </p:cNvPr>
@@ -14432,7 +14508,7 @@
           <p:cNvPr id="19" name="TextBox 18">
             <a:extLst>
               <a:ext uri="{FF2B5EF4-FFF2-40B4-BE49-F238E27FC236}">
-                <a16:creationId xmlns="" xmlns:a16="http://schemas.microsoft.com/office/drawing/2014/main" id="{C6D113C6-EA5C-788F-0C77-E7CE6EBB865F}"/>
+                <a16:creationId xmlns:a16="http://schemas.microsoft.com/office/drawing/2014/main" xmlns="" id="{C6D113C6-EA5C-788F-0C77-E7CE6EBB865F}"/>
               </a:ext>
             </a:extLst>
           </p:cNvPr>
@@ -14441,8 +14517,8 @@
         </p:nvSpPr>
         <p:spPr>
           <a:xfrm>
-            <a:off x="2235607" y="8102690"/>
-            <a:ext cx="14478000" cy="1015663"/>
+            <a:off x="1626007" y="8115300"/>
+            <a:ext cx="16128593" cy="1015663"/>
           </a:xfrm>
           <a:prstGeom prst="rect">
             <a:avLst/>
@@ -14894,7 +14970,7 @@
           <p:cNvPr id="4" name="TextBox 3">
             <a:extLst>
               <a:ext uri="{FF2B5EF4-FFF2-40B4-BE49-F238E27FC236}">
-                <a16:creationId xmlns="" xmlns:a16="http://schemas.microsoft.com/office/drawing/2014/main" id="{52176D31-35F7-8916-46FA-6095EFEC1E49}"/>
+                <a16:creationId xmlns:a16="http://schemas.microsoft.com/office/drawing/2014/main" xmlns="" id="{52176D31-35F7-8916-46FA-6095EFEC1E49}"/>
               </a:ext>
             </a:extLst>
           </p:cNvPr>
@@ -14904,7 +14980,7 @@
         <p:spPr>
           <a:xfrm>
             <a:off x="762000" y="266700"/>
-            <a:ext cx="17297400" cy="2554545"/>
+            <a:ext cx="17297400" cy="1938992"/>
           </a:xfrm>
           <a:prstGeom prst="rect">
             <a:avLst/>
@@ -14918,6 +14994,16 @@
           <a:lstStyle/>
           <a:p>
             <a:r>
+              <a:rPr lang="en-US" altLang="ko-KR" sz="4000" smtClean="0">
+                <a:solidFill>
+                  <a:srgbClr val="4C50BC"/>
+                </a:solidFill>
+                <a:latin typeface="G마켓 산스 Medium" panose="02000000000000000000" pitchFamily="50" charset="-127"/>
+                <a:ea typeface="G마켓 산스 Medium" panose="02000000000000000000" pitchFamily="50" charset="-127"/>
+              </a:rPr>
+              <a:t>1-2</a:t>
+            </a:r>
+            <a:r>
               <a:rPr lang="en-US" altLang="ko-KR" sz="4000" dirty="0">
                 <a:solidFill>
                   <a:srgbClr val="4C50BC"/>
@@ -14925,7 +15011,7 @@
                 <a:latin typeface="G마켓 산스 Medium" panose="02000000000000000000" pitchFamily="50" charset="-127"/>
                 <a:ea typeface="G마켓 산스 Medium" panose="02000000000000000000" pitchFamily="50" charset="-127"/>
               </a:rPr>
-              <a:t>2. People </a:t>
+              <a:t>. People </a:t>
             </a:r>
             <a:r>
               <a:rPr lang="ko-KR" altLang="en-US" sz="4000" dirty="0">
@@ -15013,7 +15099,7 @@
               <a:t>- String name, </a:t>
             </a:r>
             <a:r>
-              <a:rPr lang="en-US" altLang="ko-KR" sz="4000" dirty="0" err="1" smtClean="0">
+              <a:rPr lang="en-US" altLang="ko-KR" sz="4000" err="1" smtClean="0">
                 <a:solidFill>
                   <a:schemeClr val="tx1">
                     <a:lumMod val="50000"/>
@@ -15026,7 +15112,7 @@
               <a:t>int</a:t>
             </a:r>
             <a:r>
-              <a:rPr lang="en-US" altLang="ko-KR" sz="4000" dirty="0" smtClean="0">
+              <a:rPr lang="en-US" altLang="ko-KR" sz="4000" smtClean="0">
                 <a:solidFill>
                   <a:schemeClr val="tx1">
                     <a:lumMod val="50000"/>
@@ -15036,12 +15122,10 @@
                 <a:latin typeface="G마켓 산스 Medium" panose="02000000000000000000" pitchFamily="50" charset="-127"/>
                 <a:ea typeface="G마켓 산스 Medium" panose="02000000000000000000" pitchFamily="50" charset="-127"/>
               </a:rPr>
-              <a:t> age</a:t>
-            </a:r>
-          </a:p>
-          <a:p>
-            <a:r>
-              <a:rPr lang="en-US" altLang="ko-KR" sz="4000" dirty="0" smtClean="0">
+              <a:t> </a:t>
+            </a:r>
+            <a:r>
+              <a:rPr lang="en-US" altLang="ko-KR" sz="4000" smtClean="0">
                 <a:solidFill>
                   <a:schemeClr val="tx1">
                     <a:lumMod val="50000"/>
@@ -15051,10 +15135,12 @@
                 <a:latin typeface="G마켓 산스 Medium" panose="02000000000000000000" pitchFamily="50" charset="-127"/>
                 <a:ea typeface="G마켓 산스 Medium" panose="02000000000000000000" pitchFamily="50" charset="-127"/>
               </a:rPr>
-              <a:t>	 ,String </a:t>
-            </a:r>
-            <a:r>
-              <a:rPr lang="en-US" altLang="ko-KR" sz="4000" dirty="0" err="1" smtClean="0">
+              <a:t>age, String juminNumber, String gender</a:t>
+            </a:r>
+          </a:p>
+          <a:p>
+            <a:r>
+              <a:rPr lang="en-US" altLang="ko-KR" sz="4000" smtClean="0">
                 <a:solidFill>
                   <a:schemeClr val="tx1">
                     <a:lumMod val="50000"/>
@@ -15064,22 +15150,10 @@
                 <a:latin typeface="G마켓 산스 Medium" panose="02000000000000000000" pitchFamily="50" charset="-127"/>
                 <a:ea typeface="G마켓 산스 Medium" panose="02000000000000000000" pitchFamily="50" charset="-127"/>
               </a:rPr>
-              <a:t>juminNumber</a:t>
-            </a:r>
-            <a:endParaRPr lang="en-US" altLang="ko-KR" sz="4000" dirty="0" smtClean="0">
-              <a:solidFill>
-                <a:schemeClr val="tx1">
-                  <a:lumMod val="50000"/>
-                  <a:lumOff val="50000"/>
-                </a:schemeClr>
-              </a:solidFill>
-              <a:latin typeface="G마켓 산스 Medium" panose="02000000000000000000" pitchFamily="50" charset="-127"/>
-              <a:ea typeface="G마켓 산스 Medium" panose="02000000000000000000" pitchFamily="50" charset="-127"/>
-            </a:endParaRPr>
-          </a:p>
-          <a:p>
-            <a:r>
-              <a:rPr lang="en-US" altLang="ko-KR" sz="4000" dirty="0" smtClean="0">
+              <a:t>    (</a:t>
+            </a:r>
+            <a:r>
+              <a:rPr lang="ko-KR" altLang="en-US" sz="4000" smtClean="0">
                 <a:solidFill>
                   <a:schemeClr val="tx1">
                     <a:lumMod val="50000"/>
@@ -15089,7 +15163,20 @@
                 <a:latin typeface="G마켓 산스 Medium" panose="02000000000000000000" pitchFamily="50" charset="-127"/>
                 <a:ea typeface="G마켓 산스 Medium" panose="02000000000000000000" pitchFamily="50" charset="-127"/>
               </a:rPr>
-              <a:t>    , String gender</a:t>
+              <a:t>한번 정해지면 변경될수없는 값들은 무엇일까</a:t>
+            </a:r>
+            <a:r>
+              <a:rPr lang="en-US" altLang="ko-KR" sz="4000" smtClean="0">
+                <a:solidFill>
+                  <a:schemeClr val="tx1">
+                    <a:lumMod val="50000"/>
+                    <a:lumOff val="50000"/>
+                  </a:schemeClr>
+                </a:solidFill>
+                <a:latin typeface="G마켓 산스 Medium" panose="02000000000000000000" pitchFamily="50" charset="-127"/>
+                <a:ea typeface="G마켓 산스 Medium" panose="02000000000000000000" pitchFamily="50" charset="-127"/>
+              </a:rPr>
+              <a:t>?)</a:t>
             </a:r>
             <a:endParaRPr lang="en-US" altLang="ko-KR" sz="4000" dirty="0">
               <a:solidFill>
@@ -15274,7 +15361,7 @@
           <p:cNvPr id="4" name="TextBox 3">
             <a:extLst>
               <a:ext uri="{FF2B5EF4-FFF2-40B4-BE49-F238E27FC236}">
-                <a16:creationId xmlns="" xmlns:a16="http://schemas.microsoft.com/office/drawing/2014/main" id="{52176D31-35F7-8916-46FA-6095EFEC1E49}"/>
+                <a16:creationId xmlns:a16="http://schemas.microsoft.com/office/drawing/2014/main" xmlns="" id="{52176D31-35F7-8916-46FA-6095EFEC1E49}"/>
               </a:ext>
             </a:extLst>
           </p:cNvPr>
@@ -15284,7 +15371,7 @@
         <p:spPr>
           <a:xfrm>
             <a:off x="685800" y="266700"/>
-            <a:ext cx="15773400" cy="1938992"/>
+            <a:ext cx="17373600" cy="2492990"/>
           </a:xfrm>
           <a:prstGeom prst="rect">
             <a:avLst/>
@@ -15298,6 +15385,16 @@
           <a:lstStyle/>
           <a:p>
             <a:r>
+              <a:rPr lang="en-US" altLang="ko-KR" sz="4000" smtClean="0">
+                <a:solidFill>
+                  <a:srgbClr val="4C50BC"/>
+                </a:solidFill>
+                <a:latin typeface="G마켓 산스 Medium" panose="02000000000000000000" pitchFamily="50" charset="-127"/>
+                <a:ea typeface="G마켓 산스 Medium" panose="02000000000000000000" pitchFamily="50" charset="-127"/>
+              </a:rPr>
+              <a:t>1-3</a:t>
+            </a:r>
+            <a:r>
               <a:rPr lang="en-US" altLang="ko-KR" sz="4000" dirty="0" smtClean="0">
                 <a:solidFill>
                   <a:srgbClr val="4C50BC"/>
@@ -15305,7 +15402,7 @@
                 <a:latin typeface="G마켓 산스 Medium" panose="02000000000000000000" pitchFamily="50" charset="-127"/>
                 <a:ea typeface="G마켓 산스 Medium" panose="02000000000000000000" pitchFamily="50" charset="-127"/>
               </a:rPr>
-              <a:t>3. </a:t>
+              <a:t>. </a:t>
             </a:r>
             <a:r>
               <a:rPr lang="ko-KR" altLang="en-US" sz="4000" dirty="0" smtClean="0">
@@ -15356,8 +15453,12 @@
             </a:endParaRPr>
           </a:p>
           <a:p>
-            <a:r>
-              <a:rPr lang="en-US" altLang="ko-KR" sz="4000" dirty="0" smtClean="0">
+            <a:pPr marL="571500" indent="-571500">
+              <a:buFontTx/>
+              <a:buChar char="-"/>
+            </a:pPr>
+            <a:r>
+              <a:rPr lang="en-US" altLang="ko-KR" sz="4000" smtClean="0">
                 <a:solidFill>
                   <a:schemeClr val="bg1">
                     <a:lumMod val="50000"/>
@@ -15366,10 +15467,10 @@
                 <a:latin typeface="G마켓 산스 Medium" panose="02000000000000000000" pitchFamily="50" charset="-127"/>
                 <a:ea typeface="G마켓 산스 Medium" panose="02000000000000000000" pitchFamily="50" charset="-127"/>
               </a:rPr>
-              <a:t>- </a:t>
-            </a:r>
-            <a:r>
-              <a:rPr lang="en-US" altLang="ko-KR" sz="4000" dirty="0" err="1" smtClean="0">
+              <a:t>toString</a:t>
+            </a:r>
+            <a:r>
+              <a:rPr lang="en-US" altLang="ko-KR" sz="4000" dirty="0" smtClean="0">
                 <a:solidFill>
                   <a:schemeClr val="bg1">
                     <a:lumMod val="50000"/>
@@ -15378,10 +15479,10 @@
                 <a:latin typeface="G마켓 산스 Medium" panose="02000000000000000000" pitchFamily="50" charset="-127"/>
                 <a:ea typeface="G마켓 산스 Medium" panose="02000000000000000000" pitchFamily="50" charset="-127"/>
               </a:rPr>
-              <a:t>toString</a:t>
-            </a:r>
-            <a:r>
-              <a:rPr lang="en-US" altLang="ko-KR" sz="4000" dirty="0" smtClean="0">
+              <a:t>() </a:t>
+            </a:r>
+            <a:r>
+              <a:rPr lang="ko-KR" altLang="en-US" sz="4000" dirty="0" smtClean="0">
                 <a:solidFill>
                   <a:schemeClr val="bg1">
                     <a:lumMod val="50000"/>
@@ -15390,10 +15491,10 @@
                 <a:latin typeface="G마켓 산스 Medium" panose="02000000000000000000" pitchFamily="50" charset="-127"/>
                 <a:ea typeface="G마켓 산스 Medium" panose="02000000000000000000" pitchFamily="50" charset="-127"/>
               </a:rPr>
-              <a:t>() </a:t>
-            </a:r>
-            <a:r>
-              <a:rPr lang="ko-KR" altLang="en-US" sz="4000" dirty="0" smtClean="0">
+              <a:t>을 </a:t>
+            </a:r>
+            <a:r>
+              <a:rPr lang="ko-KR" altLang="en-US" sz="4000" dirty="0" err="1" smtClean="0">
                 <a:solidFill>
                   <a:schemeClr val="bg1">
                     <a:lumMod val="50000"/>
@@ -15402,10 +15503,10 @@
                 <a:latin typeface="G마켓 산스 Medium" panose="02000000000000000000" pitchFamily="50" charset="-127"/>
                 <a:ea typeface="G마켓 산스 Medium" panose="02000000000000000000" pitchFamily="50" charset="-127"/>
               </a:rPr>
-              <a:t>을 </a:t>
-            </a:r>
-            <a:r>
-              <a:rPr lang="ko-KR" altLang="en-US" sz="4000" dirty="0" err="1" smtClean="0">
+              <a:t>오버라이딩</a:t>
+            </a:r>
+            <a:r>
+              <a:rPr lang="ko-KR" altLang="en-US" sz="4000" dirty="0" smtClean="0">
                 <a:solidFill>
                   <a:schemeClr val="bg1">
                     <a:lumMod val="50000"/>
@@ -15414,10 +15515,10 @@
                 <a:latin typeface="G마켓 산스 Medium" panose="02000000000000000000" pitchFamily="50" charset="-127"/>
                 <a:ea typeface="G마켓 산스 Medium" panose="02000000000000000000" pitchFamily="50" charset="-127"/>
               </a:rPr>
-              <a:t>오버라이딩</a:t>
-            </a:r>
-            <a:r>
-              <a:rPr lang="ko-KR" altLang="en-US" sz="4000" dirty="0" smtClean="0">
+              <a:t> 해서 </a:t>
+            </a:r>
+            <a:r>
+              <a:rPr lang="ko-KR" altLang="en-US" sz="4000" smtClean="0">
                 <a:solidFill>
                   <a:schemeClr val="bg1">
                     <a:lumMod val="50000"/>
@@ -15426,10 +15527,10 @@
                 <a:latin typeface="G마켓 산스 Medium" panose="02000000000000000000" pitchFamily="50" charset="-127"/>
                 <a:ea typeface="G마켓 산스 Medium" panose="02000000000000000000" pitchFamily="50" charset="-127"/>
               </a:rPr>
-              <a:t> 해서 사용해보자</a:t>
-            </a:r>
-            <a:r>
-              <a:rPr lang="en-US" altLang="ko-KR" sz="4000" dirty="0" smtClean="0">
+              <a:t>사용해보자</a:t>
+            </a:r>
+            <a:r>
+              <a:rPr lang="en-US" altLang="ko-KR" sz="4000" smtClean="0">
                 <a:solidFill>
                   <a:schemeClr val="bg1">
                     <a:lumMod val="50000"/>
@@ -15440,12 +15541,103 @@
               </a:rPr>
               <a:t>.</a:t>
             </a:r>
+          </a:p>
+          <a:p>
+            <a:pPr marL="571500" indent="-571500">
+              <a:buFontTx/>
+              <a:buChar char="-"/>
+            </a:pPr>
+            <a:r>
+              <a:rPr lang="en-US" altLang="ko-KR" sz="4000" smtClean="0">
+                <a:solidFill>
+                  <a:schemeClr val="bg1">
+                    <a:lumMod val="50000"/>
+                  </a:schemeClr>
+                </a:solidFill>
+                <a:latin typeface="G마켓 산스 Medium" panose="02000000000000000000" pitchFamily="50" charset="-127"/>
+                <a:ea typeface="G마켓 산스 Medium" panose="02000000000000000000" pitchFamily="50" charset="-127"/>
+              </a:rPr>
+              <a:t>toString()</a:t>
+            </a:r>
+            <a:r>
+              <a:rPr lang="ko-KR" altLang="en-US" sz="4000" smtClean="0">
+                <a:solidFill>
+                  <a:schemeClr val="bg1">
+                    <a:lumMod val="50000"/>
+                  </a:schemeClr>
+                </a:solidFill>
+                <a:latin typeface="G마켓 산스 Medium" panose="02000000000000000000" pitchFamily="50" charset="-127"/>
+                <a:ea typeface="G마켓 산스 Medium" panose="02000000000000000000" pitchFamily="50" charset="-127"/>
+              </a:rPr>
+              <a:t>의 원형   </a:t>
+            </a:r>
+            <a:r>
+              <a:rPr lang="en-US" altLang="ko-KR" sz="4000" smtClean="0">
+                <a:solidFill>
+                  <a:schemeClr val="bg1">
+                    <a:lumMod val="50000"/>
+                  </a:schemeClr>
+                </a:solidFill>
+                <a:latin typeface="G마켓 산스 Medium" panose="02000000000000000000" pitchFamily="50" charset="-127"/>
+                <a:ea typeface="G마켓 산스 Medium" panose="02000000000000000000" pitchFamily="50" charset="-127"/>
+              </a:rPr>
+              <a:t>public String toString()  </a:t>
+            </a:r>
+          </a:p>
+          <a:p>
+            <a:r>
+              <a:rPr lang="en-US" altLang="ko-KR" sz="3600">
+                <a:solidFill>
+                  <a:srgbClr val="FF0000"/>
+                </a:solidFill>
+                <a:latin typeface="G마켓 산스 Medium" panose="02000000000000000000" pitchFamily="50" charset="-127"/>
+                <a:ea typeface="G마켓 산스 Medium" panose="02000000000000000000" pitchFamily="50" charset="-127"/>
+              </a:rPr>
+              <a:t>(</a:t>
+            </a:r>
+            <a:r>
+              <a:rPr lang="en-US" altLang="ko-KR" sz="3600" smtClean="0">
+                <a:solidFill>
+                  <a:srgbClr val="FF0000"/>
+                </a:solidFill>
+                <a:latin typeface="G마켓 산스 Medium" panose="02000000000000000000" pitchFamily="50" charset="-127"/>
+                <a:ea typeface="G마켓 산스 Medium" panose="02000000000000000000" pitchFamily="50" charset="-127"/>
+              </a:rPr>
+              <a:t>@Override </a:t>
+            </a:r>
+            <a:r>
+              <a:rPr lang="ko-KR" altLang="en-US" sz="3600" smtClean="0">
+                <a:solidFill>
+                  <a:srgbClr val="FF0000"/>
+                </a:solidFill>
+                <a:latin typeface="G마켓 산스 Medium" panose="02000000000000000000" pitchFamily="50" charset="-127"/>
+                <a:ea typeface="G마켓 산스 Medium" panose="02000000000000000000" pitchFamily="50" charset="-127"/>
+              </a:rPr>
+              <a:t>어노테이션을 이용하여 제대로 오버라이드 된건지 체크해볼수있다</a:t>
+            </a:r>
+            <a:r>
+              <a:rPr lang="en-US" altLang="ko-KR" sz="3600" smtClean="0">
+                <a:solidFill>
+                  <a:srgbClr val="FF0000"/>
+                </a:solidFill>
+                <a:latin typeface="G마켓 산스 Medium" panose="02000000000000000000" pitchFamily="50" charset="-127"/>
+                <a:ea typeface="G마켓 산스 Medium" panose="02000000000000000000" pitchFamily="50" charset="-127"/>
+              </a:rPr>
+              <a:t>.)</a:t>
+            </a:r>
+            <a:endParaRPr lang="en-US" altLang="ko-KR" sz="3600" dirty="0" smtClean="0">
+              <a:solidFill>
+                <a:srgbClr val="FF0000"/>
+              </a:solidFill>
+              <a:latin typeface="G마켓 산스 Medium" panose="02000000000000000000" pitchFamily="50" charset="-127"/>
+              <a:ea typeface="G마켓 산스 Medium" panose="02000000000000000000" pitchFamily="50" charset="-127"/>
+            </a:endParaRPr>
           </a:p>
         </p:txBody>
       </p:sp>
       <p:pic>
         <p:nvPicPr>
-          <p:cNvPr id="5" name="그림 4"/>
+          <p:cNvPr id="2" name="그림 1"/>
           <p:cNvPicPr>
             <a:picLocks noChangeAspect="1"/>
           </p:cNvPicPr>
@@ -15459,8 +15651,8 @@
         </p:blipFill>
         <p:spPr>
           <a:xfrm>
-            <a:off x="66702" y="2171700"/>
-            <a:ext cx="12658698" cy="6477000"/>
+            <a:off x="89621" y="8191500"/>
+            <a:ext cx="9310208" cy="2095500"/>
           </a:xfrm>
           <a:prstGeom prst="rect">
             <a:avLst/>
@@ -15469,58 +15661,22 @@
       </p:pic>
       <p:pic>
         <p:nvPicPr>
-          <p:cNvPr id="6" name="그림 5"/>
+          <p:cNvPr id="3" name="그림 2"/>
           <p:cNvPicPr>
             <a:picLocks noChangeAspect="1"/>
           </p:cNvPicPr>
           <p:nvPr/>
         </p:nvPicPr>
         <p:blipFill>
-          <a:blip r:embed="rId3">
-            <a:extLst>
-              <a:ext uri="{BEBA8EAE-BF5A-486C-A8C5-ECC9F3942E4B}">
-                <a14:imgProps xmlns:a14="http://schemas.microsoft.com/office/drawing/2010/main">
-                  <a14:imgLayer r:embed="rId4">
-                    <a14:imgEffect>
-                      <a14:artisticGlass/>
-                    </a14:imgEffect>
-                  </a14:imgLayer>
-                </a14:imgProps>
-              </a:ext>
-            </a:extLst>
-          </a:blip>
+          <a:blip r:embed="rId3"/>
           <a:stretch>
             <a:fillRect/>
           </a:stretch>
         </p:blipFill>
         <p:spPr>
           <a:xfrm>
-            <a:off x="66702" y="2247900"/>
-            <a:ext cx="12658698" cy="6477000"/>
-          </a:xfrm>
-          <a:prstGeom prst="rect">
-            <a:avLst/>
-          </a:prstGeom>
-        </p:spPr>
-      </p:pic>
-      <p:pic>
-        <p:nvPicPr>
-          <p:cNvPr id="2" name="그림 1"/>
-          <p:cNvPicPr>
-            <a:picLocks noChangeAspect="1"/>
-          </p:cNvPicPr>
-          <p:nvPr/>
-        </p:nvPicPr>
-        <p:blipFill>
-          <a:blip r:embed="rId5"/>
-          <a:stretch>
-            <a:fillRect/>
-          </a:stretch>
-        </p:blipFill>
-        <p:spPr>
-          <a:xfrm>
-            <a:off x="89621" y="8767108"/>
-            <a:ext cx="6306430" cy="1419423"/>
+            <a:off x="52107" y="2781300"/>
+            <a:ext cx="10101880" cy="5029200"/>
           </a:xfrm>
           <a:prstGeom prst="rect">
             <a:avLst/>
@@ -15540,75 +15696,7 @@
   <p:timing>
     <p:tnLst>
       <p:par>
-        <p:cTn id="1" dur="indefinite" restart="never" nodeType="tmRoot">
-          <p:childTnLst>
-            <p:seq concurrent="1" nextAc="seek">
-              <p:cTn id="2" dur="indefinite" nodeType="mainSeq">
-                <p:childTnLst>
-                  <p:par>
-                    <p:cTn id="3" fill="hold">
-                      <p:stCondLst>
-                        <p:cond delay="indefinite"/>
-                      </p:stCondLst>
-                      <p:childTnLst>
-                        <p:par>
-                          <p:cTn id="4" fill="hold">
-                            <p:stCondLst>
-                              <p:cond delay="0"/>
-                            </p:stCondLst>
-                            <p:childTnLst>
-                              <p:par>
-                                <p:cTn id="5" presetID="1" presetClass="exit" presetSubtype="0" fill="hold" nodeType="clickEffect">
-                                  <p:stCondLst>
-                                    <p:cond delay="0"/>
-                                  </p:stCondLst>
-                                  <p:childTnLst>
-                                    <p:set>
-                                      <p:cBhvr>
-                                        <p:cTn id="6" dur="1" fill="hold">
-                                          <p:stCondLst>
-                                            <p:cond delay="0"/>
-                                          </p:stCondLst>
-                                        </p:cTn>
-                                        <p:tgtEl>
-                                          <p:spTgt spid="6"/>
-                                        </p:tgtEl>
-                                        <p:attrNameLst>
-                                          <p:attrName>style.visibility</p:attrName>
-                                        </p:attrNameLst>
-                                      </p:cBhvr>
-                                      <p:to>
-                                        <p:strVal val="hidden"/>
-                                      </p:to>
-                                    </p:set>
-                                  </p:childTnLst>
-                                </p:cTn>
-                              </p:par>
-                            </p:childTnLst>
-                          </p:cTn>
-                        </p:par>
-                      </p:childTnLst>
-                    </p:cTn>
-                  </p:par>
-                </p:childTnLst>
-              </p:cTn>
-              <p:prevCondLst>
-                <p:cond evt="onPrev" delay="0">
-                  <p:tgtEl>
-                    <p:sldTgt/>
-                  </p:tgtEl>
-                </p:cond>
-              </p:prevCondLst>
-              <p:nextCondLst>
-                <p:cond evt="onNext" delay="0">
-                  <p:tgtEl>
-                    <p:sldTgt/>
-                  </p:tgtEl>
-                </p:cond>
-              </p:nextCondLst>
-            </p:seq>
-          </p:childTnLst>
-        </p:cTn>
+        <p:cTn id="1" dur="indefinite" restart="never" nodeType="tmRoot"/>
       </p:par>
     </p:tnLst>
   </p:timing>
@@ -15810,7 +15898,7 @@
           <p:cNvPr id="4" name="Object 1">
             <a:extLst>
               <a:ext uri="{FF2B5EF4-FFF2-40B4-BE49-F238E27FC236}">
-                <a16:creationId xmlns="" xmlns:a16="http://schemas.microsoft.com/office/drawing/2014/main" id="{B0329035-BE76-33A8-0F2E-44624FCC1DED}"/>
+                <a16:creationId xmlns:a16="http://schemas.microsoft.com/office/drawing/2014/main" xmlns="" id="{B0329035-BE76-33A8-0F2E-44624FCC1DED}"/>
               </a:ext>
             </a:extLst>
           </p:cNvPr>
@@ -15840,7 +15928,7 @@
           <p:cNvPr id="7" name="그룹 1001">
             <a:extLst>
               <a:ext uri="{FF2B5EF4-FFF2-40B4-BE49-F238E27FC236}">
-                <a16:creationId xmlns="" xmlns:a16="http://schemas.microsoft.com/office/drawing/2014/main" id="{CD24CE9D-AC18-B6CD-F397-7E8E03D6FE26}"/>
+                <a16:creationId xmlns:a16="http://schemas.microsoft.com/office/drawing/2014/main" xmlns="" id="{CD24CE9D-AC18-B6CD-F397-7E8E03D6FE26}"/>
               </a:ext>
             </a:extLst>
           </p:cNvPr>
@@ -15860,7 +15948,7 @@
             <p:cNvPr id="8" name="Object 5">
               <a:extLst>
                 <a:ext uri="{FF2B5EF4-FFF2-40B4-BE49-F238E27FC236}">
-                  <a16:creationId xmlns="" xmlns:a16="http://schemas.microsoft.com/office/drawing/2014/main" id="{0EEF25E8-3BA8-EBAA-6DC2-66D70C3F9F4D}"/>
+                  <a16:creationId xmlns:a16="http://schemas.microsoft.com/office/drawing/2014/main" xmlns="" id="{0EEF25E8-3BA8-EBAA-6DC2-66D70C3F9F4D}"/>
                 </a:ext>
               </a:extLst>
             </p:cNvPr>
@@ -15891,7 +15979,7 @@
           <p:cNvPr id="9" name="그룹 1002">
             <a:extLst>
               <a:ext uri="{FF2B5EF4-FFF2-40B4-BE49-F238E27FC236}">
-                <a16:creationId xmlns="" xmlns:a16="http://schemas.microsoft.com/office/drawing/2014/main" id="{0F281BC9-DE1F-D1FE-E64C-C4640398F00C}"/>
+                <a16:creationId xmlns:a16="http://schemas.microsoft.com/office/drawing/2014/main" xmlns="" id="{0F281BC9-DE1F-D1FE-E64C-C4640398F00C}"/>
               </a:ext>
             </a:extLst>
           </p:cNvPr>
@@ -15911,7 +15999,7 @@
             <p:cNvPr id="10" name="Object 8">
               <a:extLst>
                 <a:ext uri="{FF2B5EF4-FFF2-40B4-BE49-F238E27FC236}">
-                  <a16:creationId xmlns="" xmlns:a16="http://schemas.microsoft.com/office/drawing/2014/main" id="{F669DCEF-04BB-7046-3F7F-5B513213556E}"/>
+                  <a16:creationId xmlns:a16="http://schemas.microsoft.com/office/drawing/2014/main" xmlns="" id="{F669DCEF-04BB-7046-3F7F-5B513213556E}"/>
                 </a:ext>
               </a:extLst>
             </p:cNvPr>
@@ -15942,7 +16030,7 @@
           <p:cNvPr id="11" name="그룹 1003">
             <a:extLst>
               <a:ext uri="{FF2B5EF4-FFF2-40B4-BE49-F238E27FC236}">
-                <a16:creationId xmlns="" xmlns:a16="http://schemas.microsoft.com/office/drawing/2014/main" id="{1F91EEF9-13EA-BB7F-B056-D35E7DB989AC}"/>
+                <a16:creationId xmlns:a16="http://schemas.microsoft.com/office/drawing/2014/main" xmlns="" id="{1F91EEF9-13EA-BB7F-B056-D35E7DB989AC}"/>
               </a:ext>
             </a:extLst>
           </p:cNvPr>
@@ -15962,7 +16050,7 @@
             <p:cNvPr id="12" name="Object 11">
               <a:extLst>
                 <a:ext uri="{FF2B5EF4-FFF2-40B4-BE49-F238E27FC236}">
-                  <a16:creationId xmlns="" xmlns:a16="http://schemas.microsoft.com/office/drawing/2014/main" id="{2CFFB217-AEFB-2C9E-5F86-6EE19510FFC6}"/>
+                  <a16:creationId xmlns:a16="http://schemas.microsoft.com/office/drawing/2014/main" xmlns="" id="{2CFFB217-AEFB-2C9E-5F86-6EE19510FFC6}"/>
                 </a:ext>
               </a:extLst>
             </p:cNvPr>
@@ -15993,7 +16081,7 @@
           <p:cNvPr id="13" name="그룹 1004">
             <a:extLst>
               <a:ext uri="{FF2B5EF4-FFF2-40B4-BE49-F238E27FC236}">
-                <a16:creationId xmlns="" xmlns:a16="http://schemas.microsoft.com/office/drawing/2014/main" id="{123B9C7E-94E8-E7E1-81BE-D59EA0299187}"/>
+                <a16:creationId xmlns:a16="http://schemas.microsoft.com/office/drawing/2014/main" xmlns="" id="{123B9C7E-94E8-E7E1-81BE-D59EA0299187}"/>
               </a:ext>
             </a:extLst>
           </p:cNvPr>
@@ -16013,7 +16101,7 @@
             <p:cNvPr id="14" name="Object 14">
               <a:extLst>
                 <a:ext uri="{FF2B5EF4-FFF2-40B4-BE49-F238E27FC236}">
-                  <a16:creationId xmlns="" xmlns:a16="http://schemas.microsoft.com/office/drawing/2014/main" id="{B6291552-2D89-A79F-7ACD-EA0EF9A4C389}"/>
+                  <a16:creationId xmlns:a16="http://schemas.microsoft.com/office/drawing/2014/main" xmlns="" id="{B6291552-2D89-A79F-7ACD-EA0EF9A4C389}"/>
                 </a:ext>
               </a:extLst>
             </p:cNvPr>
@@ -16044,7 +16132,7 @@
           <p:cNvPr id="15" name="TextBox 14">
             <a:extLst>
               <a:ext uri="{FF2B5EF4-FFF2-40B4-BE49-F238E27FC236}">
-                <a16:creationId xmlns="" xmlns:a16="http://schemas.microsoft.com/office/drawing/2014/main" id="{7D99763A-FC24-23F5-5BA9-D7B042E0F323}"/>
+                <a16:creationId xmlns:a16="http://schemas.microsoft.com/office/drawing/2014/main" xmlns="" id="{7D99763A-FC24-23F5-5BA9-D7B042E0F323}"/>
               </a:ext>
             </a:extLst>
           </p:cNvPr>
@@ -16129,7 +16217,7 @@
           <p:cNvPr id="4" name="TextBox 3">
             <a:extLst>
               <a:ext uri="{FF2B5EF4-FFF2-40B4-BE49-F238E27FC236}">
-                <a16:creationId xmlns="" xmlns:a16="http://schemas.microsoft.com/office/drawing/2014/main" id="{5ADC00B6-990A-40DC-3CEA-505258F5E8DA}"/>
+                <a16:creationId xmlns:a16="http://schemas.microsoft.com/office/drawing/2014/main" xmlns="" id="{5ADC00B6-990A-40DC-3CEA-505258F5E8DA}"/>
               </a:ext>
             </a:extLst>
           </p:cNvPr>
@@ -16211,7 +16299,7 @@
           <p:cNvPr id="6" name="직선 화살표 연결선 5">
             <a:extLst>
               <a:ext uri="{FF2B5EF4-FFF2-40B4-BE49-F238E27FC236}">
-                <a16:creationId xmlns="" xmlns:a16="http://schemas.microsoft.com/office/drawing/2014/main" id="{299DF5EC-9DF4-5255-06AC-0A7CE4FF58C3}"/>
+                <a16:creationId xmlns:a16="http://schemas.microsoft.com/office/drawing/2014/main" xmlns="" id="{299DF5EC-9DF4-5255-06AC-0A7CE4FF58C3}"/>
               </a:ext>
             </a:extLst>
           </p:cNvPr>
@@ -16252,7 +16340,7 @@
           <p:cNvPr id="7" name="TextBox 6">
             <a:extLst>
               <a:ext uri="{FF2B5EF4-FFF2-40B4-BE49-F238E27FC236}">
-                <a16:creationId xmlns="" xmlns:a16="http://schemas.microsoft.com/office/drawing/2014/main" id="{C6D113C6-EA5C-788F-0C77-E7CE6EBB865F}"/>
+                <a16:creationId xmlns:a16="http://schemas.microsoft.com/office/drawing/2014/main" xmlns="" id="{C6D113C6-EA5C-788F-0C77-E7CE6EBB865F}"/>
               </a:ext>
             </a:extLst>
           </p:cNvPr>
@@ -16300,7 +16388,7 @@
           <p:cNvPr id="9" name="직선 화살표 연결선 8">
             <a:extLst>
               <a:ext uri="{FF2B5EF4-FFF2-40B4-BE49-F238E27FC236}">
-                <a16:creationId xmlns="" xmlns:a16="http://schemas.microsoft.com/office/drawing/2014/main" id="{299DF5EC-9DF4-5255-06AC-0A7CE4FF58C3}"/>
+                <a16:creationId xmlns:a16="http://schemas.microsoft.com/office/drawing/2014/main" xmlns="" id="{299DF5EC-9DF4-5255-06AC-0A7CE4FF58C3}"/>
               </a:ext>
             </a:extLst>
           </p:cNvPr>
@@ -16341,7 +16429,7 @@
           <p:cNvPr id="10" name="TextBox 9">
             <a:extLst>
               <a:ext uri="{FF2B5EF4-FFF2-40B4-BE49-F238E27FC236}">
-                <a16:creationId xmlns="" xmlns:a16="http://schemas.microsoft.com/office/drawing/2014/main" id="{C6D113C6-EA5C-788F-0C77-E7CE6EBB865F}"/>
+                <a16:creationId xmlns:a16="http://schemas.microsoft.com/office/drawing/2014/main" xmlns="" id="{C6D113C6-EA5C-788F-0C77-E7CE6EBB865F}"/>
               </a:ext>
             </a:extLst>
           </p:cNvPr>
@@ -16413,7 +16501,7 @@
           <p:cNvPr id="12" name="직선 화살표 연결선 11">
             <a:extLst>
               <a:ext uri="{FF2B5EF4-FFF2-40B4-BE49-F238E27FC236}">
-                <a16:creationId xmlns="" xmlns:a16="http://schemas.microsoft.com/office/drawing/2014/main" id="{299DF5EC-9DF4-5255-06AC-0A7CE4FF58C3}"/>
+                <a16:creationId xmlns:a16="http://schemas.microsoft.com/office/drawing/2014/main" xmlns="" id="{299DF5EC-9DF4-5255-06AC-0A7CE4FF58C3}"/>
               </a:ext>
             </a:extLst>
           </p:cNvPr>
@@ -16454,7 +16542,7 @@
           <p:cNvPr id="13" name="TextBox 12">
             <a:extLst>
               <a:ext uri="{FF2B5EF4-FFF2-40B4-BE49-F238E27FC236}">
-                <a16:creationId xmlns="" xmlns:a16="http://schemas.microsoft.com/office/drawing/2014/main" id="{C6D113C6-EA5C-788F-0C77-E7CE6EBB865F}"/>
+                <a16:creationId xmlns:a16="http://schemas.microsoft.com/office/drawing/2014/main" xmlns="" id="{C6D113C6-EA5C-788F-0C77-E7CE6EBB865F}"/>
               </a:ext>
             </a:extLst>
           </p:cNvPr>
@@ -16502,7 +16590,7 @@
           <p:cNvPr id="15" name="직선 화살표 연결선 14">
             <a:extLst>
               <a:ext uri="{FF2B5EF4-FFF2-40B4-BE49-F238E27FC236}">
-                <a16:creationId xmlns="" xmlns:a16="http://schemas.microsoft.com/office/drawing/2014/main" id="{299DF5EC-9DF4-5255-06AC-0A7CE4FF58C3}"/>
+                <a16:creationId xmlns:a16="http://schemas.microsoft.com/office/drawing/2014/main" xmlns="" id="{299DF5EC-9DF4-5255-06AC-0A7CE4FF58C3}"/>
               </a:ext>
             </a:extLst>
           </p:cNvPr>
@@ -16543,7 +16631,7 @@
           <p:cNvPr id="16" name="TextBox 15">
             <a:extLst>
               <a:ext uri="{FF2B5EF4-FFF2-40B4-BE49-F238E27FC236}">
-                <a16:creationId xmlns="" xmlns:a16="http://schemas.microsoft.com/office/drawing/2014/main" id="{C6D113C6-EA5C-788F-0C77-E7CE6EBB865F}"/>
+                <a16:creationId xmlns:a16="http://schemas.microsoft.com/office/drawing/2014/main" xmlns="" id="{C6D113C6-EA5C-788F-0C77-E7CE6EBB865F}"/>
               </a:ext>
             </a:extLst>
           </p:cNvPr>
@@ -16591,7 +16679,7 @@
           <p:cNvPr id="18" name="직사각형 17">
             <a:extLst>
               <a:ext uri="{FF2B5EF4-FFF2-40B4-BE49-F238E27FC236}">
-                <a16:creationId xmlns="" xmlns:a16="http://schemas.microsoft.com/office/drawing/2014/main" id="{FFF506F9-840A-0508-4CAF-3AC711D8D5CE}"/>
+                <a16:creationId xmlns:a16="http://schemas.microsoft.com/office/drawing/2014/main" xmlns="" id="{FFF506F9-840A-0508-4CAF-3AC711D8D5CE}"/>
               </a:ext>
             </a:extLst>
           </p:cNvPr>
@@ -16680,7 +16768,7 @@
           <p:cNvPr id="4" name="TextBox 3">
             <a:extLst>
               <a:ext uri="{FF2B5EF4-FFF2-40B4-BE49-F238E27FC236}">
-                <a16:creationId xmlns="" xmlns:a16="http://schemas.microsoft.com/office/drawing/2014/main" id="{5ADC00B6-990A-40DC-3CEA-505258F5E8DA}"/>
+                <a16:creationId xmlns:a16="http://schemas.microsoft.com/office/drawing/2014/main" xmlns="" id="{5ADC00B6-990A-40DC-3CEA-505258F5E8DA}"/>
               </a:ext>
             </a:extLst>
           </p:cNvPr>
@@ -16728,7 +16816,7 @@
           <p:cNvPr id="5" name="TextBox 4">
             <a:extLst>
               <a:ext uri="{FF2B5EF4-FFF2-40B4-BE49-F238E27FC236}">
-                <a16:creationId xmlns="" xmlns:a16="http://schemas.microsoft.com/office/drawing/2014/main" id="{52176D31-35F7-8916-46FA-6095EFEC1E49}"/>
+                <a16:creationId xmlns:a16="http://schemas.microsoft.com/office/drawing/2014/main" xmlns="" id="{52176D31-35F7-8916-46FA-6095EFEC1E49}"/>
               </a:ext>
             </a:extLst>
           </p:cNvPr>
@@ -16738,7 +16826,7 @@
         <p:spPr>
           <a:xfrm>
             <a:off x="1371600" y="1562100"/>
-            <a:ext cx="13411200" cy="5016758"/>
+            <a:ext cx="10896600" cy="5016758"/>
           </a:xfrm>
           <a:prstGeom prst="rect">
             <a:avLst/>
@@ -17006,7 +17094,7 @@
         </p:blipFill>
         <p:spPr>
           <a:xfrm>
-            <a:off x="12624640" y="2857500"/>
+            <a:off x="12624640" y="2787305"/>
             <a:ext cx="4438181" cy="914400"/>
           </a:xfrm>
           <a:prstGeom prst="rect">
@@ -17127,14 +17215,14 @@
                 <a:gridCol w="5680353">
                   <a:extLst>
                     <a:ext uri="{9D8B030D-6E8A-4147-A177-3AD203B41FA5}">
-                      <a16:colId xmlns="" xmlns:a16="http://schemas.microsoft.com/office/drawing/2014/main" val="20000"/>
+                      <a16:colId xmlns:a16="http://schemas.microsoft.com/office/drawing/2014/main" xmlns="" val="20000"/>
                     </a:ext>
                   </a:extLst>
                 </a:gridCol>
                 <a:gridCol w="5749647">
                   <a:extLst>
                     <a:ext uri="{9D8B030D-6E8A-4147-A177-3AD203B41FA5}">
-                      <a16:colId xmlns="" xmlns:a16="http://schemas.microsoft.com/office/drawing/2014/main" val="20001"/>
+                      <a16:colId xmlns:a16="http://schemas.microsoft.com/office/drawing/2014/main" xmlns="" val="20001"/>
                     </a:ext>
                   </a:extLst>
                 </a:gridCol>
@@ -17272,7 +17360,7 @@
                 </a:tc>
                 <a:extLst>
                   <a:ext uri="{0D108BD9-81ED-4DB2-BD59-A6C34878D82A}">
-                    <a16:rowId xmlns="" xmlns:a16="http://schemas.microsoft.com/office/drawing/2014/main" val="10000"/>
+                    <a16:rowId xmlns:a16="http://schemas.microsoft.com/office/drawing/2014/main" xmlns="" val="10000"/>
                   </a:ext>
                 </a:extLst>
               </a:tr>
@@ -17415,7 +17503,7 @@
                 </a:tc>
                 <a:extLst>
                   <a:ext uri="{0D108BD9-81ED-4DB2-BD59-A6C34878D82A}">
-                    <a16:rowId xmlns="" xmlns:a16="http://schemas.microsoft.com/office/drawing/2014/main" val="10001"/>
+                    <a16:rowId xmlns:a16="http://schemas.microsoft.com/office/drawing/2014/main" xmlns="" val="10001"/>
                   </a:ext>
                 </a:extLst>
               </a:tr>
@@ -17536,7 +17624,7 @@
                 </a:tc>
                 <a:extLst>
                   <a:ext uri="{0D108BD9-81ED-4DB2-BD59-A6C34878D82A}">
-                    <a16:rowId xmlns="" xmlns:a16="http://schemas.microsoft.com/office/drawing/2014/main" val="10002"/>
+                    <a16:rowId xmlns:a16="http://schemas.microsoft.com/office/drawing/2014/main" xmlns="" val="10002"/>
                   </a:ext>
                 </a:extLst>
               </a:tr>
@@ -17657,7 +17745,7 @@
                 </a:tc>
                 <a:extLst>
                   <a:ext uri="{0D108BD9-81ED-4DB2-BD59-A6C34878D82A}">
-                    <a16:rowId xmlns="" xmlns:a16="http://schemas.microsoft.com/office/drawing/2014/main" val="10003"/>
+                    <a16:rowId xmlns:a16="http://schemas.microsoft.com/office/drawing/2014/main" xmlns="" val="10003"/>
                   </a:ext>
                 </a:extLst>
               </a:tr>
@@ -17731,7 +17819,7 @@
           <p:cNvPr id="6" name="직선 화살표 연결선 5">
             <a:extLst>
               <a:ext uri="{FF2B5EF4-FFF2-40B4-BE49-F238E27FC236}">
-                <a16:creationId xmlns="" xmlns:a16="http://schemas.microsoft.com/office/drawing/2014/main" id="{299DF5EC-9DF4-5255-06AC-0A7CE4FF58C3}"/>
+                <a16:creationId xmlns:a16="http://schemas.microsoft.com/office/drawing/2014/main" xmlns="" id="{299DF5EC-9DF4-5255-06AC-0A7CE4FF58C3}"/>
               </a:ext>
             </a:extLst>
           </p:cNvPr>
@@ -17772,7 +17860,7 @@
           <p:cNvPr id="7" name="직사각형 6">
             <a:extLst>
               <a:ext uri="{FF2B5EF4-FFF2-40B4-BE49-F238E27FC236}">
-                <a16:creationId xmlns="" xmlns:a16="http://schemas.microsoft.com/office/drawing/2014/main" id="{FFF506F9-840A-0508-4CAF-3AC711D8D5CE}"/>
+                <a16:creationId xmlns:a16="http://schemas.microsoft.com/office/drawing/2014/main" xmlns="" id="{FFF506F9-840A-0508-4CAF-3AC711D8D5CE}"/>
               </a:ext>
             </a:extLst>
           </p:cNvPr>
@@ -17824,7 +17912,7 @@
           <p:cNvPr id="8" name="TextBox 7">
             <a:extLst>
               <a:ext uri="{FF2B5EF4-FFF2-40B4-BE49-F238E27FC236}">
-                <a16:creationId xmlns="" xmlns:a16="http://schemas.microsoft.com/office/drawing/2014/main" id="{C6D113C6-EA5C-788F-0C77-E7CE6EBB865F}"/>
+                <a16:creationId xmlns:a16="http://schemas.microsoft.com/office/drawing/2014/main" xmlns="" id="{C6D113C6-EA5C-788F-0C77-E7CE6EBB865F}"/>
               </a:ext>
             </a:extLst>
           </p:cNvPr>
@@ -17905,7 +17993,7 @@
           <p:cNvPr id="14" name="직선 화살표 연결선 13">
             <a:extLst>
               <a:ext uri="{FF2B5EF4-FFF2-40B4-BE49-F238E27FC236}">
-                <a16:creationId xmlns="" xmlns:a16="http://schemas.microsoft.com/office/drawing/2014/main" id="{299DF5EC-9DF4-5255-06AC-0A7CE4FF58C3}"/>
+                <a16:creationId xmlns:a16="http://schemas.microsoft.com/office/drawing/2014/main" xmlns="" id="{299DF5EC-9DF4-5255-06AC-0A7CE4FF58C3}"/>
               </a:ext>
             </a:extLst>
           </p:cNvPr>
@@ -17946,7 +18034,7 @@
           <p:cNvPr id="15" name="직사각형 14">
             <a:extLst>
               <a:ext uri="{FF2B5EF4-FFF2-40B4-BE49-F238E27FC236}">
-                <a16:creationId xmlns="" xmlns:a16="http://schemas.microsoft.com/office/drawing/2014/main" id="{FFF506F9-840A-0508-4CAF-3AC711D8D5CE}"/>
+                <a16:creationId xmlns:a16="http://schemas.microsoft.com/office/drawing/2014/main" xmlns="" id="{FFF506F9-840A-0508-4CAF-3AC711D8D5CE}"/>
               </a:ext>
             </a:extLst>
           </p:cNvPr>
@@ -17998,7 +18086,7 @@
           <p:cNvPr id="16" name="TextBox 15">
             <a:extLst>
               <a:ext uri="{FF2B5EF4-FFF2-40B4-BE49-F238E27FC236}">
-                <a16:creationId xmlns="" xmlns:a16="http://schemas.microsoft.com/office/drawing/2014/main" id="{C6D113C6-EA5C-788F-0C77-E7CE6EBB865F}"/>
+                <a16:creationId xmlns:a16="http://schemas.microsoft.com/office/drawing/2014/main" xmlns="" id="{C6D113C6-EA5C-788F-0C77-E7CE6EBB865F}"/>
               </a:ext>
             </a:extLst>
           </p:cNvPr>
@@ -18046,7 +18134,7 @@
           <p:cNvPr id="17" name="TextBox 16">
             <a:extLst>
               <a:ext uri="{FF2B5EF4-FFF2-40B4-BE49-F238E27FC236}">
-                <a16:creationId xmlns="" xmlns:a16="http://schemas.microsoft.com/office/drawing/2014/main" id="{5ADC00B6-990A-40DC-3CEA-505258F5E8DA}"/>
+                <a16:creationId xmlns:a16="http://schemas.microsoft.com/office/drawing/2014/main" xmlns="" id="{5ADC00B6-990A-40DC-3CEA-505258F5E8DA}"/>
               </a:ext>
             </a:extLst>
           </p:cNvPr>
@@ -18165,7 +18253,7 @@
           <p:cNvPr id="5" name="TextBox 4">
             <a:extLst>
               <a:ext uri="{FF2B5EF4-FFF2-40B4-BE49-F238E27FC236}">
-                <a16:creationId xmlns="" xmlns:a16="http://schemas.microsoft.com/office/drawing/2014/main" id="{5ADC00B6-990A-40DC-3CEA-505258F5E8DA}"/>
+                <a16:creationId xmlns:a16="http://schemas.microsoft.com/office/drawing/2014/main" xmlns="" id="{5ADC00B6-990A-40DC-3CEA-505258F5E8DA}"/>
               </a:ext>
             </a:extLst>
           </p:cNvPr>
@@ -18216,7 +18304,7 @@
           <p:cNvPr id="7" name="직사각형 6">
             <a:extLst>
               <a:ext uri="{FF2B5EF4-FFF2-40B4-BE49-F238E27FC236}">
-                <a16:creationId xmlns="" xmlns:a16="http://schemas.microsoft.com/office/drawing/2014/main" id="{FFF506F9-840A-0508-4CAF-3AC711D8D5CE}"/>
+                <a16:creationId xmlns:a16="http://schemas.microsoft.com/office/drawing/2014/main" xmlns="" id="{FFF506F9-840A-0508-4CAF-3AC711D8D5CE}"/>
               </a:ext>
             </a:extLst>
           </p:cNvPr>
@@ -18268,7 +18356,7 @@
           <p:cNvPr id="8" name="직사각형 7">
             <a:extLst>
               <a:ext uri="{FF2B5EF4-FFF2-40B4-BE49-F238E27FC236}">
-                <a16:creationId xmlns="" xmlns:a16="http://schemas.microsoft.com/office/drawing/2014/main" id="{FFF506F9-840A-0508-4CAF-3AC711D8D5CE}"/>
+                <a16:creationId xmlns:a16="http://schemas.microsoft.com/office/drawing/2014/main" xmlns="" id="{FFF506F9-840A-0508-4CAF-3AC711D8D5CE}"/>
               </a:ext>
             </a:extLst>
           </p:cNvPr>
@@ -18405,7 +18493,7 @@
           <p:cNvPr id="6" name="직사각형 5">
             <a:extLst>
               <a:ext uri="{FF2B5EF4-FFF2-40B4-BE49-F238E27FC236}">
-                <a16:creationId xmlns="" xmlns:a16="http://schemas.microsoft.com/office/drawing/2014/main" id="{FFF506F9-840A-0508-4CAF-3AC711D8D5CE}"/>
+                <a16:creationId xmlns:a16="http://schemas.microsoft.com/office/drawing/2014/main" xmlns="" id="{FFF506F9-840A-0508-4CAF-3AC711D8D5CE}"/>
               </a:ext>
             </a:extLst>
           </p:cNvPr>
@@ -18457,7 +18545,7 @@
           <p:cNvPr id="7" name="직사각형 6">
             <a:extLst>
               <a:ext uri="{FF2B5EF4-FFF2-40B4-BE49-F238E27FC236}">
-                <a16:creationId xmlns="" xmlns:a16="http://schemas.microsoft.com/office/drawing/2014/main" id="{FFF506F9-840A-0508-4CAF-3AC711D8D5CE}"/>
+                <a16:creationId xmlns:a16="http://schemas.microsoft.com/office/drawing/2014/main" xmlns="" id="{FFF506F9-840A-0508-4CAF-3AC711D8D5CE}"/>
               </a:ext>
             </a:extLst>
           </p:cNvPr>
@@ -18546,7 +18634,7 @@
           <p:cNvPr id="4" name="TextBox 3">
             <a:extLst>
               <a:ext uri="{FF2B5EF4-FFF2-40B4-BE49-F238E27FC236}">
-                <a16:creationId xmlns="" xmlns:a16="http://schemas.microsoft.com/office/drawing/2014/main" id="{DF7DDD33-9412-2802-339A-E55446AC2DA7}"/>
+                <a16:creationId xmlns:a16="http://schemas.microsoft.com/office/drawing/2014/main" xmlns="" id="{DF7DDD33-9412-2802-339A-E55446AC2DA7}"/>
               </a:ext>
             </a:extLst>
           </p:cNvPr>
@@ -18594,7 +18682,7 @@
           <p:cNvPr id="5" name="TextBox 4">
             <a:extLst>
               <a:ext uri="{FF2B5EF4-FFF2-40B4-BE49-F238E27FC236}">
-                <a16:creationId xmlns="" xmlns:a16="http://schemas.microsoft.com/office/drawing/2014/main" id="{F68B80B8-3419-5C31-B2F2-084E536A2C1C}"/>
+                <a16:creationId xmlns:a16="http://schemas.microsoft.com/office/drawing/2014/main" xmlns="" id="{F68B80B8-3419-5C31-B2F2-084E536A2C1C}"/>
               </a:ext>
             </a:extLst>
           </p:cNvPr>
@@ -18682,7 +18770,7 @@
           <p:cNvPr id="8" name="TextBox 7">
             <a:extLst>
               <a:ext uri="{FF2B5EF4-FFF2-40B4-BE49-F238E27FC236}">
-                <a16:creationId xmlns="" xmlns:a16="http://schemas.microsoft.com/office/drawing/2014/main" id="{C6D113C6-EA5C-788F-0C77-E7CE6EBB865F}"/>
+                <a16:creationId xmlns:a16="http://schemas.microsoft.com/office/drawing/2014/main" xmlns="" id="{C6D113C6-EA5C-788F-0C77-E7CE6EBB865F}"/>
               </a:ext>
             </a:extLst>
           </p:cNvPr>
@@ -18825,7 +18913,7 @@
           <p:cNvPr id="6" name="직사각형 5">
             <a:extLst>
               <a:ext uri="{FF2B5EF4-FFF2-40B4-BE49-F238E27FC236}">
-                <a16:creationId xmlns="" xmlns:a16="http://schemas.microsoft.com/office/drawing/2014/main" id="{FFF506F9-840A-0508-4CAF-3AC711D8D5CE}"/>
+                <a16:creationId xmlns:a16="http://schemas.microsoft.com/office/drawing/2014/main" xmlns="" id="{FFF506F9-840A-0508-4CAF-3AC711D8D5CE}"/>
               </a:ext>
             </a:extLst>
           </p:cNvPr>
@@ -18877,7 +18965,7 @@
           <p:cNvPr id="7" name="직선 화살표 연결선 6">
             <a:extLst>
               <a:ext uri="{FF2B5EF4-FFF2-40B4-BE49-F238E27FC236}">
-                <a16:creationId xmlns="" xmlns:a16="http://schemas.microsoft.com/office/drawing/2014/main" id="{299DF5EC-9DF4-5255-06AC-0A7CE4FF58C3}"/>
+                <a16:creationId xmlns:a16="http://schemas.microsoft.com/office/drawing/2014/main" xmlns="" id="{299DF5EC-9DF4-5255-06AC-0A7CE4FF58C3}"/>
               </a:ext>
             </a:extLst>
           </p:cNvPr>
@@ -18918,7 +19006,7 @@
           <p:cNvPr id="8" name="TextBox 7">
             <a:extLst>
               <a:ext uri="{FF2B5EF4-FFF2-40B4-BE49-F238E27FC236}">
-                <a16:creationId xmlns="" xmlns:a16="http://schemas.microsoft.com/office/drawing/2014/main" id="{C6D113C6-EA5C-788F-0C77-E7CE6EBB865F}"/>
+                <a16:creationId xmlns:a16="http://schemas.microsoft.com/office/drawing/2014/main" xmlns="" id="{C6D113C6-EA5C-788F-0C77-E7CE6EBB865F}"/>
               </a:ext>
             </a:extLst>
           </p:cNvPr>
@@ -19025,7 +19113,7 @@
           <p:cNvPr id="10" name="TextBox 9">
             <a:extLst>
               <a:ext uri="{FF2B5EF4-FFF2-40B4-BE49-F238E27FC236}">
-                <a16:creationId xmlns="" xmlns:a16="http://schemas.microsoft.com/office/drawing/2014/main" id="{5ADC00B6-990A-40DC-3CEA-505258F5E8DA}"/>
+                <a16:creationId xmlns:a16="http://schemas.microsoft.com/office/drawing/2014/main" xmlns="" id="{5ADC00B6-990A-40DC-3CEA-505258F5E8DA}"/>
               </a:ext>
             </a:extLst>
           </p:cNvPr>
@@ -19144,7 +19232,7 @@
           <p:cNvPr id="3" name="TextBox 2">
             <a:extLst>
               <a:ext uri="{FF2B5EF4-FFF2-40B4-BE49-F238E27FC236}">
-                <a16:creationId xmlns="" xmlns:a16="http://schemas.microsoft.com/office/drawing/2014/main" id="{5ADC00B6-990A-40DC-3CEA-505258F5E8DA}"/>
+                <a16:creationId xmlns:a16="http://schemas.microsoft.com/office/drawing/2014/main" xmlns="" id="{5ADC00B6-990A-40DC-3CEA-505258F5E8DA}"/>
               </a:ext>
             </a:extLst>
           </p:cNvPr>
@@ -19239,7 +19327,7 @@
           <p:cNvPr id="4" name="TextBox 3">
             <a:extLst>
               <a:ext uri="{FF2B5EF4-FFF2-40B4-BE49-F238E27FC236}">
-                <a16:creationId xmlns="" xmlns:a16="http://schemas.microsoft.com/office/drawing/2014/main" id="{5ADC00B6-990A-40DC-3CEA-505258F5E8DA}"/>
+                <a16:creationId xmlns:a16="http://schemas.microsoft.com/office/drawing/2014/main" xmlns="" id="{5ADC00B6-990A-40DC-3CEA-505258F5E8DA}"/>
               </a:ext>
             </a:extLst>
           </p:cNvPr>
@@ -19324,7 +19412,7 @@
           <p:cNvPr id="5" name="직사각형 4">
             <a:extLst>
               <a:ext uri="{FF2B5EF4-FFF2-40B4-BE49-F238E27FC236}">
-                <a16:creationId xmlns="" xmlns:a16="http://schemas.microsoft.com/office/drawing/2014/main" id="{FFF506F9-840A-0508-4CAF-3AC711D8D5CE}"/>
+                <a16:creationId xmlns:a16="http://schemas.microsoft.com/office/drawing/2014/main" xmlns="" id="{FFF506F9-840A-0508-4CAF-3AC711D8D5CE}"/>
               </a:ext>
             </a:extLst>
           </p:cNvPr>
@@ -19413,7 +19501,7 @@
           <p:cNvPr id="4" name="TextBox 3">
             <a:extLst>
               <a:ext uri="{FF2B5EF4-FFF2-40B4-BE49-F238E27FC236}">
-                <a16:creationId xmlns="" xmlns:a16="http://schemas.microsoft.com/office/drawing/2014/main" id="{5ADC00B6-990A-40DC-3CEA-505258F5E8DA}"/>
+                <a16:creationId xmlns:a16="http://schemas.microsoft.com/office/drawing/2014/main" xmlns="" id="{5ADC00B6-990A-40DC-3CEA-505258F5E8DA}"/>
               </a:ext>
             </a:extLst>
           </p:cNvPr>
@@ -19565,7 +19653,7 @@
           <p:cNvPr id="5" name="직선 화살표 연결선 4">
             <a:extLst>
               <a:ext uri="{FF2B5EF4-FFF2-40B4-BE49-F238E27FC236}">
-                <a16:creationId xmlns="" xmlns:a16="http://schemas.microsoft.com/office/drawing/2014/main" id="{299DF5EC-9DF4-5255-06AC-0A7CE4FF58C3}"/>
+                <a16:creationId xmlns:a16="http://schemas.microsoft.com/office/drawing/2014/main" xmlns="" id="{299DF5EC-9DF4-5255-06AC-0A7CE4FF58C3}"/>
               </a:ext>
             </a:extLst>
           </p:cNvPr>
@@ -19607,7 +19695,7 @@
           <p:cNvPr id="6" name="직사각형 5">
             <a:extLst>
               <a:ext uri="{FF2B5EF4-FFF2-40B4-BE49-F238E27FC236}">
-                <a16:creationId xmlns="" xmlns:a16="http://schemas.microsoft.com/office/drawing/2014/main" id="{FFF506F9-840A-0508-4CAF-3AC711D8D5CE}"/>
+                <a16:creationId xmlns:a16="http://schemas.microsoft.com/office/drawing/2014/main" xmlns="" id="{FFF506F9-840A-0508-4CAF-3AC711D8D5CE}"/>
               </a:ext>
             </a:extLst>
           </p:cNvPr>
@@ -19659,7 +19747,7 @@
           <p:cNvPr id="7" name="TextBox 6">
             <a:extLst>
               <a:ext uri="{FF2B5EF4-FFF2-40B4-BE49-F238E27FC236}">
-                <a16:creationId xmlns="" xmlns:a16="http://schemas.microsoft.com/office/drawing/2014/main" id="{C6D113C6-EA5C-788F-0C77-E7CE6EBB865F}"/>
+                <a16:creationId xmlns:a16="http://schemas.microsoft.com/office/drawing/2014/main" xmlns="" id="{C6D113C6-EA5C-788F-0C77-E7CE6EBB865F}"/>
               </a:ext>
             </a:extLst>
           </p:cNvPr>
@@ -19798,7 +19886,7 @@
           <p:cNvPr id="5" name="직선 화살표 연결선 4">
             <a:extLst>
               <a:ext uri="{FF2B5EF4-FFF2-40B4-BE49-F238E27FC236}">
-                <a16:creationId xmlns="" xmlns:a16="http://schemas.microsoft.com/office/drawing/2014/main" id="{299DF5EC-9DF4-5255-06AC-0A7CE4FF58C3}"/>
+                <a16:creationId xmlns:a16="http://schemas.microsoft.com/office/drawing/2014/main" xmlns="" id="{299DF5EC-9DF4-5255-06AC-0A7CE4FF58C3}"/>
               </a:ext>
             </a:extLst>
           </p:cNvPr>
@@ -19839,7 +19927,7 @@
           <p:cNvPr id="6" name="직사각형 5">
             <a:extLst>
               <a:ext uri="{FF2B5EF4-FFF2-40B4-BE49-F238E27FC236}">
-                <a16:creationId xmlns="" xmlns:a16="http://schemas.microsoft.com/office/drawing/2014/main" id="{FFF506F9-840A-0508-4CAF-3AC711D8D5CE}"/>
+                <a16:creationId xmlns:a16="http://schemas.microsoft.com/office/drawing/2014/main" xmlns="" id="{FFF506F9-840A-0508-4CAF-3AC711D8D5CE}"/>
               </a:ext>
             </a:extLst>
           </p:cNvPr>
@@ -19891,7 +19979,7 @@
           <p:cNvPr id="7" name="TextBox 6">
             <a:extLst>
               <a:ext uri="{FF2B5EF4-FFF2-40B4-BE49-F238E27FC236}">
-                <a16:creationId xmlns="" xmlns:a16="http://schemas.microsoft.com/office/drawing/2014/main" id="{C6D113C6-EA5C-788F-0C77-E7CE6EBB865F}"/>
+                <a16:creationId xmlns:a16="http://schemas.microsoft.com/office/drawing/2014/main" xmlns="" id="{C6D113C6-EA5C-788F-0C77-E7CE6EBB865F}"/>
               </a:ext>
             </a:extLst>
           </p:cNvPr>
@@ -19969,7 +20057,7 @@
           <p:cNvPr id="8" name="TextBox 7">
             <a:extLst>
               <a:ext uri="{FF2B5EF4-FFF2-40B4-BE49-F238E27FC236}">
-                <a16:creationId xmlns="" xmlns:a16="http://schemas.microsoft.com/office/drawing/2014/main" id="{5ADC00B6-990A-40DC-3CEA-505258F5E8DA}"/>
+                <a16:creationId xmlns:a16="http://schemas.microsoft.com/office/drawing/2014/main" xmlns="" id="{5ADC00B6-990A-40DC-3CEA-505258F5E8DA}"/>
               </a:ext>
             </a:extLst>
           </p:cNvPr>
@@ -20218,7 +20306,7 @@
           <p:cNvPr id="4" name="TextBox 3">
             <a:extLst>
               <a:ext uri="{FF2B5EF4-FFF2-40B4-BE49-F238E27FC236}">
-                <a16:creationId xmlns="" xmlns:a16="http://schemas.microsoft.com/office/drawing/2014/main" id="{5ADC00B6-990A-40DC-3CEA-505258F5E8DA}"/>
+                <a16:creationId xmlns:a16="http://schemas.microsoft.com/office/drawing/2014/main" xmlns="" id="{5ADC00B6-990A-40DC-3CEA-505258F5E8DA}"/>
               </a:ext>
             </a:extLst>
           </p:cNvPr>
@@ -20323,7 +20411,7 @@
           <p:cNvPr id="6" name="TextBox 5">
             <a:extLst>
               <a:ext uri="{FF2B5EF4-FFF2-40B4-BE49-F238E27FC236}">
-                <a16:creationId xmlns="" xmlns:a16="http://schemas.microsoft.com/office/drawing/2014/main" id="{5ADC00B6-990A-40DC-3CEA-505258F5E8DA}"/>
+                <a16:creationId xmlns:a16="http://schemas.microsoft.com/office/drawing/2014/main" xmlns="" id="{5ADC00B6-990A-40DC-3CEA-505258F5E8DA}"/>
               </a:ext>
             </a:extLst>
           </p:cNvPr>
@@ -20371,7 +20459,7 @@
           <p:cNvPr id="7" name="직선 화살표 연결선 6">
             <a:extLst>
               <a:ext uri="{FF2B5EF4-FFF2-40B4-BE49-F238E27FC236}">
-                <a16:creationId xmlns="" xmlns:a16="http://schemas.microsoft.com/office/drawing/2014/main" id="{299DF5EC-9DF4-5255-06AC-0A7CE4FF58C3}"/>
+                <a16:creationId xmlns:a16="http://schemas.microsoft.com/office/drawing/2014/main" xmlns="" id="{299DF5EC-9DF4-5255-06AC-0A7CE4FF58C3}"/>
               </a:ext>
             </a:extLst>
           </p:cNvPr>
@@ -20412,7 +20500,7 @@
           <p:cNvPr id="8" name="TextBox 7">
             <a:extLst>
               <a:ext uri="{FF2B5EF4-FFF2-40B4-BE49-F238E27FC236}">
-                <a16:creationId xmlns="" xmlns:a16="http://schemas.microsoft.com/office/drawing/2014/main" id="{C6D113C6-EA5C-788F-0C77-E7CE6EBB865F}"/>
+                <a16:creationId xmlns:a16="http://schemas.microsoft.com/office/drawing/2014/main" xmlns="" id="{C6D113C6-EA5C-788F-0C77-E7CE6EBB865F}"/>
               </a:ext>
             </a:extLst>
           </p:cNvPr>
@@ -20524,7 +20612,7 @@
           <p:cNvPr id="11" name="직선 화살표 연결선 10">
             <a:extLst>
               <a:ext uri="{FF2B5EF4-FFF2-40B4-BE49-F238E27FC236}">
-                <a16:creationId xmlns="" xmlns:a16="http://schemas.microsoft.com/office/drawing/2014/main" id="{299DF5EC-9DF4-5255-06AC-0A7CE4FF58C3}"/>
+                <a16:creationId xmlns:a16="http://schemas.microsoft.com/office/drawing/2014/main" xmlns="" id="{299DF5EC-9DF4-5255-06AC-0A7CE4FF58C3}"/>
               </a:ext>
             </a:extLst>
           </p:cNvPr>
@@ -20565,7 +20653,7 @@
           <p:cNvPr id="12" name="TextBox 11">
             <a:extLst>
               <a:ext uri="{FF2B5EF4-FFF2-40B4-BE49-F238E27FC236}">
-                <a16:creationId xmlns="" xmlns:a16="http://schemas.microsoft.com/office/drawing/2014/main" id="{C6D113C6-EA5C-788F-0C77-E7CE6EBB865F}"/>
+                <a16:creationId xmlns:a16="http://schemas.microsoft.com/office/drawing/2014/main" xmlns="" id="{C6D113C6-EA5C-788F-0C77-E7CE6EBB865F}"/>
               </a:ext>
             </a:extLst>
           </p:cNvPr>
@@ -20653,7 +20741,7 @@
           <p:cNvPr id="17" name="TextBox 16">
             <a:extLst>
               <a:ext uri="{FF2B5EF4-FFF2-40B4-BE49-F238E27FC236}">
-                <a16:creationId xmlns="" xmlns:a16="http://schemas.microsoft.com/office/drawing/2014/main" id="{C6D113C6-EA5C-788F-0C77-E7CE6EBB865F}"/>
+                <a16:creationId xmlns:a16="http://schemas.microsoft.com/office/drawing/2014/main" xmlns="" id="{C6D113C6-EA5C-788F-0C77-E7CE6EBB865F}"/>
               </a:ext>
             </a:extLst>
           </p:cNvPr>
@@ -21056,7 +21144,7 @@
           <p:cNvPr id="6" name="직사각형 5">
             <a:extLst>
               <a:ext uri="{FF2B5EF4-FFF2-40B4-BE49-F238E27FC236}">
-                <a16:creationId xmlns:a16="http://schemas.microsoft.com/office/drawing/2014/main" xmlns="" id="{FFF506F9-840A-0508-4CAF-3AC711D8D5CE}"/>
+                <a16:creationId xmlns="" xmlns:a16="http://schemas.microsoft.com/office/drawing/2014/main" id="{FFF506F9-840A-0508-4CAF-3AC711D8D5CE}"/>
               </a:ext>
             </a:extLst>
           </p:cNvPr>
@@ -21108,7 +21196,7 @@
           <p:cNvPr id="7" name="직사각형 6">
             <a:extLst>
               <a:ext uri="{FF2B5EF4-FFF2-40B4-BE49-F238E27FC236}">
-                <a16:creationId xmlns:a16="http://schemas.microsoft.com/office/drawing/2014/main" xmlns="" id="{FFF506F9-840A-0508-4CAF-3AC711D8D5CE}"/>
+                <a16:creationId xmlns="" xmlns:a16="http://schemas.microsoft.com/office/drawing/2014/main" id="{FFF506F9-840A-0508-4CAF-3AC711D8D5CE}"/>
               </a:ext>
             </a:extLst>
           </p:cNvPr>
@@ -21160,7 +21248,7 @@
           <p:cNvPr id="8" name="직사각형 7">
             <a:extLst>
               <a:ext uri="{FF2B5EF4-FFF2-40B4-BE49-F238E27FC236}">
-                <a16:creationId xmlns:a16="http://schemas.microsoft.com/office/drawing/2014/main" xmlns="" id="{FFF506F9-840A-0508-4CAF-3AC711D8D5CE}"/>
+                <a16:creationId xmlns="" xmlns:a16="http://schemas.microsoft.com/office/drawing/2014/main" id="{FFF506F9-840A-0508-4CAF-3AC711D8D5CE}"/>
               </a:ext>
             </a:extLst>
           </p:cNvPr>
@@ -21236,7 +21324,7 @@
           <p:cNvPr id="10" name="직사각형 9">
             <a:extLst>
               <a:ext uri="{FF2B5EF4-FFF2-40B4-BE49-F238E27FC236}">
-                <a16:creationId xmlns:a16="http://schemas.microsoft.com/office/drawing/2014/main" xmlns="" id="{FFF506F9-840A-0508-4CAF-3AC711D8D5CE}"/>
+                <a16:creationId xmlns="" xmlns:a16="http://schemas.microsoft.com/office/drawing/2014/main" id="{FFF506F9-840A-0508-4CAF-3AC711D8D5CE}"/>
               </a:ext>
             </a:extLst>
           </p:cNvPr>
@@ -21288,7 +21376,7 @@
           <p:cNvPr id="11" name="TextBox 10">
             <a:extLst>
               <a:ext uri="{FF2B5EF4-FFF2-40B4-BE49-F238E27FC236}">
-                <a16:creationId xmlns="" xmlns:a16="http://schemas.microsoft.com/office/drawing/2014/main" id="{5ADC00B6-990A-40DC-3CEA-505258F5E8DA}"/>
+                <a16:creationId xmlns:a16="http://schemas.microsoft.com/office/drawing/2014/main" xmlns="" id="{5ADC00B6-990A-40DC-3CEA-505258F5E8DA}"/>
               </a:ext>
             </a:extLst>
           </p:cNvPr>
@@ -21341,6 +21429,13 @@
   <p:clrMapOvr>
     <a:masterClrMapping/>
   </p:clrMapOvr>
+  <p:timing>
+    <p:tnLst>
+      <p:par>
+        <p:cTn id="1" dur="indefinite" restart="never" nodeType="tmRoot"/>
+      </p:par>
+    </p:tnLst>
+  </p:timing>
 </p:sld>
 </file>
 
@@ -21366,7 +21461,7 @@
           <p:cNvPr id="4" name="TextBox 3">
             <a:extLst>
               <a:ext uri="{FF2B5EF4-FFF2-40B4-BE49-F238E27FC236}">
-                <a16:creationId xmlns="" xmlns:a16="http://schemas.microsoft.com/office/drawing/2014/main" id="{5ADC00B6-990A-40DC-3CEA-505258F5E8DA}"/>
+                <a16:creationId xmlns:a16="http://schemas.microsoft.com/office/drawing/2014/main" xmlns="" id="{5ADC00B6-990A-40DC-3CEA-505258F5E8DA}"/>
               </a:ext>
             </a:extLst>
           </p:cNvPr>
@@ -21417,7 +21512,7 @@
           <p:cNvPr id="5" name="TextBox 4">
             <a:extLst>
               <a:ext uri="{FF2B5EF4-FFF2-40B4-BE49-F238E27FC236}">
-                <a16:creationId xmlns="" xmlns:a16="http://schemas.microsoft.com/office/drawing/2014/main" id="{52176D31-35F7-8916-46FA-6095EFEC1E49}"/>
+                <a16:creationId xmlns:a16="http://schemas.microsoft.com/office/drawing/2014/main" xmlns="" id="{52176D31-35F7-8916-46FA-6095EFEC1E49}"/>
               </a:ext>
             </a:extLst>
           </p:cNvPr>
@@ -21509,7 +21604,7 @@
           <p:cNvPr id="7" name="그룹 1008">
             <a:extLst>
               <a:ext uri="{FF2B5EF4-FFF2-40B4-BE49-F238E27FC236}">
-                <a16:creationId xmlns:a16="http://schemas.microsoft.com/office/drawing/2014/main" xmlns="" id="{678F6342-C505-E8AD-ADA4-022CB2C2088E}"/>
+                <a16:creationId xmlns="" xmlns:a16="http://schemas.microsoft.com/office/drawing/2014/main" id="{678F6342-C505-E8AD-ADA4-022CB2C2088E}"/>
               </a:ext>
             </a:extLst>
           </p:cNvPr>
@@ -21529,7 +21624,7 @@
             <p:cNvPr id="8" name="그룹 1009">
               <a:extLst>
                 <a:ext uri="{FF2B5EF4-FFF2-40B4-BE49-F238E27FC236}">
-                  <a16:creationId xmlns:a16="http://schemas.microsoft.com/office/drawing/2014/main" xmlns="" id="{4E1F1FED-812B-9BBB-925A-84B54A077414}"/>
+                  <a16:creationId xmlns="" xmlns:a16="http://schemas.microsoft.com/office/drawing/2014/main" id="{4E1F1FED-812B-9BBB-925A-84B54A077414}"/>
                 </a:ext>
               </a:extLst>
             </p:cNvPr>
@@ -21549,7 +21644,7 @@
               <p:cNvPr id="13" name="Object 29">
                 <a:extLst>
                   <a:ext uri="{FF2B5EF4-FFF2-40B4-BE49-F238E27FC236}">
-                    <a16:creationId xmlns:a16="http://schemas.microsoft.com/office/drawing/2014/main" xmlns="" id="{7B078609-4286-7B00-51EB-809C8E2DE289}"/>
+                    <a16:creationId xmlns="" xmlns:a16="http://schemas.microsoft.com/office/drawing/2014/main" id="{7B078609-4286-7B00-51EB-809C8E2DE289}"/>
                   </a:ext>
                 </a:extLst>
               </p:cNvPr>
@@ -21580,7 +21675,7 @@
             <p:cNvPr id="9" name="그룹 1010">
               <a:extLst>
                 <a:ext uri="{FF2B5EF4-FFF2-40B4-BE49-F238E27FC236}">
-                  <a16:creationId xmlns:a16="http://schemas.microsoft.com/office/drawing/2014/main" xmlns="" id="{02A649BF-B5B5-FBAF-7DFD-E118A4DF8907}"/>
+                  <a16:creationId xmlns="" xmlns:a16="http://schemas.microsoft.com/office/drawing/2014/main" id="{02A649BF-B5B5-FBAF-7DFD-E118A4DF8907}"/>
                 </a:ext>
               </a:extLst>
             </p:cNvPr>
@@ -21600,7 +21695,7 @@
               <p:cNvPr id="12" name="Object 32">
                 <a:extLst>
                   <a:ext uri="{FF2B5EF4-FFF2-40B4-BE49-F238E27FC236}">
-                    <a16:creationId xmlns:a16="http://schemas.microsoft.com/office/drawing/2014/main" xmlns="" id="{2A0FFF23-B3C9-3EA0-1C1B-A87D4FF098AE}"/>
+                    <a16:creationId xmlns="" xmlns:a16="http://schemas.microsoft.com/office/drawing/2014/main" id="{2A0FFF23-B3C9-3EA0-1C1B-A87D4FF098AE}"/>
                   </a:ext>
                 </a:extLst>
               </p:cNvPr>
@@ -21631,7 +21726,7 @@
             <p:cNvPr id="10" name="그룹 1011">
               <a:extLst>
                 <a:ext uri="{FF2B5EF4-FFF2-40B4-BE49-F238E27FC236}">
-                  <a16:creationId xmlns:a16="http://schemas.microsoft.com/office/drawing/2014/main" xmlns="" id="{881F5410-F7FB-F261-A584-707359BAC593}"/>
+                  <a16:creationId xmlns="" xmlns:a16="http://schemas.microsoft.com/office/drawing/2014/main" id="{881F5410-F7FB-F261-A584-707359BAC593}"/>
                 </a:ext>
               </a:extLst>
             </p:cNvPr>
@@ -21651,7 +21746,7 @@
               <p:cNvPr id="11" name="Object 35">
                 <a:extLst>
                   <a:ext uri="{FF2B5EF4-FFF2-40B4-BE49-F238E27FC236}">
-                    <a16:creationId xmlns:a16="http://schemas.microsoft.com/office/drawing/2014/main" xmlns="" id="{4E99E669-73EB-F9F4-EFE8-DC107035C265}"/>
+                    <a16:creationId xmlns="" xmlns:a16="http://schemas.microsoft.com/office/drawing/2014/main" id="{4E99E669-73EB-F9F4-EFE8-DC107035C265}"/>
                   </a:ext>
                 </a:extLst>
               </p:cNvPr>
@@ -21707,7 +21802,7 @@
           <p:cNvPr id="15" name="직사각형 14">
             <a:extLst>
               <a:ext uri="{FF2B5EF4-FFF2-40B4-BE49-F238E27FC236}">
-                <a16:creationId xmlns:a16="http://schemas.microsoft.com/office/drawing/2014/main" xmlns="" id="{FFF506F9-840A-0508-4CAF-3AC711D8D5CE}"/>
+                <a16:creationId xmlns="" xmlns:a16="http://schemas.microsoft.com/office/drawing/2014/main" id="{FFF506F9-840A-0508-4CAF-3AC711D8D5CE}"/>
               </a:ext>
             </a:extLst>
           </p:cNvPr>
@@ -21759,7 +21854,7 @@
           <p:cNvPr id="16" name="직사각형 15">
             <a:extLst>
               <a:ext uri="{FF2B5EF4-FFF2-40B4-BE49-F238E27FC236}">
-                <a16:creationId xmlns:a16="http://schemas.microsoft.com/office/drawing/2014/main" xmlns="" id="{FFF506F9-840A-0508-4CAF-3AC711D8D5CE}"/>
+                <a16:creationId xmlns="" xmlns:a16="http://schemas.microsoft.com/office/drawing/2014/main" id="{FFF506F9-840A-0508-4CAF-3AC711D8D5CE}"/>
               </a:ext>
             </a:extLst>
           </p:cNvPr>
@@ -21811,7 +21906,7 @@
           <p:cNvPr id="18" name="TextBox 17">
             <a:extLst>
               <a:ext uri="{FF2B5EF4-FFF2-40B4-BE49-F238E27FC236}">
-                <a16:creationId xmlns:a16="http://schemas.microsoft.com/office/drawing/2014/main" xmlns="" id="{C6D113C6-EA5C-788F-0C77-E7CE6EBB865F}"/>
+                <a16:creationId xmlns="" xmlns:a16="http://schemas.microsoft.com/office/drawing/2014/main" id="{C6D113C6-EA5C-788F-0C77-E7CE6EBB865F}"/>
               </a:ext>
             </a:extLst>
           </p:cNvPr>
@@ -22028,7 +22123,7 @@
           <p:cNvPr id="5" name="TextBox 4">
             <a:extLst>
               <a:ext uri="{FF2B5EF4-FFF2-40B4-BE49-F238E27FC236}">
-                <a16:creationId xmlns="" xmlns:a16="http://schemas.microsoft.com/office/drawing/2014/main" id="{52176D31-35F7-8916-46FA-6095EFEC1E49}"/>
+                <a16:creationId xmlns:a16="http://schemas.microsoft.com/office/drawing/2014/main" xmlns="" id="{52176D31-35F7-8916-46FA-6095EFEC1E49}"/>
               </a:ext>
             </a:extLst>
           </p:cNvPr>
@@ -22244,21 +22339,21 @@
                 <a:gridCol w="1426029">
                   <a:extLst>
                     <a:ext uri="{9D8B030D-6E8A-4147-A177-3AD203B41FA5}">
-                      <a16:colId xmlns="" xmlns:a16="http://schemas.microsoft.com/office/drawing/2014/main" val="20000"/>
+                      <a16:colId xmlns:a16="http://schemas.microsoft.com/office/drawing/2014/main" xmlns="" val="20000"/>
                     </a:ext>
                   </a:extLst>
                 </a:gridCol>
                 <a:gridCol w="4170388">
                   <a:extLst>
                     <a:ext uri="{9D8B030D-6E8A-4147-A177-3AD203B41FA5}">
-                      <a16:colId xmlns="" xmlns:a16="http://schemas.microsoft.com/office/drawing/2014/main" val="20001"/>
+                      <a16:colId xmlns:a16="http://schemas.microsoft.com/office/drawing/2014/main" xmlns="" val="20001"/>
                     </a:ext>
                   </a:extLst>
                 </a:gridCol>
                 <a:gridCol w="4385782">
                   <a:extLst>
                     <a:ext uri="{9D8B030D-6E8A-4147-A177-3AD203B41FA5}">
-                      <a16:colId xmlns="" xmlns:a16="http://schemas.microsoft.com/office/drawing/2014/main" val="20002"/>
+                      <a16:colId xmlns:a16="http://schemas.microsoft.com/office/drawing/2014/main" xmlns="" val="20002"/>
                     </a:ext>
                   </a:extLst>
                 </a:gridCol>
@@ -22446,7 +22541,7 @@
                 </a:tc>
                 <a:extLst>
                   <a:ext uri="{0D108BD9-81ED-4DB2-BD59-A6C34878D82A}">
-                    <a16:rowId xmlns="" xmlns:a16="http://schemas.microsoft.com/office/drawing/2014/main" val="10000"/>
+                    <a16:rowId xmlns:a16="http://schemas.microsoft.com/office/drawing/2014/main" xmlns="" val="10000"/>
                   </a:ext>
                 </a:extLst>
               </a:tr>
@@ -22659,7 +22754,7 @@
                 </a:tc>
                 <a:extLst>
                   <a:ext uri="{0D108BD9-81ED-4DB2-BD59-A6C34878D82A}">
-                    <a16:rowId xmlns="" xmlns:a16="http://schemas.microsoft.com/office/drawing/2014/main" val="10001"/>
+                    <a16:rowId xmlns:a16="http://schemas.microsoft.com/office/drawing/2014/main" xmlns="" val="10001"/>
                   </a:ext>
                 </a:extLst>
               </a:tr>
@@ -22837,7 +22932,7 @@
                 </a:tc>
                 <a:extLst>
                   <a:ext uri="{0D108BD9-81ED-4DB2-BD59-A6C34878D82A}">
-                    <a16:rowId xmlns="" xmlns:a16="http://schemas.microsoft.com/office/drawing/2014/main" val="10002"/>
+                    <a16:rowId xmlns:a16="http://schemas.microsoft.com/office/drawing/2014/main" xmlns="" val="10002"/>
                   </a:ext>
                 </a:extLst>
               </a:tr>
@@ -23015,7 +23110,7 @@
                 </a:tc>
                 <a:extLst>
                   <a:ext uri="{0D108BD9-81ED-4DB2-BD59-A6C34878D82A}">
-                    <a16:rowId xmlns="" xmlns:a16="http://schemas.microsoft.com/office/drawing/2014/main" val="10003"/>
+                    <a16:rowId xmlns:a16="http://schemas.microsoft.com/office/drawing/2014/main" xmlns="" val="10003"/>
                   </a:ext>
                 </a:extLst>
               </a:tr>
@@ -23254,7 +23349,7 @@
                 </a:tc>
                 <a:extLst>
                   <a:ext uri="{0D108BD9-81ED-4DB2-BD59-A6C34878D82A}">
-                    <a16:rowId xmlns="" xmlns:a16="http://schemas.microsoft.com/office/drawing/2014/main" val="10004"/>
+                    <a16:rowId xmlns:a16="http://schemas.microsoft.com/office/drawing/2014/main" xmlns="" val="10004"/>
                   </a:ext>
                 </a:extLst>
               </a:tr>
@@ -23429,7 +23524,7 @@
                 </a:tc>
                 <a:extLst>
                   <a:ext uri="{0D108BD9-81ED-4DB2-BD59-A6C34878D82A}">
-                    <a16:rowId xmlns="" xmlns:a16="http://schemas.microsoft.com/office/drawing/2014/main" val="10005"/>
+                    <a16:rowId xmlns:a16="http://schemas.microsoft.com/office/drawing/2014/main" xmlns="" val="10005"/>
                   </a:ext>
                 </a:extLst>
               </a:tr>
@@ -23551,7 +23646,7 @@
           <p:cNvPr id="6" name="직사각형 5">
             <a:extLst>
               <a:ext uri="{FF2B5EF4-FFF2-40B4-BE49-F238E27FC236}">
-                <a16:creationId xmlns="" xmlns:a16="http://schemas.microsoft.com/office/drawing/2014/main" id="{FFF506F9-840A-0508-4CAF-3AC711D8D5CE}"/>
+                <a16:creationId xmlns:a16="http://schemas.microsoft.com/office/drawing/2014/main" xmlns="" id="{FFF506F9-840A-0508-4CAF-3AC711D8D5CE}"/>
               </a:ext>
             </a:extLst>
           </p:cNvPr>
@@ -23603,7 +23698,7 @@
           <p:cNvPr id="7" name="직사각형 6">
             <a:extLst>
               <a:ext uri="{FF2B5EF4-FFF2-40B4-BE49-F238E27FC236}">
-                <a16:creationId xmlns="" xmlns:a16="http://schemas.microsoft.com/office/drawing/2014/main" id="{FFF506F9-840A-0508-4CAF-3AC711D8D5CE}"/>
+                <a16:creationId xmlns:a16="http://schemas.microsoft.com/office/drawing/2014/main" xmlns="" id="{FFF506F9-840A-0508-4CAF-3AC711D8D5CE}"/>
               </a:ext>
             </a:extLst>
           </p:cNvPr>
@@ -23679,7 +23774,7 @@
           <p:cNvPr id="9" name="직사각형 8">
             <a:extLst>
               <a:ext uri="{FF2B5EF4-FFF2-40B4-BE49-F238E27FC236}">
-                <a16:creationId xmlns="" xmlns:a16="http://schemas.microsoft.com/office/drawing/2014/main" id="{FFF506F9-840A-0508-4CAF-3AC711D8D5CE}"/>
+                <a16:creationId xmlns:a16="http://schemas.microsoft.com/office/drawing/2014/main" xmlns="" id="{FFF506F9-840A-0508-4CAF-3AC711D8D5CE}"/>
               </a:ext>
             </a:extLst>
           </p:cNvPr>
@@ -23731,7 +23826,7 @@
           <p:cNvPr id="10" name="직선 화살표 연결선 9">
             <a:extLst>
               <a:ext uri="{FF2B5EF4-FFF2-40B4-BE49-F238E27FC236}">
-                <a16:creationId xmlns="" xmlns:a16="http://schemas.microsoft.com/office/drawing/2014/main" id="{174A1CAB-41DB-CBE5-A53E-D1E78982E7D5}"/>
+                <a16:creationId xmlns:a16="http://schemas.microsoft.com/office/drawing/2014/main" xmlns="" id="{174A1CAB-41DB-CBE5-A53E-D1E78982E7D5}"/>
               </a:ext>
             </a:extLst>
           </p:cNvPr>
@@ -23772,7 +23867,7 @@
           <p:cNvPr id="12" name="TextBox 11">
             <a:extLst>
               <a:ext uri="{FF2B5EF4-FFF2-40B4-BE49-F238E27FC236}">
-                <a16:creationId xmlns="" xmlns:a16="http://schemas.microsoft.com/office/drawing/2014/main" id="{C6D113C6-EA5C-788F-0C77-E7CE6EBB865F}"/>
+                <a16:creationId xmlns:a16="http://schemas.microsoft.com/office/drawing/2014/main" xmlns="" id="{C6D113C6-EA5C-788F-0C77-E7CE6EBB865F}"/>
               </a:ext>
             </a:extLst>
           </p:cNvPr>
@@ -23852,7 +23947,7 @@
           <p:cNvPr id="13" name="직사각형 12">
             <a:extLst>
               <a:ext uri="{FF2B5EF4-FFF2-40B4-BE49-F238E27FC236}">
-                <a16:creationId xmlns="" xmlns:a16="http://schemas.microsoft.com/office/drawing/2014/main" id="{FFF506F9-840A-0508-4CAF-3AC711D8D5CE}"/>
+                <a16:creationId xmlns:a16="http://schemas.microsoft.com/office/drawing/2014/main" xmlns="" id="{FFF506F9-840A-0508-4CAF-3AC711D8D5CE}"/>
               </a:ext>
             </a:extLst>
           </p:cNvPr>
@@ -23904,7 +23999,7 @@
           <p:cNvPr id="14" name="직선 화살표 연결선 13">
             <a:extLst>
               <a:ext uri="{FF2B5EF4-FFF2-40B4-BE49-F238E27FC236}">
-                <a16:creationId xmlns="" xmlns:a16="http://schemas.microsoft.com/office/drawing/2014/main" id="{174A1CAB-41DB-CBE5-A53E-D1E78982E7D5}"/>
+                <a16:creationId xmlns:a16="http://schemas.microsoft.com/office/drawing/2014/main" xmlns="" id="{174A1CAB-41DB-CBE5-A53E-D1E78982E7D5}"/>
               </a:ext>
             </a:extLst>
           </p:cNvPr>
@@ -23945,7 +24040,7 @@
           <p:cNvPr id="16" name="TextBox 15">
             <a:extLst>
               <a:ext uri="{FF2B5EF4-FFF2-40B4-BE49-F238E27FC236}">
-                <a16:creationId xmlns="" xmlns:a16="http://schemas.microsoft.com/office/drawing/2014/main" id="{C6D113C6-EA5C-788F-0C77-E7CE6EBB865F}"/>
+                <a16:creationId xmlns:a16="http://schemas.microsoft.com/office/drawing/2014/main" xmlns="" id="{C6D113C6-EA5C-788F-0C77-E7CE6EBB865F}"/>
               </a:ext>
             </a:extLst>
           </p:cNvPr>
@@ -24388,7 +24483,7 @@
           <p:cNvPr id="7" name="TextBox 6">
             <a:extLst>
               <a:ext uri="{FF2B5EF4-FFF2-40B4-BE49-F238E27FC236}">
-                <a16:creationId xmlns="" xmlns:a16="http://schemas.microsoft.com/office/drawing/2014/main" id="{5ADC00B6-990A-40DC-3CEA-505258F5E8DA}"/>
+                <a16:creationId xmlns:a16="http://schemas.microsoft.com/office/drawing/2014/main" xmlns="" id="{5ADC00B6-990A-40DC-3CEA-505258F5E8DA}"/>
               </a:ext>
             </a:extLst>
           </p:cNvPr>
@@ -24742,7 +24837,7 @@
           <p:cNvPr id="2" name="직사각형 1">
             <a:extLst>
               <a:ext uri="{FF2B5EF4-FFF2-40B4-BE49-F238E27FC236}">
-                <a16:creationId xmlns="" xmlns:a16="http://schemas.microsoft.com/office/drawing/2014/main" id="{AC86ECFC-6A63-060A-C3A3-DA72F47173BD}"/>
+                <a16:creationId xmlns:a16="http://schemas.microsoft.com/office/drawing/2014/main" xmlns="" id="{AC86ECFC-6A63-060A-C3A3-DA72F47173BD}"/>
               </a:ext>
             </a:extLst>
           </p:cNvPr>
@@ -24983,15 +25078,20 @@
         </p:nvSpPr>
         <p:spPr>
           <a:xfrm>
-            <a:off x="0" y="114300"/>
+            <a:off x="152400" y="71499"/>
             <a:ext cx="18288000" cy="10172700"/>
           </a:xfrm>
           <a:prstGeom prst="rect">
             <a:avLst/>
           </a:prstGeom>
           <a:solidFill>
-            <a:schemeClr val="bg1"/>
+            <a:schemeClr val="bg2"/>
           </a:solidFill>
+          <a:ln>
+            <a:solidFill>
+              <a:schemeClr val="bg2"/>
+            </a:solidFill>
+          </a:ln>
         </p:spPr>
         <p:style>
           <a:lnRef idx="2">
@@ -25388,7 +25488,7 @@
           <p:cNvPr id="4" name="TextBox 3">
             <a:extLst>
               <a:ext uri="{FF2B5EF4-FFF2-40B4-BE49-F238E27FC236}">
-                <a16:creationId xmlns="" xmlns:a16="http://schemas.microsoft.com/office/drawing/2014/main" id="{52176D31-35F7-8916-46FA-6095EFEC1E49}"/>
+                <a16:creationId xmlns:a16="http://schemas.microsoft.com/office/drawing/2014/main" xmlns="" id="{52176D31-35F7-8916-46FA-6095EFEC1E49}"/>
               </a:ext>
             </a:extLst>
           </p:cNvPr>
@@ -25398,7 +25498,7 @@
         <p:spPr>
           <a:xfrm>
             <a:off x="457200" y="238185"/>
-            <a:ext cx="16078200" cy="5509200"/>
+            <a:ext cx="16078200" cy="5016758"/>
           </a:xfrm>
           <a:prstGeom prst="rect">
             <a:avLst/>
@@ -25461,7 +25561,7 @@
           </a:p>
           <a:p>
             <a:r>
-              <a:rPr lang="en-US" altLang="ko-KR" sz="3200" dirty="0" err="1" smtClean="0">
+              <a:rPr lang="en-US" altLang="ko-KR" sz="3200" err="1" smtClean="0">
                 <a:solidFill>
                   <a:schemeClr val="tx1">
                     <a:lumMod val="50000"/>
@@ -25474,7 +25574,7 @@
               <a:t>serverConnection</a:t>
             </a:r>
             <a:r>
-              <a:rPr lang="en-US" altLang="ko-KR" sz="3200" dirty="0" smtClean="0">
+              <a:rPr lang="en-US" altLang="ko-KR" sz="3200" smtClean="0">
                 <a:solidFill>
                   <a:schemeClr val="tx1">
                     <a:lumMod val="50000"/>
@@ -25487,7 +25587,7 @@
               <a:t> </a:t>
             </a:r>
             <a:r>
-              <a:rPr lang="ko-KR" altLang="en-US" sz="3200" dirty="0">
+              <a:rPr lang="ko-KR" altLang="en-US" sz="3200" smtClean="0">
                 <a:solidFill>
                   <a:schemeClr val="tx1">
                     <a:lumMod val="50000"/>
@@ -25497,10 +25597,10 @@
                 <a:latin typeface="G마켓 산스 Medium" panose="02000000000000000000" pitchFamily="50" charset="-127"/>
                 <a:ea typeface="G마켓 산스 Medium" panose="02000000000000000000" pitchFamily="50" charset="-127"/>
               </a:rPr>
-              <a:t>객체를 만들자</a:t>
-            </a:r>
-            <a:r>
-              <a:rPr lang="en-US" altLang="ko-KR" sz="3200" dirty="0">
+              <a:t>클래스</a:t>
+            </a:r>
+            <a:r>
+              <a:rPr lang="ko-KR" altLang="en-US" sz="3200" smtClean="0">
                 <a:solidFill>
                   <a:schemeClr val="tx1">
                     <a:lumMod val="50000"/>
@@ -25510,7 +25610,7 @@
                 <a:latin typeface="G마켓 산스 Medium" panose="02000000000000000000" pitchFamily="50" charset="-127"/>
                 <a:ea typeface="G마켓 산스 Medium" panose="02000000000000000000" pitchFamily="50" charset="-127"/>
               </a:rPr>
-              <a:t>. </a:t>
+              <a:t>를 </a:t>
             </a:r>
             <a:r>
               <a:rPr lang="ko-KR" altLang="en-US" sz="3200" dirty="0">
@@ -25523,7 +25623,7 @@
                 <a:latin typeface="G마켓 산스 Medium" panose="02000000000000000000" pitchFamily="50" charset="-127"/>
                 <a:ea typeface="G마켓 산스 Medium" panose="02000000000000000000" pitchFamily="50" charset="-127"/>
               </a:rPr>
-              <a:t>해당 객체는 프로그램이 서버와 통신하기 위한 클래스 이다</a:t>
+              <a:t>만들자</a:t>
             </a:r>
             <a:r>
               <a:rPr lang="en-US" altLang="ko-KR" sz="3200" dirty="0">
@@ -25537,6 +25637,110 @@
                 <a:ea typeface="G마켓 산스 Medium" panose="02000000000000000000" pitchFamily="50" charset="-127"/>
               </a:rPr>
               <a:t>. </a:t>
+            </a:r>
+            <a:r>
+              <a:rPr lang="ko-KR" altLang="en-US" sz="3200">
+                <a:solidFill>
+                  <a:schemeClr val="tx1">
+                    <a:lumMod val="50000"/>
+                    <a:lumOff val="50000"/>
+                  </a:schemeClr>
+                </a:solidFill>
+                <a:latin typeface="G마켓 산스 Medium" panose="02000000000000000000" pitchFamily="50" charset="-127"/>
+                <a:ea typeface="G마켓 산스 Medium" panose="02000000000000000000" pitchFamily="50" charset="-127"/>
+              </a:rPr>
+              <a:t>해당 </a:t>
+            </a:r>
+            <a:r>
+              <a:rPr lang="ko-KR" altLang="en-US" sz="3200" smtClean="0">
+                <a:solidFill>
+                  <a:schemeClr val="tx1">
+                    <a:lumMod val="50000"/>
+                    <a:lumOff val="50000"/>
+                  </a:schemeClr>
+                </a:solidFill>
+                <a:latin typeface="G마켓 산스 Medium" panose="02000000000000000000" pitchFamily="50" charset="-127"/>
+                <a:ea typeface="G마켓 산스 Medium" panose="02000000000000000000" pitchFamily="50" charset="-127"/>
+              </a:rPr>
+              <a:t>클래스</a:t>
+            </a:r>
+            <a:r>
+              <a:rPr lang="ko-KR" altLang="en-US" sz="3200" smtClean="0">
+                <a:solidFill>
+                  <a:schemeClr val="tx1">
+                    <a:lumMod val="50000"/>
+                    <a:lumOff val="50000"/>
+                  </a:schemeClr>
+                </a:solidFill>
+                <a:latin typeface="G마켓 산스 Medium" panose="02000000000000000000" pitchFamily="50" charset="-127"/>
+                <a:ea typeface="G마켓 산스 Medium" panose="02000000000000000000" pitchFamily="50" charset="-127"/>
+              </a:rPr>
+              <a:t>는 </a:t>
+            </a:r>
+            <a:r>
+              <a:rPr lang="ko-KR" altLang="en-US" sz="3200" dirty="0">
+                <a:solidFill>
+                  <a:schemeClr val="tx1">
+                    <a:lumMod val="50000"/>
+                    <a:lumOff val="50000"/>
+                  </a:schemeClr>
+                </a:solidFill>
+                <a:latin typeface="G마켓 산스 Medium" panose="02000000000000000000" pitchFamily="50" charset="-127"/>
+                <a:ea typeface="G마켓 산스 Medium" panose="02000000000000000000" pitchFamily="50" charset="-127"/>
+              </a:rPr>
+              <a:t>프로그램이 서버와 통신하기 </a:t>
+            </a:r>
+            <a:r>
+              <a:rPr lang="ko-KR" altLang="en-US" sz="3200">
+                <a:solidFill>
+                  <a:schemeClr val="tx1">
+                    <a:lumMod val="50000"/>
+                    <a:lumOff val="50000"/>
+                  </a:schemeClr>
+                </a:solidFill>
+                <a:latin typeface="G마켓 산스 Medium" panose="02000000000000000000" pitchFamily="50" charset="-127"/>
+                <a:ea typeface="G마켓 산스 Medium" panose="02000000000000000000" pitchFamily="50" charset="-127"/>
+              </a:rPr>
+              <a:t>위한 </a:t>
+            </a:r>
+            <a:r>
+              <a:rPr lang="ko-KR" altLang="en-US" sz="3200" smtClean="0">
+                <a:solidFill>
+                  <a:schemeClr val="tx1">
+                    <a:lumMod val="50000"/>
+                    <a:lumOff val="50000"/>
+                  </a:schemeClr>
+                </a:solidFill>
+                <a:latin typeface="G마켓 산스 Medium" panose="02000000000000000000" pitchFamily="50" charset="-127"/>
+                <a:ea typeface="G마켓 산스 Medium" panose="02000000000000000000" pitchFamily="50" charset="-127"/>
+              </a:rPr>
+              <a:t>기능을 만들것이다</a:t>
+            </a:r>
+            <a:r>
+              <a:rPr lang="en-US" altLang="ko-KR" sz="3200" smtClean="0">
+                <a:solidFill>
+                  <a:schemeClr val="tx1">
+                    <a:lumMod val="50000"/>
+                    <a:lumOff val="50000"/>
+                  </a:schemeClr>
+                </a:solidFill>
+                <a:latin typeface="G마켓 산스 Medium" panose="02000000000000000000" pitchFamily="50" charset="-127"/>
+                <a:ea typeface="G마켓 산스 Medium" panose="02000000000000000000" pitchFamily="50" charset="-127"/>
+              </a:rPr>
+              <a:t>.</a:t>
+            </a:r>
+            <a:r>
+              <a:rPr lang="en-US" altLang="ko-KR" sz="3200" smtClean="0">
+                <a:solidFill>
+                  <a:schemeClr val="tx1">
+                    <a:lumMod val="50000"/>
+                    <a:lumOff val="50000"/>
+                  </a:schemeClr>
+                </a:solidFill>
+                <a:latin typeface="G마켓 산스 Medium" panose="02000000000000000000" pitchFamily="50" charset="-127"/>
+                <a:ea typeface="G마켓 산스 Medium" panose="02000000000000000000" pitchFamily="50" charset="-127"/>
+              </a:rPr>
+              <a:t> </a:t>
             </a:r>
             <a:endParaRPr lang="en-US" altLang="ko-KR" sz="3200" dirty="0" smtClean="0">
               <a:solidFill>
@@ -25574,10 +25778,10 @@
                 <a:latin typeface="G마켓 산스 Medium" panose="02000000000000000000" pitchFamily="50" charset="-127"/>
                 <a:ea typeface="G마켓 산스 Medium" panose="02000000000000000000" pitchFamily="50" charset="-127"/>
               </a:rPr>
-              <a:t>이런 클래스는 프로그램당 한 개의 객체만을 </a:t>
-            </a:r>
-            <a:r>
-              <a:rPr lang="ko-KR" altLang="en-US" sz="3200" dirty="0" smtClean="0">
+              <a:t>이런 </a:t>
+            </a:r>
+            <a:r>
+              <a:rPr lang="ko-KR" altLang="en-US" sz="3200">
                 <a:solidFill>
                   <a:schemeClr val="tx1">
                     <a:lumMod val="50000"/>
@@ -25587,10 +25791,10 @@
                 <a:latin typeface="G마켓 산스 Medium" panose="02000000000000000000" pitchFamily="50" charset="-127"/>
                 <a:ea typeface="G마켓 산스 Medium" panose="02000000000000000000" pitchFamily="50" charset="-127"/>
               </a:rPr>
-              <a:t>이용하여 서버의 자원을 절약한다</a:t>
-            </a:r>
-            <a:r>
-              <a:rPr lang="en-US" altLang="ko-KR" sz="3200" dirty="0" smtClean="0">
+              <a:t>클래스는 </a:t>
+            </a:r>
+            <a:r>
+              <a:rPr lang="ko-KR" altLang="en-US" sz="3200" smtClean="0">
                 <a:solidFill>
                   <a:schemeClr val="tx1">
                     <a:lumMod val="50000"/>
@@ -25600,22 +25804,88 @@
                 <a:latin typeface="G마켓 산스 Medium" panose="02000000000000000000" pitchFamily="50" charset="-127"/>
                 <a:ea typeface="G마켓 산스 Medium" panose="02000000000000000000" pitchFamily="50" charset="-127"/>
               </a:rPr>
+              <a:t>여러 개의 객체가 생성되지 못하게 막아 한 개의 객체를 돌려쓰며 </a:t>
+            </a:r>
+            <a:r>
+              <a:rPr lang="ko-KR" altLang="en-US" sz="3200" smtClean="0">
+                <a:solidFill>
+                  <a:schemeClr val="tx1">
+                    <a:lumMod val="50000"/>
+                    <a:lumOff val="50000"/>
+                  </a:schemeClr>
+                </a:solidFill>
+                <a:latin typeface="G마켓 산스 Medium" panose="02000000000000000000" pitchFamily="50" charset="-127"/>
+                <a:ea typeface="G마켓 산스 Medium" panose="02000000000000000000" pitchFamily="50" charset="-127"/>
+              </a:rPr>
+              <a:t> 서버의 </a:t>
+            </a:r>
+            <a:r>
+              <a:rPr lang="ko-KR" altLang="en-US" sz="3200" dirty="0" smtClean="0">
+                <a:solidFill>
+                  <a:schemeClr val="tx1">
+                    <a:lumMod val="50000"/>
+                    <a:lumOff val="50000"/>
+                  </a:schemeClr>
+                </a:solidFill>
+                <a:latin typeface="G마켓 산스 Medium" panose="02000000000000000000" pitchFamily="50" charset="-127"/>
+                <a:ea typeface="G마켓 산스 Medium" panose="02000000000000000000" pitchFamily="50" charset="-127"/>
+              </a:rPr>
+              <a:t>자원을 </a:t>
+            </a:r>
+            <a:r>
+              <a:rPr lang="ko-KR" altLang="en-US" sz="3200" smtClean="0">
+                <a:solidFill>
+                  <a:schemeClr val="tx1">
+                    <a:lumMod val="50000"/>
+                    <a:lumOff val="50000"/>
+                  </a:schemeClr>
+                </a:solidFill>
+                <a:latin typeface="G마켓 산스 Medium" panose="02000000000000000000" pitchFamily="50" charset="-127"/>
+                <a:ea typeface="G마켓 산스 Medium" panose="02000000000000000000" pitchFamily="50" charset="-127"/>
+              </a:rPr>
+              <a:t>절약한다</a:t>
+            </a:r>
+            <a:r>
+              <a:rPr lang="en-US" altLang="ko-KR" sz="3200" smtClean="0">
+                <a:solidFill>
+                  <a:schemeClr val="tx1">
+                    <a:lumMod val="50000"/>
+                    <a:lumOff val="50000"/>
+                  </a:schemeClr>
+                </a:solidFill>
+                <a:latin typeface="G마켓 산스 Medium" panose="02000000000000000000" pitchFamily="50" charset="-127"/>
+                <a:ea typeface="G마켓 산스 Medium" panose="02000000000000000000" pitchFamily="50" charset="-127"/>
+              </a:rPr>
               <a:t>.</a:t>
             </a:r>
-            <a:endParaRPr lang="en-US" altLang="ko-KR" sz="3200" dirty="0">
-              <a:solidFill>
-                <a:schemeClr val="tx1">
-                  <a:lumMod val="50000"/>
-                  <a:lumOff val="50000"/>
-                </a:schemeClr>
-              </a:solidFill>
-              <a:latin typeface="G마켓 산스 Medium" panose="02000000000000000000" pitchFamily="50" charset="-127"/>
-              <a:ea typeface="G마켓 산스 Medium" panose="02000000000000000000" pitchFamily="50" charset="-127"/>
-            </a:endParaRPr>
-          </a:p>
-          <a:p>
-            <a:r>
-              <a:rPr lang="ko-KR" altLang="en-US" sz="3200" dirty="0" smtClean="0">
+            <a:r>
+              <a:rPr lang="en-US" altLang="ko-KR" sz="3200">
+                <a:solidFill>
+                  <a:schemeClr val="tx1">
+                    <a:lumMod val="50000"/>
+                    <a:lumOff val="50000"/>
+                  </a:schemeClr>
+                </a:solidFill>
+                <a:latin typeface="G마켓 산스 Medium" panose="02000000000000000000" pitchFamily="50" charset="-127"/>
+                <a:ea typeface="G마켓 산스 Medium" panose="02000000000000000000" pitchFamily="50" charset="-127"/>
+              </a:rPr>
+              <a:t> </a:t>
+            </a:r>
+            <a:r>
+              <a:rPr lang="en-US" altLang="ko-KR" sz="3200" smtClean="0">
+                <a:solidFill>
+                  <a:schemeClr val="tx1">
+                    <a:lumMod val="50000"/>
+                    <a:lumOff val="50000"/>
+                  </a:schemeClr>
+                </a:solidFill>
+                <a:latin typeface="G마켓 산스 Medium" panose="02000000000000000000" pitchFamily="50" charset="-127"/>
+                <a:ea typeface="G마켓 산스 Medium" panose="02000000000000000000" pitchFamily="50" charset="-127"/>
+              </a:rPr>
+              <a:t> </a:t>
+            </a:r>
+            <a:r>
+              <a:rPr lang="ko-KR" altLang="en-US" sz="3200" smtClean="0">
                 <a:solidFill>
                   <a:schemeClr val="tx1">
                     <a:lumMod val="50000"/>
@@ -26246,7 +26516,7 @@
           <p:cNvPr id="6" name="직선 화살표 연결선 5">
             <a:extLst>
               <a:ext uri="{FF2B5EF4-FFF2-40B4-BE49-F238E27FC236}">
-                <a16:creationId xmlns="" xmlns:a16="http://schemas.microsoft.com/office/drawing/2014/main" id="{299DF5EC-9DF4-5255-06AC-0A7CE4FF58C3}"/>
+                <a16:creationId xmlns:a16="http://schemas.microsoft.com/office/drawing/2014/main" xmlns="" id="{299DF5EC-9DF4-5255-06AC-0A7CE4FF58C3}"/>
               </a:ext>
             </a:extLst>
           </p:cNvPr>
@@ -26287,7 +26557,7 @@
           <p:cNvPr id="7" name="TextBox 6">
             <a:extLst>
               <a:ext uri="{FF2B5EF4-FFF2-40B4-BE49-F238E27FC236}">
-                <a16:creationId xmlns="" xmlns:a16="http://schemas.microsoft.com/office/drawing/2014/main" id="{C6D113C6-EA5C-788F-0C77-E7CE6EBB865F}"/>
+                <a16:creationId xmlns:a16="http://schemas.microsoft.com/office/drawing/2014/main" xmlns="" id="{C6D113C6-EA5C-788F-0C77-E7CE6EBB865F}"/>
               </a:ext>
             </a:extLst>
           </p:cNvPr>
@@ -26571,7 +26841,7 @@
           <p:cNvPr id="4" name="TextBox 3">
             <a:extLst>
               <a:ext uri="{FF2B5EF4-FFF2-40B4-BE49-F238E27FC236}">
-                <a16:creationId xmlns="" xmlns:a16="http://schemas.microsoft.com/office/drawing/2014/main" id="{36328840-DB86-84D8-068F-C2C8D7FA2285}"/>
+                <a16:creationId xmlns:a16="http://schemas.microsoft.com/office/drawing/2014/main" xmlns="" id="{36328840-DB86-84D8-068F-C2C8D7FA2285}"/>
               </a:ext>
             </a:extLst>
           </p:cNvPr>
@@ -26632,7 +26902,7 @@
           <p:cNvPr id="5" name="직사각형 4">
             <a:extLst>
               <a:ext uri="{FF2B5EF4-FFF2-40B4-BE49-F238E27FC236}">
-                <a16:creationId xmlns="" xmlns:a16="http://schemas.microsoft.com/office/drawing/2014/main" id="{E5F0477F-4CF6-1AF2-AFA4-5EAA5706D76E}"/>
+                <a16:creationId xmlns:a16="http://schemas.microsoft.com/office/drawing/2014/main" xmlns="" id="{E5F0477F-4CF6-1AF2-AFA4-5EAA5706D76E}"/>
               </a:ext>
             </a:extLst>
           </p:cNvPr>
@@ -26763,7 +27033,7 @@
           <p:cNvPr id="6" name="직사각형 5">
             <a:extLst>
               <a:ext uri="{FF2B5EF4-FFF2-40B4-BE49-F238E27FC236}">
-                <a16:creationId xmlns="" xmlns:a16="http://schemas.microsoft.com/office/drawing/2014/main" id="{5B5C1BCF-9BFF-9359-D461-3CCB09841A95}"/>
+                <a16:creationId xmlns:a16="http://schemas.microsoft.com/office/drawing/2014/main" xmlns="" id="{5B5C1BCF-9BFF-9359-D461-3CCB09841A95}"/>
               </a:ext>
             </a:extLst>
           </p:cNvPr>
@@ -27355,7 +27625,7 @@
           <p:cNvPr id="2" name="TextBox 1">
             <a:extLst>
               <a:ext uri="{FF2B5EF4-FFF2-40B4-BE49-F238E27FC236}">
-                <a16:creationId xmlns="" xmlns:a16="http://schemas.microsoft.com/office/drawing/2014/main" id="{715D88A2-BD52-978B-A00A-540446126E3D}"/>
+                <a16:creationId xmlns:a16="http://schemas.microsoft.com/office/drawing/2014/main" xmlns="" id="{715D88A2-BD52-978B-A00A-540446126E3D}"/>
               </a:ext>
             </a:extLst>
           </p:cNvPr>
@@ -27435,7 +27705,7 @@
           <p:cNvPr id="4" name="TextBox 3">
             <a:extLst>
               <a:ext uri="{FF2B5EF4-FFF2-40B4-BE49-F238E27FC236}">
-                <a16:creationId xmlns="" xmlns:a16="http://schemas.microsoft.com/office/drawing/2014/main" id="{DF7DDD33-9412-2802-339A-E55446AC2DA7}"/>
+                <a16:creationId xmlns:a16="http://schemas.microsoft.com/office/drawing/2014/main" xmlns="" id="{DF7DDD33-9412-2802-339A-E55446AC2DA7}"/>
               </a:ext>
             </a:extLst>
           </p:cNvPr>
@@ -27564,7 +27834,7 @@
           <p:cNvPr id="10" name="직사각형 9">
             <a:extLst>
               <a:ext uri="{FF2B5EF4-FFF2-40B4-BE49-F238E27FC236}">
-                <a16:creationId xmlns="" xmlns:a16="http://schemas.microsoft.com/office/drawing/2014/main" id="{FFF506F9-840A-0508-4CAF-3AC711D8D5CE}"/>
+                <a16:creationId xmlns:a16="http://schemas.microsoft.com/office/drawing/2014/main" xmlns="" id="{FFF506F9-840A-0508-4CAF-3AC711D8D5CE}"/>
               </a:ext>
             </a:extLst>
           </p:cNvPr>
@@ -27616,7 +27886,7 @@
           <p:cNvPr id="11" name="직사각형 10">
             <a:extLst>
               <a:ext uri="{FF2B5EF4-FFF2-40B4-BE49-F238E27FC236}">
-                <a16:creationId xmlns="" xmlns:a16="http://schemas.microsoft.com/office/drawing/2014/main" id="{FFF506F9-840A-0508-4CAF-3AC711D8D5CE}"/>
+                <a16:creationId xmlns:a16="http://schemas.microsoft.com/office/drawing/2014/main" xmlns="" id="{FFF506F9-840A-0508-4CAF-3AC711D8D5CE}"/>
               </a:ext>
             </a:extLst>
           </p:cNvPr>
@@ -27668,7 +27938,7 @@
           <p:cNvPr id="13" name="TextBox 12">
             <a:extLst>
               <a:ext uri="{FF2B5EF4-FFF2-40B4-BE49-F238E27FC236}">
-                <a16:creationId xmlns="" xmlns:a16="http://schemas.microsoft.com/office/drawing/2014/main" id="{C6D113C6-EA5C-788F-0C77-E7CE6EBB865F}"/>
+                <a16:creationId xmlns:a16="http://schemas.microsoft.com/office/drawing/2014/main" xmlns="" id="{C6D113C6-EA5C-788F-0C77-E7CE6EBB865F}"/>
               </a:ext>
             </a:extLst>
           </p:cNvPr>
@@ -27787,7 +28057,7 @@
           <p:cNvPr id="5" name="직사각형 4">
             <a:extLst>
               <a:ext uri="{FF2B5EF4-FFF2-40B4-BE49-F238E27FC236}">
-                <a16:creationId xmlns="" xmlns:a16="http://schemas.microsoft.com/office/drawing/2014/main" id="{FFF506F9-840A-0508-4CAF-3AC711D8D5CE}"/>
+                <a16:creationId xmlns:a16="http://schemas.microsoft.com/office/drawing/2014/main" xmlns="" id="{FFF506F9-840A-0508-4CAF-3AC711D8D5CE}"/>
               </a:ext>
             </a:extLst>
           </p:cNvPr>
@@ -27839,7 +28109,7 @@
           <p:cNvPr id="6" name="직사각형 5">
             <a:extLst>
               <a:ext uri="{FF2B5EF4-FFF2-40B4-BE49-F238E27FC236}">
-                <a16:creationId xmlns="" xmlns:a16="http://schemas.microsoft.com/office/drawing/2014/main" id="{FFF506F9-840A-0508-4CAF-3AC711D8D5CE}"/>
+                <a16:creationId xmlns:a16="http://schemas.microsoft.com/office/drawing/2014/main" xmlns="" id="{FFF506F9-840A-0508-4CAF-3AC711D8D5CE}"/>
               </a:ext>
             </a:extLst>
           </p:cNvPr>
@@ -27891,7 +28161,7 @@
           <p:cNvPr id="7" name="TextBox 6">
             <a:extLst>
               <a:ext uri="{FF2B5EF4-FFF2-40B4-BE49-F238E27FC236}">
-                <a16:creationId xmlns="" xmlns:a16="http://schemas.microsoft.com/office/drawing/2014/main" id="{C6D113C6-EA5C-788F-0C77-E7CE6EBB865F}"/>
+                <a16:creationId xmlns:a16="http://schemas.microsoft.com/office/drawing/2014/main" xmlns="" id="{C6D113C6-EA5C-788F-0C77-E7CE6EBB865F}"/>
               </a:ext>
             </a:extLst>
           </p:cNvPr>
@@ -28053,7 +28323,7 @@
         <a:sysClr val="windowText" lastClr="000000"/>
       </a:dk1>
       <a:lt1>
-        <a:sysClr val="window" lastClr="FFFFFF"/>
+        <a:sysClr val="window" lastClr="2F2F2F"/>
       </a:lt1>
       <a:dk2>
         <a:srgbClr val="1F497D"/>
@@ -28363,7 +28633,7 @@
         <a:sysClr val="windowText" lastClr="000000"/>
       </a:dk1>
       <a:lt1>
-        <a:sysClr val="window" lastClr="FFFFFF"/>
+        <a:sysClr val="window" lastClr="2F2F2F"/>
       </a:lt1>
       <a:dk2>
         <a:srgbClr val="44546A"/>
